--- a/受控文档/PPT/软件需求工程审核PPT.pptx
+++ b/受控文档/PPT/软件需求工程审核PPT.pptx
@@ -5,7 +5,7 @@
     <p:sldMasterId id="2147483648" r:id="rId1"/>
   </p:sldMasterIdLst>
   <p:notesMasterIdLst>
-    <p:notesMasterId r:id="rId46"/>
+    <p:notesMasterId r:id="rId50"/>
   </p:notesMasterIdLst>
   <p:sldIdLst>
     <p:sldId id="257" r:id="rId2"/>
@@ -51,12 +51,16 @@
     <p:sldId id="4820" r:id="rId42"/>
     <p:sldId id="4813" r:id="rId43"/>
     <p:sldId id="4814" r:id="rId44"/>
-    <p:sldId id="4788" r:id="rId45"/>
+    <p:sldId id="4834" r:id="rId45"/>
+    <p:sldId id="4828" r:id="rId46"/>
+    <p:sldId id="4833" r:id="rId47"/>
+    <p:sldId id="4832" r:id="rId48"/>
+    <p:sldId id="4788" r:id="rId49"/>
   </p:sldIdLst>
   <p:sldSz cx="12192000" cy="6858000"/>
   <p:notesSz cx="6858000" cy="9144000"/>
   <p:custDataLst>
-    <p:tags r:id="rId47"/>
+    <p:tags r:id="rId51"/>
   </p:custDataLst>
   <p:defaultTextStyle>
     <a:defPPr>
@@ -243,7 +247,7 @@
           <a:p>
             <a:fld id="{CA1A365C-CE94-4BF7-BA16-E8D854C976A9}" type="datetimeFigureOut">
               <a:rPr lang="zh-CN" altLang="en-US" smtClean="0"/>
-              <a:t>2018/11/12</a:t>
+              <a:t>2018/11/14</a:t>
             </a:fld>
             <a:endParaRPr lang="zh-CN" altLang="en-US"/>
           </a:p>
@@ -2066,7 +2070,7 @@
           <a:bodyPr/>
           <a:lstStyle/>
           <a:p>
-            <a:endParaRPr lang="zh-CN" altLang="en-US"/>
+            <a:endParaRPr lang="zh-CN" altLang="en-US" dirty="0"/>
           </a:p>
         </p:txBody>
       </p:sp>
@@ -3768,6 +3772,342 @@
             <a:fld id="{C363DEB1-0974-4920-9C6B-89CE2B9DD7BC}" type="slidenum">
               <a:rPr lang="zh-CN" altLang="en-US" smtClean="0"/>
               <a:t>44</a:t>
+            </a:fld>
+            <a:endParaRPr lang="zh-CN" altLang="en-US"/>
+          </a:p>
+        </p:txBody>
+      </p:sp>
+    </p:spTree>
+    <p:extLst>
+      <p:ext uri="{BB962C8B-B14F-4D97-AF65-F5344CB8AC3E}">
+        <p14:creationId xmlns:p14="http://schemas.microsoft.com/office/powerpoint/2010/main" val="833275414"/>
+      </p:ext>
+    </p:extLst>
+  </p:cSld>
+  <p:clrMapOvr>
+    <a:masterClrMapping/>
+  </p:clrMapOvr>
+</p:notes>
+</file>
+
+<file path=ppt/notesSlides/notesSlide45.xml><?xml version="1.0" encoding="utf-8"?>
+<p:notes xmlns:a="http://schemas.openxmlformats.org/drawingml/2006/main" xmlns:r="http://schemas.openxmlformats.org/officeDocument/2006/relationships" xmlns:p="http://schemas.openxmlformats.org/presentationml/2006/main">
+  <p:cSld>
+    <p:spTree>
+      <p:nvGrpSpPr>
+        <p:cNvPr id="1" name=""/>
+        <p:cNvGrpSpPr/>
+        <p:nvPr/>
+      </p:nvGrpSpPr>
+      <p:grpSpPr>
+        <a:xfrm>
+          <a:off x="0" y="0"/>
+          <a:ext cx="0" cy="0"/>
+          <a:chOff x="0" y="0"/>
+          <a:chExt cx="0" cy="0"/>
+        </a:xfrm>
+      </p:grpSpPr>
+      <p:sp>
+        <p:nvSpPr>
+          <p:cNvPr id="2" name="幻灯片图像占位符 1"/>
+          <p:cNvSpPr>
+            <a:spLocks noGrp="1" noRot="1" noChangeAspect="1"/>
+          </p:cNvSpPr>
+          <p:nvPr>
+            <p:ph type="sldImg"/>
+          </p:nvPr>
+        </p:nvSpPr>
+        <p:spPr/>
+      </p:sp>
+      <p:sp>
+        <p:nvSpPr>
+          <p:cNvPr id="3" name="备注占位符 2"/>
+          <p:cNvSpPr>
+            <a:spLocks noGrp="1"/>
+          </p:cNvSpPr>
+          <p:nvPr>
+            <p:ph type="body" idx="1"/>
+          </p:nvPr>
+        </p:nvSpPr>
+        <p:spPr/>
+        <p:txBody>
+          <a:bodyPr/>
+          <a:lstStyle/>
+          <a:p>
+            <a:endParaRPr lang="zh-CN" altLang="en-US"/>
+          </a:p>
+        </p:txBody>
+      </p:sp>
+      <p:sp>
+        <p:nvSpPr>
+          <p:cNvPr id="4" name="灯片编号占位符 3"/>
+          <p:cNvSpPr>
+            <a:spLocks noGrp="1"/>
+          </p:cNvSpPr>
+          <p:nvPr>
+            <p:ph type="sldNum" sz="quarter" idx="10"/>
+          </p:nvPr>
+        </p:nvSpPr>
+        <p:spPr/>
+        <p:txBody>
+          <a:bodyPr/>
+          <a:lstStyle/>
+          <a:p>
+            <a:fld id="{C363DEB1-0974-4920-9C6B-89CE2B9DD7BC}" type="slidenum">
+              <a:rPr lang="zh-CN" altLang="en-US" smtClean="0"/>
+              <a:t>45</a:t>
+            </a:fld>
+            <a:endParaRPr lang="zh-CN" altLang="en-US"/>
+          </a:p>
+        </p:txBody>
+      </p:sp>
+    </p:spTree>
+    <p:extLst>
+      <p:ext uri="{BB962C8B-B14F-4D97-AF65-F5344CB8AC3E}">
+        <p14:creationId xmlns:p14="http://schemas.microsoft.com/office/powerpoint/2010/main" val="3241453614"/>
+      </p:ext>
+    </p:extLst>
+  </p:cSld>
+  <p:clrMapOvr>
+    <a:masterClrMapping/>
+  </p:clrMapOvr>
+</p:notes>
+</file>
+
+<file path=ppt/notesSlides/notesSlide46.xml><?xml version="1.0" encoding="utf-8"?>
+<p:notes xmlns:a="http://schemas.openxmlformats.org/drawingml/2006/main" xmlns:r="http://schemas.openxmlformats.org/officeDocument/2006/relationships" xmlns:p="http://schemas.openxmlformats.org/presentationml/2006/main">
+  <p:cSld>
+    <p:spTree>
+      <p:nvGrpSpPr>
+        <p:cNvPr id="1" name=""/>
+        <p:cNvGrpSpPr/>
+        <p:nvPr/>
+      </p:nvGrpSpPr>
+      <p:grpSpPr>
+        <a:xfrm>
+          <a:off x="0" y="0"/>
+          <a:ext cx="0" cy="0"/>
+          <a:chOff x="0" y="0"/>
+          <a:chExt cx="0" cy="0"/>
+        </a:xfrm>
+      </p:grpSpPr>
+      <p:sp>
+        <p:nvSpPr>
+          <p:cNvPr id="2" name="幻灯片图像占位符 1"/>
+          <p:cNvSpPr>
+            <a:spLocks noGrp="1" noRot="1" noChangeAspect="1"/>
+          </p:cNvSpPr>
+          <p:nvPr>
+            <p:ph type="sldImg"/>
+          </p:nvPr>
+        </p:nvSpPr>
+        <p:spPr/>
+      </p:sp>
+      <p:sp>
+        <p:nvSpPr>
+          <p:cNvPr id="3" name="备注占位符 2"/>
+          <p:cNvSpPr>
+            <a:spLocks noGrp="1"/>
+          </p:cNvSpPr>
+          <p:nvPr>
+            <p:ph type="body" idx="1"/>
+          </p:nvPr>
+        </p:nvSpPr>
+        <p:spPr/>
+        <p:txBody>
+          <a:bodyPr/>
+          <a:lstStyle/>
+          <a:p>
+            <a:endParaRPr lang="zh-CN" altLang="en-US"/>
+          </a:p>
+        </p:txBody>
+      </p:sp>
+      <p:sp>
+        <p:nvSpPr>
+          <p:cNvPr id="4" name="灯片编号占位符 3"/>
+          <p:cNvSpPr>
+            <a:spLocks noGrp="1"/>
+          </p:cNvSpPr>
+          <p:nvPr>
+            <p:ph type="sldNum" sz="quarter" idx="10"/>
+          </p:nvPr>
+        </p:nvSpPr>
+        <p:spPr/>
+        <p:txBody>
+          <a:bodyPr/>
+          <a:lstStyle/>
+          <a:p>
+            <a:fld id="{C363DEB1-0974-4920-9C6B-89CE2B9DD7BC}" type="slidenum">
+              <a:rPr lang="zh-CN" altLang="en-US" smtClean="0"/>
+              <a:t>46</a:t>
+            </a:fld>
+            <a:endParaRPr lang="zh-CN" altLang="en-US"/>
+          </a:p>
+        </p:txBody>
+      </p:sp>
+    </p:spTree>
+    <p:extLst>
+      <p:ext uri="{BB962C8B-B14F-4D97-AF65-F5344CB8AC3E}">
+        <p14:creationId xmlns:p14="http://schemas.microsoft.com/office/powerpoint/2010/main" val="833275414"/>
+      </p:ext>
+    </p:extLst>
+  </p:cSld>
+  <p:clrMapOvr>
+    <a:masterClrMapping/>
+  </p:clrMapOvr>
+</p:notes>
+</file>
+
+<file path=ppt/notesSlides/notesSlide47.xml><?xml version="1.0" encoding="utf-8"?>
+<p:notes xmlns:a="http://schemas.openxmlformats.org/drawingml/2006/main" xmlns:r="http://schemas.openxmlformats.org/officeDocument/2006/relationships" xmlns:p="http://schemas.openxmlformats.org/presentationml/2006/main">
+  <p:cSld>
+    <p:spTree>
+      <p:nvGrpSpPr>
+        <p:cNvPr id="1" name=""/>
+        <p:cNvGrpSpPr/>
+        <p:nvPr/>
+      </p:nvGrpSpPr>
+      <p:grpSpPr>
+        <a:xfrm>
+          <a:off x="0" y="0"/>
+          <a:ext cx="0" cy="0"/>
+          <a:chOff x="0" y="0"/>
+          <a:chExt cx="0" cy="0"/>
+        </a:xfrm>
+      </p:grpSpPr>
+      <p:sp>
+        <p:nvSpPr>
+          <p:cNvPr id="2" name="幻灯片图像占位符 1"/>
+          <p:cNvSpPr>
+            <a:spLocks noGrp="1" noRot="1" noChangeAspect="1"/>
+          </p:cNvSpPr>
+          <p:nvPr>
+            <p:ph type="sldImg"/>
+          </p:nvPr>
+        </p:nvSpPr>
+        <p:spPr/>
+      </p:sp>
+      <p:sp>
+        <p:nvSpPr>
+          <p:cNvPr id="3" name="备注占位符 2"/>
+          <p:cNvSpPr>
+            <a:spLocks noGrp="1"/>
+          </p:cNvSpPr>
+          <p:nvPr>
+            <p:ph type="body" idx="1"/>
+          </p:nvPr>
+        </p:nvSpPr>
+        <p:spPr/>
+        <p:txBody>
+          <a:bodyPr/>
+          <a:lstStyle/>
+          <a:p>
+            <a:endParaRPr lang="zh-CN" altLang="en-US"/>
+          </a:p>
+        </p:txBody>
+      </p:sp>
+      <p:sp>
+        <p:nvSpPr>
+          <p:cNvPr id="4" name="灯片编号占位符 3"/>
+          <p:cNvSpPr>
+            <a:spLocks noGrp="1"/>
+          </p:cNvSpPr>
+          <p:nvPr>
+            <p:ph type="sldNum" sz="quarter" idx="10"/>
+          </p:nvPr>
+        </p:nvSpPr>
+        <p:spPr/>
+        <p:txBody>
+          <a:bodyPr/>
+          <a:lstStyle/>
+          <a:p>
+            <a:fld id="{C363DEB1-0974-4920-9C6B-89CE2B9DD7BC}" type="slidenum">
+              <a:rPr lang="zh-CN" altLang="en-US" smtClean="0"/>
+              <a:t>47</a:t>
+            </a:fld>
+            <a:endParaRPr lang="zh-CN" altLang="en-US"/>
+          </a:p>
+        </p:txBody>
+      </p:sp>
+    </p:spTree>
+    <p:extLst>
+      <p:ext uri="{BB962C8B-B14F-4D97-AF65-F5344CB8AC3E}">
+        <p14:creationId xmlns:p14="http://schemas.microsoft.com/office/powerpoint/2010/main" val="833275414"/>
+      </p:ext>
+    </p:extLst>
+  </p:cSld>
+  <p:clrMapOvr>
+    <a:masterClrMapping/>
+  </p:clrMapOvr>
+</p:notes>
+</file>
+
+<file path=ppt/notesSlides/notesSlide48.xml><?xml version="1.0" encoding="utf-8"?>
+<p:notes xmlns:a="http://schemas.openxmlformats.org/drawingml/2006/main" xmlns:r="http://schemas.openxmlformats.org/officeDocument/2006/relationships" xmlns:p="http://schemas.openxmlformats.org/presentationml/2006/main">
+  <p:cSld>
+    <p:spTree>
+      <p:nvGrpSpPr>
+        <p:cNvPr id="1" name=""/>
+        <p:cNvGrpSpPr/>
+        <p:nvPr/>
+      </p:nvGrpSpPr>
+      <p:grpSpPr>
+        <a:xfrm>
+          <a:off x="0" y="0"/>
+          <a:ext cx="0" cy="0"/>
+          <a:chOff x="0" y="0"/>
+          <a:chExt cx="0" cy="0"/>
+        </a:xfrm>
+      </p:grpSpPr>
+      <p:sp>
+        <p:nvSpPr>
+          <p:cNvPr id="2" name="幻灯片图像占位符 1"/>
+          <p:cNvSpPr>
+            <a:spLocks noGrp="1" noRot="1" noChangeAspect="1"/>
+          </p:cNvSpPr>
+          <p:nvPr>
+            <p:ph type="sldImg"/>
+          </p:nvPr>
+        </p:nvSpPr>
+        <p:spPr/>
+      </p:sp>
+      <p:sp>
+        <p:nvSpPr>
+          <p:cNvPr id="3" name="备注占位符 2"/>
+          <p:cNvSpPr>
+            <a:spLocks noGrp="1"/>
+          </p:cNvSpPr>
+          <p:nvPr>
+            <p:ph type="body" idx="1"/>
+          </p:nvPr>
+        </p:nvSpPr>
+        <p:spPr/>
+        <p:txBody>
+          <a:bodyPr/>
+          <a:lstStyle/>
+          <a:p>
+            <a:endParaRPr lang="zh-CN" altLang="en-US"/>
+          </a:p>
+        </p:txBody>
+      </p:sp>
+      <p:sp>
+        <p:nvSpPr>
+          <p:cNvPr id="4" name="灯片编号占位符 3"/>
+          <p:cNvSpPr>
+            <a:spLocks noGrp="1"/>
+          </p:cNvSpPr>
+          <p:nvPr>
+            <p:ph type="sldNum" sz="quarter" idx="10"/>
+          </p:nvPr>
+        </p:nvSpPr>
+        <p:spPr/>
+        <p:txBody>
+          <a:bodyPr/>
+          <a:lstStyle/>
+          <a:p>
+            <a:fld id="{C363DEB1-0974-4920-9C6B-89CE2B9DD7BC}" type="slidenum">
+              <a:rPr lang="zh-CN" altLang="en-US" smtClean="0"/>
+              <a:t>48</a:t>
             </a:fld>
             <a:endParaRPr lang="zh-CN" altLang="en-US"/>
           </a:p>
@@ -4353,7 +4693,7 @@
           <a:p>
             <a:fld id="{9308DE3C-FEB7-4A7B-A93D-F8500B60F491}" type="datetimeFigureOut">
               <a:rPr lang="zh-CN" altLang="en-US" smtClean="0"/>
-              <a:t>2018/11/12</a:t>
+              <a:t>2018/11/14</a:t>
             </a:fld>
             <a:endParaRPr lang="zh-CN" altLang="en-US"/>
           </a:p>
@@ -4554,7 +4894,7 @@
           <a:p>
             <a:fld id="{9308DE3C-FEB7-4A7B-A93D-F8500B60F491}" type="datetimeFigureOut">
               <a:rPr lang="zh-CN" altLang="en-US" smtClean="0"/>
-              <a:t>2018/11/12</a:t>
+              <a:t>2018/11/14</a:t>
             </a:fld>
             <a:endParaRPr lang="zh-CN" altLang="en-US"/>
           </a:p>
@@ -4765,7 +5105,7 @@
           <a:p>
             <a:fld id="{9308DE3C-FEB7-4A7B-A93D-F8500B60F491}" type="datetimeFigureOut">
               <a:rPr lang="zh-CN" altLang="en-US" smtClean="0"/>
-              <a:t>2018/11/12</a:t>
+              <a:t>2018/11/14</a:t>
             </a:fld>
             <a:endParaRPr lang="zh-CN" altLang="en-US"/>
           </a:p>
@@ -4966,7 +5306,7 @@
           <a:p>
             <a:fld id="{9308DE3C-FEB7-4A7B-A93D-F8500B60F491}" type="datetimeFigureOut">
               <a:rPr lang="zh-CN" altLang="en-US" smtClean="0"/>
-              <a:t>2018/11/12</a:t>
+              <a:t>2018/11/14</a:t>
             </a:fld>
             <a:endParaRPr lang="zh-CN" altLang="en-US"/>
           </a:p>
@@ -5244,7 +5584,7 @@
           <a:p>
             <a:fld id="{9308DE3C-FEB7-4A7B-A93D-F8500B60F491}" type="datetimeFigureOut">
               <a:rPr lang="zh-CN" altLang="en-US" smtClean="0"/>
-              <a:t>2018/11/12</a:t>
+              <a:t>2018/11/14</a:t>
             </a:fld>
             <a:endParaRPr lang="zh-CN" altLang="en-US"/>
           </a:p>
@@ -5512,7 +5852,7 @@
           <a:p>
             <a:fld id="{9308DE3C-FEB7-4A7B-A93D-F8500B60F491}" type="datetimeFigureOut">
               <a:rPr lang="zh-CN" altLang="en-US" smtClean="0"/>
-              <a:t>2018/11/12</a:t>
+              <a:t>2018/11/14</a:t>
             </a:fld>
             <a:endParaRPr lang="zh-CN" altLang="en-US"/>
           </a:p>
@@ -5927,7 +6267,7 @@
           <a:p>
             <a:fld id="{9308DE3C-FEB7-4A7B-A93D-F8500B60F491}" type="datetimeFigureOut">
               <a:rPr lang="zh-CN" altLang="en-US" smtClean="0"/>
-              <a:t>2018/11/12</a:t>
+              <a:t>2018/11/14</a:t>
             </a:fld>
             <a:endParaRPr lang="zh-CN" altLang="en-US"/>
           </a:p>
@@ -6071,7 +6411,7 @@
           <a:p>
             <a:fld id="{9308DE3C-FEB7-4A7B-A93D-F8500B60F491}" type="datetimeFigureOut">
               <a:rPr lang="zh-CN" altLang="en-US" smtClean="0"/>
-              <a:t>2018/11/12</a:t>
+              <a:t>2018/11/14</a:t>
             </a:fld>
             <a:endParaRPr lang="zh-CN" altLang="en-US"/>
           </a:p>
@@ -6187,7 +6527,7 @@
           <a:p>
             <a:fld id="{9308DE3C-FEB7-4A7B-A93D-F8500B60F491}" type="datetimeFigureOut">
               <a:rPr lang="zh-CN" altLang="en-US" smtClean="0"/>
-              <a:t>2018/11/12</a:t>
+              <a:t>2018/11/14</a:t>
             </a:fld>
             <a:endParaRPr lang="zh-CN" altLang="en-US"/>
           </a:p>
@@ -6501,7 +6841,7 @@
           <a:p>
             <a:fld id="{9308DE3C-FEB7-4A7B-A93D-F8500B60F491}" type="datetimeFigureOut">
               <a:rPr lang="zh-CN" altLang="en-US" smtClean="0"/>
-              <a:t>2018/11/12</a:t>
+              <a:t>2018/11/14</a:t>
             </a:fld>
             <a:endParaRPr lang="zh-CN" altLang="en-US"/>
           </a:p>
@@ -6792,7 +7132,7 @@
           <a:p>
             <a:fld id="{9308DE3C-FEB7-4A7B-A93D-F8500B60F491}" type="datetimeFigureOut">
               <a:rPr lang="zh-CN" altLang="en-US" smtClean="0"/>
-              <a:t>2018/11/12</a:t>
+              <a:t>2018/11/14</a:t>
             </a:fld>
             <a:endParaRPr lang="zh-CN" altLang="en-US"/>
           </a:p>
@@ -7036,7 +7376,7 @@
           <a:p>
             <a:fld id="{9308DE3C-FEB7-4A7B-A93D-F8500B60F491}" type="datetimeFigureOut">
               <a:rPr lang="zh-CN" altLang="en-US" smtClean="0"/>
-              <a:t>2018/11/12</a:t>
+              <a:t>2018/11/14</a:t>
             </a:fld>
             <a:endParaRPr lang="zh-CN" altLang="en-US"/>
           </a:p>
@@ -8898,7 +9238,7 @@
         </p:nvSpPr>
         <p:spPr>
           <a:xfrm>
-            <a:off x="1400840" y="1654555"/>
+            <a:off x="1416649" y="2925372"/>
             <a:ext cx="7534169" cy="1292662"/>
           </a:xfrm>
           <a:prstGeom prst="rect">
@@ -12760,7 +13100,7 @@
         </p:nvSpPr>
         <p:spPr>
           <a:xfrm>
-            <a:off x="1556041" y="1860743"/>
+            <a:off x="1581896" y="2547791"/>
             <a:ext cx="7534169" cy="2554545"/>
           </a:xfrm>
           <a:prstGeom prst="rect">
@@ -13296,7 +13636,7 @@
         </p:nvSpPr>
         <p:spPr>
           <a:xfrm>
-            <a:off x="1556041" y="1860743"/>
+            <a:off x="1416649" y="2954437"/>
             <a:ext cx="7534169" cy="707886"/>
           </a:xfrm>
           <a:prstGeom prst="rect">
@@ -13787,7 +14127,7 @@
         </p:nvSpPr>
         <p:spPr>
           <a:xfrm>
-            <a:off x="1556041" y="1860743"/>
+            <a:off x="1416649" y="2338680"/>
             <a:ext cx="7534169" cy="2246769"/>
           </a:xfrm>
           <a:prstGeom prst="rect">
@@ -16729,7 +17069,7 @@
         </p:nvSpPr>
         <p:spPr>
           <a:xfrm>
-            <a:off x="1400840" y="1717308"/>
+            <a:off x="1400839" y="2298906"/>
             <a:ext cx="7534169" cy="2246769"/>
           </a:xfrm>
           <a:prstGeom prst="rect">
@@ -17235,7 +17575,7 @@
         </p:nvSpPr>
         <p:spPr>
           <a:xfrm>
-            <a:off x="1305029" y="1708343"/>
+            <a:off x="1224346" y="2178002"/>
             <a:ext cx="7534169" cy="2523768"/>
           </a:xfrm>
           <a:prstGeom prst="rect">
@@ -17843,7 +18183,7 @@
         </p:nvSpPr>
         <p:spPr>
           <a:xfrm>
-            <a:off x="1201496" y="2056272"/>
+            <a:off x="1201496" y="2289354"/>
             <a:ext cx="7534169" cy="1938992"/>
           </a:xfrm>
           <a:prstGeom prst="rect">
@@ -18397,7 +18737,7 @@
         </p:nvSpPr>
         <p:spPr>
           <a:xfrm>
-            <a:off x="1251241" y="1914531"/>
+            <a:off x="1251240" y="2316835"/>
             <a:ext cx="7534169" cy="2246769"/>
           </a:xfrm>
           <a:prstGeom prst="rect">
@@ -38871,7 +39211,7 @@
         </p:nvSpPr>
         <p:spPr>
           <a:xfrm>
-            <a:off x="1325609" y="1649505"/>
+            <a:off x="1325608" y="2074633"/>
             <a:ext cx="9441003" cy="4150659"/>
           </a:xfrm>
           <a:prstGeom prst="rect">
@@ -43072,7 +43412,7 @@
         </p:nvSpPr>
         <p:spPr>
           <a:xfrm>
-            <a:off x="1305029" y="1708343"/>
+            <a:off x="1206418" y="2640673"/>
             <a:ext cx="7767253" cy="1015663"/>
           </a:xfrm>
           <a:prstGeom prst="rect">
@@ -43209,6 +43549,4954 @@
 </file>
 
 <file path=ppt/slides/slide44.xml><?xml version="1.0" encoding="utf-8"?>
+<p:sld xmlns:a="http://schemas.openxmlformats.org/drawingml/2006/main" xmlns:r="http://schemas.openxmlformats.org/officeDocument/2006/relationships" xmlns:p="http://schemas.openxmlformats.org/presentationml/2006/main">
+  <p:cSld>
+    <p:spTree>
+      <p:nvGrpSpPr>
+        <p:cNvPr id="1" name=""/>
+        <p:cNvGrpSpPr/>
+        <p:nvPr/>
+      </p:nvGrpSpPr>
+      <p:grpSpPr>
+        <a:xfrm>
+          <a:off x="0" y="0"/>
+          <a:ext cx="0" cy="0"/>
+          <a:chOff x="0" y="0"/>
+          <a:chExt cx="0" cy="0"/>
+        </a:xfrm>
+      </p:grpSpPr>
+      <p:pic>
+        <p:nvPicPr>
+          <p:cNvPr id="2" name="图片 1">
+            <a:extLst>
+              <a:ext uri="{FF2B5EF4-FFF2-40B4-BE49-F238E27FC236}">
+                <a16:creationId xmlns="" xmlns:a16="http://schemas.microsoft.com/office/drawing/2014/main" id="{B1C6DB09-A408-4502-BFA6-90542E7F80A9}"/>
+              </a:ext>
+            </a:extLst>
+          </p:cNvPr>
+          <p:cNvPicPr>
+            <a:picLocks noChangeAspect="1"/>
+          </p:cNvPicPr>
+          <p:nvPr/>
+        </p:nvPicPr>
+        <p:blipFill>
+          <a:blip r:embed="rId3" cstate="print">
+            <a:extLst>
+              <a:ext uri="{28A0092B-C50C-407E-A947-70E740481C1C}">
+                <a14:useLocalDpi xmlns:a14="http://schemas.microsoft.com/office/drawing/2010/main" val="0"/>
+              </a:ext>
+            </a:extLst>
+          </a:blip>
+          <a:stretch>
+            <a:fillRect/>
+          </a:stretch>
+        </p:blipFill>
+        <p:spPr>
+          <a:xfrm>
+            <a:off x="-2004691" y="-197918"/>
+            <a:ext cx="3107777" cy="2272551"/>
+          </a:xfrm>
+          <a:prstGeom prst="rect">
+            <a:avLst/>
+          </a:prstGeom>
+        </p:spPr>
+      </p:pic>
+      <p:pic>
+        <p:nvPicPr>
+          <p:cNvPr id="3" name="图片 2">
+            <a:extLst>
+              <a:ext uri="{FF2B5EF4-FFF2-40B4-BE49-F238E27FC236}">
+                <a16:creationId xmlns="" xmlns:a16="http://schemas.microsoft.com/office/drawing/2014/main" id="{98B13D0C-3D6D-4A7C-81C2-971C2DE1C35F}"/>
+              </a:ext>
+            </a:extLst>
+          </p:cNvPr>
+          <p:cNvPicPr>
+            <a:picLocks noChangeAspect="1"/>
+          </p:cNvPicPr>
+          <p:nvPr/>
+        </p:nvPicPr>
+        <p:blipFill>
+          <a:blip r:embed="rId3" cstate="print">
+            <a:extLst>
+              <a:ext uri="{28A0092B-C50C-407E-A947-70E740481C1C}">
+                <a14:useLocalDpi xmlns:a14="http://schemas.microsoft.com/office/drawing/2010/main" val="0"/>
+              </a:ext>
+            </a:extLst>
+          </a:blip>
+          <a:stretch>
+            <a:fillRect/>
+          </a:stretch>
+        </p:blipFill>
+        <p:spPr>
+          <a:xfrm>
+            <a:off x="11239595" y="4585449"/>
+            <a:ext cx="3107777" cy="2272551"/>
+          </a:xfrm>
+          <a:prstGeom prst="rect">
+            <a:avLst/>
+          </a:prstGeom>
+        </p:spPr>
+      </p:pic>
+      <p:sp>
+        <p:nvSpPr>
+          <p:cNvPr id="4" name="图文框 3">
+            <a:extLst>
+              <a:ext uri="{FF2B5EF4-FFF2-40B4-BE49-F238E27FC236}">
+                <a16:creationId xmlns="" xmlns:a16="http://schemas.microsoft.com/office/drawing/2014/main" id="{439EF00C-294A-4DB2-9D2A-D6104D65FB8E}"/>
+              </a:ext>
+            </a:extLst>
+          </p:cNvPr>
+          <p:cNvSpPr/>
+          <p:nvPr/>
+        </p:nvSpPr>
+        <p:spPr>
+          <a:xfrm>
+            <a:off x="239486" y="217715"/>
+            <a:ext cx="11705772" cy="6444342"/>
+          </a:xfrm>
+          <a:prstGeom prst="frame">
+            <a:avLst>
+              <a:gd name="adj1" fmla="val 2823"/>
+            </a:avLst>
+          </a:prstGeom>
+          <a:solidFill>
+            <a:schemeClr val="bg1"/>
+          </a:solidFill>
+          <a:ln>
+            <a:noFill/>
+          </a:ln>
+          <a:effectLst>
+            <a:outerShdw blurRad="114300" sx="102000" sy="102000" algn="ctr" rotWithShape="0">
+              <a:prstClr val="black">
+                <a:alpha val="27000"/>
+              </a:prstClr>
+            </a:outerShdw>
+          </a:effectLst>
+        </p:spPr>
+        <p:style>
+          <a:lnRef idx="2">
+            <a:schemeClr val="accent1">
+              <a:shade val="50000"/>
+            </a:schemeClr>
+          </a:lnRef>
+          <a:fillRef idx="1">
+            <a:schemeClr val="accent1"/>
+          </a:fillRef>
+          <a:effectRef idx="0">
+            <a:schemeClr val="accent1"/>
+          </a:effectRef>
+          <a:fontRef idx="minor">
+            <a:schemeClr val="lt1"/>
+          </a:fontRef>
+        </p:style>
+        <p:txBody>
+          <a:bodyPr rtlCol="0" anchor="ctr"/>
+          <a:lstStyle/>
+          <a:p>
+            <a:pPr algn="ctr"/>
+            <a:endParaRPr lang="zh-CN" altLang="en-US">
+              <a:solidFill>
+                <a:schemeClr val="tx1"/>
+              </a:solidFill>
+            </a:endParaRPr>
+          </a:p>
+        </p:txBody>
+      </p:sp>
+      <p:sp>
+        <p:nvSpPr>
+          <p:cNvPr id="6" name="矩形 5">
+            <a:extLst>
+              <a:ext uri="{FF2B5EF4-FFF2-40B4-BE49-F238E27FC236}">
+                <a16:creationId xmlns="" xmlns:a16="http://schemas.microsoft.com/office/drawing/2014/main" id="{334628C9-EB0D-4D06-AF24-5A038FFC63D7}"/>
+              </a:ext>
+            </a:extLst>
+          </p:cNvPr>
+          <p:cNvSpPr/>
+          <p:nvPr/>
+        </p:nvSpPr>
+        <p:spPr>
+          <a:xfrm>
+            <a:off x="1826723" y="583995"/>
+            <a:ext cx="4744406" cy="584775"/>
+          </a:xfrm>
+          <a:prstGeom prst="rect">
+            <a:avLst/>
+          </a:prstGeom>
+        </p:spPr>
+        <p:txBody>
+          <a:bodyPr wrap="square">
+            <a:spAutoFit/>
+            <a:scene3d>
+              <a:camera prst="orthographicFront"/>
+              <a:lightRig rig="threePt" dir="t"/>
+            </a:scene3d>
+            <a:sp3d contourW="12700"/>
+          </a:bodyPr>
+          <a:lstStyle/>
+          <a:p>
+            <a:pPr lvl="0"/>
+            <a:r>
+              <a:rPr lang="zh-CN" altLang="en-US" sz="3200" b="1" dirty="0" smtClean="0"/>
+              <a:t>评价</a:t>
+            </a:r>
+            <a:endParaRPr lang="zh-CN" altLang="zh-CN" sz="3200" b="1" dirty="0"/>
+          </a:p>
+        </p:txBody>
+      </p:sp>
+      <p:sp>
+        <p:nvSpPr>
+          <p:cNvPr id="8" name="椭圆 7">
+            <a:extLst>
+              <a:ext uri="{FF2B5EF4-FFF2-40B4-BE49-F238E27FC236}">
+                <a16:creationId xmlns="" xmlns:a16="http://schemas.microsoft.com/office/drawing/2014/main" id="{2D31EAC6-5633-42BD-A780-E7BE0D0484C9}"/>
+              </a:ext>
+            </a:extLst>
+          </p:cNvPr>
+          <p:cNvSpPr/>
+          <p:nvPr/>
+        </p:nvSpPr>
+        <p:spPr>
+          <a:xfrm>
+            <a:off x="1103086" y="669683"/>
+            <a:ext cx="595509" cy="595509"/>
+          </a:xfrm>
+          <a:prstGeom prst="ellipse">
+            <a:avLst/>
+          </a:prstGeom>
+          <a:solidFill>
+            <a:srgbClr val="39337A"/>
+          </a:solidFill>
+          <a:ln>
+            <a:noFill/>
+          </a:ln>
+        </p:spPr>
+        <p:style>
+          <a:lnRef idx="2">
+            <a:schemeClr val="accent1">
+              <a:shade val="50000"/>
+            </a:schemeClr>
+          </a:lnRef>
+          <a:fillRef idx="1">
+            <a:schemeClr val="accent1"/>
+          </a:fillRef>
+          <a:effectRef idx="0">
+            <a:schemeClr val="accent1"/>
+          </a:effectRef>
+          <a:fontRef idx="minor">
+            <a:schemeClr val="lt1"/>
+          </a:fontRef>
+        </p:style>
+        <p:txBody>
+          <a:bodyPr rtlCol="0" anchor="ctr"/>
+          <a:lstStyle/>
+          <a:p>
+            <a:pPr algn="ctr"/>
+            <a:endParaRPr lang="zh-CN" altLang="en-US" sz="2400" dirty="0">
+              <a:latin typeface="+mn-ea"/>
+              <a:sym typeface="FZHei-B01S" panose="02010601030101010101" pitchFamily="2" charset="-122"/>
+            </a:endParaRPr>
+          </a:p>
+        </p:txBody>
+      </p:sp>
+      <p:sp>
+        <p:nvSpPr>
+          <p:cNvPr id="9" name="文本框 8">
+            <a:extLst>
+              <a:ext uri="{FF2B5EF4-FFF2-40B4-BE49-F238E27FC236}">
+                <a16:creationId xmlns="" xmlns:a16="http://schemas.microsoft.com/office/drawing/2014/main" id="{B9EAD814-92A6-4346-BB5C-547799D7BDEA}"/>
+              </a:ext>
+            </a:extLst>
+          </p:cNvPr>
+          <p:cNvSpPr txBox="1"/>
+          <p:nvPr/>
+        </p:nvSpPr>
+        <p:spPr>
+          <a:xfrm>
+            <a:off x="1134702" y="740182"/>
+            <a:ext cx="563894" cy="400110"/>
+          </a:xfrm>
+          <a:prstGeom prst="rect">
+            <a:avLst/>
+          </a:prstGeom>
+          <a:noFill/>
+        </p:spPr>
+        <p:txBody>
+          <a:bodyPr wrap="square" rtlCol="0">
+            <a:spAutoFit/>
+          </a:bodyPr>
+          <a:lstStyle/>
+          <a:p>
+            <a:r>
+              <a:rPr lang="en-US" altLang="zh-CN" sz="2000" b="1" dirty="0" smtClean="0">
+                <a:solidFill>
+                  <a:schemeClr val="bg1"/>
+                </a:solidFill>
+                <a:latin typeface="+mn-ea"/>
+                <a:sym typeface="FZHei-B01S" panose="02010601030101010101" pitchFamily="2" charset="-122"/>
+              </a:rPr>
+              <a:t>04</a:t>
+            </a:r>
+            <a:endParaRPr lang="zh-CN" altLang="en-US" sz="2000" b="1" dirty="0">
+              <a:solidFill>
+                <a:schemeClr val="bg1"/>
+              </a:solidFill>
+              <a:latin typeface="+mn-ea"/>
+              <a:sym typeface="FZHei-B01S" panose="02010601030101010101" pitchFamily="2" charset="-122"/>
+            </a:endParaRPr>
+          </a:p>
+        </p:txBody>
+      </p:sp>
+      <p:sp>
+        <p:nvSpPr>
+          <p:cNvPr id="10" name="Shape 1458">
+            <a:extLst>
+              <a:ext uri="{FF2B5EF4-FFF2-40B4-BE49-F238E27FC236}">
+                <a16:creationId xmlns="" xmlns:a16="http://schemas.microsoft.com/office/drawing/2014/main" id="{C9C5B09E-BF7E-4AB4-9279-86A4782F4983}"/>
+              </a:ext>
+            </a:extLst>
+          </p:cNvPr>
+          <p:cNvSpPr/>
+          <p:nvPr/>
+        </p:nvSpPr>
+        <p:spPr>
+          <a:xfrm>
+            <a:off x="762001" y="1267259"/>
+            <a:ext cx="10290512" cy="5115611"/>
+          </a:xfrm>
+          <a:prstGeom prst="roundRect">
+            <a:avLst>
+              <a:gd name="adj" fmla="val 6924"/>
+            </a:avLst>
+          </a:prstGeom>
+          <a:ln w="12700">
+            <a:solidFill>
+              <a:srgbClr val="A6AAA9"/>
+            </a:solidFill>
+            <a:miter lim="400000"/>
+          </a:ln>
+        </p:spPr>
+        <p:txBody>
+          <a:bodyPr lIns="19049" tIns="19049" rIns="19049" bIns="19049" anchor="ctr"/>
+          <a:lstStyle/>
+          <a:p>
+            <a:pPr defTabSz="1219012"/>
+            <a:endParaRPr sz="1733" dirty="0">
+              <a:solidFill>
+                <a:prstClr val="black"/>
+              </a:solidFill>
+              <a:latin typeface="+mn-ea"/>
+            </a:endParaRPr>
+          </a:p>
+        </p:txBody>
+      </p:sp>
+      <p:sp>
+        <p:nvSpPr>
+          <p:cNvPr id="11" name="Rectangle 1"/>
+          <p:cNvSpPr>
+            <a:spLocks noChangeArrowheads="1"/>
+          </p:cNvSpPr>
+          <p:nvPr/>
+        </p:nvSpPr>
+        <p:spPr bwMode="auto">
+          <a:xfrm>
+            <a:off x="3390900" y="3201988"/>
+            <a:ext cx="12192000" cy="457200"/>
+          </a:xfrm>
+          <a:prstGeom prst="rect">
+            <a:avLst/>
+          </a:prstGeom>
+          <a:noFill/>
+          <a:ln>
+            <a:noFill/>
+          </a:ln>
+          <a:effectLst/>
+          <a:extLst>
+            <a:ext uri="{909E8E84-426E-40DD-AFC4-6F175D3DCCD1}">
+              <a14:hiddenFill xmlns:a14="http://schemas.microsoft.com/office/drawing/2010/main">
+                <a:solidFill>
+                  <a:schemeClr val="accent1"/>
+                </a:solidFill>
+              </a14:hiddenFill>
+            </a:ext>
+            <a:ext uri="{91240B29-F687-4F45-9708-019B960494DF}">
+              <a14:hiddenLine xmlns:a14="http://schemas.microsoft.com/office/drawing/2010/main" w="9525">
+                <a:solidFill>
+                  <a:schemeClr val="tx1"/>
+                </a:solidFill>
+                <a:miter lim="800000"/>
+                <a:headEnd/>
+                <a:tailEnd/>
+              </a14:hiddenLine>
+            </a:ext>
+            <a:ext uri="{AF507438-7753-43E0-B8FC-AC1667EBCBE1}">
+              <a14:hiddenEffects xmlns:a14="http://schemas.microsoft.com/office/drawing/2010/main">
+                <a:effectLst>
+                  <a:outerShdw dist="35921" dir="2700000" algn="ctr" rotWithShape="0">
+                    <a:schemeClr val="bg2"/>
+                  </a:outerShdw>
+                </a:effectLst>
+              </a14:hiddenEffects>
+            </a:ext>
+          </a:extLst>
+        </p:spPr>
+        <p:txBody>
+          <a:bodyPr vert="horz" wrap="none" lIns="91440" tIns="45720" rIns="91440" bIns="45720" numCol="1" anchor="ctr" anchorCtr="0" compatLnSpc="1">
+            <a:prstTxWarp prst="textNoShape">
+              <a:avLst/>
+            </a:prstTxWarp>
+            <a:spAutoFit/>
+          </a:bodyPr>
+          <a:lstStyle>
+            <a:lvl1pPr indent="266700" fontAlgn="base">
+              <a:spcBef>
+                <a:spcPct val="0"/>
+              </a:spcBef>
+              <a:spcAft>
+                <a:spcPct val="0"/>
+              </a:spcAft>
+              <a:tabLst>
+                <a:tab pos="266700" algn="r"/>
+                <a:tab pos="2636838" algn="ctr"/>
+                <a:tab pos="5273675" algn="r"/>
+              </a:tabLst>
+              <a:defRPr>
+                <a:solidFill>
+                  <a:schemeClr val="tx1"/>
+                </a:solidFill>
+                <a:latin typeface="Arial" pitchFamily="34" charset="0"/>
+                <a:ea typeface="宋体" pitchFamily="2" charset="-122"/>
+                <a:cs typeface="宋体" pitchFamily="2" charset="-122"/>
+              </a:defRPr>
+            </a:lvl1pPr>
+            <a:lvl2pPr fontAlgn="base">
+              <a:spcBef>
+                <a:spcPct val="0"/>
+              </a:spcBef>
+              <a:spcAft>
+                <a:spcPct val="0"/>
+              </a:spcAft>
+              <a:tabLst>
+                <a:tab pos="266700" algn="r"/>
+                <a:tab pos="2636838" algn="ctr"/>
+                <a:tab pos="5273675" algn="r"/>
+              </a:tabLst>
+              <a:defRPr>
+                <a:solidFill>
+                  <a:schemeClr val="tx1"/>
+                </a:solidFill>
+                <a:latin typeface="Arial" pitchFamily="34" charset="0"/>
+                <a:ea typeface="宋体" pitchFamily="2" charset="-122"/>
+                <a:cs typeface="宋体" pitchFamily="2" charset="-122"/>
+              </a:defRPr>
+            </a:lvl2pPr>
+            <a:lvl3pPr fontAlgn="base">
+              <a:spcBef>
+                <a:spcPct val="0"/>
+              </a:spcBef>
+              <a:spcAft>
+                <a:spcPct val="0"/>
+              </a:spcAft>
+              <a:tabLst>
+                <a:tab pos="266700" algn="r"/>
+                <a:tab pos="2636838" algn="ctr"/>
+                <a:tab pos="5273675" algn="r"/>
+              </a:tabLst>
+              <a:defRPr>
+                <a:solidFill>
+                  <a:schemeClr val="tx1"/>
+                </a:solidFill>
+                <a:latin typeface="Arial" pitchFamily="34" charset="0"/>
+                <a:ea typeface="宋体" pitchFamily="2" charset="-122"/>
+                <a:cs typeface="宋体" pitchFamily="2" charset="-122"/>
+              </a:defRPr>
+            </a:lvl3pPr>
+            <a:lvl4pPr fontAlgn="base">
+              <a:spcBef>
+                <a:spcPct val="0"/>
+              </a:spcBef>
+              <a:spcAft>
+                <a:spcPct val="0"/>
+              </a:spcAft>
+              <a:tabLst>
+                <a:tab pos="266700" algn="r"/>
+                <a:tab pos="2636838" algn="ctr"/>
+                <a:tab pos="5273675" algn="r"/>
+              </a:tabLst>
+              <a:defRPr>
+                <a:solidFill>
+                  <a:schemeClr val="tx1"/>
+                </a:solidFill>
+                <a:latin typeface="Arial" pitchFamily="34" charset="0"/>
+                <a:ea typeface="宋体" pitchFamily="2" charset="-122"/>
+                <a:cs typeface="宋体" pitchFamily="2" charset="-122"/>
+              </a:defRPr>
+            </a:lvl4pPr>
+            <a:lvl5pPr fontAlgn="base">
+              <a:spcBef>
+                <a:spcPct val="0"/>
+              </a:spcBef>
+              <a:spcAft>
+                <a:spcPct val="0"/>
+              </a:spcAft>
+              <a:tabLst>
+                <a:tab pos="266700" algn="r"/>
+                <a:tab pos="2636838" algn="ctr"/>
+                <a:tab pos="5273675" algn="r"/>
+              </a:tabLst>
+              <a:defRPr>
+                <a:solidFill>
+                  <a:schemeClr val="tx1"/>
+                </a:solidFill>
+                <a:latin typeface="Arial" pitchFamily="34" charset="0"/>
+                <a:ea typeface="宋体" pitchFamily="2" charset="-122"/>
+                <a:cs typeface="宋体" pitchFamily="2" charset="-122"/>
+              </a:defRPr>
+            </a:lvl5pPr>
+            <a:lvl6pPr fontAlgn="base">
+              <a:spcBef>
+                <a:spcPct val="0"/>
+              </a:spcBef>
+              <a:spcAft>
+                <a:spcPct val="0"/>
+              </a:spcAft>
+              <a:tabLst>
+                <a:tab pos="266700" algn="r"/>
+                <a:tab pos="2636838" algn="ctr"/>
+                <a:tab pos="5273675" algn="r"/>
+              </a:tabLst>
+              <a:defRPr>
+                <a:solidFill>
+                  <a:schemeClr val="tx1"/>
+                </a:solidFill>
+                <a:latin typeface="Arial" pitchFamily="34" charset="0"/>
+                <a:ea typeface="宋体" pitchFamily="2" charset="-122"/>
+                <a:cs typeface="宋体" pitchFamily="2" charset="-122"/>
+              </a:defRPr>
+            </a:lvl6pPr>
+            <a:lvl7pPr fontAlgn="base">
+              <a:spcBef>
+                <a:spcPct val="0"/>
+              </a:spcBef>
+              <a:spcAft>
+                <a:spcPct val="0"/>
+              </a:spcAft>
+              <a:tabLst>
+                <a:tab pos="266700" algn="r"/>
+                <a:tab pos="2636838" algn="ctr"/>
+                <a:tab pos="5273675" algn="r"/>
+              </a:tabLst>
+              <a:defRPr>
+                <a:solidFill>
+                  <a:schemeClr val="tx1"/>
+                </a:solidFill>
+                <a:latin typeface="Arial" pitchFamily="34" charset="0"/>
+                <a:ea typeface="宋体" pitchFamily="2" charset="-122"/>
+                <a:cs typeface="宋体" pitchFamily="2" charset="-122"/>
+              </a:defRPr>
+            </a:lvl7pPr>
+            <a:lvl8pPr fontAlgn="base">
+              <a:spcBef>
+                <a:spcPct val="0"/>
+              </a:spcBef>
+              <a:spcAft>
+                <a:spcPct val="0"/>
+              </a:spcAft>
+              <a:tabLst>
+                <a:tab pos="266700" algn="r"/>
+                <a:tab pos="2636838" algn="ctr"/>
+                <a:tab pos="5273675" algn="r"/>
+              </a:tabLst>
+              <a:defRPr>
+                <a:solidFill>
+                  <a:schemeClr val="tx1"/>
+                </a:solidFill>
+                <a:latin typeface="Arial" pitchFamily="34" charset="0"/>
+                <a:ea typeface="宋体" pitchFamily="2" charset="-122"/>
+                <a:cs typeface="宋体" pitchFamily="2" charset="-122"/>
+              </a:defRPr>
+            </a:lvl8pPr>
+            <a:lvl9pPr fontAlgn="base">
+              <a:spcBef>
+                <a:spcPct val="0"/>
+              </a:spcBef>
+              <a:spcAft>
+                <a:spcPct val="0"/>
+              </a:spcAft>
+              <a:tabLst>
+                <a:tab pos="266700" algn="r"/>
+                <a:tab pos="2636838" algn="ctr"/>
+                <a:tab pos="5273675" algn="r"/>
+              </a:tabLst>
+              <a:defRPr>
+                <a:solidFill>
+                  <a:schemeClr val="tx1"/>
+                </a:solidFill>
+                <a:latin typeface="Arial" pitchFamily="34" charset="0"/>
+                <a:ea typeface="宋体" pitchFamily="2" charset="-122"/>
+                <a:cs typeface="宋体" pitchFamily="2" charset="-122"/>
+              </a:defRPr>
+            </a:lvl9pPr>
+          </a:lstStyle>
+          <a:p>
+            <a:pPr marL="0" marR="0" lvl="0" indent="266700" algn="l" defTabSz="914400" rtl="0" eaLnBrk="1" fontAlgn="base" latinLnBrk="0" hangingPunct="1">
+              <a:lnSpc>
+                <a:spcPct val="100000"/>
+              </a:lnSpc>
+              <a:spcBef>
+                <a:spcPct val="0"/>
+              </a:spcBef>
+              <a:spcAft>
+                <a:spcPct val="0"/>
+              </a:spcAft>
+              <a:buClrTx/>
+              <a:buSzTx/>
+              <a:buFontTx/>
+              <a:buNone/>
+              <a:tabLst>
+                <a:tab pos="266700" algn="r"/>
+                <a:tab pos="2636838" algn="ctr"/>
+                <a:tab pos="5273675" algn="r"/>
+              </a:tabLst>
+            </a:pPr>
+            <a:endParaRPr kumimoji="0" lang="zh-CN" altLang="zh-CN" sz="1800" b="0" i="0" u="none" strike="noStrike" cap="none" normalizeH="0" baseline="0" smtClean="0">
+              <a:ln>
+                <a:noFill/>
+              </a:ln>
+              <a:solidFill>
+                <a:schemeClr val="tx1"/>
+              </a:solidFill>
+              <a:effectLst/>
+              <a:latin typeface="Arial" pitchFamily="34" charset="0"/>
+              <a:ea typeface="宋体" pitchFamily="2" charset="-122"/>
+              <a:cs typeface="宋体" pitchFamily="2" charset="-122"/>
+            </a:endParaRPr>
+          </a:p>
+        </p:txBody>
+      </p:sp>
+      <p:sp>
+        <p:nvSpPr>
+          <p:cNvPr id="12" name="Rectangle 1"/>
+          <p:cNvSpPr>
+            <a:spLocks noChangeArrowheads="1"/>
+          </p:cNvSpPr>
+          <p:nvPr/>
+        </p:nvSpPr>
+        <p:spPr bwMode="auto">
+          <a:xfrm>
+            <a:off x="3333750" y="3316288"/>
+            <a:ext cx="12192000" cy="457200"/>
+          </a:xfrm>
+          <a:prstGeom prst="rect">
+            <a:avLst/>
+          </a:prstGeom>
+          <a:noFill/>
+          <a:ln>
+            <a:noFill/>
+          </a:ln>
+          <a:effectLst/>
+          <a:extLst>
+            <a:ext uri="{909E8E84-426E-40DD-AFC4-6F175D3DCCD1}">
+              <a14:hiddenFill xmlns:a14="http://schemas.microsoft.com/office/drawing/2010/main">
+                <a:solidFill>
+                  <a:schemeClr val="accent1"/>
+                </a:solidFill>
+              </a14:hiddenFill>
+            </a:ext>
+            <a:ext uri="{91240B29-F687-4F45-9708-019B960494DF}">
+              <a14:hiddenLine xmlns:a14="http://schemas.microsoft.com/office/drawing/2010/main" w="9525">
+                <a:solidFill>
+                  <a:schemeClr val="tx1"/>
+                </a:solidFill>
+                <a:miter lim="800000"/>
+                <a:headEnd/>
+                <a:tailEnd/>
+              </a14:hiddenLine>
+            </a:ext>
+            <a:ext uri="{AF507438-7753-43E0-B8FC-AC1667EBCBE1}">
+              <a14:hiddenEffects xmlns:a14="http://schemas.microsoft.com/office/drawing/2010/main">
+                <a:effectLst>
+                  <a:outerShdw dist="35921" dir="2700000" algn="ctr" rotWithShape="0">
+                    <a:schemeClr val="bg2"/>
+                  </a:outerShdw>
+                </a:effectLst>
+              </a14:hiddenEffects>
+            </a:ext>
+          </a:extLst>
+        </p:spPr>
+        <p:txBody>
+          <a:bodyPr vert="horz" wrap="none" lIns="91440" tIns="45720" rIns="91440" bIns="45720" numCol="1" anchor="ctr" anchorCtr="0" compatLnSpc="1">
+            <a:prstTxWarp prst="textNoShape">
+              <a:avLst/>
+            </a:prstTxWarp>
+            <a:spAutoFit/>
+          </a:bodyPr>
+          <a:lstStyle>
+            <a:lvl1pPr indent="266700" fontAlgn="base">
+              <a:spcBef>
+                <a:spcPct val="0"/>
+              </a:spcBef>
+              <a:spcAft>
+                <a:spcPct val="0"/>
+              </a:spcAft>
+              <a:tabLst>
+                <a:tab pos="2124075" algn="l"/>
+              </a:tabLst>
+              <a:defRPr>
+                <a:solidFill>
+                  <a:schemeClr val="tx1"/>
+                </a:solidFill>
+                <a:latin typeface="Arial" pitchFamily="34" charset="0"/>
+                <a:ea typeface="宋体" pitchFamily="2" charset="-122"/>
+                <a:cs typeface="宋体" pitchFamily="2" charset="-122"/>
+              </a:defRPr>
+            </a:lvl1pPr>
+            <a:lvl2pPr fontAlgn="base">
+              <a:spcBef>
+                <a:spcPct val="0"/>
+              </a:spcBef>
+              <a:spcAft>
+                <a:spcPct val="0"/>
+              </a:spcAft>
+              <a:tabLst>
+                <a:tab pos="2124075" algn="l"/>
+              </a:tabLst>
+              <a:defRPr>
+                <a:solidFill>
+                  <a:schemeClr val="tx1"/>
+                </a:solidFill>
+                <a:latin typeface="Arial" pitchFamily="34" charset="0"/>
+                <a:ea typeface="宋体" pitchFamily="2" charset="-122"/>
+                <a:cs typeface="宋体" pitchFamily="2" charset="-122"/>
+              </a:defRPr>
+            </a:lvl2pPr>
+            <a:lvl3pPr fontAlgn="base">
+              <a:spcBef>
+                <a:spcPct val="0"/>
+              </a:spcBef>
+              <a:spcAft>
+                <a:spcPct val="0"/>
+              </a:spcAft>
+              <a:tabLst>
+                <a:tab pos="2124075" algn="l"/>
+              </a:tabLst>
+              <a:defRPr>
+                <a:solidFill>
+                  <a:schemeClr val="tx1"/>
+                </a:solidFill>
+                <a:latin typeface="Arial" pitchFamily="34" charset="0"/>
+                <a:ea typeface="宋体" pitchFamily="2" charset="-122"/>
+                <a:cs typeface="宋体" pitchFamily="2" charset="-122"/>
+              </a:defRPr>
+            </a:lvl3pPr>
+            <a:lvl4pPr fontAlgn="base">
+              <a:spcBef>
+                <a:spcPct val="0"/>
+              </a:spcBef>
+              <a:spcAft>
+                <a:spcPct val="0"/>
+              </a:spcAft>
+              <a:tabLst>
+                <a:tab pos="2124075" algn="l"/>
+              </a:tabLst>
+              <a:defRPr>
+                <a:solidFill>
+                  <a:schemeClr val="tx1"/>
+                </a:solidFill>
+                <a:latin typeface="Arial" pitchFamily="34" charset="0"/>
+                <a:ea typeface="宋体" pitchFamily="2" charset="-122"/>
+                <a:cs typeface="宋体" pitchFamily="2" charset="-122"/>
+              </a:defRPr>
+            </a:lvl4pPr>
+            <a:lvl5pPr fontAlgn="base">
+              <a:spcBef>
+                <a:spcPct val="0"/>
+              </a:spcBef>
+              <a:spcAft>
+                <a:spcPct val="0"/>
+              </a:spcAft>
+              <a:tabLst>
+                <a:tab pos="2124075" algn="l"/>
+              </a:tabLst>
+              <a:defRPr>
+                <a:solidFill>
+                  <a:schemeClr val="tx1"/>
+                </a:solidFill>
+                <a:latin typeface="Arial" pitchFamily="34" charset="0"/>
+                <a:ea typeface="宋体" pitchFamily="2" charset="-122"/>
+                <a:cs typeface="宋体" pitchFamily="2" charset="-122"/>
+              </a:defRPr>
+            </a:lvl5pPr>
+            <a:lvl6pPr fontAlgn="base">
+              <a:spcBef>
+                <a:spcPct val="0"/>
+              </a:spcBef>
+              <a:spcAft>
+                <a:spcPct val="0"/>
+              </a:spcAft>
+              <a:tabLst>
+                <a:tab pos="2124075" algn="l"/>
+              </a:tabLst>
+              <a:defRPr>
+                <a:solidFill>
+                  <a:schemeClr val="tx1"/>
+                </a:solidFill>
+                <a:latin typeface="Arial" pitchFamily="34" charset="0"/>
+                <a:ea typeface="宋体" pitchFamily="2" charset="-122"/>
+                <a:cs typeface="宋体" pitchFamily="2" charset="-122"/>
+              </a:defRPr>
+            </a:lvl6pPr>
+            <a:lvl7pPr fontAlgn="base">
+              <a:spcBef>
+                <a:spcPct val="0"/>
+              </a:spcBef>
+              <a:spcAft>
+                <a:spcPct val="0"/>
+              </a:spcAft>
+              <a:tabLst>
+                <a:tab pos="2124075" algn="l"/>
+              </a:tabLst>
+              <a:defRPr>
+                <a:solidFill>
+                  <a:schemeClr val="tx1"/>
+                </a:solidFill>
+                <a:latin typeface="Arial" pitchFamily="34" charset="0"/>
+                <a:ea typeface="宋体" pitchFamily="2" charset="-122"/>
+                <a:cs typeface="宋体" pitchFamily="2" charset="-122"/>
+              </a:defRPr>
+            </a:lvl7pPr>
+            <a:lvl8pPr fontAlgn="base">
+              <a:spcBef>
+                <a:spcPct val="0"/>
+              </a:spcBef>
+              <a:spcAft>
+                <a:spcPct val="0"/>
+              </a:spcAft>
+              <a:tabLst>
+                <a:tab pos="2124075" algn="l"/>
+              </a:tabLst>
+              <a:defRPr>
+                <a:solidFill>
+                  <a:schemeClr val="tx1"/>
+                </a:solidFill>
+                <a:latin typeface="Arial" pitchFamily="34" charset="0"/>
+                <a:ea typeface="宋体" pitchFamily="2" charset="-122"/>
+                <a:cs typeface="宋体" pitchFamily="2" charset="-122"/>
+              </a:defRPr>
+            </a:lvl8pPr>
+            <a:lvl9pPr fontAlgn="base">
+              <a:spcBef>
+                <a:spcPct val="0"/>
+              </a:spcBef>
+              <a:spcAft>
+                <a:spcPct val="0"/>
+              </a:spcAft>
+              <a:tabLst>
+                <a:tab pos="2124075" algn="l"/>
+              </a:tabLst>
+              <a:defRPr>
+                <a:solidFill>
+                  <a:schemeClr val="tx1"/>
+                </a:solidFill>
+                <a:latin typeface="Arial" pitchFamily="34" charset="0"/>
+                <a:ea typeface="宋体" pitchFamily="2" charset="-122"/>
+                <a:cs typeface="宋体" pitchFamily="2" charset="-122"/>
+              </a:defRPr>
+            </a:lvl9pPr>
+          </a:lstStyle>
+          <a:p>
+            <a:pPr marL="0" marR="0" lvl="0" indent="266700" algn="l" defTabSz="914400" rtl="0" eaLnBrk="1" fontAlgn="base" latinLnBrk="0" hangingPunct="1">
+              <a:lnSpc>
+                <a:spcPct val="100000"/>
+              </a:lnSpc>
+              <a:spcBef>
+                <a:spcPct val="0"/>
+              </a:spcBef>
+              <a:spcAft>
+                <a:spcPct val="0"/>
+              </a:spcAft>
+              <a:buClrTx/>
+              <a:buSzTx/>
+              <a:buFontTx/>
+              <a:buNone/>
+              <a:tabLst>
+                <a:tab pos="2124075" algn="l"/>
+              </a:tabLst>
+            </a:pPr>
+            <a:endParaRPr kumimoji="0" lang="zh-CN" altLang="zh-CN" sz="1800" b="0" i="0" u="none" strike="noStrike" cap="none" normalizeH="0" baseline="0" smtClean="0">
+              <a:ln>
+                <a:noFill/>
+              </a:ln>
+              <a:solidFill>
+                <a:schemeClr val="tx1"/>
+              </a:solidFill>
+              <a:effectLst/>
+              <a:latin typeface="Arial" pitchFamily="34" charset="0"/>
+              <a:ea typeface="宋体" pitchFamily="2" charset="-122"/>
+              <a:cs typeface="宋体" pitchFamily="2" charset="-122"/>
+            </a:endParaRPr>
+          </a:p>
+        </p:txBody>
+      </p:sp>
+      <p:graphicFrame>
+        <p:nvGraphicFramePr>
+          <p:cNvPr id="13" name="表格 12"/>
+          <p:cNvGraphicFramePr>
+            <a:graphicFrameLocks noGrp="1"/>
+          </p:cNvGraphicFramePr>
+          <p:nvPr>
+            <p:extLst>
+              <p:ext uri="{D42A27DB-BD31-4B8C-83A1-F6EECF244321}">
+                <p14:modId xmlns:p14="http://schemas.microsoft.com/office/powerpoint/2010/main" val="737123439"/>
+              </p:ext>
+            </p:extLst>
+          </p:nvPr>
+        </p:nvGraphicFramePr>
+        <p:xfrm>
+          <a:off x="1609624" y="1389528"/>
+          <a:ext cx="9013552" cy="4970522"/>
+        </p:xfrm>
+        <a:graphic>
+          <a:graphicData uri="http://schemas.openxmlformats.org/drawingml/2006/table">
+            <a:tbl>
+              <a:tblPr firstRow="1" bandRow="1">
+                <a:tableStyleId>{5C22544A-7EE6-4342-B048-85BDC9FD1C3A}</a:tableStyleId>
+              </a:tblPr>
+              <a:tblGrid>
+                <a:gridCol w="1519954"/>
+                <a:gridCol w="1209029"/>
+                <a:gridCol w="6284569"/>
+              </a:tblGrid>
+              <a:tr h="354025">
+                <a:tc>
+                  <a:txBody>
+                    <a:bodyPr/>
+                    <a:lstStyle/>
+                    <a:p>
+                      <a:r>
+                        <a:rPr lang="zh-CN" altLang="en-US" dirty="0" smtClean="0"/>
+                        <a:t>类型</a:t>
+                      </a:r>
+                      <a:endParaRPr lang="zh-CN" altLang="en-US" dirty="0"/>
+                    </a:p>
+                  </a:txBody>
+                  <a:tcPr/>
+                </a:tc>
+                <a:tc>
+                  <a:txBody>
+                    <a:bodyPr/>
+                    <a:lstStyle/>
+                    <a:p>
+                      <a:r>
+                        <a:rPr lang="zh-CN" altLang="en-US" dirty="0" smtClean="0"/>
+                        <a:t>单位</a:t>
+                      </a:r>
+                      <a:endParaRPr lang="zh-CN" altLang="en-US" dirty="0"/>
+                    </a:p>
+                  </a:txBody>
+                  <a:tcPr/>
+                </a:tc>
+                <a:tc>
+                  <a:txBody>
+                    <a:bodyPr/>
+                    <a:lstStyle/>
+                    <a:p>
+                      <a:r>
+                        <a:rPr lang="zh-CN" altLang="en-US" dirty="0" smtClean="0"/>
+                        <a:t>评价标准</a:t>
+                      </a:r>
+                      <a:endParaRPr lang="zh-CN" altLang="en-US" dirty="0"/>
+                    </a:p>
+                  </a:txBody>
+                  <a:tcPr/>
+                </a:tc>
+              </a:tr>
+              <a:tr h="885061">
+                <a:tc>
+                  <a:txBody>
+                    <a:bodyPr/>
+                    <a:lstStyle/>
+                    <a:p>
+                      <a:r>
+                        <a:rPr lang="zh-CN" altLang="en-US" dirty="0" smtClean="0"/>
+                        <a:t>工时</a:t>
+                      </a:r>
+                      <a:endParaRPr lang="zh-CN" altLang="en-US" dirty="0"/>
+                    </a:p>
+                  </a:txBody>
+                  <a:tcPr/>
+                </a:tc>
+                <a:tc>
+                  <a:txBody>
+                    <a:bodyPr/>
+                    <a:lstStyle/>
+                    <a:p>
+                      <a:r>
+                        <a:rPr lang="zh-CN" altLang="en-US" dirty="0" smtClean="0"/>
+                        <a:t>小时</a:t>
+                      </a:r>
+                      <a:endParaRPr lang="zh-CN" altLang="en-US" dirty="0"/>
+                    </a:p>
+                  </a:txBody>
+                  <a:tcPr/>
+                </a:tc>
+                <a:tc>
+                  <a:txBody>
+                    <a:bodyPr/>
+                    <a:lstStyle/>
+                    <a:p>
+                      <a:r>
+                        <a:rPr lang="zh-CN" altLang="en-US" dirty="0" smtClean="0"/>
+                        <a:t>每天的工作时间固定为一小时，符合条件得分为</a:t>
+                      </a:r>
+                      <a:r>
+                        <a:rPr lang="en-US" altLang="zh-CN" dirty="0" smtClean="0"/>
+                        <a:t>80</a:t>
+                      </a:r>
+                      <a:r>
+                        <a:rPr lang="zh-CN" altLang="en-US" dirty="0" smtClean="0"/>
+                        <a:t>分，不足一小时单项得分每少二十分钟扣</a:t>
+                      </a:r>
+                      <a:r>
+                        <a:rPr lang="en-US" altLang="zh-CN" dirty="0" smtClean="0"/>
+                        <a:t>1</a:t>
+                      </a:r>
+                      <a:r>
+                        <a:rPr lang="zh-CN" altLang="en-US" dirty="0" smtClean="0"/>
+                        <a:t>分，每多二十分钟加一分。</a:t>
+                      </a:r>
+                      <a:endParaRPr lang="zh-CN" altLang="en-US" dirty="0"/>
+                    </a:p>
+                  </a:txBody>
+                  <a:tcPr/>
+                </a:tc>
+              </a:tr>
+              <a:tr h="885061">
+                <a:tc>
+                  <a:txBody>
+                    <a:bodyPr/>
+                    <a:lstStyle/>
+                    <a:p>
+                      <a:r>
+                        <a:rPr lang="zh-CN" altLang="en-US" dirty="0" smtClean="0"/>
+                        <a:t>完成度</a:t>
+                      </a:r>
+                      <a:endParaRPr lang="zh-CN" altLang="en-US" dirty="0"/>
+                    </a:p>
+                  </a:txBody>
+                  <a:tcPr/>
+                </a:tc>
+                <a:tc>
+                  <a:txBody>
+                    <a:bodyPr/>
+                    <a:lstStyle/>
+                    <a:p>
+                      <a:r>
+                        <a:rPr lang="zh-CN" altLang="en-US" dirty="0" smtClean="0"/>
+                        <a:t>百分比</a:t>
+                      </a:r>
+                      <a:r>
+                        <a:rPr lang="en-US" altLang="zh-CN" dirty="0" smtClean="0"/>
+                        <a:t>/100</a:t>
+                      </a:r>
+                      <a:endParaRPr lang="zh-CN" altLang="en-US" dirty="0"/>
+                    </a:p>
+                  </a:txBody>
+                  <a:tcPr/>
+                </a:tc>
+                <a:tc>
+                  <a:txBody>
+                    <a:bodyPr/>
+                    <a:lstStyle/>
+                    <a:p>
+                      <a:r>
+                        <a:rPr lang="zh-CN" altLang="en-US" dirty="0" smtClean="0"/>
+                        <a:t>在布置任务后，完成度由整组讨论得出，基本没有完成得分</a:t>
+                      </a:r>
+                      <a:r>
+                        <a:rPr lang="en-US" altLang="zh-CN" dirty="0" smtClean="0"/>
+                        <a:t>0-30</a:t>
+                      </a:r>
+                      <a:r>
+                        <a:rPr lang="zh-CN" altLang="en-US" dirty="0" smtClean="0"/>
+                        <a:t>，完成一半得分</a:t>
+                      </a:r>
+                      <a:r>
+                        <a:rPr lang="en-US" altLang="zh-CN" dirty="0" smtClean="0"/>
+                        <a:t>30-60</a:t>
+                      </a:r>
+                      <a:r>
+                        <a:rPr lang="zh-CN" altLang="en-US" dirty="0" smtClean="0"/>
+                        <a:t>，完成度较高</a:t>
+                      </a:r>
+                      <a:r>
+                        <a:rPr lang="en-US" altLang="zh-CN" dirty="0" smtClean="0"/>
+                        <a:t>60-90</a:t>
+                      </a:r>
+                      <a:r>
+                        <a:rPr lang="zh-CN" altLang="en-US" dirty="0" smtClean="0"/>
+                        <a:t>，全部</a:t>
+                      </a:r>
+                      <a:r>
+                        <a:rPr lang="en-US" altLang="zh-CN" dirty="0" smtClean="0"/>
+                        <a:t>90-100</a:t>
+                      </a:r>
+                      <a:r>
+                        <a:rPr lang="zh-CN" altLang="en-US" dirty="0" smtClean="0"/>
+                        <a:t>。</a:t>
+                      </a:r>
+                      <a:endParaRPr lang="zh-CN" altLang="en-US" dirty="0"/>
+                    </a:p>
+                  </a:txBody>
+                  <a:tcPr/>
+                </a:tc>
+              </a:tr>
+              <a:tr h="885061">
+                <a:tc>
+                  <a:txBody>
+                    <a:bodyPr/>
+                    <a:lstStyle/>
+                    <a:p>
+                      <a:r>
+                        <a:rPr lang="zh-CN" altLang="en-US" dirty="0" smtClean="0"/>
+                        <a:t>完成评定</a:t>
+                      </a:r>
+                      <a:endParaRPr lang="zh-CN" altLang="en-US" dirty="0"/>
+                    </a:p>
+                  </a:txBody>
+                  <a:tcPr/>
+                </a:tc>
+                <a:tc>
+                  <a:txBody>
+                    <a:bodyPr/>
+                    <a:lstStyle/>
+                    <a:p>
+                      <a:r>
+                        <a:rPr lang="zh-CN" altLang="en-US" dirty="0" smtClean="0"/>
+                        <a:t>百分比</a:t>
+                      </a:r>
+                      <a:endParaRPr lang="en-US" altLang="zh-CN" dirty="0" smtClean="0"/>
+                    </a:p>
+                    <a:p>
+                      <a:r>
+                        <a:rPr lang="en-US" altLang="zh-CN" dirty="0" smtClean="0"/>
+                        <a:t>/100</a:t>
+                      </a:r>
+                      <a:endParaRPr lang="zh-CN" altLang="en-US" dirty="0"/>
+                    </a:p>
+                  </a:txBody>
+                  <a:tcPr/>
+                </a:tc>
+                <a:tc>
+                  <a:txBody>
+                    <a:bodyPr/>
+                    <a:lstStyle/>
+                    <a:p>
+                      <a:r>
+                        <a:rPr lang="zh-CN" altLang="en-US" dirty="0" smtClean="0"/>
+                        <a:t>在评价完完成度后，完成评定由整组讨论得出，完成很差得分</a:t>
+                      </a:r>
+                      <a:r>
+                        <a:rPr lang="en-US" altLang="zh-CN" dirty="0" smtClean="0"/>
+                        <a:t>0-30</a:t>
+                      </a:r>
+                      <a:r>
+                        <a:rPr lang="zh-CN" altLang="en-US" dirty="0" smtClean="0"/>
+                        <a:t>，完成的还行得分</a:t>
+                      </a:r>
+                      <a:r>
+                        <a:rPr lang="en-US" altLang="zh-CN" dirty="0" smtClean="0"/>
+                        <a:t>30-60</a:t>
+                      </a:r>
+                      <a:r>
+                        <a:rPr lang="zh-CN" altLang="en-US" dirty="0" smtClean="0"/>
+                        <a:t>，完成的较好得分</a:t>
+                      </a:r>
+                      <a:r>
+                        <a:rPr lang="en-US" altLang="zh-CN" dirty="0" smtClean="0"/>
+                        <a:t>60-90</a:t>
+                      </a:r>
+                      <a:r>
+                        <a:rPr lang="zh-CN" altLang="en-US" dirty="0" smtClean="0"/>
+                        <a:t>，完成的非常好得分</a:t>
+                      </a:r>
+                      <a:r>
+                        <a:rPr lang="en-US" altLang="zh-CN" dirty="0" smtClean="0"/>
+                        <a:t>90-100</a:t>
+                      </a:r>
+                      <a:r>
+                        <a:rPr lang="zh-CN" altLang="en-US" dirty="0" smtClean="0"/>
+                        <a:t>。</a:t>
+                      </a:r>
+                      <a:endParaRPr lang="zh-CN" altLang="en-US" dirty="0"/>
+                    </a:p>
+                  </a:txBody>
+                  <a:tcPr/>
+                </a:tc>
+              </a:tr>
+              <a:tr h="619543">
+                <a:tc>
+                  <a:txBody>
+                    <a:bodyPr/>
+                    <a:lstStyle/>
+                    <a:p>
+                      <a:r>
+                        <a:rPr lang="zh-CN" altLang="en-US" dirty="0" smtClean="0"/>
+                        <a:t>提交时间</a:t>
+                      </a:r>
+                      <a:endParaRPr lang="zh-CN" altLang="en-US" dirty="0"/>
+                    </a:p>
+                  </a:txBody>
+                  <a:tcPr/>
+                </a:tc>
+                <a:tc>
+                  <a:txBody>
+                    <a:bodyPr/>
+                    <a:lstStyle/>
+                    <a:p>
+                      <a:r>
+                        <a:rPr lang="zh-CN" altLang="en-US" dirty="0" smtClean="0"/>
+                        <a:t>小时</a:t>
+                      </a:r>
+                      <a:endParaRPr lang="zh-CN" altLang="en-US" dirty="0"/>
+                    </a:p>
+                  </a:txBody>
+                  <a:tcPr/>
+                </a:tc>
+                <a:tc>
+                  <a:txBody>
+                    <a:bodyPr/>
+                    <a:lstStyle/>
+                    <a:p>
+                      <a:r>
+                        <a:rPr lang="zh-CN" altLang="en-US" dirty="0" smtClean="0"/>
+                        <a:t>在布置任务后，规定提交时间下，提前提交为</a:t>
+                      </a:r>
+                      <a:r>
+                        <a:rPr lang="en-US" altLang="zh-CN" dirty="0" smtClean="0"/>
+                        <a:t>100</a:t>
+                      </a:r>
+                      <a:r>
+                        <a:rPr lang="zh-CN" altLang="en-US" dirty="0" smtClean="0"/>
+                        <a:t>分，如果没有超过提交时间每二十分钟扣一分。</a:t>
+                      </a:r>
+                      <a:endParaRPr lang="zh-CN" altLang="en-US" dirty="0"/>
+                    </a:p>
+                  </a:txBody>
+                  <a:tcPr/>
+                </a:tc>
+              </a:tr>
+              <a:tr h="619543">
+                <a:tc>
+                  <a:txBody>
+                    <a:bodyPr/>
+                    <a:lstStyle/>
+                    <a:p>
+                      <a:pPr marL="0" marR="0" indent="0" algn="l" defTabSz="914400" rtl="0" eaLnBrk="1" fontAlgn="auto" latinLnBrk="0" hangingPunct="1">
+                        <a:lnSpc>
+                          <a:spcPct val="100000"/>
+                        </a:lnSpc>
+                        <a:spcBef>
+                          <a:spcPts val="0"/>
+                        </a:spcBef>
+                        <a:spcAft>
+                          <a:spcPts val="0"/>
+                        </a:spcAft>
+                        <a:buClrTx/>
+                        <a:buSzTx/>
+                        <a:buFontTx/>
+                        <a:buNone/>
+                        <a:tabLst/>
+                        <a:defRPr/>
+                      </a:pPr>
+                      <a:r>
+                        <a:rPr lang="zh-CN" altLang="en-US" dirty="0" smtClean="0"/>
+                        <a:t>额外工作</a:t>
+                      </a:r>
+                    </a:p>
+                    <a:p>
+                      <a:endParaRPr lang="en-US" altLang="zh-CN" dirty="0" smtClean="0"/>
+                    </a:p>
+                  </a:txBody>
+                  <a:tcPr/>
+                </a:tc>
+                <a:tc>
+                  <a:txBody>
+                    <a:bodyPr/>
+                    <a:lstStyle/>
+                    <a:p>
+                      <a:r>
+                        <a:rPr lang="zh-CN" altLang="en-US" dirty="0" smtClean="0"/>
+                        <a:t>得分</a:t>
+                      </a:r>
+                      <a:endParaRPr lang="zh-CN" altLang="en-US" dirty="0"/>
+                    </a:p>
+                  </a:txBody>
+                  <a:tcPr/>
+                </a:tc>
+                <a:tc>
+                  <a:txBody>
+                    <a:bodyPr/>
+                    <a:lstStyle/>
+                    <a:p>
+                      <a:r>
+                        <a:rPr lang="zh-CN" altLang="en-US" dirty="0" smtClean="0"/>
+                        <a:t>在总分的基础上作加分，由小组讨论得出，正常可加</a:t>
+                      </a:r>
+                      <a:r>
+                        <a:rPr lang="en-US" altLang="zh-CN" dirty="0" smtClean="0"/>
+                        <a:t>3</a:t>
+                      </a:r>
+                      <a:r>
+                        <a:rPr lang="zh-CN" altLang="en-US" dirty="0" smtClean="0"/>
+                        <a:t>分</a:t>
+                      </a:r>
+                      <a:r>
+                        <a:rPr lang="en-US" altLang="zh-CN" dirty="0" smtClean="0"/>
+                        <a:t>-5</a:t>
+                      </a:r>
+                      <a:r>
+                        <a:rPr lang="zh-CN" altLang="en-US" dirty="0" smtClean="0"/>
+                        <a:t>分。</a:t>
+                      </a:r>
+                      <a:endParaRPr lang="en-US" altLang="zh-CN" dirty="0" smtClean="0"/>
+                    </a:p>
+                  </a:txBody>
+                  <a:tcPr/>
+                </a:tc>
+              </a:tr>
+              <a:tr h="619543">
+                <a:tc>
+                  <a:txBody>
+                    <a:bodyPr/>
+                    <a:lstStyle/>
+                    <a:p>
+                      <a:r>
+                        <a:rPr lang="zh-CN" altLang="en-US" dirty="0" smtClean="0"/>
+                        <a:t>总评分</a:t>
+                      </a:r>
+                      <a:endParaRPr lang="en-US" altLang="zh-CN" dirty="0" smtClean="0"/>
+                    </a:p>
+                  </a:txBody>
+                  <a:tcPr/>
+                </a:tc>
+                <a:tc>
+                  <a:txBody>
+                    <a:bodyPr/>
+                    <a:lstStyle/>
+                    <a:p>
+                      <a:r>
+                        <a:rPr lang="zh-CN" altLang="en-US" dirty="0" smtClean="0"/>
+                        <a:t>得分</a:t>
+                      </a:r>
+                      <a:endParaRPr lang="zh-CN" altLang="en-US" dirty="0"/>
+                    </a:p>
+                  </a:txBody>
+                  <a:tcPr/>
+                </a:tc>
+                <a:tc>
+                  <a:txBody>
+                    <a:bodyPr/>
+                    <a:lstStyle/>
+                    <a:p>
+                      <a:r>
+                        <a:rPr lang="zh-CN" altLang="en-US" dirty="0" smtClean="0"/>
+                        <a:t>工时得分*</a:t>
+                      </a:r>
+                      <a:r>
+                        <a:rPr lang="en-US" altLang="zh-CN" dirty="0" smtClean="0"/>
+                        <a:t>0.25+</a:t>
+                      </a:r>
+                      <a:r>
+                        <a:rPr lang="zh-CN" altLang="en-US" dirty="0" smtClean="0"/>
+                        <a:t>完成度*</a:t>
+                      </a:r>
+                      <a:r>
+                        <a:rPr lang="en-US" altLang="zh-CN" dirty="0" smtClean="0"/>
+                        <a:t>0.25+</a:t>
+                      </a:r>
+                      <a:r>
+                        <a:rPr lang="zh-CN" altLang="en-US" dirty="0" smtClean="0"/>
+                        <a:t>完成评定*</a:t>
+                      </a:r>
+                      <a:r>
+                        <a:rPr lang="en-US" altLang="zh-CN" dirty="0" smtClean="0"/>
+                        <a:t>0.25+</a:t>
+                      </a:r>
+                      <a:r>
+                        <a:rPr lang="zh-CN" altLang="en-US" dirty="0" smtClean="0"/>
+                        <a:t>提交时间*</a:t>
+                      </a:r>
+                      <a:r>
+                        <a:rPr lang="en-US" altLang="zh-CN" dirty="0" smtClean="0"/>
+                        <a:t>0.25+</a:t>
+                      </a:r>
+                      <a:r>
+                        <a:rPr lang="zh-CN" altLang="en-US" dirty="0" smtClean="0"/>
+                        <a:t>额外工作得分。 满分为</a:t>
+                      </a:r>
+                      <a:r>
+                        <a:rPr lang="en-US" altLang="zh-CN" dirty="0" smtClean="0"/>
+                        <a:t>103-105</a:t>
+                      </a:r>
+                      <a:r>
+                        <a:rPr lang="zh-CN" altLang="en-US" dirty="0" smtClean="0"/>
+                        <a:t>。</a:t>
+                      </a:r>
+                      <a:endParaRPr lang="en-US" altLang="zh-CN" dirty="0" smtClean="0"/>
+                    </a:p>
+                  </a:txBody>
+                  <a:tcPr/>
+                </a:tc>
+              </a:tr>
+            </a:tbl>
+          </a:graphicData>
+        </a:graphic>
+      </p:graphicFrame>
+    </p:spTree>
+    <p:extLst>
+      <p:ext uri="{BB962C8B-B14F-4D97-AF65-F5344CB8AC3E}">
+        <p14:creationId xmlns:p14="http://schemas.microsoft.com/office/powerpoint/2010/main" val="964457172"/>
+      </p:ext>
+    </p:extLst>
+  </p:cSld>
+  <p:clrMapOvr>
+    <a:masterClrMapping/>
+  </p:clrMapOvr>
+  <mc:AlternateContent xmlns:mc="http://schemas.openxmlformats.org/markup-compatibility/2006" xmlns:p14="http://schemas.microsoft.com/office/powerpoint/2010/main">
+    <mc:Choice Requires="p14">
+      <p:transition spd="slow" p14:dur="1300">
+        <p14:pan dir="u"/>
+      </p:transition>
+    </mc:Choice>
+    <mc:Fallback xmlns="">
+      <p:transition spd="slow">
+        <p:fade/>
+      </p:transition>
+    </mc:Fallback>
+  </mc:AlternateContent>
+  <p:timing>
+    <p:tnLst>
+      <p:par>
+        <p:cTn id="1" dur="indefinite" restart="never" nodeType="tmRoot">
+          <p:childTnLst>
+            <p:seq concurrent="1" nextAc="seek">
+              <p:cTn id="2" dur="indefinite" nodeType="mainSeq">
+                <p:childTnLst>
+                  <p:par>
+                    <p:cTn id="3" fill="hold">
+                      <p:stCondLst>
+                        <p:cond delay="indefinite"/>
+                        <p:cond evt="onBegin" delay="0">
+                          <p:tn val="2"/>
+                        </p:cond>
+                      </p:stCondLst>
+                      <p:childTnLst>
+                        <p:par>
+                          <p:cTn id="4" fill="hold">
+                            <p:stCondLst>
+                              <p:cond delay="0"/>
+                            </p:stCondLst>
+                            <p:childTnLst>
+                              <p:par>
+                                <p:cTn id="5" presetID="22" presetClass="entr" presetSubtype="1" fill="hold" grpId="0" nodeType="afterEffect">
+                                  <p:stCondLst>
+                                    <p:cond delay="0"/>
+                                  </p:stCondLst>
+                                  <p:childTnLst>
+                                    <p:set>
+                                      <p:cBhvr>
+                                        <p:cTn id="6" dur="1" fill="hold">
+                                          <p:stCondLst>
+                                            <p:cond delay="0"/>
+                                          </p:stCondLst>
+                                        </p:cTn>
+                                        <p:tgtEl>
+                                          <p:spTgt spid="10"/>
+                                        </p:tgtEl>
+                                        <p:attrNameLst>
+                                          <p:attrName>style.visibility</p:attrName>
+                                        </p:attrNameLst>
+                                      </p:cBhvr>
+                                      <p:to>
+                                        <p:strVal val="visible"/>
+                                      </p:to>
+                                    </p:set>
+                                    <p:animEffect transition="in" filter="wipe(up)">
+                                      <p:cBhvr>
+                                        <p:cTn id="7" dur="500"/>
+                                        <p:tgtEl>
+                                          <p:spTgt spid="10"/>
+                                        </p:tgtEl>
+                                      </p:cBhvr>
+                                    </p:animEffect>
+                                  </p:childTnLst>
+                                </p:cTn>
+                              </p:par>
+                            </p:childTnLst>
+                          </p:cTn>
+                        </p:par>
+                      </p:childTnLst>
+                    </p:cTn>
+                  </p:par>
+                </p:childTnLst>
+              </p:cTn>
+              <p:prevCondLst>
+                <p:cond evt="onPrev" delay="0">
+                  <p:tgtEl>
+                    <p:sldTgt/>
+                  </p:tgtEl>
+                </p:cond>
+              </p:prevCondLst>
+              <p:nextCondLst>
+                <p:cond evt="onNext" delay="0">
+                  <p:tgtEl>
+                    <p:sldTgt/>
+                  </p:tgtEl>
+                </p:cond>
+              </p:nextCondLst>
+            </p:seq>
+          </p:childTnLst>
+        </p:cTn>
+      </p:par>
+    </p:tnLst>
+    <p:bldLst>
+      <p:bldP spid="10" grpId="0" animBg="1"/>
+    </p:bldLst>
+  </p:timing>
+</p:sld>
+</file>
+
+<file path=ppt/slides/slide45.xml><?xml version="1.0" encoding="utf-8"?>
+<p:sld xmlns:a="http://schemas.openxmlformats.org/drawingml/2006/main" xmlns:r="http://schemas.openxmlformats.org/officeDocument/2006/relationships" xmlns:p="http://schemas.openxmlformats.org/presentationml/2006/main">
+  <p:cSld>
+    <p:spTree>
+      <p:nvGrpSpPr>
+        <p:cNvPr id="1" name=""/>
+        <p:cNvGrpSpPr/>
+        <p:nvPr/>
+      </p:nvGrpSpPr>
+      <p:grpSpPr>
+        <a:xfrm>
+          <a:off x="0" y="0"/>
+          <a:ext cx="0" cy="0"/>
+          <a:chOff x="0" y="0"/>
+          <a:chExt cx="0" cy="0"/>
+        </a:xfrm>
+      </p:grpSpPr>
+      <p:grpSp>
+        <p:nvGrpSpPr>
+          <p:cNvPr id="2" name="组合 1">
+            <a:extLst>
+              <a:ext uri="{FF2B5EF4-FFF2-40B4-BE49-F238E27FC236}">
+                <a16:creationId xmlns="" xmlns:a16="http://schemas.microsoft.com/office/drawing/2014/main" id="{386E4078-B000-470C-8488-9AE4B883E6B0}"/>
+              </a:ext>
+            </a:extLst>
+          </p:cNvPr>
+          <p:cNvGrpSpPr/>
+          <p:nvPr/>
+        </p:nvGrpSpPr>
+        <p:grpSpPr>
+          <a:xfrm>
+            <a:off x="1244834" y="1293543"/>
+            <a:ext cx="3898667" cy="3168652"/>
+            <a:chOff x="734880" y="1174748"/>
+            <a:chExt cx="6165501" cy="4508500"/>
+          </a:xfrm>
+        </p:grpSpPr>
+        <p:pic>
+          <p:nvPicPr>
+            <p:cNvPr id="12" name="图片 11">
+              <a:extLst>
+                <a:ext uri="{FF2B5EF4-FFF2-40B4-BE49-F238E27FC236}">
+                  <a16:creationId xmlns="" xmlns:a16="http://schemas.microsoft.com/office/drawing/2014/main" id="{1CEB3D0B-3BB0-4048-AFBA-FAA004865132}"/>
+                </a:ext>
+              </a:extLst>
+            </p:cNvPr>
+            <p:cNvPicPr>
+              <a:picLocks noChangeAspect="1"/>
+            </p:cNvPicPr>
+            <p:nvPr/>
+          </p:nvPicPr>
+          <p:blipFill>
+            <a:blip r:embed="rId3" cstate="print">
+              <a:extLst>
+                <a:ext uri="{28A0092B-C50C-407E-A947-70E740481C1C}">
+                  <a14:useLocalDpi xmlns:a14="http://schemas.microsoft.com/office/drawing/2010/main" val="0"/>
+                </a:ext>
+              </a:extLst>
+            </a:blip>
+            <a:stretch>
+              <a:fillRect/>
+            </a:stretch>
+          </p:blipFill>
+          <p:spPr>
+            <a:xfrm>
+              <a:off x="734880" y="1174748"/>
+              <a:ext cx="6165501" cy="4508500"/>
+            </a:xfrm>
+            <a:prstGeom prst="rect">
+              <a:avLst/>
+            </a:prstGeom>
+          </p:spPr>
+        </p:pic>
+        <p:sp>
+          <p:nvSpPr>
+            <p:cNvPr id="4" name="图文框 3">
+              <a:extLst>
+                <a:ext uri="{FF2B5EF4-FFF2-40B4-BE49-F238E27FC236}">
+                  <a16:creationId xmlns="" xmlns:a16="http://schemas.microsoft.com/office/drawing/2014/main" id="{B3D3FBCC-1DBC-4AD3-BD22-E2A849DA6970}"/>
+                </a:ext>
+              </a:extLst>
+            </p:cNvPr>
+            <p:cNvSpPr/>
+            <p:nvPr/>
+          </p:nvSpPr>
+          <p:spPr>
+            <a:xfrm>
+              <a:off x="1473200" y="1727200"/>
+              <a:ext cx="4622800" cy="3390900"/>
+            </a:xfrm>
+            <a:prstGeom prst="frame">
+              <a:avLst>
+                <a:gd name="adj1" fmla="val 2823"/>
+              </a:avLst>
+            </a:prstGeom>
+            <a:solidFill>
+              <a:schemeClr val="bg1"/>
+            </a:solidFill>
+            <a:ln>
+              <a:noFill/>
+            </a:ln>
+            <a:effectLst>
+              <a:outerShdw blurRad="114300" sx="102000" sy="102000" algn="ctr" rotWithShape="0">
+                <a:prstClr val="black">
+                  <a:alpha val="27000"/>
+                </a:prstClr>
+              </a:outerShdw>
+            </a:effectLst>
+          </p:spPr>
+          <p:style>
+            <a:lnRef idx="2">
+              <a:schemeClr val="accent1">
+                <a:shade val="50000"/>
+              </a:schemeClr>
+            </a:lnRef>
+            <a:fillRef idx="1">
+              <a:schemeClr val="accent1"/>
+            </a:fillRef>
+            <a:effectRef idx="0">
+              <a:schemeClr val="accent1"/>
+            </a:effectRef>
+            <a:fontRef idx="minor">
+              <a:schemeClr val="lt1"/>
+            </a:fontRef>
+          </p:style>
+          <p:txBody>
+            <a:bodyPr rtlCol="0" anchor="ctr"/>
+            <a:lstStyle/>
+            <a:p>
+              <a:pPr algn="ctr"/>
+              <a:endParaRPr lang="zh-CN" altLang="en-US">
+                <a:solidFill>
+                  <a:schemeClr val="tx1"/>
+                </a:solidFill>
+              </a:endParaRPr>
+            </a:p>
+          </p:txBody>
+        </p:sp>
+        <p:sp>
+          <p:nvSpPr>
+            <p:cNvPr id="13" name="文本框 12">
+              <a:extLst>
+                <a:ext uri="{FF2B5EF4-FFF2-40B4-BE49-F238E27FC236}">
+                  <a16:creationId xmlns="" xmlns:a16="http://schemas.microsoft.com/office/drawing/2014/main" id="{DDD306D5-6972-42D8-AB45-FBC6F1006BAD}"/>
+                </a:ext>
+              </a:extLst>
+            </p:cNvPr>
+            <p:cNvSpPr txBox="1"/>
+            <p:nvPr/>
+          </p:nvSpPr>
+          <p:spPr>
+            <a:xfrm>
+              <a:off x="2074179" y="2519723"/>
+              <a:ext cx="3933293" cy="1445131"/>
+            </a:xfrm>
+            <a:prstGeom prst="rect">
+              <a:avLst/>
+            </a:prstGeom>
+            <a:noFill/>
+          </p:spPr>
+          <p:txBody>
+            <a:bodyPr wrap="square" rtlCol="0">
+              <a:spAutoFit/>
+            </a:bodyPr>
+            <a:lstStyle/>
+            <a:p>
+              <a:r>
+                <a:rPr lang="zh-CN" altLang="en-US" sz="6000" b="1" dirty="0" smtClean="0">
+                  <a:solidFill>
+                    <a:schemeClr val="bg1"/>
+                  </a:solidFill>
+                  <a:latin typeface="+mn-ea"/>
+                  <a:sym typeface="FZHei-B01S" panose="02010601030101010101" pitchFamily="2" charset="-122"/>
+                </a:rPr>
+                <a:t>评分</a:t>
+              </a:r>
+              <a:endParaRPr lang="zh-CN" altLang="en-US" sz="6000" b="1" dirty="0">
+                <a:solidFill>
+                  <a:schemeClr val="bg1"/>
+                </a:solidFill>
+                <a:latin typeface="+mn-ea"/>
+                <a:sym typeface="FZHei-B01S" panose="02010601030101010101" pitchFamily="2" charset="-122"/>
+              </a:endParaRPr>
+            </a:p>
+          </p:txBody>
+        </p:sp>
+      </p:grpSp>
+      <p:sp>
+        <p:nvSpPr>
+          <p:cNvPr id="16" name="文本框 15">
+            <a:extLst>
+              <a:ext uri="{FF2B5EF4-FFF2-40B4-BE49-F238E27FC236}">
+                <a16:creationId xmlns="" xmlns:a16="http://schemas.microsoft.com/office/drawing/2014/main" id="{BA745D5C-F858-48FC-B079-3255485275C4}"/>
+              </a:ext>
+            </a:extLst>
+          </p:cNvPr>
+          <p:cNvSpPr txBox="1"/>
+          <p:nvPr/>
+        </p:nvSpPr>
+        <p:spPr>
+          <a:xfrm>
+            <a:off x="5988188" y="1267985"/>
+            <a:ext cx="5336304" cy="3477875"/>
+          </a:xfrm>
+          <a:prstGeom prst="rect">
+            <a:avLst/>
+          </a:prstGeom>
+          <a:noFill/>
+        </p:spPr>
+        <p:txBody>
+          <a:bodyPr wrap="square" rtlCol="0">
+            <a:spAutoFit/>
+            <a:scene3d>
+              <a:camera prst="orthographicFront"/>
+              <a:lightRig rig="threePt" dir="t"/>
+            </a:scene3d>
+            <a:sp3d contourW="12700"/>
+          </a:bodyPr>
+          <a:lstStyle/>
+          <a:p>
+            <a:r>
+              <a:rPr lang="zh-CN" altLang="en-US" sz="2000" dirty="0"/>
+              <a:t>庄毓勋：制作</a:t>
+            </a:r>
+            <a:r>
+              <a:rPr lang="en-US" altLang="zh-CN" sz="2000" dirty="0"/>
+              <a:t>PPT</a:t>
+            </a:r>
+            <a:r>
+              <a:rPr lang="zh-CN" altLang="en-US" sz="2000" dirty="0"/>
+              <a:t>，演讲</a:t>
+            </a:r>
+            <a:r>
+              <a:rPr lang="en-US" altLang="zh-CN" sz="2000" dirty="0"/>
+              <a:t>PPT</a:t>
+            </a:r>
+            <a:r>
+              <a:rPr lang="zh-CN" altLang="en-US" sz="2000" dirty="0"/>
+              <a:t>，整合需求文档。得分</a:t>
+            </a:r>
+            <a:r>
+              <a:rPr lang="zh-CN" altLang="en-US" sz="2000" dirty="0" smtClean="0"/>
+              <a:t>：</a:t>
+            </a:r>
+            <a:r>
+              <a:rPr lang="en-US" altLang="zh-CN" sz="2000" b="1" dirty="0" smtClean="0"/>
+              <a:t>93.25</a:t>
+            </a:r>
+            <a:endParaRPr lang="en-US" altLang="zh-CN" sz="2000" b="1" dirty="0"/>
+          </a:p>
+          <a:p>
+            <a:r>
+              <a:rPr lang="zh-CN" altLang="en-US" sz="2000" dirty="0"/>
+              <a:t>诸葛志祥：甘特图，成本管理，项目章程，</a:t>
+            </a:r>
+            <a:r>
+              <a:rPr lang="en-US" altLang="zh-CN" sz="2000" dirty="0"/>
+              <a:t>QA</a:t>
+            </a:r>
+            <a:r>
+              <a:rPr lang="zh-CN" altLang="en-US" sz="2000" dirty="0"/>
+              <a:t>计划。</a:t>
+            </a:r>
+            <a:endParaRPr lang="en-US" altLang="zh-CN" sz="2000" dirty="0"/>
+          </a:p>
+          <a:p>
+            <a:r>
+              <a:rPr lang="zh-CN" altLang="en-US" sz="2000" dirty="0"/>
+              <a:t>得分</a:t>
+            </a:r>
+            <a:r>
+              <a:rPr lang="zh-CN" altLang="en-US" sz="2000" dirty="0" smtClean="0"/>
+              <a:t>：</a:t>
+            </a:r>
+            <a:r>
+              <a:rPr lang="en-US" altLang="zh-CN" sz="2000" b="1" dirty="0" smtClean="0"/>
+              <a:t>90</a:t>
+            </a:r>
+            <a:endParaRPr lang="en-US" altLang="zh-CN" sz="2000" b="1" dirty="0"/>
+          </a:p>
+          <a:p>
+            <a:r>
+              <a:rPr lang="zh-CN" altLang="en-US" sz="2000" dirty="0"/>
+              <a:t>邓晰：配置管理、配置管理。</a:t>
+            </a:r>
+            <a:endParaRPr lang="en-US" altLang="zh-CN" sz="2000" dirty="0"/>
+          </a:p>
+          <a:p>
+            <a:r>
+              <a:rPr lang="zh-CN" altLang="en-US" sz="2000" dirty="0"/>
+              <a:t>得分</a:t>
+            </a:r>
+            <a:r>
+              <a:rPr lang="zh-CN" altLang="en-US" sz="2000" dirty="0" smtClean="0"/>
+              <a:t>：</a:t>
+            </a:r>
+            <a:r>
+              <a:rPr lang="en-US" altLang="zh-CN" sz="2000" b="1" dirty="0" smtClean="0"/>
+              <a:t>91</a:t>
+            </a:r>
+            <a:r>
+              <a:rPr lang="en-US" altLang="zh-CN" sz="2000" b="1" dirty="0"/>
+              <a:t>.</a:t>
+            </a:r>
+            <a:r>
+              <a:rPr lang="en-US" altLang="zh-CN" sz="2000" b="1" dirty="0" smtClean="0"/>
+              <a:t>25</a:t>
+            </a:r>
+            <a:endParaRPr lang="en-US" altLang="zh-CN" sz="2000" b="1" dirty="0"/>
+          </a:p>
+          <a:p>
+            <a:r>
+              <a:rPr lang="zh-CN" altLang="en-US" sz="2000" dirty="0"/>
+              <a:t>陈伟峰：人力资源管理，干系人管理。</a:t>
+            </a:r>
+            <a:endParaRPr lang="en-US" altLang="zh-CN" sz="2000" dirty="0"/>
+          </a:p>
+          <a:p>
+            <a:r>
+              <a:rPr lang="zh-CN" altLang="en-US" sz="2000" dirty="0"/>
+              <a:t>得分</a:t>
+            </a:r>
+            <a:r>
+              <a:rPr lang="zh-CN" altLang="en-US" sz="2000" dirty="0" smtClean="0"/>
+              <a:t>：</a:t>
+            </a:r>
+            <a:r>
+              <a:rPr lang="en-US" altLang="zh-CN" sz="2000" b="1" dirty="0" smtClean="0"/>
+              <a:t>88.7</a:t>
+            </a:r>
+          </a:p>
+          <a:p>
+            <a:r>
+              <a:rPr lang="zh-CN" altLang="en-US" sz="2000" dirty="0" smtClean="0"/>
+              <a:t>程天珂</a:t>
+            </a:r>
+            <a:r>
+              <a:rPr lang="zh-CN" altLang="en-US" sz="2000" dirty="0"/>
+              <a:t>：范围管理，时间管理。</a:t>
+            </a:r>
+            <a:endParaRPr lang="en-US" altLang="zh-CN" sz="2000" dirty="0"/>
+          </a:p>
+          <a:p>
+            <a:r>
+              <a:rPr lang="zh-CN" altLang="en-US" sz="2000" dirty="0"/>
+              <a:t>得分</a:t>
+            </a:r>
+            <a:r>
+              <a:rPr lang="zh-CN" altLang="en-US" sz="2000" dirty="0" smtClean="0"/>
+              <a:t>：</a:t>
+            </a:r>
+            <a:r>
+              <a:rPr lang="en-US" altLang="zh-CN" sz="2000" b="1" dirty="0" smtClean="0"/>
+              <a:t>85.75</a:t>
+            </a:r>
+            <a:endParaRPr lang="en-US" altLang="zh-CN" sz="2000" b="1" dirty="0"/>
+          </a:p>
+        </p:txBody>
+      </p:sp>
+    </p:spTree>
+    <p:extLst>
+      <p:ext uri="{BB962C8B-B14F-4D97-AF65-F5344CB8AC3E}">
+        <p14:creationId xmlns:p14="http://schemas.microsoft.com/office/powerpoint/2010/main" val="4043911690"/>
+      </p:ext>
+    </p:extLst>
+  </p:cSld>
+  <p:clrMapOvr>
+    <a:masterClrMapping/>
+  </p:clrMapOvr>
+  <mc:AlternateContent xmlns:mc="http://schemas.openxmlformats.org/markup-compatibility/2006" xmlns:p14="http://schemas.microsoft.com/office/powerpoint/2010/main">
+    <mc:Choice Requires="p14">
+      <p:transition spd="slow" p14:dur="1250">
+        <p14:flip dir="r"/>
+      </p:transition>
+    </mc:Choice>
+    <mc:Fallback xmlns="">
+      <p:transition spd="slow">
+        <p:fade/>
+      </p:transition>
+    </mc:Fallback>
+  </mc:AlternateContent>
+  <p:timing>
+    <p:tnLst>
+      <p:par>
+        <p:cTn id="1" dur="indefinite" restart="never" nodeType="tmRoot">
+          <p:childTnLst>
+            <p:seq concurrent="1" nextAc="seek">
+              <p:cTn id="2" dur="indefinite" nodeType="mainSeq">
+                <p:childTnLst>
+                  <p:par>
+                    <p:cTn id="3" fill="hold">
+                      <p:stCondLst>
+                        <p:cond delay="indefinite"/>
+                        <p:cond evt="onBegin" delay="0">
+                          <p:tn val="2"/>
+                        </p:cond>
+                      </p:stCondLst>
+                      <p:childTnLst>
+                        <p:par>
+                          <p:cTn id="4" fill="hold">
+                            <p:stCondLst>
+                              <p:cond delay="0"/>
+                            </p:stCondLst>
+                            <p:childTnLst>
+                              <p:par>
+                                <p:cTn id="5" presetID="53" presetClass="entr" presetSubtype="16" fill="hold" nodeType="afterEffect">
+                                  <p:stCondLst>
+                                    <p:cond delay="0"/>
+                                  </p:stCondLst>
+                                  <p:childTnLst>
+                                    <p:set>
+                                      <p:cBhvr>
+                                        <p:cTn id="6" dur="1" fill="hold">
+                                          <p:stCondLst>
+                                            <p:cond delay="0"/>
+                                          </p:stCondLst>
+                                        </p:cTn>
+                                        <p:tgtEl>
+                                          <p:spTgt spid="2"/>
+                                        </p:tgtEl>
+                                        <p:attrNameLst>
+                                          <p:attrName>style.visibility</p:attrName>
+                                        </p:attrNameLst>
+                                      </p:cBhvr>
+                                      <p:to>
+                                        <p:strVal val="visible"/>
+                                      </p:to>
+                                    </p:set>
+                                    <p:anim calcmode="lin" valueType="num">
+                                      <p:cBhvr>
+                                        <p:cTn id="7" dur="500" fill="hold"/>
+                                        <p:tgtEl>
+                                          <p:spTgt spid="2"/>
+                                        </p:tgtEl>
+                                        <p:attrNameLst>
+                                          <p:attrName>ppt_w</p:attrName>
+                                        </p:attrNameLst>
+                                      </p:cBhvr>
+                                      <p:tavLst>
+                                        <p:tav tm="0">
+                                          <p:val>
+                                            <p:fltVal val="0"/>
+                                          </p:val>
+                                        </p:tav>
+                                        <p:tav tm="100000">
+                                          <p:val>
+                                            <p:strVal val="#ppt_w"/>
+                                          </p:val>
+                                        </p:tav>
+                                      </p:tavLst>
+                                    </p:anim>
+                                    <p:anim calcmode="lin" valueType="num">
+                                      <p:cBhvr>
+                                        <p:cTn id="8" dur="500" fill="hold"/>
+                                        <p:tgtEl>
+                                          <p:spTgt spid="2"/>
+                                        </p:tgtEl>
+                                        <p:attrNameLst>
+                                          <p:attrName>ppt_h</p:attrName>
+                                        </p:attrNameLst>
+                                      </p:cBhvr>
+                                      <p:tavLst>
+                                        <p:tav tm="0">
+                                          <p:val>
+                                            <p:fltVal val="0"/>
+                                          </p:val>
+                                        </p:tav>
+                                        <p:tav tm="100000">
+                                          <p:val>
+                                            <p:strVal val="#ppt_h"/>
+                                          </p:val>
+                                        </p:tav>
+                                      </p:tavLst>
+                                    </p:anim>
+                                    <p:animEffect transition="in" filter="fade">
+                                      <p:cBhvr>
+                                        <p:cTn id="9" dur="500"/>
+                                        <p:tgtEl>
+                                          <p:spTgt spid="2"/>
+                                        </p:tgtEl>
+                                      </p:cBhvr>
+                                    </p:animEffect>
+                                  </p:childTnLst>
+                                </p:cTn>
+                              </p:par>
+                            </p:childTnLst>
+                          </p:cTn>
+                        </p:par>
+                      </p:childTnLst>
+                    </p:cTn>
+                  </p:par>
+                </p:childTnLst>
+              </p:cTn>
+              <p:prevCondLst>
+                <p:cond evt="onPrev" delay="0">
+                  <p:tgtEl>
+                    <p:sldTgt/>
+                  </p:tgtEl>
+                </p:cond>
+              </p:prevCondLst>
+              <p:nextCondLst>
+                <p:cond evt="onNext" delay="0">
+                  <p:tgtEl>
+                    <p:sldTgt/>
+                  </p:tgtEl>
+                </p:cond>
+              </p:nextCondLst>
+            </p:seq>
+          </p:childTnLst>
+        </p:cTn>
+      </p:par>
+    </p:tnLst>
+  </p:timing>
+</p:sld>
+</file>
+
+<file path=ppt/slides/slide46.xml><?xml version="1.0" encoding="utf-8"?>
+<p:sld xmlns:a="http://schemas.openxmlformats.org/drawingml/2006/main" xmlns:r="http://schemas.openxmlformats.org/officeDocument/2006/relationships" xmlns:p="http://schemas.openxmlformats.org/presentationml/2006/main">
+  <p:cSld>
+    <p:spTree>
+      <p:nvGrpSpPr>
+        <p:cNvPr id="1" name=""/>
+        <p:cNvGrpSpPr/>
+        <p:nvPr/>
+      </p:nvGrpSpPr>
+      <p:grpSpPr>
+        <a:xfrm>
+          <a:off x="0" y="0"/>
+          <a:ext cx="0" cy="0"/>
+          <a:chOff x="0" y="0"/>
+          <a:chExt cx="0" cy="0"/>
+        </a:xfrm>
+      </p:grpSpPr>
+      <p:pic>
+        <p:nvPicPr>
+          <p:cNvPr id="2" name="图片 1">
+            <a:extLst>
+              <a:ext uri="{FF2B5EF4-FFF2-40B4-BE49-F238E27FC236}">
+                <a16:creationId xmlns="" xmlns:a16="http://schemas.microsoft.com/office/drawing/2014/main" id="{B1C6DB09-A408-4502-BFA6-90542E7F80A9}"/>
+              </a:ext>
+            </a:extLst>
+          </p:cNvPr>
+          <p:cNvPicPr>
+            <a:picLocks noChangeAspect="1"/>
+          </p:cNvPicPr>
+          <p:nvPr/>
+        </p:nvPicPr>
+        <p:blipFill>
+          <a:blip r:embed="rId3" cstate="print">
+            <a:extLst>
+              <a:ext uri="{28A0092B-C50C-407E-A947-70E740481C1C}">
+                <a14:useLocalDpi xmlns:a14="http://schemas.microsoft.com/office/drawing/2010/main" val="0"/>
+              </a:ext>
+            </a:extLst>
+          </a:blip>
+          <a:stretch>
+            <a:fillRect/>
+          </a:stretch>
+        </p:blipFill>
+        <p:spPr>
+          <a:xfrm>
+            <a:off x="-2004691" y="-197918"/>
+            <a:ext cx="3107777" cy="2272551"/>
+          </a:xfrm>
+          <a:prstGeom prst="rect">
+            <a:avLst/>
+          </a:prstGeom>
+        </p:spPr>
+      </p:pic>
+      <p:pic>
+        <p:nvPicPr>
+          <p:cNvPr id="3" name="图片 2">
+            <a:extLst>
+              <a:ext uri="{FF2B5EF4-FFF2-40B4-BE49-F238E27FC236}">
+                <a16:creationId xmlns="" xmlns:a16="http://schemas.microsoft.com/office/drawing/2014/main" id="{98B13D0C-3D6D-4A7C-81C2-971C2DE1C35F}"/>
+              </a:ext>
+            </a:extLst>
+          </p:cNvPr>
+          <p:cNvPicPr>
+            <a:picLocks noChangeAspect="1"/>
+          </p:cNvPicPr>
+          <p:nvPr/>
+        </p:nvPicPr>
+        <p:blipFill>
+          <a:blip r:embed="rId3" cstate="print">
+            <a:extLst>
+              <a:ext uri="{28A0092B-C50C-407E-A947-70E740481C1C}">
+                <a14:useLocalDpi xmlns:a14="http://schemas.microsoft.com/office/drawing/2010/main" val="0"/>
+              </a:ext>
+            </a:extLst>
+          </a:blip>
+          <a:stretch>
+            <a:fillRect/>
+          </a:stretch>
+        </p:blipFill>
+        <p:spPr>
+          <a:xfrm>
+            <a:off x="11239595" y="4585449"/>
+            <a:ext cx="3107777" cy="2272551"/>
+          </a:xfrm>
+          <a:prstGeom prst="rect">
+            <a:avLst/>
+          </a:prstGeom>
+        </p:spPr>
+      </p:pic>
+      <p:sp>
+        <p:nvSpPr>
+          <p:cNvPr id="4" name="图文框 3">
+            <a:extLst>
+              <a:ext uri="{FF2B5EF4-FFF2-40B4-BE49-F238E27FC236}">
+                <a16:creationId xmlns="" xmlns:a16="http://schemas.microsoft.com/office/drawing/2014/main" id="{439EF00C-294A-4DB2-9D2A-D6104D65FB8E}"/>
+              </a:ext>
+            </a:extLst>
+          </p:cNvPr>
+          <p:cNvSpPr/>
+          <p:nvPr/>
+        </p:nvSpPr>
+        <p:spPr>
+          <a:xfrm>
+            <a:off x="239486" y="217715"/>
+            <a:ext cx="11705772" cy="6444342"/>
+          </a:xfrm>
+          <a:prstGeom prst="frame">
+            <a:avLst>
+              <a:gd name="adj1" fmla="val 2823"/>
+            </a:avLst>
+          </a:prstGeom>
+          <a:solidFill>
+            <a:schemeClr val="bg1"/>
+          </a:solidFill>
+          <a:ln>
+            <a:noFill/>
+          </a:ln>
+          <a:effectLst>
+            <a:outerShdw blurRad="114300" sx="102000" sy="102000" algn="ctr" rotWithShape="0">
+              <a:prstClr val="black">
+                <a:alpha val="27000"/>
+              </a:prstClr>
+            </a:outerShdw>
+          </a:effectLst>
+        </p:spPr>
+        <p:style>
+          <a:lnRef idx="2">
+            <a:schemeClr val="accent1">
+              <a:shade val="50000"/>
+            </a:schemeClr>
+          </a:lnRef>
+          <a:fillRef idx="1">
+            <a:schemeClr val="accent1"/>
+          </a:fillRef>
+          <a:effectRef idx="0">
+            <a:schemeClr val="accent1"/>
+          </a:effectRef>
+          <a:fontRef idx="minor">
+            <a:schemeClr val="lt1"/>
+          </a:fontRef>
+        </p:style>
+        <p:txBody>
+          <a:bodyPr rtlCol="0" anchor="ctr"/>
+          <a:lstStyle/>
+          <a:p>
+            <a:pPr algn="ctr"/>
+            <a:endParaRPr lang="zh-CN" altLang="en-US">
+              <a:solidFill>
+                <a:schemeClr val="tx1"/>
+              </a:solidFill>
+            </a:endParaRPr>
+          </a:p>
+        </p:txBody>
+      </p:sp>
+      <p:sp>
+        <p:nvSpPr>
+          <p:cNvPr id="6" name="矩形 5">
+            <a:extLst>
+              <a:ext uri="{FF2B5EF4-FFF2-40B4-BE49-F238E27FC236}">
+                <a16:creationId xmlns="" xmlns:a16="http://schemas.microsoft.com/office/drawing/2014/main" id="{334628C9-EB0D-4D06-AF24-5A038FFC63D7}"/>
+              </a:ext>
+            </a:extLst>
+          </p:cNvPr>
+          <p:cNvSpPr/>
+          <p:nvPr/>
+        </p:nvSpPr>
+        <p:spPr>
+          <a:xfrm>
+            <a:off x="1826723" y="583995"/>
+            <a:ext cx="4744406" cy="584775"/>
+          </a:xfrm>
+          <a:prstGeom prst="rect">
+            <a:avLst/>
+          </a:prstGeom>
+        </p:spPr>
+        <p:txBody>
+          <a:bodyPr wrap="square">
+            <a:spAutoFit/>
+            <a:scene3d>
+              <a:camera prst="orthographicFront"/>
+              <a:lightRig rig="threePt" dir="t"/>
+            </a:scene3d>
+            <a:sp3d contourW="12700"/>
+          </a:bodyPr>
+          <a:lstStyle/>
+          <a:p>
+            <a:pPr lvl="0"/>
+            <a:r>
+              <a:rPr lang="zh-CN" altLang="en-US" sz="3200" b="1" dirty="0" smtClean="0"/>
+              <a:t>评价雷达图</a:t>
+            </a:r>
+            <a:endParaRPr lang="zh-CN" altLang="zh-CN" sz="3200" b="1" dirty="0"/>
+          </a:p>
+        </p:txBody>
+      </p:sp>
+      <p:sp>
+        <p:nvSpPr>
+          <p:cNvPr id="8" name="椭圆 7">
+            <a:extLst>
+              <a:ext uri="{FF2B5EF4-FFF2-40B4-BE49-F238E27FC236}">
+                <a16:creationId xmlns="" xmlns:a16="http://schemas.microsoft.com/office/drawing/2014/main" id="{2D31EAC6-5633-42BD-A780-E7BE0D0484C9}"/>
+              </a:ext>
+            </a:extLst>
+          </p:cNvPr>
+          <p:cNvSpPr/>
+          <p:nvPr/>
+        </p:nvSpPr>
+        <p:spPr>
+          <a:xfrm>
+            <a:off x="1103086" y="669683"/>
+            <a:ext cx="595509" cy="595509"/>
+          </a:xfrm>
+          <a:prstGeom prst="ellipse">
+            <a:avLst/>
+          </a:prstGeom>
+          <a:solidFill>
+            <a:srgbClr val="39337A"/>
+          </a:solidFill>
+          <a:ln>
+            <a:noFill/>
+          </a:ln>
+        </p:spPr>
+        <p:style>
+          <a:lnRef idx="2">
+            <a:schemeClr val="accent1">
+              <a:shade val="50000"/>
+            </a:schemeClr>
+          </a:lnRef>
+          <a:fillRef idx="1">
+            <a:schemeClr val="accent1"/>
+          </a:fillRef>
+          <a:effectRef idx="0">
+            <a:schemeClr val="accent1"/>
+          </a:effectRef>
+          <a:fontRef idx="minor">
+            <a:schemeClr val="lt1"/>
+          </a:fontRef>
+        </p:style>
+        <p:txBody>
+          <a:bodyPr rtlCol="0" anchor="ctr"/>
+          <a:lstStyle/>
+          <a:p>
+            <a:pPr algn="ctr"/>
+            <a:endParaRPr lang="zh-CN" altLang="en-US" sz="2400" dirty="0">
+              <a:latin typeface="+mn-ea"/>
+              <a:sym typeface="FZHei-B01S" panose="02010601030101010101" pitchFamily="2" charset="-122"/>
+            </a:endParaRPr>
+          </a:p>
+        </p:txBody>
+      </p:sp>
+      <p:sp>
+        <p:nvSpPr>
+          <p:cNvPr id="9" name="文本框 8">
+            <a:extLst>
+              <a:ext uri="{FF2B5EF4-FFF2-40B4-BE49-F238E27FC236}">
+                <a16:creationId xmlns="" xmlns:a16="http://schemas.microsoft.com/office/drawing/2014/main" id="{B9EAD814-92A6-4346-BB5C-547799D7BDEA}"/>
+              </a:ext>
+            </a:extLst>
+          </p:cNvPr>
+          <p:cNvSpPr txBox="1"/>
+          <p:nvPr/>
+        </p:nvSpPr>
+        <p:spPr>
+          <a:xfrm>
+            <a:off x="1134702" y="740182"/>
+            <a:ext cx="563894" cy="400110"/>
+          </a:xfrm>
+          <a:prstGeom prst="rect">
+            <a:avLst/>
+          </a:prstGeom>
+          <a:noFill/>
+        </p:spPr>
+        <p:txBody>
+          <a:bodyPr wrap="square" rtlCol="0">
+            <a:spAutoFit/>
+          </a:bodyPr>
+          <a:lstStyle/>
+          <a:p>
+            <a:r>
+              <a:rPr lang="en-US" altLang="zh-CN" sz="2000" b="1" dirty="0" smtClean="0">
+                <a:solidFill>
+                  <a:schemeClr val="bg1"/>
+                </a:solidFill>
+                <a:latin typeface="+mn-ea"/>
+                <a:sym typeface="FZHei-B01S" panose="02010601030101010101" pitchFamily="2" charset="-122"/>
+              </a:rPr>
+              <a:t>04</a:t>
+            </a:r>
+            <a:endParaRPr lang="zh-CN" altLang="en-US" sz="2000" b="1" dirty="0">
+              <a:solidFill>
+                <a:schemeClr val="bg1"/>
+              </a:solidFill>
+              <a:latin typeface="+mn-ea"/>
+              <a:sym typeface="FZHei-B01S" panose="02010601030101010101" pitchFamily="2" charset="-122"/>
+            </a:endParaRPr>
+          </a:p>
+        </p:txBody>
+      </p:sp>
+      <p:sp>
+        <p:nvSpPr>
+          <p:cNvPr id="10" name="Shape 1458">
+            <a:extLst>
+              <a:ext uri="{FF2B5EF4-FFF2-40B4-BE49-F238E27FC236}">
+                <a16:creationId xmlns="" xmlns:a16="http://schemas.microsoft.com/office/drawing/2014/main" id="{C9C5B09E-BF7E-4AB4-9279-86A4782F4983}"/>
+              </a:ext>
+            </a:extLst>
+          </p:cNvPr>
+          <p:cNvSpPr/>
+          <p:nvPr/>
+        </p:nvSpPr>
+        <p:spPr>
+          <a:xfrm>
+            <a:off x="762001" y="1267259"/>
+            <a:ext cx="10290512" cy="5115611"/>
+          </a:xfrm>
+          <a:prstGeom prst="roundRect">
+            <a:avLst>
+              <a:gd name="adj" fmla="val 6924"/>
+            </a:avLst>
+          </a:prstGeom>
+          <a:ln w="12700">
+            <a:solidFill>
+              <a:srgbClr val="A6AAA9"/>
+            </a:solidFill>
+            <a:miter lim="400000"/>
+          </a:ln>
+        </p:spPr>
+        <p:txBody>
+          <a:bodyPr lIns="19049" tIns="19049" rIns="19049" bIns="19049" anchor="ctr"/>
+          <a:lstStyle/>
+          <a:p>
+            <a:pPr defTabSz="1219012"/>
+            <a:endParaRPr sz="1733" dirty="0">
+              <a:solidFill>
+                <a:prstClr val="black"/>
+              </a:solidFill>
+              <a:latin typeface="+mn-ea"/>
+            </a:endParaRPr>
+          </a:p>
+        </p:txBody>
+      </p:sp>
+      <p:sp>
+        <p:nvSpPr>
+          <p:cNvPr id="11" name="Rectangle 1"/>
+          <p:cNvSpPr>
+            <a:spLocks noChangeArrowheads="1"/>
+          </p:cNvSpPr>
+          <p:nvPr/>
+        </p:nvSpPr>
+        <p:spPr bwMode="auto">
+          <a:xfrm>
+            <a:off x="3390900" y="3201988"/>
+            <a:ext cx="12192000" cy="457200"/>
+          </a:xfrm>
+          <a:prstGeom prst="rect">
+            <a:avLst/>
+          </a:prstGeom>
+          <a:noFill/>
+          <a:ln>
+            <a:noFill/>
+          </a:ln>
+          <a:effectLst/>
+          <a:extLst>
+            <a:ext uri="{909E8E84-426E-40DD-AFC4-6F175D3DCCD1}">
+              <a14:hiddenFill xmlns:a14="http://schemas.microsoft.com/office/drawing/2010/main">
+                <a:solidFill>
+                  <a:schemeClr val="accent1"/>
+                </a:solidFill>
+              </a14:hiddenFill>
+            </a:ext>
+            <a:ext uri="{91240B29-F687-4F45-9708-019B960494DF}">
+              <a14:hiddenLine xmlns:a14="http://schemas.microsoft.com/office/drawing/2010/main" w="9525">
+                <a:solidFill>
+                  <a:schemeClr val="tx1"/>
+                </a:solidFill>
+                <a:miter lim="800000"/>
+                <a:headEnd/>
+                <a:tailEnd/>
+              </a14:hiddenLine>
+            </a:ext>
+            <a:ext uri="{AF507438-7753-43E0-B8FC-AC1667EBCBE1}">
+              <a14:hiddenEffects xmlns:a14="http://schemas.microsoft.com/office/drawing/2010/main">
+                <a:effectLst>
+                  <a:outerShdw dist="35921" dir="2700000" algn="ctr" rotWithShape="0">
+                    <a:schemeClr val="bg2"/>
+                  </a:outerShdw>
+                </a:effectLst>
+              </a14:hiddenEffects>
+            </a:ext>
+          </a:extLst>
+        </p:spPr>
+        <p:txBody>
+          <a:bodyPr vert="horz" wrap="none" lIns="91440" tIns="45720" rIns="91440" bIns="45720" numCol="1" anchor="ctr" anchorCtr="0" compatLnSpc="1">
+            <a:prstTxWarp prst="textNoShape">
+              <a:avLst/>
+            </a:prstTxWarp>
+            <a:spAutoFit/>
+          </a:bodyPr>
+          <a:lstStyle>
+            <a:lvl1pPr indent="266700" fontAlgn="base">
+              <a:spcBef>
+                <a:spcPct val="0"/>
+              </a:spcBef>
+              <a:spcAft>
+                <a:spcPct val="0"/>
+              </a:spcAft>
+              <a:tabLst>
+                <a:tab pos="266700" algn="r"/>
+                <a:tab pos="2636838" algn="ctr"/>
+                <a:tab pos="5273675" algn="r"/>
+              </a:tabLst>
+              <a:defRPr>
+                <a:solidFill>
+                  <a:schemeClr val="tx1"/>
+                </a:solidFill>
+                <a:latin typeface="Arial" pitchFamily="34" charset="0"/>
+                <a:ea typeface="宋体" pitchFamily="2" charset="-122"/>
+                <a:cs typeface="宋体" pitchFamily="2" charset="-122"/>
+              </a:defRPr>
+            </a:lvl1pPr>
+            <a:lvl2pPr fontAlgn="base">
+              <a:spcBef>
+                <a:spcPct val="0"/>
+              </a:spcBef>
+              <a:spcAft>
+                <a:spcPct val="0"/>
+              </a:spcAft>
+              <a:tabLst>
+                <a:tab pos="266700" algn="r"/>
+                <a:tab pos="2636838" algn="ctr"/>
+                <a:tab pos="5273675" algn="r"/>
+              </a:tabLst>
+              <a:defRPr>
+                <a:solidFill>
+                  <a:schemeClr val="tx1"/>
+                </a:solidFill>
+                <a:latin typeface="Arial" pitchFamily="34" charset="0"/>
+                <a:ea typeface="宋体" pitchFamily="2" charset="-122"/>
+                <a:cs typeface="宋体" pitchFamily="2" charset="-122"/>
+              </a:defRPr>
+            </a:lvl2pPr>
+            <a:lvl3pPr fontAlgn="base">
+              <a:spcBef>
+                <a:spcPct val="0"/>
+              </a:spcBef>
+              <a:spcAft>
+                <a:spcPct val="0"/>
+              </a:spcAft>
+              <a:tabLst>
+                <a:tab pos="266700" algn="r"/>
+                <a:tab pos="2636838" algn="ctr"/>
+                <a:tab pos="5273675" algn="r"/>
+              </a:tabLst>
+              <a:defRPr>
+                <a:solidFill>
+                  <a:schemeClr val="tx1"/>
+                </a:solidFill>
+                <a:latin typeface="Arial" pitchFamily="34" charset="0"/>
+                <a:ea typeface="宋体" pitchFamily="2" charset="-122"/>
+                <a:cs typeface="宋体" pitchFamily="2" charset="-122"/>
+              </a:defRPr>
+            </a:lvl3pPr>
+            <a:lvl4pPr fontAlgn="base">
+              <a:spcBef>
+                <a:spcPct val="0"/>
+              </a:spcBef>
+              <a:spcAft>
+                <a:spcPct val="0"/>
+              </a:spcAft>
+              <a:tabLst>
+                <a:tab pos="266700" algn="r"/>
+                <a:tab pos="2636838" algn="ctr"/>
+                <a:tab pos="5273675" algn="r"/>
+              </a:tabLst>
+              <a:defRPr>
+                <a:solidFill>
+                  <a:schemeClr val="tx1"/>
+                </a:solidFill>
+                <a:latin typeface="Arial" pitchFamily="34" charset="0"/>
+                <a:ea typeface="宋体" pitchFamily="2" charset="-122"/>
+                <a:cs typeface="宋体" pitchFamily="2" charset="-122"/>
+              </a:defRPr>
+            </a:lvl4pPr>
+            <a:lvl5pPr fontAlgn="base">
+              <a:spcBef>
+                <a:spcPct val="0"/>
+              </a:spcBef>
+              <a:spcAft>
+                <a:spcPct val="0"/>
+              </a:spcAft>
+              <a:tabLst>
+                <a:tab pos="266700" algn="r"/>
+                <a:tab pos="2636838" algn="ctr"/>
+                <a:tab pos="5273675" algn="r"/>
+              </a:tabLst>
+              <a:defRPr>
+                <a:solidFill>
+                  <a:schemeClr val="tx1"/>
+                </a:solidFill>
+                <a:latin typeface="Arial" pitchFamily="34" charset="0"/>
+                <a:ea typeface="宋体" pitchFamily="2" charset="-122"/>
+                <a:cs typeface="宋体" pitchFamily="2" charset="-122"/>
+              </a:defRPr>
+            </a:lvl5pPr>
+            <a:lvl6pPr fontAlgn="base">
+              <a:spcBef>
+                <a:spcPct val="0"/>
+              </a:spcBef>
+              <a:spcAft>
+                <a:spcPct val="0"/>
+              </a:spcAft>
+              <a:tabLst>
+                <a:tab pos="266700" algn="r"/>
+                <a:tab pos="2636838" algn="ctr"/>
+                <a:tab pos="5273675" algn="r"/>
+              </a:tabLst>
+              <a:defRPr>
+                <a:solidFill>
+                  <a:schemeClr val="tx1"/>
+                </a:solidFill>
+                <a:latin typeface="Arial" pitchFamily="34" charset="0"/>
+                <a:ea typeface="宋体" pitchFamily="2" charset="-122"/>
+                <a:cs typeface="宋体" pitchFamily="2" charset="-122"/>
+              </a:defRPr>
+            </a:lvl6pPr>
+            <a:lvl7pPr fontAlgn="base">
+              <a:spcBef>
+                <a:spcPct val="0"/>
+              </a:spcBef>
+              <a:spcAft>
+                <a:spcPct val="0"/>
+              </a:spcAft>
+              <a:tabLst>
+                <a:tab pos="266700" algn="r"/>
+                <a:tab pos="2636838" algn="ctr"/>
+                <a:tab pos="5273675" algn="r"/>
+              </a:tabLst>
+              <a:defRPr>
+                <a:solidFill>
+                  <a:schemeClr val="tx1"/>
+                </a:solidFill>
+                <a:latin typeface="Arial" pitchFamily="34" charset="0"/>
+                <a:ea typeface="宋体" pitchFamily="2" charset="-122"/>
+                <a:cs typeface="宋体" pitchFamily="2" charset="-122"/>
+              </a:defRPr>
+            </a:lvl7pPr>
+            <a:lvl8pPr fontAlgn="base">
+              <a:spcBef>
+                <a:spcPct val="0"/>
+              </a:spcBef>
+              <a:spcAft>
+                <a:spcPct val="0"/>
+              </a:spcAft>
+              <a:tabLst>
+                <a:tab pos="266700" algn="r"/>
+                <a:tab pos="2636838" algn="ctr"/>
+                <a:tab pos="5273675" algn="r"/>
+              </a:tabLst>
+              <a:defRPr>
+                <a:solidFill>
+                  <a:schemeClr val="tx1"/>
+                </a:solidFill>
+                <a:latin typeface="Arial" pitchFamily="34" charset="0"/>
+                <a:ea typeface="宋体" pitchFamily="2" charset="-122"/>
+                <a:cs typeface="宋体" pitchFamily="2" charset="-122"/>
+              </a:defRPr>
+            </a:lvl8pPr>
+            <a:lvl9pPr fontAlgn="base">
+              <a:spcBef>
+                <a:spcPct val="0"/>
+              </a:spcBef>
+              <a:spcAft>
+                <a:spcPct val="0"/>
+              </a:spcAft>
+              <a:tabLst>
+                <a:tab pos="266700" algn="r"/>
+                <a:tab pos="2636838" algn="ctr"/>
+                <a:tab pos="5273675" algn="r"/>
+              </a:tabLst>
+              <a:defRPr>
+                <a:solidFill>
+                  <a:schemeClr val="tx1"/>
+                </a:solidFill>
+                <a:latin typeface="Arial" pitchFamily="34" charset="0"/>
+                <a:ea typeface="宋体" pitchFamily="2" charset="-122"/>
+                <a:cs typeface="宋体" pitchFamily="2" charset="-122"/>
+              </a:defRPr>
+            </a:lvl9pPr>
+          </a:lstStyle>
+          <a:p>
+            <a:pPr marL="0" marR="0" lvl="0" indent="266700" algn="l" defTabSz="914400" rtl="0" eaLnBrk="1" fontAlgn="base" latinLnBrk="0" hangingPunct="1">
+              <a:lnSpc>
+                <a:spcPct val="100000"/>
+              </a:lnSpc>
+              <a:spcBef>
+                <a:spcPct val="0"/>
+              </a:spcBef>
+              <a:spcAft>
+                <a:spcPct val="0"/>
+              </a:spcAft>
+              <a:buClrTx/>
+              <a:buSzTx/>
+              <a:buFontTx/>
+              <a:buNone/>
+              <a:tabLst>
+                <a:tab pos="266700" algn="r"/>
+                <a:tab pos="2636838" algn="ctr"/>
+                <a:tab pos="5273675" algn="r"/>
+              </a:tabLst>
+            </a:pPr>
+            <a:endParaRPr kumimoji="0" lang="zh-CN" altLang="zh-CN" sz="1800" b="0" i="0" u="none" strike="noStrike" cap="none" normalizeH="0" baseline="0" smtClean="0">
+              <a:ln>
+                <a:noFill/>
+              </a:ln>
+              <a:solidFill>
+                <a:schemeClr val="tx1"/>
+              </a:solidFill>
+              <a:effectLst/>
+              <a:latin typeface="Arial" pitchFamily="34" charset="0"/>
+              <a:ea typeface="宋体" pitchFamily="2" charset="-122"/>
+              <a:cs typeface="宋体" pitchFamily="2" charset="-122"/>
+            </a:endParaRPr>
+          </a:p>
+        </p:txBody>
+      </p:sp>
+      <p:sp>
+        <p:nvSpPr>
+          <p:cNvPr id="12" name="Rectangle 1"/>
+          <p:cNvSpPr>
+            <a:spLocks noChangeArrowheads="1"/>
+          </p:cNvSpPr>
+          <p:nvPr/>
+        </p:nvSpPr>
+        <p:spPr bwMode="auto">
+          <a:xfrm>
+            <a:off x="3333750" y="3316288"/>
+            <a:ext cx="12192000" cy="457200"/>
+          </a:xfrm>
+          <a:prstGeom prst="rect">
+            <a:avLst/>
+          </a:prstGeom>
+          <a:noFill/>
+          <a:ln>
+            <a:noFill/>
+          </a:ln>
+          <a:effectLst/>
+          <a:extLst>
+            <a:ext uri="{909E8E84-426E-40DD-AFC4-6F175D3DCCD1}">
+              <a14:hiddenFill xmlns:a14="http://schemas.microsoft.com/office/drawing/2010/main">
+                <a:solidFill>
+                  <a:schemeClr val="accent1"/>
+                </a:solidFill>
+              </a14:hiddenFill>
+            </a:ext>
+            <a:ext uri="{91240B29-F687-4F45-9708-019B960494DF}">
+              <a14:hiddenLine xmlns:a14="http://schemas.microsoft.com/office/drawing/2010/main" w="9525">
+                <a:solidFill>
+                  <a:schemeClr val="tx1"/>
+                </a:solidFill>
+                <a:miter lim="800000"/>
+                <a:headEnd/>
+                <a:tailEnd/>
+              </a14:hiddenLine>
+            </a:ext>
+            <a:ext uri="{AF507438-7753-43E0-B8FC-AC1667EBCBE1}">
+              <a14:hiddenEffects xmlns:a14="http://schemas.microsoft.com/office/drawing/2010/main">
+                <a:effectLst>
+                  <a:outerShdw dist="35921" dir="2700000" algn="ctr" rotWithShape="0">
+                    <a:schemeClr val="bg2"/>
+                  </a:outerShdw>
+                </a:effectLst>
+              </a14:hiddenEffects>
+            </a:ext>
+          </a:extLst>
+        </p:spPr>
+        <p:txBody>
+          <a:bodyPr vert="horz" wrap="none" lIns="91440" tIns="45720" rIns="91440" bIns="45720" numCol="1" anchor="ctr" anchorCtr="0" compatLnSpc="1">
+            <a:prstTxWarp prst="textNoShape">
+              <a:avLst/>
+            </a:prstTxWarp>
+            <a:spAutoFit/>
+          </a:bodyPr>
+          <a:lstStyle>
+            <a:lvl1pPr indent="266700" fontAlgn="base">
+              <a:spcBef>
+                <a:spcPct val="0"/>
+              </a:spcBef>
+              <a:spcAft>
+                <a:spcPct val="0"/>
+              </a:spcAft>
+              <a:tabLst>
+                <a:tab pos="2124075" algn="l"/>
+              </a:tabLst>
+              <a:defRPr>
+                <a:solidFill>
+                  <a:schemeClr val="tx1"/>
+                </a:solidFill>
+                <a:latin typeface="Arial" pitchFamily="34" charset="0"/>
+                <a:ea typeface="宋体" pitchFamily="2" charset="-122"/>
+                <a:cs typeface="宋体" pitchFamily="2" charset="-122"/>
+              </a:defRPr>
+            </a:lvl1pPr>
+            <a:lvl2pPr fontAlgn="base">
+              <a:spcBef>
+                <a:spcPct val="0"/>
+              </a:spcBef>
+              <a:spcAft>
+                <a:spcPct val="0"/>
+              </a:spcAft>
+              <a:tabLst>
+                <a:tab pos="2124075" algn="l"/>
+              </a:tabLst>
+              <a:defRPr>
+                <a:solidFill>
+                  <a:schemeClr val="tx1"/>
+                </a:solidFill>
+                <a:latin typeface="Arial" pitchFamily="34" charset="0"/>
+                <a:ea typeface="宋体" pitchFamily="2" charset="-122"/>
+                <a:cs typeface="宋体" pitchFamily="2" charset="-122"/>
+              </a:defRPr>
+            </a:lvl2pPr>
+            <a:lvl3pPr fontAlgn="base">
+              <a:spcBef>
+                <a:spcPct val="0"/>
+              </a:spcBef>
+              <a:spcAft>
+                <a:spcPct val="0"/>
+              </a:spcAft>
+              <a:tabLst>
+                <a:tab pos="2124075" algn="l"/>
+              </a:tabLst>
+              <a:defRPr>
+                <a:solidFill>
+                  <a:schemeClr val="tx1"/>
+                </a:solidFill>
+                <a:latin typeface="Arial" pitchFamily="34" charset="0"/>
+                <a:ea typeface="宋体" pitchFamily="2" charset="-122"/>
+                <a:cs typeface="宋体" pitchFamily="2" charset="-122"/>
+              </a:defRPr>
+            </a:lvl3pPr>
+            <a:lvl4pPr fontAlgn="base">
+              <a:spcBef>
+                <a:spcPct val="0"/>
+              </a:spcBef>
+              <a:spcAft>
+                <a:spcPct val="0"/>
+              </a:spcAft>
+              <a:tabLst>
+                <a:tab pos="2124075" algn="l"/>
+              </a:tabLst>
+              <a:defRPr>
+                <a:solidFill>
+                  <a:schemeClr val="tx1"/>
+                </a:solidFill>
+                <a:latin typeface="Arial" pitchFamily="34" charset="0"/>
+                <a:ea typeface="宋体" pitchFamily="2" charset="-122"/>
+                <a:cs typeface="宋体" pitchFamily="2" charset="-122"/>
+              </a:defRPr>
+            </a:lvl4pPr>
+            <a:lvl5pPr fontAlgn="base">
+              <a:spcBef>
+                <a:spcPct val="0"/>
+              </a:spcBef>
+              <a:spcAft>
+                <a:spcPct val="0"/>
+              </a:spcAft>
+              <a:tabLst>
+                <a:tab pos="2124075" algn="l"/>
+              </a:tabLst>
+              <a:defRPr>
+                <a:solidFill>
+                  <a:schemeClr val="tx1"/>
+                </a:solidFill>
+                <a:latin typeface="Arial" pitchFamily="34" charset="0"/>
+                <a:ea typeface="宋体" pitchFamily="2" charset="-122"/>
+                <a:cs typeface="宋体" pitchFamily="2" charset="-122"/>
+              </a:defRPr>
+            </a:lvl5pPr>
+            <a:lvl6pPr fontAlgn="base">
+              <a:spcBef>
+                <a:spcPct val="0"/>
+              </a:spcBef>
+              <a:spcAft>
+                <a:spcPct val="0"/>
+              </a:spcAft>
+              <a:tabLst>
+                <a:tab pos="2124075" algn="l"/>
+              </a:tabLst>
+              <a:defRPr>
+                <a:solidFill>
+                  <a:schemeClr val="tx1"/>
+                </a:solidFill>
+                <a:latin typeface="Arial" pitchFamily="34" charset="0"/>
+                <a:ea typeface="宋体" pitchFamily="2" charset="-122"/>
+                <a:cs typeface="宋体" pitchFamily="2" charset="-122"/>
+              </a:defRPr>
+            </a:lvl6pPr>
+            <a:lvl7pPr fontAlgn="base">
+              <a:spcBef>
+                <a:spcPct val="0"/>
+              </a:spcBef>
+              <a:spcAft>
+                <a:spcPct val="0"/>
+              </a:spcAft>
+              <a:tabLst>
+                <a:tab pos="2124075" algn="l"/>
+              </a:tabLst>
+              <a:defRPr>
+                <a:solidFill>
+                  <a:schemeClr val="tx1"/>
+                </a:solidFill>
+                <a:latin typeface="Arial" pitchFamily="34" charset="0"/>
+                <a:ea typeface="宋体" pitchFamily="2" charset="-122"/>
+                <a:cs typeface="宋体" pitchFamily="2" charset="-122"/>
+              </a:defRPr>
+            </a:lvl7pPr>
+            <a:lvl8pPr fontAlgn="base">
+              <a:spcBef>
+                <a:spcPct val="0"/>
+              </a:spcBef>
+              <a:spcAft>
+                <a:spcPct val="0"/>
+              </a:spcAft>
+              <a:tabLst>
+                <a:tab pos="2124075" algn="l"/>
+              </a:tabLst>
+              <a:defRPr>
+                <a:solidFill>
+                  <a:schemeClr val="tx1"/>
+                </a:solidFill>
+                <a:latin typeface="Arial" pitchFamily="34" charset="0"/>
+                <a:ea typeface="宋体" pitchFamily="2" charset="-122"/>
+                <a:cs typeface="宋体" pitchFamily="2" charset="-122"/>
+              </a:defRPr>
+            </a:lvl8pPr>
+            <a:lvl9pPr fontAlgn="base">
+              <a:spcBef>
+                <a:spcPct val="0"/>
+              </a:spcBef>
+              <a:spcAft>
+                <a:spcPct val="0"/>
+              </a:spcAft>
+              <a:tabLst>
+                <a:tab pos="2124075" algn="l"/>
+              </a:tabLst>
+              <a:defRPr>
+                <a:solidFill>
+                  <a:schemeClr val="tx1"/>
+                </a:solidFill>
+                <a:latin typeface="Arial" pitchFamily="34" charset="0"/>
+                <a:ea typeface="宋体" pitchFamily="2" charset="-122"/>
+                <a:cs typeface="宋体" pitchFamily="2" charset="-122"/>
+              </a:defRPr>
+            </a:lvl9pPr>
+          </a:lstStyle>
+          <a:p>
+            <a:pPr marL="0" marR="0" lvl="0" indent="266700" algn="l" defTabSz="914400" rtl="0" eaLnBrk="1" fontAlgn="base" latinLnBrk="0" hangingPunct="1">
+              <a:lnSpc>
+                <a:spcPct val="100000"/>
+              </a:lnSpc>
+              <a:spcBef>
+                <a:spcPct val="0"/>
+              </a:spcBef>
+              <a:spcAft>
+                <a:spcPct val="0"/>
+              </a:spcAft>
+              <a:buClrTx/>
+              <a:buSzTx/>
+              <a:buFontTx/>
+              <a:buNone/>
+              <a:tabLst>
+                <a:tab pos="2124075" algn="l"/>
+              </a:tabLst>
+            </a:pPr>
+            <a:endParaRPr kumimoji="0" lang="zh-CN" altLang="zh-CN" sz="1800" b="0" i="0" u="none" strike="noStrike" cap="none" normalizeH="0" baseline="0" smtClean="0">
+              <a:ln>
+                <a:noFill/>
+              </a:ln>
+              <a:solidFill>
+                <a:schemeClr val="tx1"/>
+              </a:solidFill>
+              <a:effectLst/>
+              <a:latin typeface="Arial" pitchFamily="34" charset="0"/>
+              <a:ea typeface="宋体" pitchFamily="2" charset="-122"/>
+              <a:cs typeface="宋体" pitchFamily="2" charset="-122"/>
+            </a:endParaRPr>
+          </a:p>
+        </p:txBody>
+      </p:sp>
+      <p:pic>
+        <p:nvPicPr>
+          <p:cNvPr id="2050" name="Picture 2"/>
+          <p:cNvPicPr>
+            <a:picLocks noChangeAspect="1" noChangeArrowheads="1"/>
+          </p:cNvPicPr>
+          <p:nvPr/>
+        </p:nvPicPr>
+        <p:blipFill>
+          <a:blip r:embed="rId4">
+            <a:extLst>
+              <a:ext uri="{28A0092B-C50C-407E-A947-70E740481C1C}">
+                <a14:useLocalDpi xmlns:a14="http://schemas.microsoft.com/office/drawing/2010/main" val="0"/>
+              </a:ext>
+            </a:extLst>
+          </a:blip>
+          <a:srcRect/>
+          <a:stretch>
+            <a:fillRect/>
+          </a:stretch>
+        </p:blipFill>
+        <p:spPr bwMode="auto">
+          <a:xfrm>
+            <a:off x="1400841" y="1661832"/>
+            <a:ext cx="2798086" cy="1684621"/>
+          </a:xfrm>
+          <a:prstGeom prst="rect">
+            <a:avLst/>
+          </a:prstGeom>
+          <a:noFill/>
+          <a:ln>
+            <a:noFill/>
+          </a:ln>
+          <a:extLst>
+            <a:ext uri="{909E8E84-426E-40DD-AFC4-6F175D3DCCD1}">
+              <a14:hiddenFill xmlns:a14="http://schemas.microsoft.com/office/drawing/2010/main">
+                <a:solidFill>
+                  <a:schemeClr val="accent1"/>
+                </a:solidFill>
+              </a14:hiddenFill>
+            </a:ext>
+            <a:ext uri="{91240B29-F687-4F45-9708-019B960494DF}">
+              <a14:hiddenLine xmlns:a14="http://schemas.microsoft.com/office/drawing/2010/main" w="9525">
+                <a:solidFill>
+                  <a:schemeClr val="tx1"/>
+                </a:solidFill>
+                <a:miter lim="800000"/>
+                <a:headEnd/>
+                <a:tailEnd/>
+              </a14:hiddenLine>
+            </a:ext>
+          </a:extLst>
+        </p:spPr>
+      </p:pic>
+      <p:sp>
+        <p:nvSpPr>
+          <p:cNvPr id="5" name="TextBox 4"/>
+          <p:cNvSpPr txBox="1"/>
+          <p:nvPr/>
+        </p:nvSpPr>
+        <p:spPr>
+          <a:xfrm>
+            <a:off x="2259106" y="3474522"/>
+            <a:ext cx="877163" cy="369332"/>
+          </a:xfrm>
+          <a:prstGeom prst="rect">
+            <a:avLst/>
+          </a:prstGeom>
+          <a:noFill/>
+        </p:spPr>
+        <p:txBody>
+          <a:bodyPr wrap="none" rtlCol="0">
+            <a:spAutoFit/>
+          </a:bodyPr>
+          <a:lstStyle/>
+          <a:p>
+            <a:r>
+              <a:rPr lang="zh-CN" altLang="en-US" dirty="0" smtClean="0"/>
+              <a:t>陈伟峰</a:t>
+            </a:r>
+            <a:endParaRPr lang="zh-CN" altLang="en-US" dirty="0"/>
+          </a:p>
+        </p:txBody>
+      </p:sp>
+      <p:pic>
+        <p:nvPicPr>
+          <p:cNvPr id="2051" name="Picture 3"/>
+          <p:cNvPicPr>
+            <a:picLocks noChangeAspect="1" noChangeArrowheads="1"/>
+          </p:cNvPicPr>
+          <p:nvPr/>
+        </p:nvPicPr>
+        <p:blipFill>
+          <a:blip r:embed="rId5">
+            <a:extLst>
+              <a:ext uri="{28A0092B-C50C-407E-A947-70E740481C1C}">
+                <a14:useLocalDpi xmlns:a14="http://schemas.microsoft.com/office/drawing/2010/main" val="0"/>
+              </a:ext>
+            </a:extLst>
+          </a:blip>
+          <a:srcRect/>
+          <a:stretch>
+            <a:fillRect/>
+          </a:stretch>
+        </p:blipFill>
+        <p:spPr bwMode="auto">
+          <a:xfrm>
+            <a:off x="4491318" y="1680815"/>
+            <a:ext cx="2671482" cy="1643555"/>
+          </a:xfrm>
+          <a:prstGeom prst="rect">
+            <a:avLst/>
+          </a:prstGeom>
+          <a:noFill/>
+          <a:ln>
+            <a:noFill/>
+          </a:ln>
+          <a:extLst>
+            <a:ext uri="{909E8E84-426E-40DD-AFC4-6F175D3DCCD1}">
+              <a14:hiddenFill xmlns:a14="http://schemas.microsoft.com/office/drawing/2010/main">
+                <a:solidFill>
+                  <a:schemeClr val="accent1"/>
+                </a:solidFill>
+              </a14:hiddenFill>
+            </a:ext>
+            <a:ext uri="{91240B29-F687-4F45-9708-019B960494DF}">
+              <a14:hiddenLine xmlns:a14="http://schemas.microsoft.com/office/drawing/2010/main" w="9525">
+                <a:solidFill>
+                  <a:schemeClr val="tx1"/>
+                </a:solidFill>
+                <a:miter lim="800000"/>
+                <a:headEnd/>
+                <a:tailEnd/>
+              </a14:hiddenLine>
+            </a:ext>
+          </a:extLst>
+        </p:spPr>
+      </p:pic>
+      <p:sp>
+        <p:nvSpPr>
+          <p:cNvPr id="15" name="TextBox 14"/>
+          <p:cNvSpPr txBox="1"/>
+          <p:nvPr/>
+        </p:nvSpPr>
+        <p:spPr>
+          <a:xfrm>
+            <a:off x="5337910" y="3544888"/>
+            <a:ext cx="877163" cy="369332"/>
+          </a:xfrm>
+          <a:prstGeom prst="rect">
+            <a:avLst/>
+          </a:prstGeom>
+          <a:noFill/>
+        </p:spPr>
+        <p:txBody>
+          <a:bodyPr wrap="none" rtlCol="0">
+            <a:spAutoFit/>
+          </a:bodyPr>
+          <a:lstStyle/>
+          <a:p>
+            <a:r>
+              <a:rPr lang="zh-CN" altLang="en-US" dirty="0" smtClean="0"/>
+              <a:t>程天珂</a:t>
+            </a:r>
+            <a:endParaRPr lang="zh-CN" altLang="en-US" dirty="0"/>
+          </a:p>
+        </p:txBody>
+      </p:sp>
+      <p:pic>
+        <p:nvPicPr>
+          <p:cNvPr id="2052" name="Picture 4"/>
+          <p:cNvPicPr>
+            <a:picLocks noChangeAspect="1" noChangeArrowheads="1"/>
+          </p:cNvPicPr>
+          <p:nvPr/>
+        </p:nvPicPr>
+        <p:blipFill>
+          <a:blip r:embed="rId6">
+            <a:extLst>
+              <a:ext uri="{28A0092B-C50C-407E-A947-70E740481C1C}">
+                <a14:useLocalDpi xmlns:a14="http://schemas.microsoft.com/office/drawing/2010/main" val="0"/>
+              </a:ext>
+            </a:extLst>
+          </a:blip>
+          <a:srcRect/>
+          <a:stretch>
+            <a:fillRect/>
+          </a:stretch>
+        </p:blipFill>
+        <p:spPr bwMode="auto">
+          <a:xfrm>
+            <a:off x="7302070" y="1661832"/>
+            <a:ext cx="2792189" cy="1673029"/>
+          </a:xfrm>
+          <a:prstGeom prst="rect">
+            <a:avLst/>
+          </a:prstGeom>
+          <a:noFill/>
+          <a:ln>
+            <a:noFill/>
+          </a:ln>
+          <a:extLst>
+            <a:ext uri="{909E8E84-426E-40DD-AFC4-6F175D3DCCD1}">
+              <a14:hiddenFill xmlns:a14="http://schemas.microsoft.com/office/drawing/2010/main">
+                <a:solidFill>
+                  <a:schemeClr val="accent1"/>
+                </a:solidFill>
+              </a14:hiddenFill>
+            </a:ext>
+            <a:ext uri="{91240B29-F687-4F45-9708-019B960494DF}">
+              <a14:hiddenLine xmlns:a14="http://schemas.microsoft.com/office/drawing/2010/main" w="9525">
+                <a:solidFill>
+                  <a:schemeClr val="tx1"/>
+                </a:solidFill>
+                <a:miter lim="800000"/>
+                <a:headEnd/>
+                <a:tailEnd/>
+              </a14:hiddenLine>
+            </a:ext>
+          </a:extLst>
+        </p:spPr>
+      </p:pic>
+      <p:sp>
+        <p:nvSpPr>
+          <p:cNvPr id="17" name="TextBox 16"/>
+          <p:cNvSpPr txBox="1"/>
+          <p:nvPr/>
+        </p:nvSpPr>
+        <p:spPr>
+          <a:xfrm>
+            <a:off x="8350051" y="3588822"/>
+            <a:ext cx="646331" cy="369332"/>
+          </a:xfrm>
+          <a:prstGeom prst="rect">
+            <a:avLst/>
+          </a:prstGeom>
+          <a:noFill/>
+        </p:spPr>
+        <p:txBody>
+          <a:bodyPr wrap="none" rtlCol="0">
+            <a:spAutoFit/>
+          </a:bodyPr>
+          <a:lstStyle/>
+          <a:p>
+            <a:r>
+              <a:rPr lang="zh-CN" altLang="en-US" dirty="0" smtClean="0"/>
+              <a:t>邓晰</a:t>
+            </a:r>
+            <a:endParaRPr lang="zh-CN" altLang="en-US" dirty="0"/>
+          </a:p>
+        </p:txBody>
+      </p:sp>
+      <p:pic>
+        <p:nvPicPr>
+          <p:cNvPr id="2053" name="Picture 5"/>
+          <p:cNvPicPr>
+            <a:picLocks noChangeAspect="1" noChangeArrowheads="1"/>
+          </p:cNvPicPr>
+          <p:nvPr/>
+        </p:nvPicPr>
+        <p:blipFill>
+          <a:blip r:embed="rId7">
+            <a:extLst>
+              <a:ext uri="{28A0092B-C50C-407E-A947-70E740481C1C}">
+                <a14:useLocalDpi xmlns:a14="http://schemas.microsoft.com/office/drawing/2010/main" val="0"/>
+              </a:ext>
+            </a:extLst>
+          </a:blip>
+          <a:srcRect/>
+          <a:stretch>
+            <a:fillRect/>
+          </a:stretch>
+        </p:blipFill>
+        <p:spPr bwMode="auto">
+          <a:xfrm>
+            <a:off x="3053447" y="4087906"/>
+            <a:ext cx="2498437" cy="1526242"/>
+          </a:xfrm>
+          <a:prstGeom prst="rect">
+            <a:avLst/>
+          </a:prstGeom>
+          <a:noFill/>
+          <a:ln>
+            <a:noFill/>
+          </a:ln>
+          <a:extLst>
+            <a:ext uri="{909E8E84-426E-40DD-AFC4-6F175D3DCCD1}">
+              <a14:hiddenFill xmlns:a14="http://schemas.microsoft.com/office/drawing/2010/main">
+                <a:solidFill>
+                  <a:schemeClr val="accent1"/>
+                </a:solidFill>
+              </a14:hiddenFill>
+            </a:ext>
+            <a:ext uri="{91240B29-F687-4F45-9708-019B960494DF}">
+              <a14:hiddenLine xmlns:a14="http://schemas.microsoft.com/office/drawing/2010/main" w="9525">
+                <a:solidFill>
+                  <a:schemeClr val="tx1"/>
+                </a:solidFill>
+                <a:miter lim="800000"/>
+                <a:headEnd/>
+                <a:tailEnd/>
+              </a14:hiddenLine>
+            </a:ext>
+          </a:extLst>
+        </p:spPr>
+      </p:pic>
+      <p:sp>
+        <p:nvSpPr>
+          <p:cNvPr id="19" name="TextBox 18"/>
+          <p:cNvSpPr txBox="1"/>
+          <p:nvPr/>
+        </p:nvSpPr>
+        <p:spPr>
+          <a:xfrm>
+            <a:off x="3760344" y="5721724"/>
+            <a:ext cx="1107996" cy="369332"/>
+          </a:xfrm>
+          <a:prstGeom prst="rect">
+            <a:avLst/>
+          </a:prstGeom>
+          <a:noFill/>
+        </p:spPr>
+        <p:txBody>
+          <a:bodyPr wrap="none" rtlCol="0">
+            <a:spAutoFit/>
+          </a:bodyPr>
+          <a:lstStyle/>
+          <a:p>
+            <a:r>
+              <a:rPr lang="zh-CN" altLang="en-US" dirty="0" smtClean="0"/>
+              <a:t>诸葛志相</a:t>
+            </a:r>
+            <a:endParaRPr lang="zh-CN" altLang="en-US" dirty="0"/>
+          </a:p>
+        </p:txBody>
+      </p:sp>
+      <p:pic>
+        <p:nvPicPr>
+          <p:cNvPr id="2054" name="Picture 6"/>
+          <p:cNvPicPr>
+            <a:picLocks noChangeAspect="1" noChangeArrowheads="1"/>
+          </p:cNvPicPr>
+          <p:nvPr/>
+        </p:nvPicPr>
+        <p:blipFill>
+          <a:blip r:embed="rId8">
+            <a:extLst>
+              <a:ext uri="{28A0092B-C50C-407E-A947-70E740481C1C}">
+                <a14:useLocalDpi xmlns:a14="http://schemas.microsoft.com/office/drawing/2010/main" val="0"/>
+              </a:ext>
+            </a:extLst>
+          </a:blip>
+          <a:srcRect/>
+          <a:stretch>
+            <a:fillRect/>
+          </a:stretch>
+        </p:blipFill>
+        <p:spPr bwMode="auto">
+          <a:xfrm>
+            <a:off x="6403332" y="4129169"/>
+            <a:ext cx="2483091" cy="1504131"/>
+          </a:xfrm>
+          <a:prstGeom prst="rect">
+            <a:avLst/>
+          </a:prstGeom>
+          <a:noFill/>
+          <a:ln>
+            <a:noFill/>
+          </a:ln>
+          <a:extLst>
+            <a:ext uri="{909E8E84-426E-40DD-AFC4-6F175D3DCCD1}">
+              <a14:hiddenFill xmlns:a14="http://schemas.microsoft.com/office/drawing/2010/main">
+                <a:solidFill>
+                  <a:schemeClr val="accent1"/>
+                </a:solidFill>
+              </a14:hiddenFill>
+            </a:ext>
+            <a:ext uri="{91240B29-F687-4F45-9708-019B960494DF}">
+              <a14:hiddenLine xmlns:a14="http://schemas.microsoft.com/office/drawing/2010/main" w="9525">
+                <a:solidFill>
+                  <a:schemeClr val="tx1"/>
+                </a:solidFill>
+                <a:miter lim="800000"/>
+                <a:headEnd/>
+                <a:tailEnd/>
+              </a14:hiddenLine>
+            </a:ext>
+          </a:extLst>
+        </p:spPr>
+      </p:pic>
+      <p:sp>
+        <p:nvSpPr>
+          <p:cNvPr id="21" name="TextBox 20"/>
+          <p:cNvSpPr txBox="1"/>
+          <p:nvPr/>
+        </p:nvSpPr>
+        <p:spPr>
+          <a:xfrm>
+            <a:off x="7090879" y="5811371"/>
+            <a:ext cx="877163" cy="369332"/>
+          </a:xfrm>
+          <a:prstGeom prst="rect">
+            <a:avLst/>
+          </a:prstGeom>
+          <a:noFill/>
+        </p:spPr>
+        <p:txBody>
+          <a:bodyPr wrap="none" rtlCol="0">
+            <a:spAutoFit/>
+          </a:bodyPr>
+          <a:lstStyle/>
+          <a:p>
+            <a:r>
+              <a:rPr lang="zh-CN" altLang="en-US" dirty="0" smtClean="0"/>
+              <a:t>庄毓勋</a:t>
+            </a:r>
+            <a:endParaRPr lang="zh-CN" altLang="en-US" dirty="0"/>
+          </a:p>
+        </p:txBody>
+      </p:sp>
+    </p:spTree>
+    <p:extLst>
+      <p:ext uri="{BB962C8B-B14F-4D97-AF65-F5344CB8AC3E}">
+        <p14:creationId xmlns:p14="http://schemas.microsoft.com/office/powerpoint/2010/main" val="2901127114"/>
+      </p:ext>
+    </p:extLst>
+  </p:cSld>
+  <p:clrMapOvr>
+    <a:masterClrMapping/>
+  </p:clrMapOvr>
+  <mc:AlternateContent xmlns:mc="http://schemas.openxmlformats.org/markup-compatibility/2006" xmlns:p14="http://schemas.microsoft.com/office/powerpoint/2010/main">
+    <mc:Choice Requires="p14">
+      <p:transition spd="slow" p14:dur="1300">
+        <p14:pan dir="u"/>
+      </p:transition>
+    </mc:Choice>
+    <mc:Fallback xmlns="">
+      <p:transition spd="slow">
+        <p:fade/>
+      </p:transition>
+    </mc:Fallback>
+  </mc:AlternateContent>
+  <p:timing>
+    <p:tnLst>
+      <p:par>
+        <p:cTn id="1" dur="indefinite" restart="never" nodeType="tmRoot">
+          <p:childTnLst>
+            <p:seq concurrent="1" nextAc="seek">
+              <p:cTn id="2" dur="indefinite" nodeType="mainSeq">
+                <p:childTnLst>
+                  <p:par>
+                    <p:cTn id="3" fill="hold">
+                      <p:stCondLst>
+                        <p:cond delay="indefinite"/>
+                        <p:cond evt="onBegin" delay="0">
+                          <p:tn val="2"/>
+                        </p:cond>
+                      </p:stCondLst>
+                      <p:childTnLst>
+                        <p:par>
+                          <p:cTn id="4" fill="hold">
+                            <p:stCondLst>
+                              <p:cond delay="0"/>
+                            </p:stCondLst>
+                            <p:childTnLst>
+                              <p:par>
+                                <p:cTn id="5" presetID="22" presetClass="entr" presetSubtype="1" fill="hold" grpId="0" nodeType="afterEffect">
+                                  <p:stCondLst>
+                                    <p:cond delay="0"/>
+                                  </p:stCondLst>
+                                  <p:childTnLst>
+                                    <p:set>
+                                      <p:cBhvr>
+                                        <p:cTn id="6" dur="1" fill="hold">
+                                          <p:stCondLst>
+                                            <p:cond delay="0"/>
+                                          </p:stCondLst>
+                                        </p:cTn>
+                                        <p:tgtEl>
+                                          <p:spTgt spid="10"/>
+                                        </p:tgtEl>
+                                        <p:attrNameLst>
+                                          <p:attrName>style.visibility</p:attrName>
+                                        </p:attrNameLst>
+                                      </p:cBhvr>
+                                      <p:to>
+                                        <p:strVal val="visible"/>
+                                      </p:to>
+                                    </p:set>
+                                    <p:animEffect transition="in" filter="wipe(up)">
+                                      <p:cBhvr>
+                                        <p:cTn id="7" dur="500"/>
+                                        <p:tgtEl>
+                                          <p:spTgt spid="10"/>
+                                        </p:tgtEl>
+                                      </p:cBhvr>
+                                    </p:animEffect>
+                                  </p:childTnLst>
+                                </p:cTn>
+                              </p:par>
+                            </p:childTnLst>
+                          </p:cTn>
+                        </p:par>
+                      </p:childTnLst>
+                    </p:cTn>
+                  </p:par>
+                </p:childTnLst>
+              </p:cTn>
+              <p:prevCondLst>
+                <p:cond evt="onPrev" delay="0">
+                  <p:tgtEl>
+                    <p:sldTgt/>
+                  </p:tgtEl>
+                </p:cond>
+              </p:prevCondLst>
+              <p:nextCondLst>
+                <p:cond evt="onNext" delay="0">
+                  <p:tgtEl>
+                    <p:sldTgt/>
+                  </p:tgtEl>
+                </p:cond>
+              </p:nextCondLst>
+            </p:seq>
+          </p:childTnLst>
+        </p:cTn>
+      </p:par>
+    </p:tnLst>
+    <p:bldLst>
+      <p:bldP spid="10" grpId="0" animBg="1"/>
+    </p:bldLst>
+  </p:timing>
+</p:sld>
+</file>
+
+<file path=ppt/slides/slide47.xml><?xml version="1.0" encoding="utf-8"?>
+<p:sld xmlns:a="http://schemas.openxmlformats.org/drawingml/2006/main" xmlns:r="http://schemas.openxmlformats.org/officeDocument/2006/relationships" xmlns:p="http://schemas.openxmlformats.org/presentationml/2006/main">
+  <p:cSld>
+    <p:spTree>
+      <p:nvGrpSpPr>
+        <p:cNvPr id="1" name=""/>
+        <p:cNvGrpSpPr/>
+        <p:nvPr/>
+      </p:nvGrpSpPr>
+      <p:grpSpPr>
+        <a:xfrm>
+          <a:off x="0" y="0"/>
+          <a:ext cx="0" cy="0"/>
+          <a:chOff x="0" y="0"/>
+          <a:chExt cx="0" cy="0"/>
+        </a:xfrm>
+      </p:grpSpPr>
+      <p:pic>
+        <p:nvPicPr>
+          <p:cNvPr id="2" name="图片 1">
+            <a:extLst>
+              <a:ext uri="{FF2B5EF4-FFF2-40B4-BE49-F238E27FC236}">
+                <a16:creationId xmlns="" xmlns:a16="http://schemas.microsoft.com/office/drawing/2014/main" id="{B1C6DB09-A408-4502-BFA6-90542E7F80A9}"/>
+              </a:ext>
+            </a:extLst>
+          </p:cNvPr>
+          <p:cNvPicPr>
+            <a:picLocks noChangeAspect="1"/>
+          </p:cNvPicPr>
+          <p:nvPr/>
+        </p:nvPicPr>
+        <p:blipFill>
+          <a:blip r:embed="rId3" cstate="print">
+            <a:extLst>
+              <a:ext uri="{28A0092B-C50C-407E-A947-70E740481C1C}">
+                <a14:useLocalDpi xmlns:a14="http://schemas.microsoft.com/office/drawing/2010/main" val="0"/>
+              </a:ext>
+            </a:extLst>
+          </a:blip>
+          <a:stretch>
+            <a:fillRect/>
+          </a:stretch>
+        </p:blipFill>
+        <p:spPr>
+          <a:xfrm>
+            <a:off x="-2004691" y="-197918"/>
+            <a:ext cx="3107777" cy="2272551"/>
+          </a:xfrm>
+          <a:prstGeom prst="rect">
+            <a:avLst/>
+          </a:prstGeom>
+        </p:spPr>
+      </p:pic>
+      <p:pic>
+        <p:nvPicPr>
+          <p:cNvPr id="3" name="图片 2">
+            <a:extLst>
+              <a:ext uri="{FF2B5EF4-FFF2-40B4-BE49-F238E27FC236}">
+                <a16:creationId xmlns="" xmlns:a16="http://schemas.microsoft.com/office/drawing/2014/main" id="{98B13D0C-3D6D-4A7C-81C2-971C2DE1C35F}"/>
+              </a:ext>
+            </a:extLst>
+          </p:cNvPr>
+          <p:cNvPicPr>
+            <a:picLocks noChangeAspect="1"/>
+          </p:cNvPicPr>
+          <p:nvPr/>
+        </p:nvPicPr>
+        <p:blipFill>
+          <a:blip r:embed="rId3" cstate="print">
+            <a:extLst>
+              <a:ext uri="{28A0092B-C50C-407E-A947-70E740481C1C}">
+                <a14:useLocalDpi xmlns:a14="http://schemas.microsoft.com/office/drawing/2010/main" val="0"/>
+              </a:ext>
+            </a:extLst>
+          </a:blip>
+          <a:stretch>
+            <a:fillRect/>
+          </a:stretch>
+        </p:blipFill>
+        <p:spPr>
+          <a:xfrm>
+            <a:off x="11239595" y="4585449"/>
+            <a:ext cx="3107777" cy="2272551"/>
+          </a:xfrm>
+          <a:prstGeom prst="rect">
+            <a:avLst/>
+          </a:prstGeom>
+        </p:spPr>
+      </p:pic>
+      <p:sp>
+        <p:nvSpPr>
+          <p:cNvPr id="4" name="图文框 3">
+            <a:extLst>
+              <a:ext uri="{FF2B5EF4-FFF2-40B4-BE49-F238E27FC236}">
+                <a16:creationId xmlns="" xmlns:a16="http://schemas.microsoft.com/office/drawing/2014/main" id="{439EF00C-294A-4DB2-9D2A-D6104D65FB8E}"/>
+              </a:ext>
+            </a:extLst>
+          </p:cNvPr>
+          <p:cNvSpPr/>
+          <p:nvPr/>
+        </p:nvSpPr>
+        <p:spPr>
+          <a:xfrm>
+            <a:off x="239486" y="217715"/>
+            <a:ext cx="11705772" cy="6444342"/>
+          </a:xfrm>
+          <a:prstGeom prst="frame">
+            <a:avLst>
+              <a:gd name="adj1" fmla="val 2823"/>
+            </a:avLst>
+          </a:prstGeom>
+          <a:solidFill>
+            <a:schemeClr val="bg1"/>
+          </a:solidFill>
+          <a:ln>
+            <a:noFill/>
+          </a:ln>
+          <a:effectLst>
+            <a:outerShdw blurRad="114300" sx="102000" sy="102000" algn="ctr" rotWithShape="0">
+              <a:prstClr val="black">
+                <a:alpha val="27000"/>
+              </a:prstClr>
+            </a:outerShdw>
+          </a:effectLst>
+        </p:spPr>
+        <p:style>
+          <a:lnRef idx="2">
+            <a:schemeClr val="accent1">
+              <a:shade val="50000"/>
+            </a:schemeClr>
+          </a:lnRef>
+          <a:fillRef idx="1">
+            <a:schemeClr val="accent1"/>
+          </a:fillRef>
+          <a:effectRef idx="0">
+            <a:schemeClr val="accent1"/>
+          </a:effectRef>
+          <a:fontRef idx="minor">
+            <a:schemeClr val="lt1"/>
+          </a:fontRef>
+        </p:style>
+        <p:txBody>
+          <a:bodyPr rtlCol="0" anchor="ctr"/>
+          <a:lstStyle/>
+          <a:p>
+            <a:pPr algn="ctr"/>
+            <a:endParaRPr lang="zh-CN" altLang="en-US">
+              <a:solidFill>
+                <a:schemeClr val="tx1"/>
+              </a:solidFill>
+            </a:endParaRPr>
+          </a:p>
+        </p:txBody>
+      </p:sp>
+      <p:sp>
+        <p:nvSpPr>
+          <p:cNvPr id="6" name="矩形 5">
+            <a:extLst>
+              <a:ext uri="{FF2B5EF4-FFF2-40B4-BE49-F238E27FC236}">
+                <a16:creationId xmlns="" xmlns:a16="http://schemas.microsoft.com/office/drawing/2014/main" id="{334628C9-EB0D-4D06-AF24-5A038FFC63D7}"/>
+              </a:ext>
+            </a:extLst>
+          </p:cNvPr>
+          <p:cNvSpPr/>
+          <p:nvPr/>
+        </p:nvSpPr>
+        <p:spPr>
+          <a:xfrm>
+            <a:off x="1826723" y="583995"/>
+            <a:ext cx="4744406" cy="584775"/>
+          </a:xfrm>
+          <a:prstGeom prst="rect">
+            <a:avLst/>
+          </a:prstGeom>
+        </p:spPr>
+        <p:txBody>
+          <a:bodyPr wrap="square">
+            <a:spAutoFit/>
+            <a:scene3d>
+              <a:camera prst="orthographicFront"/>
+              <a:lightRig rig="threePt" dir="t"/>
+            </a:scene3d>
+            <a:sp3d contourW="12700"/>
+          </a:bodyPr>
+          <a:lstStyle/>
+          <a:p>
+            <a:pPr lvl="0"/>
+            <a:r>
+              <a:rPr lang="zh-CN" altLang="en-US" sz="3200" b="1" dirty="0" smtClean="0"/>
+              <a:t>参考文献</a:t>
+            </a:r>
+            <a:endParaRPr lang="zh-CN" altLang="zh-CN" sz="3200" b="1" dirty="0"/>
+          </a:p>
+        </p:txBody>
+      </p:sp>
+      <p:sp>
+        <p:nvSpPr>
+          <p:cNvPr id="8" name="椭圆 7">
+            <a:extLst>
+              <a:ext uri="{FF2B5EF4-FFF2-40B4-BE49-F238E27FC236}">
+                <a16:creationId xmlns="" xmlns:a16="http://schemas.microsoft.com/office/drawing/2014/main" id="{2D31EAC6-5633-42BD-A780-E7BE0D0484C9}"/>
+              </a:ext>
+            </a:extLst>
+          </p:cNvPr>
+          <p:cNvSpPr/>
+          <p:nvPr/>
+        </p:nvSpPr>
+        <p:spPr>
+          <a:xfrm>
+            <a:off x="1103086" y="669683"/>
+            <a:ext cx="595509" cy="595509"/>
+          </a:xfrm>
+          <a:prstGeom prst="ellipse">
+            <a:avLst/>
+          </a:prstGeom>
+          <a:solidFill>
+            <a:srgbClr val="39337A"/>
+          </a:solidFill>
+          <a:ln>
+            <a:noFill/>
+          </a:ln>
+        </p:spPr>
+        <p:style>
+          <a:lnRef idx="2">
+            <a:schemeClr val="accent1">
+              <a:shade val="50000"/>
+            </a:schemeClr>
+          </a:lnRef>
+          <a:fillRef idx="1">
+            <a:schemeClr val="accent1"/>
+          </a:fillRef>
+          <a:effectRef idx="0">
+            <a:schemeClr val="accent1"/>
+          </a:effectRef>
+          <a:fontRef idx="minor">
+            <a:schemeClr val="lt1"/>
+          </a:fontRef>
+        </p:style>
+        <p:txBody>
+          <a:bodyPr rtlCol="0" anchor="ctr"/>
+          <a:lstStyle/>
+          <a:p>
+            <a:pPr algn="ctr"/>
+            <a:endParaRPr lang="zh-CN" altLang="en-US" sz="2400" dirty="0">
+              <a:latin typeface="+mn-ea"/>
+              <a:sym typeface="FZHei-B01S" panose="02010601030101010101" pitchFamily="2" charset="-122"/>
+            </a:endParaRPr>
+          </a:p>
+        </p:txBody>
+      </p:sp>
+      <p:sp>
+        <p:nvSpPr>
+          <p:cNvPr id="9" name="文本框 8">
+            <a:extLst>
+              <a:ext uri="{FF2B5EF4-FFF2-40B4-BE49-F238E27FC236}">
+                <a16:creationId xmlns="" xmlns:a16="http://schemas.microsoft.com/office/drawing/2014/main" id="{B9EAD814-92A6-4346-BB5C-547799D7BDEA}"/>
+              </a:ext>
+            </a:extLst>
+          </p:cNvPr>
+          <p:cNvSpPr txBox="1"/>
+          <p:nvPr/>
+        </p:nvSpPr>
+        <p:spPr>
+          <a:xfrm>
+            <a:off x="1134702" y="740182"/>
+            <a:ext cx="563894" cy="400110"/>
+          </a:xfrm>
+          <a:prstGeom prst="rect">
+            <a:avLst/>
+          </a:prstGeom>
+          <a:noFill/>
+        </p:spPr>
+        <p:txBody>
+          <a:bodyPr wrap="square" rtlCol="0">
+            <a:spAutoFit/>
+          </a:bodyPr>
+          <a:lstStyle/>
+          <a:p>
+            <a:r>
+              <a:rPr lang="en-US" altLang="zh-CN" sz="2000" b="1" dirty="0" smtClean="0">
+                <a:solidFill>
+                  <a:schemeClr val="bg1"/>
+                </a:solidFill>
+                <a:latin typeface="+mn-ea"/>
+                <a:sym typeface="FZHei-B01S" panose="02010601030101010101" pitchFamily="2" charset="-122"/>
+              </a:rPr>
+              <a:t>04</a:t>
+            </a:r>
+            <a:endParaRPr lang="zh-CN" altLang="en-US" sz="2000" b="1" dirty="0">
+              <a:solidFill>
+                <a:schemeClr val="bg1"/>
+              </a:solidFill>
+              <a:latin typeface="+mn-ea"/>
+              <a:sym typeface="FZHei-B01S" panose="02010601030101010101" pitchFamily="2" charset="-122"/>
+            </a:endParaRPr>
+          </a:p>
+        </p:txBody>
+      </p:sp>
+      <p:sp>
+        <p:nvSpPr>
+          <p:cNvPr id="10" name="Shape 1458">
+            <a:extLst>
+              <a:ext uri="{FF2B5EF4-FFF2-40B4-BE49-F238E27FC236}">
+                <a16:creationId xmlns="" xmlns:a16="http://schemas.microsoft.com/office/drawing/2014/main" id="{C9C5B09E-BF7E-4AB4-9279-86A4782F4983}"/>
+              </a:ext>
+            </a:extLst>
+          </p:cNvPr>
+          <p:cNvSpPr/>
+          <p:nvPr/>
+        </p:nvSpPr>
+        <p:spPr>
+          <a:xfrm>
+            <a:off x="762001" y="1267259"/>
+            <a:ext cx="10290512" cy="5115611"/>
+          </a:xfrm>
+          <a:prstGeom prst="roundRect">
+            <a:avLst>
+              <a:gd name="adj" fmla="val 6924"/>
+            </a:avLst>
+          </a:prstGeom>
+          <a:ln w="12700">
+            <a:solidFill>
+              <a:srgbClr val="A6AAA9"/>
+            </a:solidFill>
+            <a:miter lim="400000"/>
+          </a:ln>
+        </p:spPr>
+        <p:txBody>
+          <a:bodyPr lIns="19049" tIns="19049" rIns="19049" bIns="19049" anchor="ctr"/>
+          <a:lstStyle/>
+          <a:p>
+            <a:pPr defTabSz="1219012"/>
+            <a:endParaRPr sz="1733" dirty="0">
+              <a:solidFill>
+                <a:prstClr val="black"/>
+              </a:solidFill>
+              <a:latin typeface="+mn-ea"/>
+            </a:endParaRPr>
+          </a:p>
+        </p:txBody>
+      </p:sp>
+      <p:sp>
+        <p:nvSpPr>
+          <p:cNvPr id="11" name="Rectangle 1"/>
+          <p:cNvSpPr>
+            <a:spLocks noChangeArrowheads="1"/>
+          </p:cNvSpPr>
+          <p:nvPr/>
+        </p:nvSpPr>
+        <p:spPr bwMode="auto">
+          <a:xfrm>
+            <a:off x="3390900" y="3201988"/>
+            <a:ext cx="12192000" cy="457200"/>
+          </a:xfrm>
+          <a:prstGeom prst="rect">
+            <a:avLst/>
+          </a:prstGeom>
+          <a:noFill/>
+          <a:ln>
+            <a:noFill/>
+          </a:ln>
+          <a:effectLst/>
+          <a:extLst>
+            <a:ext uri="{909E8E84-426E-40DD-AFC4-6F175D3DCCD1}">
+              <a14:hiddenFill xmlns:a14="http://schemas.microsoft.com/office/drawing/2010/main">
+                <a:solidFill>
+                  <a:schemeClr val="accent1"/>
+                </a:solidFill>
+              </a14:hiddenFill>
+            </a:ext>
+            <a:ext uri="{91240B29-F687-4F45-9708-019B960494DF}">
+              <a14:hiddenLine xmlns:a14="http://schemas.microsoft.com/office/drawing/2010/main" w="9525">
+                <a:solidFill>
+                  <a:schemeClr val="tx1"/>
+                </a:solidFill>
+                <a:miter lim="800000"/>
+                <a:headEnd/>
+                <a:tailEnd/>
+              </a14:hiddenLine>
+            </a:ext>
+            <a:ext uri="{AF507438-7753-43E0-B8FC-AC1667EBCBE1}">
+              <a14:hiddenEffects xmlns:a14="http://schemas.microsoft.com/office/drawing/2010/main">
+                <a:effectLst>
+                  <a:outerShdw dist="35921" dir="2700000" algn="ctr" rotWithShape="0">
+                    <a:schemeClr val="bg2"/>
+                  </a:outerShdw>
+                </a:effectLst>
+              </a14:hiddenEffects>
+            </a:ext>
+          </a:extLst>
+        </p:spPr>
+        <p:txBody>
+          <a:bodyPr vert="horz" wrap="none" lIns="91440" tIns="45720" rIns="91440" bIns="45720" numCol="1" anchor="ctr" anchorCtr="0" compatLnSpc="1">
+            <a:prstTxWarp prst="textNoShape">
+              <a:avLst/>
+            </a:prstTxWarp>
+            <a:spAutoFit/>
+          </a:bodyPr>
+          <a:lstStyle>
+            <a:lvl1pPr indent="266700" fontAlgn="base">
+              <a:spcBef>
+                <a:spcPct val="0"/>
+              </a:spcBef>
+              <a:spcAft>
+                <a:spcPct val="0"/>
+              </a:spcAft>
+              <a:tabLst>
+                <a:tab pos="266700" algn="r"/>
+                <a:tab pos="2636838" algn="ctr"/>
+                <a:tab pos="5273675" algn="r"/>
+              </a:tabLst>
+              <a:defRPr>
+                <a:solidFill>
+                  <a:schemeClr val="tx1"/>
+                </a:solidFill>
+                <a:latin typeface="Arial" pitchFamily="34" charset="0"/>
+                <a:ea typeface="宋体" pitchFamily="2" charset="-122"/>
+                <a:cs typeface="宋体" pitchFamily="2" charset="-122"/>
+              </a:defRPr>
+            </a:lvl1pPr>
+            <a:lvl2pPr fontAlgn="base">
+              <a:spcBef>
+                <a:spcPct val="0"/>
+              </a:spcBef>
+              <a:spcAft>
+                <a:spcPct val="0"/>
+              </a:spcAft>
+              <a:tabLst>
+                <a:tab pos="266700" algn="r"/>
+                <a:tab pos="2636838" algn="ctr"/>
+                <a:tab pos="5273675" algn="r"/>
+              </a:tabLst>
+              <a:defRPr>
+                <a:solidFill>
+                  <a:schemeClr val="tx1"/>
+                </a:solidFill>
+                <a:latin typeface="Arial" pitchFamily="34" charset="0"/>
+                <a:ea typeface="宋体" pitchFamily="2" charset="-122"/>
+                <a:cs typeface="宋体" pitchFamily="2" charset="-122"/>
+              </a:defRPr>
+            </a:lvl2pPr>
+            <a:lvl3pPr fontAlgn="base">
+              <a:spcBef>
+                <a:spcPct val="0"/>
+              </a:spcBef>
+              <a:spcAft>
+                <a:spcPct val="0"/>
+              </a:spcAft>
+              <a:tabLst>
+                <a:tab pos="266700" algn="r"/>
+                <a:tab pos="2636838" algn="ctr"/>
+                <a:tab pos="5273675" algn="r"/>
+              </a:tabLst>
+              <a:defRPr>
+                <a:solidFill>
+                  <a:schemeClr val="tx1"/>
+                </a:solidFill>
+                <a:latin typeface="Arial" pitchFamily="34" charset="0"/>
+                <a:ea typeface="宋体" pitchFamily="2" charset="-122"/>
+                <a:cs typeface="宋体" pitchFamily="2" charset="-122"/>
+              </a:defRPr>
+            </a:lvl3pPr>
+            <a:lvl4pPr fontAlgn="base">
+              <a:spcBef>
+                <a:spcPct val="0"/>
+              </a:spcBef>
+              <a:spcAft>
+                <a:spcPct val="0"/>
+              </a:spcAft>
+              <a:tabLst>
+                <a:tab pos="266700" algn="r"/>
+                <a:tab pos="2636838" algn="ctr"/>
+                <a:tab pos="5273675" algn="r"/>
+              </a:tabLst>
+              <a:defRPr>
+                <a:solidFill>
+                  <a:schemeClr val="tx1"/>
+                </a:solidFill>
+                <a:latin typeface="Arial" pitchFamily="34" charset="0"/>
+                <a:ea typeface="宋体" pitchFamily="2" charset="-122"/>
+                <a:cs typeface="宋体" pitchFamily="2" charset="-122"/>
+              </a:defRPr>
+            </a:lvl4pPr>
+            <a:lvl5pPr fontAlgn="base">
+              <a:spcBef>
+                <a:spcPct val="0"/>
+              </a:spcBef>
+              <a:spcAft>
+                <a:spcPct val="0"/>
+              </a:spcAft>
+              <a:tabLst>
+                <a:tab pos="266700" algn="r"/>
+                <a:tab pos="2636838" algn="ctr"/>
+                <a:tab pos="5273675" algn="r"/>
+              </a:tabLst>
+              <a:defRPr>
+                <a:solidFill>
+                  <a:schemeClr val="tx1"/>
+                </a:solidFill>
+                <a:latin typeface="Arial" pitchFamily="34" charset="0"/>
+                <a:ea typeface="宋体" pitchFamily="2" charset="-122"/>
+                <a:cs typeface="宋体" pitchFamily="2" charset="-122"/>
+              </a:defRPr>
+            </a:lvl5pPr>
+            <a:lvl6pPr fontAlgn="base">
+              <a:spcBef>
+                <a:spcPct val="0"/>
+              </a:spcBef>
+              <a:spcAft>
+                <a:spcPct val="0"/>
+              </a:spcAft>
+              <a:tabLst>
+                <a:tab pos="266700" algn="r"/>
+                <a:tab pos="2636838" algn="ctr"/>
+                <a:tab pos="5273675" algn="r"/>
+              </a:tabLst>
+              <a:defRPr>
+                <a:solidFill>
+                  <a:schemeClr val="tx1"/>
+                </a:solidFill>
+                <a:latin typeface="Arial" pitchFamily="34" charset="0"/>
+                <a:ea typeface="宋体" pitchFamily="2" charset="-122"/>
+                <a:cs typeface="宋体" pitchFamily="2" charset="-122"/>
+              </a:defRPr>
+            </a:lvl6pPr>
+            <a:lvl7pPr fontAlgn="base">
+              <a:spcBef>
+                <a:spcPct val="0"/>
+              </a:spcBef>
+              <a:spcAft>
+                <a:spcPct val="0"/>
+              </a:spcAft>
+              <a:tabLst>
+                <a:tab pos="266700" algn="r"/>
+                <a:tab pos="2636838" algn="ctr"/>
+                <a:tab pos="5273675" algn="r"/>
+              </a:tabLst>
+              <a:defRPr>
+                <a:solidFill>
+                  <a:schemeClr val="tx1"/>
+                </a:solidFill>
+                <a:latin typeface="Arial" pitchFamily="34" charset="0"/>
+                <a:ea typeface="宋体" pitchFamily="2" charset="-122"/>
+                <a:cs typeface="宋体" pitchFamily="2" charset="-122"/>
+              </a:defRPr>
+            </a:lvl7pPr>
+            <a:lvl8pPr fontAlgn="base">
+              <a:spcBef>
+                <a:spcPct val="0"/>
+              </a:spcBef>
+              <a:spcAft>
+                <a:spcPct val="0"/>
+              </a:spcAft>
+              <a:tabLst>
+                <a:tab pos="266700" algn="r"/>
+                <a:tab pos="2636838" algn="ctr"/>
+                <a:tab pos="5273675" algn="r"/>
+              </a:tabLst>
+              <a:defRPr>
+                <a:solidFill>
+                  <a:schemeClr val="tx1"/>
+                </a:solidFill>
+                <a:latin typeface="Arial" pitchFamily="34" charset="0"/>
+                <a:ea typeface="宋体" pitchFamily="2" charset="-122"/>
+                <a:cs typeface="宋体" pitchFamily="2" charset="-122"/>
+              </a:defRPr>
+            </a:lvl8pPr>
+            <a:lvl9pPr fontAlgn="base">
+              <a:spcBef>
+                <a:spcPct val="0"/>
+              </a:spcBef>
+              <a:spcAft>
+                <a:spcPct val="0"/>
+              </a:spcAft>
+              <a:tabLst>
+                <a:tab pos="266700" algn="r"/>
+                <a:tab pos="2636838" algn="ctr"/>
+                <a:tab pos="5273675" algn="r"/>
+              </a:tabLst>
+              <a:defRPr>
+                <a:solidFill>
+                  <a:schemeClr val="tx1"/>
+                </a:solidFill>
+                <a:latin typeface="Arial" pitchFamily="34" charset="0"/>
+                <a:ea typeface="宋体" pitchFamily="2" charset="-122"/>
+                <a:cs typeface="宋体" pitchFamily="2" charset="-122"/>
+              </a:defRPr>
+            </a:lvl9pPr>
+          </a:lstStyle>
+          <a:p>
+            <a:pPr marL="0" marR="0" lvl="0" indent="266700" algn="l" defTabSz="914400" rtl="0" eaLnBrk="1" fontAlgn="base" latinLnBrk="0" hangingPunct="1">
+              <a:lnSpc>
+                <a:spcPct val="100000"/>
+              </a:lnSpc>
+              <a:spcBef>
+                <a:spcPct val="0"/>
+              </a:spcBef>
+              <a:spcAft>
+                <a:spcPct val="0"/>
+              </a:spcAft>
+              <a:buClrTx/>
+              <a:buSzTx/>
+              <a:buFontTx/>
+              <a:buNone/>
+              <a:tabLst>
+                <a:tab pos="266700" algn="r"/>
+                <a:tab pos="2636838" algn="ctr"/>
+                <a:tab pos="5273675" algn="r"/>
+              </a:tabLst>
+            </a:pPr>
+            <a:endParaRPr kumimoji="0" lang="zh-CN" altLang="zh-CN" sz="1800" b="0" i="0" u="none" strike="noStrike" cap="none" normalizeH="0" baseline="0" smtClean="0">
+              <a:ln>
+                <a:noFill/>
+              </a:ln>
+              <a:solidFill>
+                <a:schemeClr val="tx1"/>
+              </a:solidFill>
+              <a:effectLst/>
+              <a:latin typeface="Arial" pitchFamily="34" charset="0"/>
+              <a:ea typeface="宋体" pitchFamily="2" charset="-122"/>
+              <a:cs typeface="宋体" pitchFamily="2" charset="-122"/>
+            </a:endParaRPr>
+          </a:p>
+        </p:txBody>
+      </p:sp>
+      <p:sp>
+        <p:nvSpPr>
+          <p:cNvPr id="12" name="Rectangle 1"/>
+          <p:cNvSpPr>
+            <a:spLocks noChangeArrowheads="1"/>
+          </p:cNvSpPr>
+          <p:nvPr/>
+        </p:nvSpPr>
+        <p:spPr bwMode="auto">
+          <a:xfrm>
+            <a:off x="3333750" y="3316288"/>
+            <a:ext cx="12192000" cy="457200"/>
+          </a:xfrm>
+          <a:prstGeom prst="rect">
+            <a:avLst/>
+          </a:prstGeom>
+          <a:noFill/>
+          <a:ln>
+            <a:noFill/>
+          </a:ln>
+          <a:effectLst/>
+          <a:extLst>
+            <a:ext uri="{909E8E84-426E-40DD-AFC4-6F175D3DCCD1}">
+              <a14:hiddenFill xmlns:a14="http://schemas.microsoft.com/office/drawing/2010/main">
+                <a:solidFill>
+                  <a:schemeClr val="accent1"/>
+                </a:solidFill>
+              </a14:hiddenFill>
+            </a:ext>
+            <a:ext uri="{91240B29-F687-4F45-9708-019B960494DF}">
+              <a14:hiddenLine xmlns:a14="http://schemas.microsoft.com/office/drawing/2010/main" w="9525">
+                <a:solidFill>
+                  <a:schemeClr val="tx1"/>
+                </a:solidFill>
+                <a:miter lim="800000"/>
+                <a:headEnd/>
+                <a:tailEnd/>
+              </a14:hiddenLine>
+            </a:ext>
+            <a:ext uri="{AF507438-7753-43E0-B8FC-AC1667EBCBE1}">
+              <a14:hiddenEffects xmlns:a14="http://schemas.microsoft.com/office/drawing/2010/main">
+                <a:effectLst>
+                  <a:outerShdw dist="35921" dir="2700000" algn="ctr" rotWithShape="0">
+                    <a:schemeClr val="bg2"/>
+                  </a:outerShdw>
+                </a:effectLst>
+              </a14:hiddenEffects>
+            </a:ext>
+          </a:extLst>
+        </p:spPr>
+        <p:txBody>
+          <a:bodyPr vert="horz" wrap="none" lIns="91440" tIns="45720" rIns="91440" bIns="45720" numCol="1" anchor="ctr" anchorCtr="0" compatLnSpc="1">
+            <a:prstTxWarp prst="textNoShape">
+              <a:avLst/>
+            </a:prstTxWarp>
+            <a:spAutoFit/>
+          </a:bodyPr>
+          <a:lstStyle>
+            <a:lvl1pPr indent="266700" fontAlgn="base">
+              <a:spcBef>
+                <a:spcPct val="0"/>
+              </a:spcBef>
+              <a:spcAft>
+                <a:spcPct val="0"/>
+              </a:spcAft>
+              <a:tabLst>
+                <a:tab pos="2124075" algn="l"/>
+              </a:tabLst>
+              <a:defRPr>
+                <a:solidFill>
+                  <a:schemeClr val="tx1"/>
+                </a:solidFill>
+                <a:latin typeface="Arial" pitchFamily="34" charset="0"/>
+                <a:ea typeface="宋体" pitchFamily="2" charset="-122"/>
+                <a:cs typeface="宋体" pitchFamily="2" charset="-122"/>
+              </a:defRPr>
+            </a:lvl1pPr>
+            <a:lvl2pPr fontAlgn="base">
+              <a:spcBef>
+                <a:spcPct val="0"/>
+              </a:spcBef>
+              <a:spcAft>
+                <a:spcPct val="0"/>
+              </a:spcAft>
+              <a:tabLst>
+                <a:tab pos="2124075" algn="l"/>
+              </a:tabLst>
+              <a:defRPr>
+                <a:solidFill>
+                  <a:schemeClr val="tx1"/>
+                </a:solidFill>
+                <a:latin typeface="Arial" pitchFamily="34" charset="0"/>
+                <a:ea typeface="宋体" pitchFamily="2" charset="-122"/>
+                <a:cs typeface="宋体" pitchFamily="2" charset="-122"/>
+              </a:defRPr>
+            </a:lvl2pPr>
+            <a:lvl3pPr fontAlgn="base">
+              <a:spcBef>
+                <a:spcPct val="0"/>
+              </a:spcBef>
+              <a:spcAft>
+                <a:spcPct val="0"/>
+              </a:spcAft>
+              <a:tabLst>
+                <a:tab pos="2124075" algn="l"/>
+              </a:tabLst>
+              <a:defRPr>
+                <a:solidFill>
+                  <a:schemeClr val="tx1"/>
+                </a:solidFill>
+                <a:latin typeface="Arial" pitchFamily="34" charset="0"/>
+                <a:ea typeface="宋体" pitchFamily="2" charset="-122"/>
+                <a:cs typeface="宋体" pitchFamily="2" charset="-122"/>
+              </a:defRPr>
+            </a:lvl3pPr>
+            <a:lvl4pPr fontAlgn="base">
+              <a:spcBef>
+                <a:spcPct val="0"/>
+              </a:spcBef>
+              <a:spcAft>
+                <a:spcPct val="0"/>
+              </a:spcAft>
+              <a:tabLst>
+                <a:tab pos="2124075" algn="l"/>
+              </a:tabLst>
+              <a:defRPr>
+                <a:solidFill>
+                  <a:schemeClr val="tx1"/>
+                </a:solidFill>
+                <a:latin typeface="Arial" pitchFamily="34" charset="0"/>
+                <a:ea typeface="宋体" pitchFamily="2" charset="-122"/>
+                <a:cs typeface="宋体" pitchFamily="2" charset="-122"/>
+              </a:defRPr>
+            </a:lvl4pPr>
+            <a:lvl5pPr fontAlgn="base">
+              <a:spcBef>
+                <a:spcPct val="0"/>
+              </a:spcBef>
+              <a:spcAft>
+                <a:spcPct val="0"/>
+              </a:spcAft>
+              <a:tabLst>
+                <a:tab pos="2124075" algn="l"/>
+              </a:tabLst>
+              <a:defRPr>
+                <a:solidFill>
+                  <a:schemeClr val="tx1"/>
+                </a:solidFill>
+                <a:latin typeface="Arial" pitchFamily="34" charset="0"/>
+                <a:ea typeface="宋体" pitchFamily="2" charset="-122"/>
+                <a:cs typeface="宋体" pitchFamily="2" charset="-122"/>
+              </a:defRPr>
+            </a:lvl5pPr>
+            <a:lvl6pPr fontAlgn="base">
+              <a:spcBef>
+                <a:spcPct val="0"/>
+              </a:spcBef>
+              <a:spcAft>
+                <a:spcPct val="0"/>
+              </a:spcAft>
+              <a:tabLst>
+                <a:tab pos="2124075" algn="l"/>
+              </a:tabLst>
+              <a:defRPr>
+                <a:solidFill>
+                  <a:schemeClr val="tx1"/>
+                </a:solidFill>
+                <a:latin typeface="Arial" pitchFamily="34" charset="0"/>
+                <a:ea typeface="宋体" pitchFamily="2" charset="-122"/>
+                <a:cs typeface="宋体" pitchFamily="2" charset="-122"/>
+              </a:defRPr>
+            </a:lvl6pPr>
+            <a:lvl7pPr fontAlgn="base">
+              <a:spcBef>
+                <a:spcPct val="0"/>
+              </a:spcBef>
+              <a:spcAft>
+                <a:spcPct val="0"/>
+              </a:spcAft>
+              <a:tabLst>
+                <a:tab pos="2124075" algn="l"/>
+              </a:tabLst>
+              <a:defRPr>
+                <a:solidFill>
+                  <a:schemeClr val="tx1"/>
+                </a:solidFill>
+                <a:latin typeface="Arial" pitchFamily="34" charset="0"/>
+                <a:ea typeface="宋体" pitchFamily="2" charset="-122"/>
+                <a:cs typeface="宋体" pitchFamily="2" charset="-122"/>
+              </a:defRPr>
+            </a:lvl7pPr>
+            <a:lvl8pPr fontAlgn="base">
+              <a:spcBef>
+                <a:spcPct val="0"/>
+              </a:spcBef>
+              <a:spcAft>
+                <a:spcPct val="0"/>
+              </a:spcAft>
+              <a:tabLst>
+                <a:tab pos="2124075" algn="l"/>
+              </a:tabLst>
+              <a:defRPr>
+                <a:solidFill>
+                  <a:schemeClr val="tx1"/>
+                </a:solidFill>
+                <a:latin typeface="Arial" pitchFamily="34" charset="0"/>
+                <a:ea typeface="宋体" pitchFamily="2" charset="-122"/>
+                <a:cs typeface="宋体" pitchFamily="2" charset="-122"/>
+              </a:defRPr>
+            </a:lvl8pPr>
+            <a:lvl9pPr fontAlgn="base">
+              <a:spcBef>
+                <a:spcPct val="0"/>
+              </a:spcBef>
+              <a:spcAft>
+                <a:spcPct val="0"/>
+              </a:spcAft>
+              <a:tabLst>
+                <a:tab pos="2124075" algn="l"/>
+              </a:tabLst>
+              <a:defRPr>
+                <a:solidFill>
+                  <a:schemeClr val="tx1"/>
+                </a:solidFill>
+                <a:latin typeface="Arial" pitchFamily="34" charset="0"/>
+                <a:ea typeface="宋体" pitchFamily="2" charset="-122"/>
+                <a:cs typeface="宋体" pitchFamily="2" charset="-122"/>
+              </a:defRPr>
+            </a:lvl9pPr>
+          </a:lstStyle>
+          <a:p>
+            <a:pPr marL="0" marR="0" lvl="0" indent="266700" algn="l" defTabSz="914400" rtl="0" eaLnBrk="1" fontAlgn="base" latinLnBrk="0" hangingPunct="1">
+              <a:lnSpc>
+                <a:spcPct val="100000"/>
+              </a:lnSpc>
+              <a:spcBef>
+                <a:spcPct val="0"/>
+              </a:spcBef>
+              <a:spcAft>
+                <a:spcPct val="0"/>
+              </a:spcAft>
+              <a:buClrTx/>
+              <a:buSzTx/>
+              <a:buFontTx/>
+              <a:buNone/>
+              <a:tabLst>
+                <a:tab pos="2124075" algn="l"/>
+              </a:tabLst>
+            </a:pPr>
+            <a:endParaRPr kumimoji="0" lang="zh-CN" altLang="zh-CN" sz="1800" b="0" i="0" u="none" strike="noStrike" cap="none" normalizeH="0" baseline="0" smtClean="0">
+              <a:ln>
+                <a:noFill/>
+              </a:ln>
+              <a:solidFill>
+                <a:schemeClr val="tx1"/>
+              </a:solidFill>
+              <a:effectLst/>
+              <a:latin typeface="Arial" pitchFamily="34" charset="0"/>
+              <a:ea typeface="宋体" pitchFamily="2" charset="-122"/>
+              <a:cs typeface="宋体" pitchFamily="2" charset="-122"/>
+            </a:endParaRPr>
+          </a:p>
+        </p:txBody>
+      </p:sp>
+      <p:sp>
+        <p:nvSpPr>
+          <p:cNvPr id="14" name="矩形 13"/>
+          <p:cNvSpPr/>
+          <p:nvPr/>
+        </p:nvSpPr>
+        <p:spPr>
+          <a:xfrm>
+            <a:off x="1201615" y="1428682"/>
+            <a:ext cx="9538103" cy="3970318"/>
+          </a:xfrm>
+          <a:prstGeom prst="rect">
+            <a:avLst/>
+          </a:prstGeom>
+        </p:spPr>
+        <p:txBody>
+          <a:bodyPr wrap="square">
+            <a:spAutoFit/>
+          </a:bodyPr>
+          <a:lstStyle/>
+          <a:p>
+            <a:r>
+              <a:rPr lang="en-US" altLang="zh-CN" dirty="0" smtClean="0"/>
+              <a:t>1.《BlackBoard</a:t>
+            </a:r>
+            <a:r>
+              <a:rPr lang="zh-CN" altLang="en-US" dirty="0" smtClean="0"/>
+              <a:t>教室使用手册</a:t>
+            </a:r>
+            <a:r>
+              <a:rPr lang="en-US" altLang="zh-CN" dirty="0" smtClean="0"/>
+              <a:t>》</a:t>
+            </a:r>
+            <a:r>
+              <a:rPr lang="zh-CN" altLang="en-US" dirty="0" smtClean="0"/>
+              <a:t>作者：刘兰娟，出版社：上海财大，出版时间：</a:t>
+            </a:r>
+            <a:r>
+              <a:rPr lang="en-US" altLang="zh-CN" dirty="0" smtClean="0"/>
+              <a:t>2008</a:t>
+            </a:r>
+            <a:r>
+              <a:rPr lang="zh-CN" altLang="en-US" dirty="0" smtClean="0"/>
+              <a:t>年，参考时间</a:t>
+            </a:r>
+            <a:r>
+              <a:rPr lang="en-US" altLang="zh-CN" dirty="0" smtClean="0"/>
+              <a:t>2018</a:t>
+            </a:r>
+            <a:r>
+              <a:rPr lang="zh-CN" altLang="en-US" dirty="0" smtClean="0"/>
+              <a:t>年</a:t>
+            </a:r>
+            <a:r>
+              <a:rPr lang="en-US" altLang="zh-CN" dirty="0" smtClean="0"/>
+              <a:t>11</a:t>
+            </a:r>
+            <a:r>
+              <a:rPr lang="zh-CN" altLang="en-US" dirty="0" smtClean="0"/>
+              <a:t>月</a:t>
+            </a:r>
+            <a:r>
+              <a:rPr lang="en-US" altLang="zh-CN" dirty="0" smtClean="0"/>
+              <a:t>10</a:t>
+            </a:r>
+            <a:r>
+              <a:rPr lang="zh-CN" altLang="en-US" dirty="0" smtClean="0"/>
+              <a:t>日下午四点</a:t>
+            </a:r>
+            <a:r>
+              <a:rPr lang="en-US" altLang="zh-CN" dirty="0" smtClean="0"/>
+              <a:t>23</a:t>
+            </a:r>
+            <a:r>
+              <a:rPr lang="zh-CN" altLang="en-US" dirty="0" smtClean="0"/>
+              <a:t>分。</a:t>
+            </a:r>
+            <a:endParaRPr lang="en-US" altLang="zh-CN" dirty="0" smtClean="0"/>
+          </a:p>
+          <a:p>
+            <a:r>
+              <a:rPr lang="en-US" altLang="zh-CN" dirty="0" smtClean="0"/>
+              <a:t>2. </a:t>
+            </a:r>
+            <a:r>
+              <a:rPr lang="zh-CN" altLang="zh-CN" dirty="0" smtClean="0"/>
+              <a:t>专利</a:t>
+            </a:r>
+            <a:r>
+              <a:rPr lang="zh-CN" altLang="zh-CN" dirty="0"/>
+              <a:t>检索及分析</a:t>
+            </a:r>
+            <a:r>
+              <a:rPr lang="zh-CN" altLang="zh-CN" dirty="0" smtClean="0"/>
+              <a:t>网站</a:t>
+            </a:r>
+            <a:r>
+              <a:rPr lang="en-US" altLang="zh-CN" dirty="0">
+                <a:hlinkClick r:id="rId4"/>
+              </a:rPr>
+              <a:t>http://www.pss-system.gov.cn</a:t>
+            </a:r>
+            <a:r>
+              <a:rPr lang="en-US" altLang="zh-CN" dirty="0"/>
+              <a:t> </a:t>
+            </a:r>
+            <a:r>
+              <a:rPr lang="zh-CN" altLang="en-US" dirty="0" smtClean="0"/>
+              <a:t>参考时间</a:t>
+            </a:r>
+            <a:r>
+              <a:rPr lang="en-US" altLang="zh-CN" dirty="0" smtClean="0"/>
+              <a:t>2018</a:t>
+            </a:r>
+            <a:r>
+              <a:rPr lang="zh-CN" altLang="en-US" dirty="0" smtClean="0"/>
+              <a:t>年</a:t>
+            </a:r>
+            <a:r>
+              <a:rPr lang="en-US" altLang="zh-CN" dirty="0" smtClean="0"/>
+              <a:t>11</a:t>
+            </a:r>
+            <a:r>
+              <a:rPr lang="zh-CN" altLang="en-US" dirty="0" smtClean="0"/>
+              <a:t>月</a:t>
+            </a:r>
+            <a:r>
+              <a:rPr lang="en-US" altLang="zh-CN" dirty="0" smtClean="0"/>
+              <a:t>10</a:t>
+            </a:r>
+            <a:r>
+              <a:rPr lang="zh-CN" altLang="en-US" dirty="0" smtClean="0"/>
+              <a:t>日下午三点</a:t>
+            </a:r>
+            <a:r>
+              <a:rPr lang="en-US" altLang="zh-CN" dirty="0" smtClean="0"/>
+              <a:t>40</a:t>
+            </a:r>
+            <a:r>
+              <a:rPr lang="zh-CN" altLang="en-US" dirty="0" smtClean="0"/>
+              <a:t>分。</a:t>
+            </a:r>
+            <a:endParaRPr lang="en-US" altLang="zh-CN" dirty="0" smtClean="0"/>
+          </a:p>
+          <a:p>
+            <a:r>
+              <a:rPr lang="en-US" altLang="zh-CN" dirty="0" smtClean="0"/>
+              <a:t>3. </a:t>
+            </a:r>
+            <a:r>
+              <a:rPr lang="zh-CN" altLang="en-US" dirty="0" smtClean="0"/>
+              <a:t>赛课</a:t>
+            </a:r>
+            <a:r>
+              <a:rPr lang="zh-CN" altLang="zh-CN" dirty="0" smtClean="0"/>
+              <a:t>数据</a:t>
+            </a:r>
+            <a:r>
+              <a:rPr lang="zh-CN" altLang="zh-CN" dirty="0"/>
+              <a:t>来自维基百科，最后修改</a:t>
+            </a:r>
+            <a:r>
+              <a:rPr lang="en-US" altLang="zh-CN" dirty="0"/>
+              <a:t>2018</a:t>
+            </a:r>
+            <a:r>
+              <a:rPr lang="zh-CN" altLang="zh-CN" dirty="0"/>
+              <a:t>年</a:t>
+            </a:r>
+            <a:r>
+              <a:rPr lang="en-US" altLang="zh-CN" dirty="0"/>
+              <a:t>8</a:t>
+            </a:r>
+            <a:r>
+              <a:rPr lang="zh-CN" altLang="zh-CN" dirty="0"/>
+              <a:t>月</a:t>
+            </a:r>
+            <a:r>
+              <a:rPr lang="en-US" altLang="zh-CN" dirty="0"/>
+              <a:t>27</a:t>
+            </a:r>
+            <a:r>
+              <a:rPr lang="zh-CN" altLang="zh-CN" dirty="0" smtClean="0"/>
+              <a:t>日</a:t>
+            </a:r>
+            <a:r>
+              <a:rPr lang="zh-CN" altLang="en-US" dirty="0" smtClean="0"/>
+              <a:t>，参考时间</a:t>
+            </a:r>
+            <a:r>
+              <a:rPr lang="en-US" altLang="zh-CN" dirty="0" smtClean="0"/>
+              <a:t>2018</a:t>
+            </a:r>
+            <a:r>
+              <a:rPr lang="zh-CN" altLang="en-US" dirty="0" smtClean="0"/>
+              <a:t>年</a:t>
+            </a:r>
+            <a:r>
+              <a:rPr lang="en-US" altLang="zh-CN" dirty="0" smtClean="0"/>
+              <a:t>11</a:t>
+            </a:r>
+            <a:r>
+              <a:rPr lang="zh-CN" altLang="en-US" dirty="0" smtClean="0"/>
+              <a:t>月</a:t>
+            </a:r>
+            <a:r>
+              <a:rPr lang="en-US" altLang="zh-CN" dirty="0" smtClean="0"/>
+              <a:t>10</a:t>
+            </a:r>
+            <a:r>
+              <a:rPr lang="zh-CN" altLang="en-US" dirty="0" smtClean="0"/>
+              <a:t>日下午四点</a:t>
+            </a:r>
+            <a:r>
+              <a:rPr lang="en-US" altLang="zh-CN" dirty="0" smtClean="0"/>
+              <a:t>20</a:t>
+            </a:r>
+            <a:r>
+              <a:rPr lang="zh-CN" altLang="en-US" dirty="0" smtClean="0"/>
+              <a:t>分。</a:t>
+            </a:r>
+            <a:endParaRPr lang="en-US" altLang="zh-CN" dirty="0" smtClean="0"/>
+          </a:p>
+          <a:p>
+            <a:r>
+              <a:rPr lang="en-US" altLang="zh-CN" dirty="0" smtClean="0"/>
+              <a:t>4. </a:t>
+            </a:r>
+            <a:r>
+              <a:rPr lang="zh-CN" altLang="en-US" dirty="0" smtClean="0"/>
+              <a:t>浙江大学城市学院</a:t>
+            </a:r>
+            <a:r>
+              <a:rPr lang="en-US" altLang="zh-CN" dirty="0" smtClean="0"/>
+              <a:t>BB</a:t>
+            </a:r>
+            <a:r>
+              <a:rPr lang="zh-CN" altLang="en-US" dirty="0" smtClean="0"/>
+              <a:t>平台电脑网站截图</a:t>
+            </a:r>
+            <a:r>
+              <a:rPr lang="en-US" altLang="zh-CN" dirty="0" smtClean="0">
+                <a:hlinkClick r:id="rId5"/>
+              </a:rPr>
+              <a:t>http://bb.zucc.edu.cn</a:t>
+            </a:r>
+            <a:r>
+              <a:rPr lang="en-US" altLang="zh-CN" dirty="0" smtClean="0"/>
+              <a:t> </a:t>
+            </a:r>
+            <a:r>
+              <a:rPr lang="zh-CN" altLang="en-US" dirty="0" smtClean="0"/>
+              <a:t>参考时间</a:t>
+            </a:r>
+            <a:r>
+              <a:rPr lang="en-US" altLang="zh-CN" dirty="0" smtClean="0"/>
+              <a:t>2018</a:t>
+            </a:r>
+            <a:r>
+              <a:rPr lang="zh-CN" altLang="en-US" dirty="0" smtClean="0"/>
+              <a:t>年</a:t>
+            </a:r>
+            <a:r>
+              <a:rPr lang="en-US" altLang="zh-CN" dirty="0" smtClean="0"/>
+              <a:t>11</a:t>
+            </a:r>
+            <a:r>
+              <a:rPr lang="zh-CN" altLang="en-US" dirty="0" smtClean="0"/>
+              <a:t>月</a:t>
+            </a:r>
+            <a:r>
+              <a:rPr lang="en-US" altLang="zh-CN" dirty="0" smtClean="0"/>
+              <a:t>10</a:t>
+            </a:r>
+            <a:r>
+              <a:rPr lang="zh-CN" altLang="en-US" dirty="0" smtClean="0"/>
+              <a:t>日下午五点</a:t>
+            </a:r>
+            <a:r>
+              <a:rPr lang="en-US" altLang="zh-CN" dirty="0" smtClean="0"/>
+              <a:t>24</a:t>
+            </a:r>
+            <a:r>
+              <a:rPr lang="zh-CN" altLang="en-US" dirty="0" smtClean="0"/>
+              <a:t>分。</a:t>
+            </a:r>
+            <a:endParaRPr lang="en-US" altLang="zh-CN" dirty="0" smtClean="0"/>
+          </a:p>
+          <a:p>
+            <a:r>
+              <a:rPr lang="en-US" altLang="zh-CN" dirty="0" smtClean="0"/>
+              <a:t>5. </a:t>
+            </a:r>
+            <a:r>
+              <a:rPr lang="zh-CN" altLang="en-US" dirty="0"/>
+              <a:t>浙江大学城市学院</a:t>
+            </a:r>
+            <a:r>
+              <a:rPr lang="en-US" altLang="zh-CN" dirty="0"/>
+              <a:t>BB</a:t>
+            </a:r>
+            <a:r>
+              <a:rPr lang="zh-CN" altLang="en-US" dirty="0" smtClean="0"/>
+              <a:t>平台手机版截图</a:t>
+            </a:r>
+            <a:r>
+              <a:rPr lang="en-US" altLang="zh-CN" dirty="0" smtClean="0">
+                <a:hlinkClick r:id="rId5"/>
+              </a:rPr>
+              <a:t>http</a:t>
+            </a:r>
+            <a:r>
+              <a:rPr lang="en-US" altLang="zh-CN" dirty="0">
+                <a:hlinkClick r:id="rId5"/>
+              </a:rPr>
+              <a:t>://bb.zucc.edu.cn</a:t>
+            </a:r>
+            <a:r>
+              <a:rPr lang="en-US" altLang="zh-CN" dirty="0"/>
+              <a:t> </a:t>
+            </a:r>
+            <a:r>
+              <a:rPr lang="zh-CN" altLang="en-US" dirty="0"/>
+              <a:t>参考时间</a:t>
+            </a:r>
+            <a:r>
+              <a:rPr lang="en-US" altLang="zh-CN" dirty="0"/>
+              <a:t>2018</a:t>
+            </a:r>
+            <a:r>
+              <a:rPr lang="zh-CN" altLang="en-US" dirty="0"/>
+              <a:t>年</a:t>
+            </a:r>
+            <a:r>
+              <a:rPr lang="en-US" altLang="zh-CN" dirty="0"/>
+              <a:t>11</a:t>
+            </a:r>
+            <a:r>
+              <a:rPr lang="zh-CN" altLang="en-US" dirty="0"/>
+              <a:t>月</a:t>
+            </a:r>
+            <a:r>
+              <a:rPr lang="en-US" altLang="zh-CN" dirty="0"/>
+              <a:t>10</a:t>
+            </a:r>
+            <a:r>
+              <a:rPr lang="zh-CN" altLang="en-US" dirty="0"/>
+              <a:t>日</a:t>
+            </a:r>
+            <a:r>
+              <a:rPr lang="zh-CN" altLang="en-US" dirty="0" smtClean="0"/>
+              <a:t>下午五点</a:t>
+            </a:r>
+            <a:r>
+              <a:rPr lang="en-US" altLang="zh-CN" dirty="0" smtClean="0"/>
+              <a:t>25</a:t>
+            </a:r>
+            <a:r>
+              <a:rPr lang="zh-CN" altLang="en-US" dirty="0" smtClean="0"/>
+              <a:t>分。</a:t>
+            </a:r>
+            <a:endParaRPr lang="en-US" altLang="zh-CN" dirty="0" smtClean="0"/>
+          </a:p>
+          <a:p>
+            <a:r>
+              <a:rPr lang="en-US" altLang="zh-CN" dirty="0" smtClean="0"/>
+              <a:t>5. </a:t>
+            </a:r>
+            <a:r>
+              <a:rPr lang="zh-CN" altLang="en-US" dirty="0" smtClean="0"/>
+              <a:t>赛课网站</a:t>
+            </a:r>
+            <a:r>
+              <a:rPr lang="en-US" altLang="zh-CN" dirty="0">
+                <a:hlinkClick r:id="rId6"/>
+              </a:rPr>
+              <a:t>http://</a:t>
+            </a:r>
+            <a:r>
+              <a:rPr lang="en-US" altLang="zh-CN" dirty="0" smtClean="0">
+                <a:hlinkClick r:id="rId6"/>
+              </a:rPr>
+              <a:t>elearning.hpu.edu.cn/portal </a:t>
+            </a:r>
+            <a:r>
+              <a:rPr lang="zh-CN" altLang="en-US" dirty="0" smtClean="0"/>
+              <a:t>网站电脑页面截图，参考时间</a:t>
+            </a:r>
+            <a:r>
+              <a:rPr lang="en-US" altLang="zh-CN" dirty="0" smtClean="0"/>
+              <a:t>2018</a:t>
+            </a:r>
+            <a:r>
+              <a:rPr lang="zh-CN" altLang="en-US" dirty="0" smtClean="0"/>
+              <a:t>年</a:t>
+            </a:r>
+            <a:r>
+              <a:rPr lang="en-US" altLang="zh-CN" dirty="0" smtClean="0"/>
+              <a:t>11</a:t>
+            </a:r>
+            <a:r>
+              <a:rPr lang="zh-CN" altLang="en-US" dirty="0" smtClean="0"/>
+              <a:t>月</a:t>
+            </a:r>
+            <a:r>
+              <a:rPr lang="en-US" altLang="zh-CN" dirty="0" smtClean="0"/>
+              <a:t>10</a:t>
+            </a:r>
+            <a:r>
+              <a:rPr lang="zh-CN" altLang="en-US" dirty="0" smtClean="0"/>
+              <a:t>日下午五点</a:t>
+            </a:r>
+            <a:r>
+              <a:rPr lang="en-US" altLang="zh-CN" dirty="0" smtClean="0"/>
+              <a:t>35</a:t>
+            </a:r>
+            <a:r>
+              <a:rPr lang="zh-CN" altLang="en-US" dirty="0" smtClean="0"/>
+              <a:t>分。</a:t>
+            </a:r>
+            <a:endParaRPr lang="en-US" altLang="zh-CN" dirty="0" smtClean="0"/>
+          </a:p>
+          <a:p>
+            <a:r>
+              <a:rPr lang="en-US" altLang="zh-CN" dirty="0" smtClean="0"/>
+              <a:t>6. </a:t>
+            </a:r>
+            <a:r>
+              <a:rPr lang="zh-CN" altLang="en-US" dirty="0"/>
+              <a:t>赛课网站</a:t>
+            </a:r>
+            <a:r>
+              <a:rPr lang="en-US" altLang="zh-CN" dirty="0">
+                <a:hlinkClick r:id="rId6"/>
+              </a:rPr>
+              <a:t>http://elearning.hpu.edu.cn/portal </a:t>
+            </a:r>
+            <a:r>
+              <a:rPr lang="en-US" altLang="zh-CN" dirty="0" smtClean="0"/>
+              <a:t>APP</a:t>
+            </a:r>
+            <a:r>
+              <a:rPr lang="zh-CN" altLang="en-US" dirty="0" smtClean="0"/>
+              <a:t>页面截</a:t>
+            </a:r>
+            <a:r>
+              <a:rPr lang="zh-CN" altLang="en-US" dirty="0"/>
+              <a:t>图，参考时间</a:t>
+            </a:r>
+            <a:r>
+              <a:rPr lang="en-US" altLang="zh-CN" dirty="0"/>
+              <a:t>2018</a:t>
+            </a:r>
+            <a:r>
+              <a:rPr lang="zh-CN" altLang="en-US" dirty="0"/>
+              <a:t>年</a:t>
+            </a:r>
+            <a:r>
+              <a:rPr lang="en-US" altLang="zh-CN" dirty="0"/>
+              <a:t>11</a:t>
+            </a:r>
+            <a:r>
+              <a:rPr lang="zh-CN" altLang="en-US" dirty="0"/>
+              <a:t>月</a:t>
+            </a:r>
+            <a:r>
+              <a:rPr lang="en-US" altLang="zh-CN" dirty="0"/>
+              <a:t>10</a:t>
+            </a:r>
+            <a:r>
+              <a:rPr lang="zh-CN" altLang="en-US" dirty="0"/>
+              <a:t>日下午五点</a:t>
+            </a:r>
+            <a:r>
+              <a:rPr lang="en-US" altLang="zh-CN" dirty="0"/>
+              <a:t>35</a:t>
+            </a:r>
+            <a:r>
+              <a:rPr lang="zh-CN" altLang="en-US" dirty="0"/>
+              <a:t>分。</a:t>
+            </a:r>
+            <a:endParaRPr lang="en-US" altLang="zh-CN" dirty="0"/>
+          </a:p>
+          <a:p>
+            <a:endParaRPr lang="zh-CN" altLang="en-US" dirty="0"/>
+          </a:p>
+        </p:txBody>
+      </p:sp>
+    </p:spTree>
+    <p:extLst>
+      <p:ext uri="{BB962C8B-B14F-4D97-AF65-F5344CB8AC3E}">
+        <p14:creationId xmlns:p14="http://schemas.microsoft.com/office/powerpoint/2010/main" val="3662813271"/>
+      </p:ext>
+    </p:extLst>
+  </p:cSld>
+  <p:clrMapOvr>
+    <a:masterClrMapping/>
+  </p:clrMapOvr>
+  <mc:AlternateContent xmlns:mc="http://schemas.openxmlformats.org/markup-compatibility/2006" xmlns:p14="http://schemas.microsoft.com/office/powerpoint/2010/main">
+    <mc:Choice Requires="p14">
+      <p:transition spd="slow" p14:dur="1300">
+        <p14:pan dir="u"/>
+      </p:transition>
+    </mc:Choice>
+    <mc:Fallback xmlns="">
+      <p:transition spd="slow">
+        <p:fade/>
+      </p:transition>
+    </mc:Fallback>
+  </mc:AlternateContent>
+  <p:timing>
+    <p:tnLst>
+      <p:par>
+        <p:cTn id="1" dur="indefinite" restart="never" nodeType="tmRoot">
+          <p:childTnLst>
+            <p:seq concurrent="1" nextAc="seek">
+              <p:cTn id="2" dur="indefinite" nodeType="mainSeq">
+                <p:childTnLst>
+                  <p:par>
+                    <p:cTn id="3" fill="hold">
+                      <p:stCondLst>
+                        <p:cond delay="indefinite"/>
+                        <p:cond evt="onBegin" delay="0">
+                          <p:tn val="2"/>
+                        </p:cond>
+                      </p:stCondLst>
+                      <p:childTnLst>
+                        <p:par>
+                          <p:cTn id="4" fill="hold">
+                            <p:stCondLst>
+                              <p:cond delay="0"/>
+                            </p:stCondLst>
+                            <p:childTnLst>
+                              <p:par>
+                                <p:cTn id="5" presetID="22" presetClass="entr" presetSubtype="1" fill="hold" grpId="0" nodeType="afterEffect">
+                                  <p:stCondLst>
+                                    <p:cond delay="0"/>
+                                  </p:stCondLst>
+                                  <p:childTnLst>
+                                    <p:set>
+                                      <p:cBhvr>
+                                        <p:cTn id="6" dur="1" fill="hold">
+                                          <p:stCondLst>
+                                            <p:cond delay="0"/>
+                                          </p:stCondLst>
+                                        </p:cTn>
+                                        <p:tgtEl>
+                                          <p:spTgt spid="10"/>
+                                        </p:tgtEl>
+                                        <p:attrNameLst>
+                                          <p:attrName>style.visibility</p:attrName>
+                                        </p:attrNameLst>
+                                      </p:cBhvr>
+                                      <p:to>
+                                        <p:strVal val="visible"/>
+                                      </p:to>
+                                    </p:set>
+                                    <p:animEffect transition="in" filter="wipe(up)">
+                                      <p:cBhvr>
+                                        <p:cTn id="7" dur="500"/>
+                                        <p:tgtEl>
+                                          <p:spTgt spid="10"/>
+                                        </p:tgtEl>
+                                      </p:cBhvr>
+                                    </p:animEffect>
+                                  </p:childTnLst>
+                                </p:cTn>
+                              </p:par>
+                            </p:childTnLst>
+                          </p:cTn>
+                        </p:par>
+                      </p:childTnLst>
+                    </p:cTn>
+                  </p:par>
+                </p:childTnLst>
+              </p:cTn>
+              <p:prevCondLst>
+                <p:cond evt="onPrev" delay="0">
+                  <p:tgtEl>
+                    <p:sldTgt/>
+                  </p:tgtEl>
+                </p:cond>
+              </p:prevCondLst>
+              <p:nextCondLst>
+                <p:cond evt="onNext" delay="0">
+                  <p:tgtEl>
+                    <p:sldTgt/>
+                  </p:tgtEl>
+                </p:cond>
+              </p:nextCondLst>
+            </p:seq>
+          </p:childTnLst>
+        </p:cTn>
+      </p:par>
+    </p:tnLst>
+    <p:bldLst>
+      <p:bldP spid="10" grpId="0" animBg="1"/>
+    </p:bldLst>
+  </p:timing>
+</p:sld>
+</file>
+
+<file path=ppt/slides/slide48.xml><?xml version="1.0" encoding="utf-8"?>
 <p:sld xmlns:a="http://schemas.openxmlformats.org/drawingml/2006/main" xmlns:r="http://schemas.openxmlformats.org/officeDocument/2006/relationships" xmlns:p="http://schemas.openxmlformats.org/presentationml/2006/main">
   <p:cSld>
     <p:spTree>
@@ -44653,7 +49941,7 @@
         </p:nvSpPr>
         <p:spPr>
           <a:xfrm>
-            <a:off x="1419609" y="1749734"/>
+            <a:off x="1283061" y="2510119"/>
             <a:ext cx="9248391" cy="4150659"/>
           </a:xfrm>
           <a:prstGeom prst="rect">
@@ -47061,7 +52349,7 @@
         </p:nvSpPr>
         <p:spPr>
           <a:xfrm>
-            <a:off x="1215382" y="1600766"/>
+            <a:off x="1363942" y="2479307"/>
             <a:ext cx="8394783" cy="2215991"/>
           </a:xfrm>
           <a:prstGeom prst="rect">

--- a/受控文档/PPT/软件需求工程审核PPT.pptx
+++ b/受控文档/PPT/软件需求工程审核PPT.pptx
@@ -159,7 +159,7 @@
   </p:defaultTextStyle>
   <p:extLst>
     <p:ext uri="{EFAFB233-063F-42B5-8137-9DF3F51BA10A}">
-      <p15:sldGuideLst xmlns="" xmlns:p15="http://schemas.microsoft.com/office/powerpoint/2012/main"/>
+      <p15:sldGuideLst xmlns:p15="http://schemas.microsoft.com/office/powerpoint/2012/main" xmlns=""/>
     </p:ext>
   </p:extLst>
 </p:presentation>
@@ -247,7 +247,7 @@
           <a:p>
             <a:fld id="{CA1A365C-CE94-4BF7-BA16-E8D854C976A9}" type="datetimeFigureOut">
               <a:rPr lang="zh-CN" altLang="en-US" smtClean="0"/>
-              <a:t>2018/11/14</a:t>
+              <a:t>2018/11/21</a:t>
             </a:fld>
             <a:endParaRPr lang="zh-CN" altLang="en-US"/>
           </a:p>
@@ -4568,7 +4568,7 @@
           <p:cNvPr id="2" name="标题 1">
             <a:extLst>
               <a:ext uri="{FF2B5EF4-FFF2-40B4-BE49-F238E27FC236}">
-                <a16:creationId xmlns="" xmlns:a16="http://schemas.microsoft.com/office/drawing/2014/main" id="{DD6BCF14-666F-4030-9B2B-7C8FFCA29152}"/>
+                <a16:creationId xmlns:a16="http://schemas.microsoft.com/office/drawing/2014/main" xmlns="" id="{DD6BCF14-666F-4030-9B2B-7C8FFCA29152}"/>
               </a:ext>
             </a:extLst>
           </p:cNvPr>
@@ -4605,7 +4605,7 @@
           <p:cNvPr id="3" name="副标题 2">
             <a:extLst>
               <a:ext uri="{FF2B5EF4-FFF2-40B4-BE49-F238E27FC236}">
-                <a16:creationId xmlns="" xmlns:a16="http://schemas.microsoft.com/office/drawing/2014/main" id="{4A4DAEB4-A41D-4402-81A1-39B879D30C4F}"/>
+                <a16:creationId xmlns:a16="http://schemas.microsoft.com/office/drawing/2014/main" xmlns="" id="{4A4DAEB4-A41D-4402-81A1-39B879D30C4F}"/>
               </a:ext>
             </a:extLst>
           </p:cNvPr>
@@ -4675,7 +4675,7 @@
           <p:cNvPr id="4" name="日期占位符 3">
             <a:extLst>
               <a:ext uri="{FF2B5EF4-FFF2-40B4-BE49-F238E27FC236}">
-                <a16:creationId xmlns="" xmlns:a16="http://schemas.microsoft.com/office/drawing/2014/main" id="{0B9B39E5-1EDB-4E74-A940-237E0C664240}"/>
+                <a16:creationId xmlns:a16="http://schemas.microsoft.com/office/drawing/2014/main" xmlns="" id="{0B9B39E5-1EDB-4E74-A940-237E0C664240}"/>
               </a:ext>
             </a:extLst>
           </p:cNvPr>
@@ -4693,7 +4693,7 @@
           <a:p>
             <a:fld id="{9308DE3C-FEB7-4A7B-A93D-F8500B60F491}" type="datetimeFigureOut">
               <a:rPr lang="zh-CN" altLang="en-US" smtClean="0"/>
-              <a:t>2018/11/14</a:t>
+              <a:t>2018/11/21</a:t>
             </a:fld>
             <a:endParaRPr lang="zh-CN" altLang="en-US"/>
           </a:p>
@@ -4704,7 +4704,7 @@
           <p:cNvPr id="5" name="页脚占位符 4">
             <a:extLst>
               <a:ext uri="{FF2B5EF4-FFF2-40B4-BE49-F238E27FC236}">
-                <a16:creationId xmlns="" xmlns:a16="http://schemas.microsoft.com/office/drawing/2014/main" id="{ED9DCA2F-811C-4A58-9948-6BDCDA123D20}"/>
+                <a16:creationId xmlns:a16="http://schemas.microsoft.com/office/drawing/2014/main" xmlns="" id="{ED9DCA2F-811C-4A58-9948-6BDCDA123D20}"/>
               </a:ext>
             </a:extLst>
           </p:cNvPr>
@@ -4729,7 +4729,7 @@
           <p:cNvPr id="6" name="灯片编号占位符 5">
             <a:extLst>
               <a:ext uri="{FF2B5EF4-FFF2-40B4-BE49-F238E27FC236}">
-                <a16:creationId xmlns="" xmlns:a16="http://schemas.microsoft.com/office/drawing/2014/main" id="{E1A0544A-E54C-4B0C-89DC-D692077E7D20}"/>
+                <a16:creationId xmlns:a16="http://schemas.microsoft.com/office/drawing/2014/main" xmlns="" id="{E1A0544A-E54C-4B0C-89DC-D692077E7D20}"/>
               </a:ext>
             </a:extLst>
           </p:cNvPr>
@@ -4791,7 +4791,7 @@
           <p:cNvPr id="2" name="标题 1">
             <a:extLst>
               <a:ext uri="{FF2B5EF4-FFF2-40B4-BE49-F238E27FC236}">
-                <a16:creationId xmlns="" xmlns:a16="http://schemas.microsoft.com/office/drawing/2014/main" id="{A1C8168E-4546-4C8C-92E8-C8E5D83EDC27}"/>
+                <a16:creationId xmlns:a16="http://schemas.microsoft.com/office/drawing/2014/main" xmlns="" id="{A1C8168E-4546-4C8C-92E8-C8E5D83EDC27}"/>
               </a:ext>
             </a:extLst>
           </p:cNvPr>
@@ -4819,7 +4819,7 @@
           <p:cNvPr id="3" name="竖排文字占位符 2">
             <a:extLst>
               <a:ext uri="{FF2B5EF4-FFF2-40B4-BE49-F238E27FC236}">
-                <a16:creationId xmlns="" xmlns:a16="http://schemas.microsoft.com/office/drawing/2014/main" id="{8F5457D2-4387-4360-A3DE-2B9FE63D30EC}"/>
+                <a16:creationId xmlns:a16="http://schemas.microsoft.com/office/drawing/2014/main" xmlns="" id="{8F5457D2-4387-4360-A3DE-2B9FE63D30EC}"/>
               </a:ext>
             </a:extLst>
           </p:cNvPr>
@@ -4876,7 +4876,7 @@
           <p:cNvPr id="4" name="日期占位符 3">
             <a:extLst>
               <a:ext uri="{FF2B5EF4-FFF2-40B4-BE49-F238E27FC236}">
-                <a16:creationId xmlns="" xmlns:a16="http://schemas.microsoft.com/office/drawing/2014/main" id="{30A95B2B-9A2A-430D-A8EE-B34D8877958D}"/>
+                <a16:creationId xmlns:a16="http://schemas.microsoft.com/office/drawing/2014/main" xmlns="" id="{30A95B2B-9A2A-430D-A8EE-B34D8877958D}"/>
               </a:ext>
             </a:extLst>
           </p:cNvPr>
@@ -4894,7 +4894,7 @@
           <a:p>
             <a:fld id="{9308DE3C-FEB7-4A7B-A93D-F8500B60F491}" type="datetimeFigureOut">
               <a:rPr lang="zh-CN" altLang="en-US" smtClean="0"/>
-              <a:t>2018/11/14</a:t>
+              <a:t>2018/11/21</a:t>
             </a:fld>
             <a:endParaRPr lang="zh-CN" altLang="en-US"/>
           </a:p>
@@ -4905,7 +4905,7 @@
           <p:cNvPr id="5" name="页脚占位符 4">
             <a:extLst>
               <a:ext uri="{FF2B5EF4-FFF2-40B4-BE49-F238E27FC236}">
-                <a16:creationId xmlns="" xmlns:a16="http://schemas.microsoft.com/office/drawing/2014/main" id="{4635C193-AF60-4E6A-9323-04D1116CC362}"/>
+                <a16:creationId xmlns:a16="http://schemas.microsoft.com/office/drawing/2014/main" xmlns="" id="{4635C193-AF60-4E6A-9323-04D1116CC362}"/>
               </a:ext>
             </a:extLst>
           </p:cNvPr>
@@ -4930,7 +4930,7 @@
           <p:cNvPr id="6" name="灯片编号占位符 5">
             <a:extLst>
               <a:ext uri="{FF2B5EF4-FFF2-40B4-BE49-F238E27FC236}">
-                <a16:creationId xmlns="" xmlns:a16="http://schemas.microsoft.com/office/drawing/2014/main" id="{F9176696-0FF4-4D2F-B298-DB93768E1635}"/>
+                <a16:creationId xmlns:a16="http://schemas.microsoft.com/office/drawing/2014/main" xmlns="" id="{F9176696-0FF4-4D2F-B298-DB93768E1635}"/>
               </a:ext>
             </a:extLst>
           </p:cNvPr>
@@ -4992,7 +4992,7 @@
           <p:cNvPr id="2" name="竖排标题 1">
             <a:extLst>
               <a:ext uri="{FF2B5EF4-FFF2-40B4-BE49-F238E27FC236}">
-                <a16:creationId xmlns="" xmlns:a16="http://schemas.microsoft.com/office/drawing/2014/main" id="{60E29B85-7B60-472A-B464-8BF28A437B7D}"/>
+                <a16:creationId xmlns:a16="http://schemas.microsoft.com/office/drawing/2014/main" xmlns="" id="{60E29B85-7B60-472A-B464-8BF28A437B7D}"/>
               </a:ext>
             </a:extLst>
           </p:cNvPr>
@@ -5025,7 +5025,7 @@
           <p:cNvPr id="3" name="竖排文字占位符 2">
             <a:extLst>
               <a:ext uri="{FF2B5EF4-FFF2-40B4-BE49-F238E27FC236}">
-                <a16:creationId xmlns="" xmlns:a16="http://schemas.microsoft.com/office/drawing/2014/main" id="{0657AA5F-98D2-4062-B043-7C38D6C1E659}"/>
+                <a16:creationId xmlns:a16="http://schemas.microsoft.com/office/drawing/2014/main" xmlns="" id="{0657AA5F-98D2-4062-B043-7C38D6C1E659}"/>
               </a:ext>
             </a:extLst>
           </p:cNvPr>
@@ -5087,7 +5087,7 @@
           <p:cNvPr id="4" name="日期占位符 3">
             <a:extLst>
               <a:ext uri="{FF2B5EF4-FFF2-40B4-BE49-F238E27FC236}">
-                <a16:creationId xmlns="" xmlns:a16="http://schemas.microsoft.com/office/drawing/2014/main" id="{89CECD4A-81F8-4DF4-B87D-C837B91C7ECA}"/>
+                <a16:creationId xmlns:a16="http://schemas.microsoft.com/office/drawing/2014/main" xmlns="" id="{89CECD4A-81F8-4DF4-B87D-C837B91C7ECA}"/>
               </a:ext>
             </a:extLst>
           </p:cNvPr>
@@ -5105,7 +5105,7 @@
           <a:p>
             <a:fld id="{9308DE3C-FEB7-4A7B-A93D-F8500B60F491}" type="datetimeFigureOut">
               <a:rPr lang="zh-CN" altLang="en-US" smtClean="0"/>
-              <a:t>2018/11/14</a:t>
+              <a:t>2018/11/21</a:t>
             </a:fld>
             <a:endParaRPr lang="zh-CN" altLang="en-US"/>
           </a:p>
@@ -5116,7 +5116,7 @@
           <p:cNvPr id="5" name="页脚占位符 4">
             <a:extLst>
               <a:ext uri="{FF2B5EF4-FFF2-40B4-BE49-F238E27FC236}">
-                <a16:creationId xmlns="" xmlns:a16="http://schemas.microsoft.com/office/drawing/2014/main" id="{2E720EAA-B2E0-44DF-8AEC-82783C3653CA}"/>
+                <a16:creationId xmlns:a16="http://schemas.microsoft.com/office/drawing/2014/main" xmlns="" id="{2E720EAA-B2E0-44DF-8AEC-82783C3653CA}"/>
               </a:ext>
             </a:extLst>
           </p:cNvPr>
@@ -5141,7 +5141,7 @@
           <p:cNvPr id="6" name="灯片编号占位符 5">
             <a:extLst>
               <a:ext uri="{FF2B5EF4-FFF2-40B4-BE49-F238E27FC236}">
-                <a16:creationId xmlns="" xmlns:a16="http://schemas.microsoft.com/office/drawing/2014/main" id="{8BE9FF20-20A0-4930-A008-4FA4962C4BD5}"/>
+                <a16:creationId xmlns:a16="http://schemas.microsoft.com/office/drawing/2014/main" xmlns="" id="{8BE9FF20-20A0-4930-A008-4FA4962C4BD5}"/>
               </a:ext>
             </a:extLst>
           </p:cNvPr>
@@ -5203,7 +5203,7 @@
           <p:cNvPr id="2" name="标题 1">
             <a:extLst>
               <a:ext uri="{FF2B5EF4-FFF2-40B4-BE49-F238E27FC236}">
-                <a16:creationId xmlns="" xmlns:a16="http://schemas.microsoft.com/office/drawing/2014/main" id="{8C9C8C2F-9808-4BC5-A17F-78D548D9323A}"/>
+                <a16:creationId xmlns:a16="http://schemas.microsoft.com/office/drawing/2014/main" xmlns="" id="{8C9C8C2F-9808-4BC5-A17F-78D548D9323A}"/>
               </a:ext>
             </a:extLst>
           </p:cNvPr>
@@ -5231,7 +5231,7 @@
           <p:cNvPr id="3" name="内容占位符 2">
             <a:extLst>
               <a:ext uri="{FF2B5EF4-FFF2-40B4-BE49-F238E27FC236}">
-                <a16:creationId xmlns="" xmlns:a16="http://schemas.microsoft.com/office/drawing/2014/main" id="{9B5604EA-532A-4C05-9997-C53C562130DF}"/>
+                <a16:creationId xmlns:a16="http://schemas.microsoft.com/office/drawing/2014/main" xmlns="" id="{9B5604EA-532A-4C05-9997-C53C562130DF}"/>
               </a:ext>
             </a:extLst>
           </p:cNvPr>
@@ -5288,7 +5288,7 @@
           <p:cNvPr id="4" name="日期占位符 3">
             <a:extLst>
               <a:ext uri="{FF2B5EF4-FFF2-40B4-BE49-F238E27FC236}">
-                <a16:creationId xmlns="" xmlns:a16="http://schemas.microsoft.com/office/drawing/2014/main" id="{0715AC81-1AE6-47F2-9CE1-99F8192557B3}"/>
+                <a16:creationId xmlns:a16="http://schemas.microsoft.com/office/drawing/2014/main" xmlns="" id="{0715AC81-1AE6-47F2-9CE1-99F8192557B3}"/>
               </a:ext>
             </a:extLst>
           </p:cNvPr>
@@ -5306,7 +5306,7 @@
           <a:p>
             <a:fld id="{9308DE3C-FEB7-4A7B-A93D-F8500B60F491}" type="datetimeFigureOut">
               <a:rPr lang="zh-CN" altLang="en-US" smtClean="0"/>
-              <a:t>2018/11/14</a:t>
+              <a:t>2018/11/21</a:t>
             </a:fld>
             <a:endParaRPr lang="zh-CN" altLang="en-US"/>
           </a:p>
@@ -5317,7 +5317,7 @@
           <p:cNvPr id="5" name="页脚占位符 4">
             <a:extLst>
               <a:ext uri="{FF2B5EF4-FFF2-40B4-BE49-F238E27FC236}">
-                <a16:creationId xmlns="" xmlns:a16="http://schemas.microsoft.com/office/drawing/2014/main" id="{0CA82639-33FD-4612-B46B-9B62ED1E325A}"/>
+                <a16:creationId xmlns:a16="http://schemas.microsoft.com/office/drawing/2014/main" xmlns="" id="{0CA82639-33FD-4612-B46B-9B62ED1E325A}"/>
               </a:ext>
             </a:extLst>
           </p:cNvPr>
@@ -5342,7 +5342,7 @@
           <p:cNvPr id="6" name="灯片编号占位符 5">
             <a:extLst>
               <a:ext uri="{FF2B5EF4-FFF2-40B4-BE49-F238E27FC236}">
-                <a16:creationId xmlns="" xmlns:a16="http://schemas.microsoft.com/office/drawing/2014/main" id="{5AE0782D-4AC2-4909-B092-16C3EA5B7000}"/>
+                <a16:creationId xmlns:a16="http://schemas.microsoft.com/office/drawing/2014/main" xmlns="" id="{5AE0782D-4AC2-4909-B092-16C3EA5B7000}"/>
               </a:ext>
             </a:extLst>
           </p:cNvPr>
@@ -5404,7 +5404,7 @@
           <p:cNvPr id="2" name="标题 1">
             <a:extLst>
               <a:ext uri="{FF2B5EF4-FFF2-40B4-BE49-F238E27FC236}">
-                <a16:creationId xmlns="" xmlns:a16="http://schemas.microsoft.com/office/drawing/2014/main" id="{CC8104CD-3F8E-4D93-9078-1D860B14BB10}"/>
+                <a16:creationId xmlns:a16="http://schemas.microsoft.com/office/drawing/2014/main" xmlns="" id="{CC8104CD-3F8E-4D93-9078-1D860B14BB10}"/>
               </a:ext>
             </a:extLst>
           </p:cNvPr>
@@ -5441,7 +5441,7 @@
           <p:cNvPr id="3" name="文本占位符 2">
             <a:extLst>
               <a:ext uri="{FF2B5EF4-FFF2-40B4-BE49-F238E27FC236}">
-                <a16:creationId xmlns="" xmlns:a16="http://schemas.microsoft.com/office/drawing/2014/main" id="{B2E4D4A0-3E00-427E-8933-47E5D26C5D07}"/>
+                <a16:creationId xmlns:a16="http://schemas.microsoft.com/office/drawing/2014/main" xmlns="" id="{B2E4D4A0-3E00-427E-8933-47E5D26C5D07}"/>
               </a:ext>
             </a:extLst>
           </p:cNvPr>
@@ -5566,7 +5566,7 @@
           <p:cNvPr id="4" name="日期占位符 3">
             <a:extLst>
               <a:ext uri="{FF2B5EF4-FFF2-40B4-BE49-F238E27FC236}">
-                <a16:creationId xmlns="" xmlns:a16="http://schemas.microsoft.com/office/drawing/2014/main" id="{599A8615-A6D5-44E0-8858-98D33B93F1CB}"/>
+                <a16:creationId xmlns:a16="http://schemas.microsoft.com/office/drawing/2014/main" xmlns="" id="{599A8615-A6D5-44E0-8858-98D33B93F1CB}"/>
               </a:ext>
             </a:extLst>
           </p:cNvPr>
@@ -5584,7 +5584,7 @@
           <a:p>
             <a:fld id="{9308DE3C-FEB7-4A7B-A93D-F8500B60F491}" type="datetimeFigureOut">
               <a:rPr lang="zh-CN" altLang="en-US" smtClean="0"/>
-              <a:t>2018/11/14</a:t>
+              <a:t>2018/11/21</a:t>
             </a:fld>
             <a:endParaRPr lang="zh-CN" altLang="en-US"/>
           </a:p>
@@ -5595,7 +5595,7 @@
           <p:cNvPr id="5" name="页脚占位符 4">
             <a:extLst>
               <a:ext uri="{FF2B5EF4-FFF2-40B4-BE49-F238E27FC236}">
-                <a16:creationId xmlns="" xmlns:a16="http://schemas.microsoft.com/office/drawing/2014/main" id="{2B8184BA-982F-4F84-9EFE-354F7CD10541}"/>
+                <a16:creationId xmlns:a16="http://schemas.microsoft.com/office/drawing/2014/main" xmlns="" id="{2B8184BA-982F-4F84-9EFE-354F7CD10541}"/>
               </a:ext>
             </a:extLst>
           </p:cNvPr>
@@ -5620,7 +5620,7 @@
           <p:cNvPr id="6" name="灯片编号占位符 5">
             <a:extLst>
               <a:ext uri="{FF2B5EF4-FFF2-40B4-BE49-F238E27FC236}">
-                <a16:creationId xmlns="" xmlns:a16="http://schemas.microsoft.com/office/drawing/2014/main" id="{5C6C4A6F-A01F-4FD7-BBD9-D87452776E82}"/>
+                <a16:creationId xmlns:a16="http://schemas.microsoft.com/office/drawing/2014/main" xmlns="" id="{5C6C4A6F-A01F-4FD7-BBD9-D87452776E82}"/>
               </a:ext>
             </a:extLst>
           </p:cNvPr>
@@ -5682,7 +5682,7 @@
           <p:cNvPr id="2" name="标题 1">
             <a:extLst>
               <a:ext uri="{FF2B5EF4-FFF2-40B4-BE49-F238E27FC236}">
-                <a16:creationId xmlns="" xmlns:a16="http://schemas.microsoft.com/office/drawing/2014/main" id="{DFD0B8C8-5579-4C26-BBB4-2601AB99C226}"/>
+                <a16:creationId xmlns:a16="http://schemas.microsoft.com/office/drawing/2014/main" xmlns="" id="{DFD0B8C8-5579-4C26-BBB4-2601AB99C226}"/>
               </a:ext>
             </a:extLst>
           </p:cNvPr>
@@ -5710,7 +5710,7 @@
           <p:cNvPr id="3" name="内容占位符 2">
             <a:extLst>
               <a:ext uri="{FF2B5EF4-FFF2-40B4-BE49-F238E27FC236}">
-                <a16:creationId xmlns="" xmlns:a16="http://schemas.microsoft.com/office/drawing/2014/main" id="{AA22EA84-2A34-4A88-AFEE-8F01B7391AEB}"/>
+                <a16:creationId xmlns:a16="http://schemas.microsoft.com/office/drawing/2014/main" xmlns="" id="{AA22EA84-2A34-4A88-AFEE-8F01B7391AEB}"/>
               </a:ext>
             </a:extLst>
           </p:cNvPr>
@@ -5772,7 +5772,7 @@
           <p:cNvPr id="4" name="内容占位符 3">
             <a:extLst>
               <a:ext uri="{FF2B5EF4-FFF2-40B4-BE49-F238E27FC236}">
-                <a16:creationId xmlns="" xmlns:a16="http://schemas.microsoft.com/office/drawing/2014/main" id="{55FFD060-0ECF-49BB-B067-95142D1EB256}"/>
+                <a16:creationId xmlns:a16="http://schemas.microsoft.com/office/drawing/2014/main" xmlns="" id="{55FFD060-0ECF-49BB-B067-95142D1EB256}"/>
               </a:ext>
             </a:extLst>
           </p:cNvPr>
@@ -5834,7 +5834,7 @@
           <p:cNvPr id="5" name="日期占位符 4">
             <a:extLst>
               <a:ext uri="{FF2B5EF4-FFF2-40B4-BE49-F238E27FC236}">
-                <a16:creationId xmlns="" xmlns:a16="http://schemas.microsoft.com/office/drawing/2014/main" id="{7B318D41-D101-4CF3-B1B8-8540AEEFA8A4}"/>
+                <a16:creationId xmlns:a16="http://schemas.microsoft.com/office/drawing/2014/main" xmlns="" id="{7B318D41-D101-4CF3-B1B8-8540AEEFA8A4}"/>
               </a:ext>
             </a:extLst>
           </p:cNvPr>
@@ -5852,7 +5852,7 @@
           <a:p>
             <a:fld id="{9308DE3C-FEB7-4A7B-A93D-F8500B60F491}" type="datetimeFigureOut">
               <a:rPr lang="zh-CN" altLang="en-US" smtClean="0"/>
-              <a:t>2018/11/14</a:t>
+              <a:t>2018/11/21</a:t>
             </a:fld>
             <a:endParaRPr lang="zh-CN" altLang="en-US"/>
           </a:p>
@@ -5863,7 +5863,7 @@
           <p:cNvPr id="6" name="页脚占位符 5">
             <a:extLst>
               <a:ext uri="{FF2B5EF4-FFF2-40B4-BE49-F238E27FC236}">
-                <a16:creationId xmlns="" xmlns:a16="http://schemas.microsoft.com/office/drawing/2014/main" id="{7CFFCF2E-F0D5-481B-874A-B44BACCDF705}"/>
+                <a16:creationId xmlns:a16="http://schemas.microsoft.com/office/drawing/2014/main" xmlns="" id="{7CFFCF2E-F0D5-481B-874A-B44BACCDF705}"/>
               </a:ext>
             </a:extLst>
           </p:cNvPr>
@@ -5888,7 +5888,7 @@
           <p:cNvPr id="7" name="灯片编号占位符 6">
             <a:extLst>
               <a:ext uri="{FF2B5EF4-FFF2-40B4-BE49-F238E27FC236}">
-                <a16:creationId xmlns="" xmlns:a16="http://schemas.microsoft.com/office/drawing/2014/main" id="{BB43BDF7-C5E3-4546-9437-ADB03545B534}"/>
+                <a16:creationId xmlns:a16="http://schemas.microsoft.com/office/drawing/2014/main" xmlns="" id="{BB43BDF7-C5E3-4546-9437-ADB03545B534}"/>
               </a:ext>
             </a:extLst>
           </p:cNvPr>
@@ -5950,7 +5950,7 @@
           <p:cNvPr id="2" name="标题 1">
             <a:extLst>
               <a:ext uri="{FF2B5EF4-FFF2-40B4-BE49-F238E27FC236}">
-                <a16:creationId xmlns="" xmlns:a16="http://schemas.microsoft.com/office/drawing/2014/main" id="{3101CE57-DBB7-4A8B-AB21-C8C9B13D804B}"/>
+                <a16:creationId xmlns:a16="http://schemas.microsoft.com/office/drawing/2014/main" xmlns="" id="{3101CE57-DBB7-4A8B-AB21-C8C9B13D804B}"/>
               </a:ext>
             </a:extLst>
           </p:cNvPr>
@@ -5983,7 +5983,7 @@
           <p:cNvPr id="3" name="文本占位符 2">
             <a:extLst>
               <a:ext uri="{FF2B5EF4-FFF2-40B4-BE49-F238E27FC236}">
-                <a16:creationId xmlns="" xmlns:a16="http://schemas.microsoft.com/office/drawing/2014/main" id="{A076E7AA-8588-4B11-82CF-BD2C4F94CAF5}"/>
+                <a16:creationId xmlns:a16="http://schemas.microsoft.com/office/drawing/2014/main" xmlns="" id="{A076E7AA-8588-4B11-82CF-BD2C4F94CAF5}"/>
               </a:ext>
             </a:extLst>
           </p:cNvPr>
@@ -6054,7 +6054,7 @@
           <p:cNvPr id="4" name="内容占位符 3">
             <a:extLst>
               <a:ext uri="{FF2B5EF4-FFF2-40B4-BE49-F238E27FC236}">
-                <a16:creationId xmlns="" xmlns:a16="http://schemas.microsoft.com/office/drawing/2014/main" id="{758CCC3B-532D-4E51-AA98-60426E4F4C4D}"/>
+                <a16:creationId xmlns:a16="http://schemas.microsoft.com/office/drawing/2014/main" xmlns="" id="{758CCC3B-532D-4E51-AA98-60426E4F4C4D}"/>
               </a:ext>
             </a:extLst>
           </p:cNvPr>
@@ -6116,7 +6116,7 @@
           <p:cNvPr id="5" name="文本占位符 4">
             <a:extLst>
               <a:ext uri="{FF2B5EF4-FFF2-40B4-BE49-F238E27FC236}">
-                <a16:creationId xmlns="" xmlns:a16="http://schemas.microsoft.com/office/drawing/2014/main" id="{67D508FD-2878-4736-AEAA-45E96A446DC1}"/>
+                <a16:creationId xmlns:a16="http://schemas.microsoft.com/office/drawing/2014/main" xmlns="" id="{67D508FD-2878-4736-AEAA-45E96A446DC1}"/>
               </a:ext>
             </a:extLst>
           </p:cNvPr>
@@ -6187,7 +6187,7 @@
           <p:cNvPr id="6" name="内容占位符 5">
             <a:extLst>
               <a:ext uri="{FF2B5EF4-FFF2-40B4-BE49-F238E27FC236}">
-                <a16:creationId xmlns="" xmlns:a16="http://schemas.microsoft.com/office/drawing/2014/main" id="{87024F7C-5A4C-4EEB-86C7-260BE7C44E41}"/>
+                <a16:creationId xmlns:a16="http://schemas.microsoft.com/office/drawing/2014/main" xmlns="" id="{87024F7C-5A4C-4EEB-86C7-260BE7C44E41}"/>
               </a:ext>
             </a:extLst>
           </p:cNvPr>
@@ -6249,7 +6249,7 @@
           <p:cNvPr id="7" name="日期占位符 6">
             <a:extLst>
               <a:ext uri="{FF2B5EF4-FFF2-40B4-BE49-F238E27FC236}">
-                <a16:creationId xmlns="" xmlns:a16="http://schemas.microsoft.com/office/drawing/2014/main" id="{202C2B53-4E4E-49E7-8D6E-2816422462EE}"/>
+                <a16:creationId xmlns:a16="http://schemas.microsoft.com/office/drawing/2014/main" xmlns="" id="{202C2B53-4E4E-49E7-8D6E-2816422462EE}"/>
               </a:ext>
             </a:extLst>
           </p:cNvPr>
@@ -6267,7 +6267,7 @@
           <a:p>
             <a:fld id="{9308DE3C-FEB7-4A7B-A93D-F8500B60F491}" type="datetimeFigureOut">
               <a:rPr lang="zh-CN" altLang="en-US" smtClean="0"/>
-              <a:t>2018/11/14</a:t>
+              <a:t>2018/11/21</a:t>
             </a:fld>
             <a:endParaRPr lang="zh-CN" altLang="en-US"/>
           </a:p>
@@ -6278,7 +6278,7 @@
           <p:cNvPr id="8" name="页脚占位符 7">
             <a:extLst>
               <a:ext uri="{FF2B5EF4-FFF2-40B4-BE49-F238E27FC236}">
-                <a16:creationId xmlns="" xmlns:a16="http://schemas.microsoft.com/office/drawing/2014/main" id="{53CB3777-AC2B-44BB-A69B-4E495F419771}"/>
+                <a16:creationId xmlns:a16="http://schemas.microsoft.com/office/drawing/2014/main" xmlns="" id="{53CB3777-AC2B-44BB-A69B-4E495F419771}"/>
               </a:ext>
             </a:extLst>
           </p:cNvPr>
@@ -6303,7 +6303,7 @@
           <p:cNvPr id="9" name="灯片编号占位符 8">
             <a:extLst>
               <a:ext uri="{FF2B5EF4-FFF2-40B4-BE49-F238E27FC236}">
-                <a16:creationId xmlns="" xmlns:a16="http://schemas.microsoft.com/office/drawing/2014/main" id="{495A4C44-5D70-41F1-B833-BB63FF38E782}"/>
+                <a16:creationId xmlns:a16="http://schemas.microsoft.com/office/drawing/2014/main" xmlns="" id="{495A4C44-5D70-41F1-B833-BB63FF38E782}"/>
               </a:ext>
             </a:extLst>
           </p:cNvPr>
@@ -6365,7 +6365,7 @@
           <p:cNvPr id="2" name="标题 1">
             <a:extLst>
               <a:ext uri="{FF2B5EF4-FFF2-40B4-BE49-F238E27FC236}">
-                <a16:creationId xmlns="" xmlns:a16="http://schemas.microsoft.com/office/drawing/2014/main" id="{8FB3806B-951F-40EF-88AE-951342B0B568}"/>
+                <a16:creationId xmlns:a16="http://schemas.microsoft.com/office/drawing/2014/main" xmlns="" id="{8FB3806B-951F-40EF-88AE-951342B0B568}"/>
               </a:ext>
             </a:extLst>
           </p:cNvPr>
@@ -6393,7 +6393,7 @@
           <p:cNvPr id="3" name="日期占位符 2">
             <a:extLst>
               <a:ext uri="{FF2B5EF4-FFF2-40B4-BE49-F238E27FC236}">
-                <a16:creationId xmlns="" xmlns:a16="http://schemas.microsoft.com/office/drawing/2014/main" id="{71F4447F-4F29-4273-B749-79242702E67C}"/>
+                <a16:creationId xmlns:a16="http://schemas.microsoft.com/office/drawing/2014/main" xmlns="" id="{71F4447F-4F29-4273-B749-79242702E67C}"/>
               </a:ext>
             </a:extLst>
           </p:cNvPr>
@@ -6411,7 +6411,7 @@
           <a:p>
             <a:fld id="{9308DE3C-FEB7-4A7B-A93D-F8500B60F491}" type="datetimeFigureOut">
               <a:rPr lang="zh-CN" altLang="en-US" smtClean="0"/>
-              <a:t>2018/11/14</a:t>
+              <a:t>2018/11/21</a:t>
             </a:fld>
             <a:endParaRPr lang="zh-CN" altLang="en-US"/>
           </a:p>
@@ -6422,7 +6422,7 @@
           <p:cNvPr id="4" name="页脚占位符 3">
             <a:extLst>
               <a:ext uri="{FF2B5EF4-FFF2-40B4-BE49-F238E27FC236}">
-                <a16:creationId xmlns="" xmlns:a16="http://schemas.microsoft.com/office/drawing/2014/main" id="{29BAC9F5-4F0C-4F44-A9AE-C7CBD5C62558}"/>
+                <a16:creationId xmlns:a16="http://schemas.microsoft.com/office/drawing/2014/main" xmlns="" id="{29BAC9F5-4F0C-4F44-A9AE-C7CBD5C62558}"/>
               </a:ext>
             </a:extLst>
           </p:cNvPr>
@@ -6447,7 +6447,7 @@
           <p:cNvPr id="5" name="灯片编号占位符 4">
             <a:extLst>
               <a:ext uri="{FF2B5EF4-FFF2-40B4-BE49-F238E27FC236}">
-                <a16:creationId xmlns="" xmlns:a16="http://schemas.microsoft.com/office/drawing/2014/main" id="{7DC49FFE-F41A-4899-8B80-9BD31ADEA819}"/>
+                <a16:creationId xmlns:a16="http://schemas.microsoft.com/office/drawing/2014/main" xmlns="" id="{7DC49FFE-F41A-4899-8B80-9BD31ADEA819}"/>
               </a:ext>
             </a:extLst>
           </p:cNvPr>
@@ -6509,7 +6509,7 @@
           <p:cNvPr id="2" name="日期占位符 1">
             <a:extLst>
               <a:ext uri="{FF2B5EF4-FFF2-40B4-BE49-F238E27FC236}">
-                <a16:creationId xmlns="" xmlns:a16="http://schemas.microsoft.com/office/drawing/2014/main" id="{10991CEE-58E3-45CE-82BC-AD06780C765C}"/>
+                <a16:creationId xmlns:a16="http://schemas.microsoft.com/office/drawing/2014/main" xmlns="" id="{10991CEE-58E3-45CE-82BC-AD06780C765C}"/>
               </a:ext>
             </a:extLst>
           </p:cNvPr>
@@ -6527,7 +6527,7 @@
           <a:p>
             <a:fld id="{9308DE3C-FEB7-4A7B-A93D-F8500B60F491}" type="datetimeFigureOut">
               <a:rPr lang="zh-CN" altLang="en-US" smtClean="0"/>
-              <a:t>2018/11/14</a:t>
+              <a:t>2018/11/21</a:t>
             </a:fld>
             <a:endParaRPr lang="zh-CN" altLang="en-US"/>
           </a:p>
@@ -6538,7 +6538,7 @@
           <p:cNvPr id="3" name="页脚占位符 2">
             <a:extLst>
               <a:ext uri="{FF2B5EF4-FFF2-40B4-BE49-F238E27FC236}">
-                <a16:creationId xmlns="" xmlns:a16="http://schemas.microsoft.com/office/drawing/2014/main" id="{1DB871F0-C7A6-4155-8234-64A3D9BD8A71}"/>
+                <a16:creationId xmlns:a16="http://schemas.microsoft.com/office/drawing/2014/main" xmlns="" id="{1DB871F0-C7A6-4155-8234-64A3D9BD8A71}"/>
               </a:ext>
             </a:extLst>
           </p:cNvPr>
@@ -6563,7 +6563,7 @@
           <p:cNvPr id="4" name="灯片编号占位符 3">
             <a:extLst>
               <a:ext uri="{FF2B5EF4-FFF2-40B4-BE49-F238E27FC236}">
-                <a16:creationId xmlns="" xmlns:a16="http://schemas.microsoft.com/office/drawing/2014/main" id="{45251E3B-DBBB-476B-A0B7-15C1F3B320A3}"/>
+                <a16:creationId xmlns:a16="http://schemas.microsoft.com/office/drawing/2014/main" xmlns="" id="{45251E3B-DBBB-476B-A0B7-15C1F3B320A3}"/>
               </a:ext>
             </a:extLst>
           </p:cNvPr>
@@ -6625,7 +6625,7 @@
           <p:cNvPr id="2" name="标题 1">
             <a:extLst>
               <a:ext uri="{FF2B5EF4-FFF2-40B4-BE49-F238E27FC236}">
-                <a16:creationId xmlns="" xmlns:a16="http://schemas.microsoft.com/office/drawing/2014/main" id="{9960C5B4-0FED-4940-B0F2-8EB89D69FE25}"/>
+                <a16:creationId xmlns:a16="http://schemas.microsoft.com/office/drawing/2014/main" xmlns="" id="{9960C5B4-0FED-4940-B0F2-8EB89D69FE25}"/>
               </a:ext>
             </a:extLst>
           </p:cNvPr>
@@ -6662,7 +6662,7 @@
           <p:cNvPr id="3" name="内容占位符 2">
             <a:extLst>
               <a:ext uri="{FF2B5EF4-FFF2-40B4-BE49-F238E27FC236}">
-                <a16:creationId xmlns="" xmlns:a16="http://schemas.microsoft.com/office/drawing/2014/main" id="{F87813B7-D3BA-406B-B3B4-B462F916C000}"/>
+                <a16:creationId xmlns:a16="http://schemas.microsoft.com/office/drawing/2014/main" xmlns="" id="{F87813B7-D3BA-406B-B3B4-B462F916C000}"/>
               </a:ext>
             </a:extLst>
           </p:cNvPr>
@@ -6752,7 +6752,7 @@
           <p:cNvPr id="4" name="文本占位符 3">
             <a:extLst>
               <a:ext uri="{FF2B5EF4-FFF2-40B4-BE49-F238E27FC236}">
-                <a16:creationId xmlns="" xmlns:a16="http://schemas.microsoft.com/office/drawing/2014/main" id="{B3B14BA1-6920-42E5-8DCB-79C785DBE444}"/>
+                <a16:creationId xmlns:a16="http://schemas.microsoft.com/office/drawing/2014/main" xmlns="" id="{B3B14BA1-6920-42E5-8DCB-79C785DBE444}"/>
               </a:ext>
             </a:extLst>
           </p:cNvPr>
@@ -6823,7 +6823,7 @@
           <p:cNvPr id="5" name="日期占位符 4">
             <a:extLst>
               <a:ext uri="{FF2B5EF4-FFF2-40B4-BE49-F238E27FC236}">
-                <a16:creationId xmlns="" xmlns:a16="http://schemas.microsoft.com/office/drawing/2014/main" id="{14A348C2-E3CB-4A3A-A1D4-F39FC8F333FF}"/>
+                <a16:creationId xmlns:a16="http://schemas.microsoft.com/office/drawing/2014/main" xmlns="" id="{14A348C2-E3CB-4A3A-A1D4-F39FC8F333FF}"/>
               </a:ext>
             </a:extLst>
           </p:cNvPr>
@@ -6841,7 +6841,7 @@
           <a:p>
             <a:fld id="{9308DE3C-FEB7-4A7B-A93D-F8500B60F491}" type="datetimeFigureOut">
               <a:rPr lang="zh-CN" altLang="en-US" smtClean="0"/>
-              <a:t>2018/11/14</a:t>
+              <a:t>2018/11/21</a:t>
             </a:fld>
             <a:endParaRPr lang="zh-CN" altLang="en-US"/>
           </a:p>
@@ -6852,7 +6852,7 @@
           <p:cNvPr id="6" name="页脚占位符 5">
             <a:extLst>
               <a:ext uri="{FF2B5EF4-FFF2-40B4-BE49-F238E27FC236}">
-                <a16:creationId xmlns="" xmlns:a16="http://schemas.microsoft.com/office/drawing/2014/main" id="{C29DF77D-2D1F-4690-98E6-C5C9D13A3B5D}"/>
+                <a16:creationId xmlns:a16="http://schemas.microsoft.com/office/drawing/2014/main" xmlns="" id="{C29DF77D-2D1F-4690-98E6-C5C9D13A3B5D}"/>
               </a:ext>
             </a:extLst>
           </p:cNvPr>
@@ -6877,7 +6877,7 @@
           <p:cNvPr id="7" name="灯片编号占位符 6">
             <a:extLst>
               <a:ext uri="{FF2B5EF4-FFF2-40B4-BE49-F238E27FC236}">
-                <a16:creationId xmlns="" xmlns:a16="http://schemas.microsoft.com/office/drawing/2014/main" id="{01442F68-91BE-4194-ABDF-F7889AD79389}"/>
+                <a16:creationId xmlns:a16="http://schemas.microsoft.com/office/drawing/2014/main" xmlns="" id="{01442F68-91BE-4194-ABDF-F7889AD79389}"/>
               </a:ext>
             </a:extLst>
           </p:cNvPr>
@@ -6939,7 +6939,7 @@
           <p:cNvPr id="2" name="标题 1">
             <a:extLst>
               <a:ext uri="{FF2B5EF4-FFF2-40B4-BE49-F238E27FC236}">
-                <a16:creationId xmlns="" xmlns:a16="http://schemas.microsoft.com/office/drawing/2014/main" id="{1AF44580-3A7F-457E-B6C1-2280122D7ECE}"/>
+                <a16:creationId xmlns:a16="http://schemas.microsoft.com/office/drawing/2014/main" xmlns="" id="{1AF44580-3A7F-457E-B6C1-2280122D7ECE}"/>
               </a:ext>
             </a:extLst>
           </p:cNvPr>
@@ -6976,7 +6976,7 @@
           <p:cNvPr id="3" name="图片占位符 2">
             <a:extLst>
               <a:ext uri="{FF2B5EF4-FFF2-40B4-BE49-F238E27FC236}">
-                <a16:creationId xmlns="" xmlns:a16="http://schemas.microsoft.com/office/drawing/2014/main" id="{4233E78C-C5FC-4594-B399-2251D7023DFA}"/>
+                <a16:creationId xmlns:a16="http://schemas.microsoft.com/office/drawing/2014/main" xmlns="" id="{4233E78C-C5FC-4594-B399-2251D7023DFA}"/>
               </a:ext>
             </a:extLst>
           </p:cNvPr>
@@ -7043,7 +7043,7 @@
           <p:cNvPr id="4" name="文本占位符 3">
             <a:extLst>
               <a:ext uri="{FF2B5EF4-FFF2-40B4-BE49-F238E27FC236}">
-                <a16:creationId xmlns="" xmlns:a16="http://schemas.microsoft.com/office/drawing/2014/main" id="{4920EE0D-001A-4295-8EE4-056583455E1E}"/>
+                <a16:creationId xmlns:a16="http://schemas.microsoft.com/office/drawing/2014/main" xmlns="" id="{4920EE0D-001A-4295-8EE4-056583455E1E}"/>
               </a:ext>
             </a:extLst>
           </p:cNvPr>
@@ -7114,7 +7114,7 @@
           <p:cNvPr id="5" name="日期占位符 4">
             <a:extLst>
               <a:ext uri="{FF2B5EF4-FFF2-40B4-BE49-F238E27FC236}">
-                <a16:creationId xmlns="" xmlns:a16="http://schemas.microsoft.com/office/drawing/2014/main" id="{C3FAC153-6846-4B41-ABF4-2596FAFBB258}"/>
+                <a16:creationId xmlns:a16="http://schemas.microsoft.com/office/drawing/2014/main" xmlns="" id="{C3FAC153-6846-4B41-ABF4-2596FAFBB258}"/>
               </a:ext>
             </a:extLst>
           </p:cNvPr>
@@ -7132,7 +7132,7 @@
           <a:p>
             <a:fld id="{9308DE3C-FEB7-4A7B-A93D-F8500B60F491}" type="datetimeFigureOut">
               <a:rPr lang="zh-CN" altLang="en-US" smtClean="0"/>
-              <a:t>2018/11/14</a:t>
+              <a:t>2018/11/21</a:t>
             </a:fld>
             <a:endParaRPr lang="zh-CN" altLang="en-US"/>
           </a:p>
@@ -7143,7 +7143,7 @@
           <p:cNvPr id="6" name="页脚占位符 5">
             <a:extLst>
               <a:ext uri="{FF2B5EF4-FFF2-40B4-BE49-F238E27FC236}">
-                <a16:creationId xmlns="" xmlns:a16="http://schemas.microsoft.com/office/drawing/2014/main" id="{A6E8EB80-694E-4896-B8CE-4295D71437B0}"/>
+                <a16:creationId xmlns:a16="http://schemas.microsoft.com/office/drawing/2014/main" xmlns="" id="{A6E8EB80-694E-4896-B8CE-4295D71437B0}"/>
               </a:ext>
             </a:extLst>
           </p:cNvPr>
@@ -7168,7 +7168,7 @@
           <p:cNvPr id="7" name="灯片编号占位符 6">
             <a:extLst>
               <a:ext uri="{FF2B5EF4-FFF2-40B4-BE49-F238E27FC236}">
-                <a16:creationId xmlns="" xmlns:a16="http://schemas.microsoft.com/office/drawing/2014/main" id="{DCF61E54-F3EC-4ED4-A4C9-5D9412DA5B6A}"/>
+                <a16:creationId xmlns:a16="http://schemas.microsoft.com/office/drawing/2014/main" xmlns="" id="{DCF61E54-F3EC-4ED4-A4C9-5D9412DA5B6A}"/>
               </a:ext>
             </a:extLst>
           </p:cNvPr>
@@ -7235,7 +7235,7 @@
           <p:cNvPr id="2" name="标题占位符 1">
             <a:extLst>
               <a:ext uri="{FF2B5EF4-FFF2-40B4-BE49-F238E27FC236}">
-                <a16:creationId xmlns="" xmlns:a16="http://schemas.microsoft.com/office/drawing/2014/main" id="{32C69062-5C3D-434C-B7D1-B0178AAF65B0}"/>
+                <a16:creationId xmlns:a16="http://schemas.microsoft.com/office/drawing/2014/main" xmlns="" id="{32C69062-5C3D-434C-B7D1-B0178AAF65B0}"/>
               </a:ext>
             </a:extLst>
           </p:cNvPr>
@@ -7273,7 +7273,7 @@
           <p:cNvPr id="3" name="文本占位符 2">
             <a:extLst>
               <a:ext uri="{FF2B5EF4-FFF2-40B4-BE49-F238E27FC236}">
-                <a16:creationId xmlns="" xmlns:a16="http://schemas.microsoft.com/office/drawing/2014/main" id="{36E077B4-99E4-47D4-8DD1-6070A181DD71}"/>
+                <a16:creationId xmlns:a16="http://schemas.microsoft.com/office/drawing/2014/main" xmlns="" id="{36E077B4-99E4-47D4-8DD1-6070A181DD71}"/>
               </a:ext>
             </a:extLst>
           </p:cNvPr>
@@ -7340,7 +7340,7 @@
           <p:cNvPr id="4" name="日期占位符 3">
             <a:extLst>
               <a:ext uri="{FF2B5EF4-FFF2-40B4-BE49-F238E27FC236}">
-                <a16:creationId xmlns="" xmlns:a16="http://schemas.microsoft.com/office/drawing/2014/main" id="{2893D435-7A69-46DA-96EA-9D99790C8809}"/>
+                <a16:creationId xmlns:a16="http://schemas.microsoft.com/office/drawing/2014/main" xmlns="" id="{2893D435-7A69-46DA-96EA-9D99790C8809}"/>
               </a:ext>
             </a:extLst>
           </p:cNvPr>
@@ -7376,7 +7376,7 @@
           <a:p>
             <a:fld id="{9308DE3C-FEB7-4A7B-A93D-F8500B60F491}" type="datetimeFigureOut">
               <a:rPr lang="zh-CN" altLang="en-US" smtClean="0"/>
-              <a:t>2018/11/14</a:t>
+              <a:t>2018/11/21</a:t>
             </a:fld>
             <a:endParaRPr lang="zh-CN" altLang="en-US"/>
           </a:p>
@@ -7387,7 +7387,7 @@
           <p:cNvPr id="5" name="页脚占位符 4">
             <a:extLst>
               <a:ext uri="{FF2B5EF4-FFF2-40B4-BE49-F238E27FC236}">
-                <a16:creationId xmlns="" xmlns:a16="http://schemas.microsoft.com/office/drawing/2014/main" id="{23AA7E05-D4A3-4EE4-8D4C-3750D90B7EB7}"/>
+                <a16:creationId xmlns:a16="http://schemas.microsoft.com/office/drawing/2014/main" xmlns="" id="{23AA7E05-D4A3-4EE4-8D4C-3750D90B7EB7}"/>
               </a:ext>
             </a:extLst>
           </p:cNvPr>
@@ -7430,7 +7430,7 @@
           <p:cNvPr id="6" name="灯片编号占位符 5">
             <a:extLst>
               <a:ext uri="{FF2B5EF4-FFF2-40B4-BE49-F238E27FC236}">
-                <a16:creationId xmlns="" xmlns:a16="http://schemas.microsoft.com/office/drawing/2014/main" id="{DD2874EC-A294-4956-B078-BB22818BD134}"/>
+                <a16:creationId xmlns:a16="http://schemas.microsoft.com/office/drawing/2014/main" xmlns="" id="{DD2874EC-A294-4956-B078-BB22818BD134}"/>
               </a:ext>
             </a:extLst>
           </p:cNvPr>
@@ -7855,7 +7855,7 @@
           <p:cNvPr id="4" name="图片 3">
             <a:extLst>
               <a:ext uri="{FF2B5EF4-FFF2-40B4-BE49-F238E27FC236}">
-                <a16:creationId xmlns="" xmlns:a16="http://schemas.microsoft.com/office/drawing/2014/main" id="{F6BD30CD-C85B-4E8E-BA87-9219DC71080A}"/>
+                <a16:creationId xmlns:a16="http://schemas.microsoft.com/office/drawing/2014/main" xmlns="" id="{F6BD30CD-C85B-4E8E-BA87-9219DC71080A}"/>
               </a:ext>
             </a:extLst>
           </p:cNvPr>
@@ -7891,7 +7891,7 @@
           <p:cNvPr id="5" name="图文框 4">
             <a:extLst>
               <a:ext uri="{FF2B5EF4-FFF2-40B4-BE49-F238E27FC236}">
-                <a16:creationId xmlns="" xmlns:a16="http://schemas.microsoft.com/office/drawing/2014/main" id="{C1E69EDA-1A91-47D4-902B-FDCFDE372E9E}"/>
+                <a16:creationId xmlns:a16="http://schemas.microsoft.com/office/drawing/2014/main" xmlns="" id="{C1E69EDA-1A91-47D4-902B-FDCFDE372E9E}"/>
               </a:ext>
             </a:extLst>
           </p:cNvPr>
@@ -7956,7 +7956,7 @@
           <p:cNvPr id="7" name="PA_文本框 2">
             <a:extLst>
               <a:ext uri="{FF2B5EF4-FFF2-40B4-BE49-F238E27FC236}">
-                <a16:creationId xmlns="" xmlns:a16="http://schemas.microsoft.com/office/drawing/2014/main" id="{0C139A84-5CD3-4084-A1F5-7236D3B6EF05}"/>
+                <a16:creationId xmlns:a16="http://schemas.microsoft.com/office/drawing/2014/main" xmlns="" id="{0C139A84-5CD3-4084-A1F5-7236D3B6EF05}"/>
               </a:ext>
             </a:extLst>
           </p:cNvPr>
@@ -8025,7 +8025,7 @@
           <p:cNvPr id="8" name="PA_文本框 4">
             <a:extLst>
               <a:ext uri="{FF2B5EF4-FFF2-40B4-BE49-F238E27FC236}">
-                <a16:creationId xmlns="" xmlns:a16="http://schemas.microsoft.com/office/drawing/2014/main" id="{2AEAE6AB-0A93-4916-80A7-FE810796440C}"/>
+                <a16:creationId xmlns:a16="http://schemas.microsoft.com/office/drawing/2014/main" xmlns="" id="{2AEAE6AB-0A93-4916-80A7-FE810796440C}"/>
               </a:ext>
             </a:extLst>
           </p:cNvPr>
@@ -8082,7 +8082,7 @@
           <p:cNvPr id="9" name="文本框 8">
             <a:extLst>
               <a:ext uri="{FF2B5EF4-FFF2-40B4-BE49-F238E27FC236}">
-                <a16:creationId xmlns="" xmlns:a16="http://schemas.microsoft.com/office/drawing/2014/main" id="{B62953D1-2804-4693-AAE3-471C2723B8D3}"/>
+                <a16:creationId xmlns:a16="http://schemas.microsoft.com/office/drawing/2014/main" xmlns="" id="{B62953D1-2804-4693-AAE3-471C2723B8D3}"/>
               </a:ext>
             </a:extLst>
           </p:cNvPr>
@@ -8195,7 +8195,7 @@
           <p:cNvPr id="10" name="矩形 9">
             <a:extLst>
               <a:ext uri="{FF2B5EF4-FFF2-40B4-BE49-F238E27FC236}">
-                <a16:creationId xmlns="" xmlns:a16="http://schemas.microsoft.com/office/drawing/2014/main" id="{44FBA825-123C-46A3-A697-8A41A227D10E}"/>
+                <a16:creationId xmlns:a16="http://schemas.microsoft.com/office/drawing/2014/main" xmlns="" id="{44FBA825-123C-46A3-A697-8A41A227D10E}"/>
               </a:ext>
             </a:extLst>
           </p:cNvPr>
@@ -8955,7 +8955,7 @@
           <p:cNvPr id="2" name="图片 1">
             <a:extLst>
               <a:ext uri="{FF2B5EF4-FFF2-40B4-BE49-F238E27FC236}">
-                <a16:creationId xmlns="" xmlns:a16="http://schemas.microsoft.com/office/drawing/2014/main" id="{B1C6DB09-A408-4502-BFA6-90542E7F80A9}"/>
+                <a16:creationId xmlns:a16="http://schemas.microsoft.com/office/drawing/2014/main" xmlns="" id="{B1C6DB09-A408-4502-BFA6-90542E7F80A9}"/>
               </a:ext>
             </a:extLst>
           </p:cNvPr>
@@ -8991,7 +8991,7 @@
           <p:cNvPr id="3" name="图片 2">
             <a:extLst>
               <a:ext uri="{FF2B5EF4-FFF2-40B4-BE49-F238E27FC236}">
-                <a16:creationId xmlns="" xmlns:a16="http://schemas.microsoft.com/office/drawing/2014/main" id="{98B13D0C-3D6D-4A7C-81C2-971C2DE1C35F}"/>
+                <a16:creationId xmlns:a16="http://schemas.microsoft.com/office/drawing/2014/main" xmlns="" id="{98B13D0C-3D6D-4A7C-81C2-971C2DE1C35F}"/>
               </a:ext>
             </a:extLst>
           </p:cNvPr>
@@ -9027,7 +9027,7 @@
           <p:cNvPr id="4" name="图文框 3">
             <a:extLst>
               <a:ext uri="{FF2B5EF4-FFF2-40B4-BE49-F238E27FC236}">
-                <a16:creationId xmlns="" xmlns:a16="http://schemas.microsoft.com/office/drawing/2014/main" id="{439EF00C-294A-4DB2-9D2A-D6104D65FB8E}"/>
+                <a16:creationId xmlns:a16="http://schemas.microsoft.com/office/drawing/2014/main" xmlns="" id="{439EF00C-294A-4DB2-9D2A-D6104D65FB8E}"/>
               </a:ext>
             </a:extLst>
           </p:cNvPr>
@@ -9092,7 +9092,7 @@
           <p:cNvPr id="6" name="矩形 5">
             <a:extLst>
               <a:ext uri="{FF2B5EF4-FFF2-40B4-BE49-F238E27FC236}">
-                <a16:creationId xmlns="" xmlns:a16="http://schemas.microsoft.com/office/drawing/2014/main" id="{334628C9-EB0D-4D06-AF24-5A038FFC63D7}"/>
+                <a16:creationId xmlns:a16="http://schemas.microsoft.com/office/drawing/2014/main" xmlns="" id="{334628C9-EB0D-4D06-AF24-5A038FFC63D7}"/>
               </a:ext>
             </a:extLst>
           </p:cNvPr>
@@ -9132,7 +9132,7 @@
           <p:cNvPr id="8" name="椭圆 7">
             <a:extLst>
               <a:ext uri="{FF2B5EF4-FFF2-40B4-BE49-F238E27FC236}">
-                <a16:creationId xmlns="" xmlns:a16="http://schemas.microsoft.com/office/drawing/2014/main" id="{2D31EAC6-5633-42BD-A780-E7BE0D0484C9}"/>
+                <a16:creationId xmlns:a16="http://schemas.microsoft.com/office/drawing/2014/main" xmlns="" id="{2D31EAC6-5633-42BD-A780-E7BE0D0484C9}"/>
               </a:ext>
             </a:extLst>
           </p:cNvPr>
@@ -9187,7 +9187,7 @@
           <p:cNvPr id="9" name="文本框 8">
             <a:extLst>
               <a:ext uri="{FF2B5EF4-FFF2-40B4-BE49-F238E27FC236}">
-                <a16:creationId xmlns="" xmlns:a16="http://schemas.microsoft.com/office/drawing/2014/main" id="{B9EAD814-92A6-4346-BB5C-547799D7BDEA}"/>
+                <a16:creationId xmlns:a16="http://schemas.microsoft.com/office/drawing/2014/main" xmlns="" id="{B9EAD814-92A6-4346-BB5C-547799D7BDEA}"/>
               </a:ext>
             </a:extLst>
           </p:cNvPr>
@@ -9288,7 +9288,7 @@
           <p:cNvPr id="10" name="Shape 1458">
             <a:extLst>
               <a:ext uri="{FF2B5EF4-FFF2-40B4-BE49-F238E27FC236}">
-                <a16:creationId xmlns="" xmlns:a16="http://schemas.microsoft.com/office/drawing/2014/main" id="{C9C5B09E-BF7E-4AB4-9279-86A4782F4983}"/>
+                <a16:creationId xmlns:a16="http://schemas.microsoft.com/office/drawing/2014/main" xmlns="" id="{C9C5B09E-BF7E-4AB4-9279-86A4782F4983}"/>
               </a:ext>
             </a:extLst>
           </p:cNvPr>
@@ -9462,7 +9462,7 @@
           <p:cNvPr id="2" name="图片 1">
             <a:extLst>
               <a:ext uri="{FF2B5EF4-FFF2-40B4-BE49-F238E27FC236}">
-                <a16:creationId xmlns="" xmlns:a16="http://schemas.microsoft.com/office/drawing/2014/main" id="{B1C6DB09-A408-4502-BFA6-90542E7F80A9}"/>
+                <a16:creationId xmlns:a16="http://schemas.microsoft.com/office/drawing/2014/main" xmlns="" id="{B1C6DB09-A408-4502-BFA6-90542E7F80A9}"/>
               </a:ext>
             </a:extLst>
           </p:cNvPr>
@@ -9498,7 +9498,7 @@
           <p:cNvPr id="3" name="图片 2">
             <a:extLst>
               <a:ext uri="{FF2B5EF4-FFF2-40B4-BE49-F238E27FC236}">
-                <a16:creationId xmlns="" xmlns:a16="http://schemas.microsoft.com/office/drawing/2014/main" id="{98B13D0C-3D6D-4A7C-81C2-971C2DE1C35F}"/>
+                <a16:creationId xmlns:a16="http://schemas.microsoft.com/office/drawing/2014/main" xmlns="" id="{98B13D0C-3D6D-4A7C-81C2-971C2DE1C35F}"/>
               </a:ext>
             </a:extLst>
           </p:cNvPr>
@@ -9534,7 +9534,7 @@
           <p:cNvPr id="4" name="图文框 3">
             <a:extLst>
               <a:ext uri="{FF2B5EF4-FFF2-40B4-BE49-F238E27FC236}">
-                <a16:creationId xmlns="" xmlns:a16="http://schemas.microsoft.com/office/drawing/2014/main" id="{439EF00C-294A-4DB2-9D2A-D6104D65FB8E}"/>
+                <a16:creationId xmlns:a16="http://schemas.microsoft.com/office/drawing/2014/main" xmlns="" id="{439EF00C-294A-4DB2-9D2A-D6104D65FB8E}"/>
               </a:ext>
             </a:extLst>
           </p:cNvPr>
@@ -9599,7 +9599,7 @@
           <p:cNvPr id="6" name="矩形 5">
             <a:extLst>
               <a:ext uri="{FF2B5EF4-FFF2-40B4-BE49-F238E27FC236}">
-                <a16:creationId xmlns="" xmlns:a16="http://schemas.microsoft.com/office/drawing/2014/main" id="{334628C9-EB0D-4D06-AF24-5A038FFC63D7}"/>
+                <a16:creationId xmlns:a16="http://schemas.microsoft.com/office/drawing/2014/main" xmlns="" id="{334628C9-EB0D-4D06-AF24-5A038FFC63D7}"/>
               </a:ext>
             </a:extLst>
           </p:cNvPr>
@@ -9639,7 +9639,7 @@
           <p:cNvPr id="8" name="椭圆 7">
             <a:extLst>
               <a:ext uri="{FF2B5EF4-FFF2-40B4-BE49-F238E27FC236}">
-                <a16:creationId xmlns="" xmlns:a16="http://schemas.microsoft.com/office/drawing/2014/main" id="{2D31EAC6-5633-42BD-A780-E7BE0D0484C9}"/>
+                <a16:creationId xmlns:a16="http://schemas.microsoft.com/office/drawing/2014/main" xmlns="" id="{2D31EAC6-5633-42BD-A780-E7BE0D0484C9}"/>
               </a:ext>
             </a:extLst>
           </p:cNvPr>
@@ -9694,7 +9694,7 @@
           <p:cNvPr id="9" name="文本框 8">
             <a:extLst>
               <a:ext uri="{FF2B5EF4-FFF2-40B4-BE49-F238E27FC236}">
-                <a16:creationId xmlns="" xmlns:a16="http://schemas.microsoft.com/office/drawing/2014/main" id="{B9EAD814-92A6-4346-BB5C-547799D7BDEA}"/>
+                <a16:creationId xmlns:a16="http://schemas.microsoft.com/office/drawing/2014/main" xmlns="" id="{B9EAD814-92A6-4346-BB5C-547799D7BDEA}"/>
               </a:ext>
             </a:extLst>
           </p:cNvPr>
@@ -9836,7 +9836,7 @@
           <p:cNvPr id="10" name="Shape 1458">
             <a:extLst>
               <a:ext uri="{FF2B5EF4-FFF2-40B4-BE49-F238E27FC236}">
-                <a16:creationId xmlns="" xmlns:a16="http://schemas.microsoft.com/office/drawing/2014/main" id="{C9C5B09E-BF7E-4AB4-9279-86A4782F4983}"/>
+                <a16:creationId xmlns:a16="http://schemas.microsoft.com/office/drawing/2014/main" xmlns="" id="{C9C5B09E-BF7E-4AB4-9279-86A4782F4983}"/>
               </a:ext>
             </a:extLst>
           </p:cNvPr>
@@ -10118,7 +10118,7 @@
           <p:cNvPr id="2" name="图片 1">
             <a:extLst>
               <a:ext uri="{FF2B5EF4-FFF2-40B4-BE49-F238E27FC236}">
-                <a16:creationId xmlns="" xmlns:a16="http://schemas.microsoft.com/office/drawing/2014/main" id="{B1C6DB09-A408-4502-BFA6-90542E7F80A9}"/>
+                <a16:creationId xmlns:a16="http://schemas.microsoft.com/office/drawing/2014/main" xmlns="" id="{B1C6DB09-A408-4502-BFA6-90542E7F80A9}"/>
               </a:ext>
             </a:extLst>
           </p:cNvPr>
@@ -10154,7 +10154,7 @@
           <p:cNvPr id="3" name="图片 2">
             <a:extLst>
               <a:ext uri="{FF2B5EF4-FFF2-40B4-BE49-F238E27FC236}">
-                <a16:creationId xmlns="" xmlns:a16="http://schemas.microsoft.com/office/drawing/2014/main" id="{98B13D0C-3D6D-4A7C-81C2-971C2DE1C35F}"/>
+                <a16:creationId xmlns:a16="http://schemas.microsoft.com/office/drawing/2014/main" xmlns="" id="{98B13D0C-3D6D-4A7C-81C2-971C2DE1C35F}"/>
               </a:ext>
             </a:extLst>
           </p:cNvPr>
@@ -10190,7 +10190,7 @@
           <p:cNvPr id="4" name="图文框 3">
             <a:extLst>
               <a:ext uri="{FF2B5EF4-FFF2-40B4-BE49-F238E27FC236}">
-                <a16:creationId xmlns="" xmlns:a16="http://schemas.microsoft.com/office/drawing/2014/main" id="{439EF00C-294A-4DB2-9D2A-D6104D65FB8E}"/>
+                <a16:creationId xmlns:a16="http://schemas.microsoft.com/office/drawing/2014/main" xmlns="" id="{439EF00C-294A-4DB2-9D2A-D6104D65FB8E}"/>
               </a:ext>
             </a:extLst>
           </p:cNvPr>
@@ -10255,7 +10255,7 @@
           <p:cNvPr id="6" name="矩形 5">
             <a:extLst>
               <a:ext uri="{FF2B5EF4-FFF2-40B4-BE49-F238E27FC236}">
-                <a16:creationId xmlns="" xmlns:a16="http://schemas.microsoft.com/office/drawing/2014/main" id="{334628C9-EB0D-4D06-AF24-5A038FFC63D7}"/>
+                <a16:creationId xmlns:a16="http://schemas.microsoft.com/office/drawing/2014/main" xmlns="" id="{334628C9-EB0D-4D06-AF24-5A038FFC63D7}"/>
               </a:ext>
             </a:extLst>
           </p:cNvPr>
@@ -10295,7 +10295,7 @@
           <p:cNvPr id="8" name="椭圆 7">
             <a:extLst>
               <a:ext uri="{FF2B5EF4-FFF2-40B4-BE49-F238E27FC236}">
-                <a16:creationId xmlns="" xmlns:a16="http://schemas.microsoft.com/office/drawing/2014/main" id="{2D31EAC6-5633-42BD-A780-E7BE0D0484C9}"/>
+                <a16:creationId xmlns:a16="http://schemas.microsoft.com/office/drawing/2014/main" xmlns="" id="{2D31EAC6-5633-42BD-A780-E7BE0D0484C9}"/>
               </a:ext>
             </a:extLst>
           </p:cNvPr>
@@ -10350,7 +10350,7 @@
           <p:cNvPr id="9" name="文本框 8">
             <a:extLst>
               <a:ext uri="{FF2B5EF4-FFF2-40B4-BE49-F238E27FC236}">
-                <a16:creationId xmlns="" xmlns:a16="http://schemas.microsoft.com/office/drawing/2014/main" id="{B9EAD814-92A6-4346-BB5C-547799D7BDEA}"/>
+                <a16:creationId xmlns:a16="http://schemas.microsoft.com/office/drawing/2014/main" xmlns="" id="{B9EAD814-92A6-4346-BB5C-547799D7BDEA}"/>
               </a:ext>
             </a:extLst>
           </p:cNvPr>
@@ -10398,7 +10398,7 @@
           <p:cNvPr id="10" name="Shape 1458">
             <a:extLst>
               <a:ext uri="{FF2B5EF4-FFF2-40B4-BE49-F238E27FC236}">
-                <a16:creationId xmlns="" xmlns:a16="http://schemas.microsoft.com/office/drawing/2014/main" id="{C9C5B09E-BF7E-4AB4-9279-86A4782F4983}"/>
+                <a16:creationId xmlns:a16="http://schemas.microsoft.com/office/drawing/2014/main" xmlns="" id="{C9C5B09E-BF7E-4AB4-9279-86A4782F4983}"/>
               </a:ext>
             </a:extLst>
           </p:cNvPr>
@@ -10626,7 +10626,7 @@
           <p:cNvPr id="2" name="图片 1">
             <a:extLst>
               <a:ext uri="{FF2B5EF4-FFF2-40B4-BE49-F238E27FC236}">
-                <a16:creationId xmlns="" xmlns:a16="http://schemas.microsoft.com/office/drawing/2014/main" id="{B1C6DB09-A408-4502-BFA6-90542E7F80A9}"/>
+                <a16:creationId xmlns:a16="http://schemas.microsoft.com/office/drawing/2014/main" xmlns="" id="{B1C6DB09-A408-4502-BFA6-90542E7F80A9}"/>
               </a:ext>
             </a:extLst>
           </p:cNvPr>
@@ -10662,7 +10662,7 @@
           <p:cNvPr id="3" name="图片 2">
             <a:extLst>
               <a:ext uri="{FF2B5EF4-FFF2-40B4-BE49-F238E27FC236}">
-                <a16:creationId xmlns="" xmlns:a16="http://schemas.microsoft.com/office/drawing/2014/main" id="{98B13D0C-3D6D-4A7C-81C2-971C2DE1C35F}"/>
+                <a16:creationId xmlns:a16="http://schemas.microsoft.com/office/drawing/2014/main" xmlns="" id="{98B13D0C-3D6D-4A7C-81C2-971C2DE1C35F}"/>
               </a:ext>
             </a:extLst>
           </p:cNvPr>
@@ -10698,7 +10698,7 @@
           <p:cNvPr id="4" name="图文框 3">
             <a:extLst>
               <a:ext uri="{FF2B5EF4-FFF2-40B4-BE49-F238E27FC236}">
-                <a16:creationId xmlns="" xmlns:a16="http://schemas.microsoft.com/office/drawing/2014/main" id="{439EF00C-294A-4DB2-9D2A-D6104D65FB8E}"/>
+                <a16:creationId xmlns:a16="http://schemas.microsoft.com/office/drawing/2014/main" xmlns="" id="{439EF00C-294A-4DB2-9D2A-D6104D65FB8E}"/>
               </a:ext>
             </a:extLst>
           </p:cNvPr>
@@ -10763,7 +10763,7 @@
           <p:cNvPr id="6" name="矩形 5">
             <a:extLst>
               <a:ext uri="{FF2B5EF4-FFF2-40B4-BE49-F238E27FC236}">
-                <a16:creationId xmlns="" xmlns:a16="http://schemas.microsoft.com/office/drawing/2014/main" id="{334628C9-EB0D-4D06-AF24-5A038FFC63D7}"/>
+                <a16:creationId xmlns:a16="http://schemas.microsoft.com/office/drawing/2014/main" xmlns="" id="{334628C9-EB0D-4D06-AF24-5A038FFC63D7}"/>
               </a:ext>
             </a:extLst>
           </p:cNvPr>
@@ -10803,7 +10803,7 @@
           <p:cNvPr id="8" name="椭圆 7">
             <a:extLst>
               <a:ext uri="{FF2B5EF4-FFF2-40B4-BE49-F238E27FC236}">
-                <a16:creationId xmlns="" xmlns:a16="http://schemas.microsoft.com/office/drawing/2014/main" id="{2D31EAC6-5633-42BD-A780-E7BE0D0484C9}"/>
+                <a16:creationId xmlns:a16="http://schemas.microsoft.com/office/drawing/2014/main" xmlns="" id="{2D31EAC6-5633-42BD-A780-E7BE0D0484C9}"/>
               </a:ext>
             </a:extLst>
           </p:cNvPr>
@@ -10858,7 +10858,7 @@
           <p:cNvPr id="9" name="文本框 8">
             <a:extLst>
               <a:ext uri="{FF2B5EF4-FFF2-40B4-BE49-F238E27FC236}">
-                <a16:creationId xmlns="" xmlns:a16="http://schemas.microsoft.com/office/drawing/2014/main" id="{B9EAD814-92A6-4346-BB5C-547799D7BDEA}"/>
+                <a16:creationId xmlns:a16="http://schemas.microsoft.com/office/drawing/2014/main" xmlns="" id="{B9EAD814-92A6-4346-BB5C-547799D7BDEA}"/>
               </a:ext>
             </a:extLst>
           </p:cNvPr>
@@ -10906,7 +10906,7 @@
           <p:cNvPr id="10" name="Shape 1458">
             <a:extLst>
               <a:ext uri="{FF2B5EF4-FFF2-40B4-BE49-F238E27FC236}">
-                <a16:creationId xmlns="" xmlns:a16="http://schemas.microsoft.com/office/drawing/2014/main" id="{C9C5B09E-BF7E-4AB4-9279-86A4782F4983}"/>
+                <a16:creationId xmlns:a16="http://schemas.microsoft.com/office/drawing/2014/main" xmlns="" id="{C9C5B09E-BF7E-4AB4-9279-86A4782F4983}"/>
               </a:ext>
             </a:extLst>
           </p:cNvPr>
@@ -11134,7 +11134,7 @@
           <p:cNvPr id="2" name="图片 1">
             <a:extLst>
               <a:ext uri="{FF2B5EF4-FFF2-40B4-BE49-F238E27FC236}">
-                <a16:creationId xmlns="" xmlns:a16="http://schemas.microsoft.com/office/drawing/2014/main" id="{B1C6DB09-A408-4502-BFA6-90542E7F80A9}"/>
+                <a16:creationId xmlns:a16="http://schemas.microsoft.com/office/drawing/2014/main" xmlns="" id="{B1C6DB09-A408-4502-BFA6-90542E7F80A9}"/>
               </a:ext>
             </a:extLst>
           </p:cNvPr>
@@ -11170,7 +11170,7 @@
           <p:cNvPr id="3" name="图片 2">
             <a:extLst>
               <a:ext uri="{FF2B5EF4-FFF2-40B4-BE49-F238E27FC236}">
-                <a16:creationId xmlns="" xmlns:a16="http://schemas.microsoft.com/office/drawing/2014/main" id="{98B13D0C-3D6D-4A7C-81C2-971C2DE1C35F}"/>
+                <a16:creationId xmlns:a16="http://schemas.microsoft.com/office/drawing/2014/main" xmlns="" id="{98B13D0C-3D6D-4A7C-81C2-971C2DE1C35F}"/>
               </a:ext>
             </a:extLst>
           </p:cNvPr>
@@ -11206,7 +11206,7 @@
           <p:cNvPr id="4" name="图文框 3">
             <a:extLst>
               <a:ext uri="{FF2B5EF4-FFF2-40B4-BE49-F238E27FC236}">
-                <a16:creationId xmlns="" xmlns:a16="http://schemas.microsoft.com/office/drawing/2014/main" id="{439EF00C-294A-4DB2-9D2A-D6104D65FB8E}"/>
+                <a16:creationId xmlns:a16="http://schemas.microsoft.com/office/drawing/2014/main" xmlns="" id="{439EF00C-294A-4DB2-9D2A-D6104D65FB8E}"/>
               </a:ext>
             </a:extLst>
           </p:cNvPr>
@@ -11271,7 +11271,7 @@
           <p:cNvPr id="6" name="矩形 5">
             <a:extLst>
               <a:ext uri="{FF2B5EF4-FFF2-40B4-BE49-F238E27FC236}">
-                <a16:creationId xmlns="" xmlns:a16="http://schemas.microsoft.com/office/drawing/2014/main" id="{334628C9-EB0D-4D06-AF24-5A038FFC63D7}"/>
+                <a16:creationId xmlns:a16="http://schemas.microsoft.com/office/drawing/2014/main" xmlns="" id="{334628C9-EB0D-4D06-AF24-5A038FFC63D7}"/>
               </a:ext>
             </a:extLst>
           </p:cNvPr>
@@ -11311,7 +11311,7 @@
           <p:cNvPr id="8" name="椭圆 7">
             <a:extLst>
               <a:ext uri="{FF2B5EF4-FFF2-40B4-BE49-F238E27FC236}">
-                <a16:creationId xmlns="" xmlns:a16="http://schemas.microsoft.com/office/drawing/2014/main" id="{2D31EAC6-5633-42BD-A780-E7BE0D0484C9}"/>
+                <a16:creationId xmlns:a16="http://schemas.microsoft.com/office/drawing/2014/main" xmlns="" id="{2D31EAC6-5633-42BD-A780-E7BE0D0484C9}"/>
               </a:ext>
             </a:extLst>
           </p:cNvPr>
@@ -11366,7 +11366,7 @@
           <p:cNvPr id="9" name="文本框 8">
             <a:extLst>
               <a:ext uri="{FF2B5EF4-FFF2-40B4-BE49-F238E27FC236}">
-                <a16:creationId xmlns="" xmlns:a16="http://schemas.microsoft.com/office/drawing/2014/main" id="{B9EAD814-92A6-4346-BB5C-547799D7BDEA}"/>
+                <a16:creationId xmlns:a16="http://schemas.microsoft.com/office/drawing/2014/main" xmlns="" id="{B9EAD814-92A6-4346-BB5C-547799D7BDEA}"/>
               </a:ext>
             </a:extLst>
           </p:cNvPr>
@@ -11519,7 +11519,7 @@
           <p:cNvPr id="10" name="Shape 1458">
             <a:extLst>
               <a:ext uri="{FF2B5EF4-FFF2-40B4-BE49-F238E27FC236}">
-                <a16:creationId xmlns="" xmlns:a16="http://schemas.microsoft.com/office/drawing/2014/main" id="{C9C5B09E-BF7E-4AB4-9279-86A4782F4983}"/>
+                <a16:creationId xmlns:a16="http://schemas.microsoft.com/office/drawing/2014/main" xmlns="" id="{C9C5B09E-BF7E-4AB4-9279-86A4782F4983}"/>
               </a:ext>
             </a:extLst>
           </p:cNvPr>
@@ -11801,7 +11801,7 @@
           <p:cNvPr id="2" name="图片 1">
             <a:extLst>
               <a:ext uri="{FF2B5EF4-FFF2-40B4-BE49-F238E27FC236}">
-                <a16:creationId xmlns="" xmlns:a16="http://schemas.microsoft.com/office/drawing/2014/main" id="{B1C6DB09-A408-4502-BFA6-90542E7F80A9}"/>
+                <a16:creationId xmlns:a16="http://schemas.microsoft.com/office/drawing/2014/main" xmlns="" id="{B1C6DB09-A408-4502-BFA6-90542E7F80A9}"/>
               </a:ext>
             </a:extLst>
           </p:cNvPr>
@@ -11837,7 +11837,7 @@
           <p:cNvPr id="3" name="图片 2">
             <a:extLst>
               <a:ext uri="{FF2B5EF4-FFF2-40B4-BE49-F238E27FC236}">
-                <a16:creationId xmlns="" xmlns:a16="http://schemas.microsoft.com/office/drawing/2014/main" id="{98B13D0C-3D6D-4A7C-81C2-971C2DE1C35F}"/>
+                <a16:creationId xmlns:a16="http://schemas.microsoft.com/office/drawing/2014/main" xmlns="" id="{98B13D0C-3D6D-4A7C-81C2-971C2DE1C35F}"/>
               </a:ext>
             </a:extLst>
           </p:cNvPr>
@@ -11873,7 +11873,7 @@
           <p:cNvPr id="4" name="图文框 3">
             <a:extLst>
               <a:ext uri="{FF2B5EF4-FFF2-40B4-BE49-F238E27FC236}">
-                <a16:creationId xmlns="" xmlns:a16="http://schemas.microsoft.com/office/drawing/2014/main" id="{439EF00C-294A-4DB2-9D2A-D6104D65FB8E}"/>
+                <a16:creationId xmlns:a16="http://schemas.microsoft.com/office/drawing/2014/main" xmlns="" id="{439EF00C-294A-4DB2-9D2A-D6104D65FB8E}"/>
               </a:ext>
             </a:extLst>
           </p:cNvPr>
@@ -11938,7 +11938,7 @@
           <p:cNvPr id="6" name="矩形 5">
             <a:extLst>
               <a:ext uri="{FF2B5EF4-FFF2-40B4-BE49-F238E27FC236}">
-                <a16:creationId xmlns="" xmlns:a16="http://schemas.microsoft.com/office/drawing/2014/main" id="{334628C9-EB0D-4D06-AF24-5A038FFC63D7}"/>
+                <a16:creationId xmlns:a16="http://schemas.microsoft.com/office/drawing/2014/main" xmlns="" id="{334628C9-EB0D-4D06-AF24-5A038FFC63D7}"/>
               </a:ext>
             </a:extLst>
           </p:cNvPr>
@@ -11978,7 +11978,7 @@
           <p:cNvPr id="8" name="椭圆 7">
             <a:extLst>
               <a:ext uri="{FF2B5EF4-FFF2-40B4-BE49-F238E27FC236}">
-                <a16:creationId xmlns="" xmlns:a16="http://schemas.microsoft.com/office/drawing/2014/main" id="{2D31EAC6-5633-42BD-A780-E7BE0D0484C9}"/>
+                <a16:creationId xmlns:a16="http://schemas.microsoft.com/office/drawing/2014/main" xmlns="" id="{2D31EAC6-5633-42BD-A780-E7BE0D0484C9}"/>
               </a:ext>
             </a:extLst>
           </p:cNvPr>
@@ -12033,7 +12033,7 @@
           <p:cNvPr id="9" name="文本框 8">
             <a:extLst>
               <a:ext uri="{FF2B5EF4-FFF2-40B4-BE49-F238E27FC236}">
-                <a16:creationId xmlns="" xmlns:a16="http://schemas.microsoft.com/office/drawing/2014/main" id="{B9EAD814-92A6-4346-BB5C-547799D7BDEA}"/>
+                <a16:creationId xmlns:a16="http://schemas.microsoft.com/office/drawing/2014/main" xmlns="" id="{B9EAD814-92A6-4346-BB5C-547799D7BDEA}"/>
               </a:ext>
             </a:extLst>
           </p:cNvPr>
@@ -12081,7 +12081,7 @@
           <p:cNvPr id="10" name="Shape 1458">
             <a:extLst>
               <a:ext uri="{FF2B5EF4-FFF2-40B4-BE49-F238E27FC236}">
-                <a16:creationId xmlns="" xmlns:a16="http://schemas.microsoft.com/office/drawing/2014/main" id="{C9C5B09E-BF7E-4AB4-9279-86A4782F4983}"/>
+                <a16:creationId xmlns:a16="http://schemas.microsoft.com/office/drawing/2014/main" xmlns="" id="{C9C5B09E-BF7E-4AB4-9279-86A4782F4983}"/>
               </a:ext>
             </a:extLst>
           </p:cNvPr>
@@ -12309,7 +12309,7 @@
           <p:cNvPr id="2" name="图片 1">
             <a:extLst>
               <a:ext uri="{FF2B5EF4-FFF2-40B4-BE49-F238E27FC236}">
-                <a16:creationId xmlns="" xmlns:a16="http://schemas.microsoft.com/office/drawing/2014/main" id="{B1C6DB09-A408-4502-BFA6-90542E7F80A9}"/>
+                <a16:creationId xmlns:a16="http://schemas.microsoft.com/office/drawing/2014/main" xmlns="" id="{B1C6DB09-A408-4502-BFA6-90542E7F80A9}"/>
               </a:ext>
             </a:extLst>
           </p:cNvPr>
@@ -12345,7 +12345,7 @@
           <p:cNvPr id="3" name="图片 2">
             <a:extLst>
               <a:ext uri="{FF2B5EF4-FFF2-40B4-BE49-F238E27FC236}">
-                <a16:creationId xmlns="" xmlns:a16="http://schemas.microsoft.com/office/drawing/2014/main" id="{98B13D0C-3D6D-4A7C-81C2-971C2DE1C35F}"/>
+                <a16:creationId xmlns:a16="http://schemas.microsoft.com/office/drawing/2014/main" xmlns="" id="{98B13D0C-3D6D-4A7C-81C2-971C2DE1C35F}"/>
               </a:ext>
             </a:extLst>
           </p:cNvPr>
@@ -12381,7 +12381,7 @@
           <p:cNvPr id="4" name="图文框 3">
             <a:extLst>
               <a:ext uri="{FF2B5EF4-FFF2-40B4-BE49-F238E27FC236}">
-                <a16:creationId xmlns="" xmlns:a16="http://schemas.microsoft.com/office/drawing/2014/main" id="{439EF00C-294A-4DB2-9D2A-D6104D65FB8E}"/>
+                <a16:creationId xmlns:a16="http://schemas.microsoft.com/office/drawing/2014/main" xmlns="" id="{439EF00C-294A-4DB2-9D2A-D6104D65FB8E}"/>
               </a:ext>
             </a:extLst>
           </p:cNvPr>
@@ -12446,7 +12446,7 @@
           <p:cNvPr id="6" name="矩形 5">
             <a:extLst>
               <a:ext uri="{FF2B5EF4-FFF2-40B4-BE49-F238E27FC236}">
-                <a16:creationId xmlns="" xmlns:a16="http://schemas.microsoft.com/office/drawing/2014/main" id="{334628C9-EB0D-4D06-AF24-5A038FFC63D7}"/>
+                <a16:creationId xmlns:a16="http://schemas.microsoft.com/office/drawing/2014/main" xmlns="" id="{334628C9-EB0D-4D06-AF24-5A038FFC63D7}"/>
               </a:ext>
             </a:extLst>
           </p:cNvPr>
@@ -12486,7 +12486,7 @@
           <p:cNvPr id="8" name="椭圆 7">
             <a:extLst>
               <a:ext uri="{FF2B5EF4-FFF2-40B4-BE49-F238E27FC236}">
-                <a16:creationId xmlns="" xmlns:a16="http://schemas.microsoft.com/office/drawing/2014/main" id="{2D31EAC6-5633-42BD-A780-E7BE0D0484C9}"/>
+                <a16:creationId xmlns:a16="http://schemas.microsoft.com/office/drawing/2014/main" xmlns="" id="{2D31EAC6-5633-42BD-A780-E7BE0D0484C9}"/>
               </a:ext>
             </a:extLst>
           </p:cNvPr>
@@ -12541,7 +12541,7 @@
           <p:cNvPr id="9" name="文本框 8">
             <a:extLst>
               <a:ext uri="{FF2B5EF4-FFF2-40B4-BE49-F238E27FC236}">
-                <a16:creationId xmlns="" xmlns:a16="http://schemas.microsoft.com/office/drawing/2014/main" id="{B9EAD814-92A6-4346-BB5C-547799D7BDEA}"/>
+                <a16:creationId xmlns:a16="http://schemas.microsoft.com/office/drawing/2014/main" xmlns="" id="{B9EAD814-92A6-4346-BB5C-547799D7BDEA}"/>
               </a:ext>
             </a:extLst>
           </p:cNvPr>
@@ -12589,7 +12589,7 @@
           <p:cNvPr id="10" name="Shape 1458">
             <a:extLst>
               <a:ext uri="{FF2B5EF4-FFF2-40B4-BE49-F238E27FC236}">
-                <a16:creationId xmlns="" xmlns:a16="http://schemas.microsoft.com/office/drawing/2014/main" id="{C9C5B09E-BF7E-4AB4-9279-86A4782F4983}"/>
+                <a16:creationId xmlns:a16="http://schemas.microsoft.com/office/drawing/2014/main" xmlns="" id="{C9C5B09E-BF7E-4AB4-9279-86A4782F4983}"/>
               </a:ext>
             </a:extLst>
           </p:cNvPr>
@@ -12817,7 +12817,7 @@
           <p:cNvPr id="2" name="图片 1">
             <a:extLst>
               <a:ext uri="{FF2B5EF4-FFF2-40B4-BE49-F238E27FC236}">
-                <a16:creationId xmlns="" xmlns:a16="http://schemas.microsoft.com/office/drawing/2014/main" id="{B1C6DB09-A408-4502-BFA6-90542E7F80A9}"/>
+                <a16:creationId xmlns:a16="http://schemas.microsoft.com/office/drawing/2014/main" xmlns="" id="{B1C6DB09-A408-4502-BFA6-90542E7F80A9}"/>
               </a:ext>
             </a:extLst>
           </p:cNvPr>
@@ -12853,7 +12853,7 @@
           <p:cNvPr id="3" name="图片 2">
             <a:extLst>
               <a:ext uri="{FF2B5EF4-FFF2-40B4-BE49-F238E27FC236}">
-                <a16:creationId xmlns="" xmlns:a16="http://schemas.microsoft.com/office/drawing/2014/main" id="{98B13D0C-3D6D-4A7C-81C2-971C2DE1C35F}"/>
+                <a16:creationId xmlns:a16="http://schemas.microsoft.com/office/drawing/2014/main" xmlns="" id="{98B13D0C-3D6D-4A7C-81C2-971C2DE1C35F}"/>
               </a:ext>
             </a:extLst>
           </p:cNvPr>
@@ -12889,7 +12889,7 @@
           <p:cNvPr id="4" name="图文框 3">
             <a:extLst>
               <a:ext uri="{FF2B5EF4-FFF2-40B4-BE49-F238E27FC236}">
-                <a16:creationId xmlns="" xmlns:a16="http://schemas.microsoft.com/office/drawing/2014/main" id="{439EF00C-294A-4DB2-9D2A-D6104D65FB8E}"/>
+                <a16:creationId xmlns:a16="http://schemas.microsoft.com/office/drawing/2014/main" xmlns="" id="{439EF00C-294A-4DB2-9D2A-D6104D65FB8E}"/>
               </a:ext>
             </a:extLst>
           </p:cNvPr>
@@ -12954,7 +12954,7 @@
           <p:cNvPr id="6" name="矩形 5">
             <a:extLst>
               <a:ext uri="{FF2B5EF4-FFF2-40B4-BE49-F238E27FC236}">
-                <a16:creationId xmlns="" xmlns:a16="http://schemas.microsoft.com/office/drawing/2014/main" id="{334628C9-EB0D-4D06-AF24-5A038FFC63D7}"/>
+                <a16:creationId xmlns:a16="http://schemas.microsoft.com/office/drawing/2014/main" xmlns="" id="{334628C9-EB0D-4D06-AF24-5A038FFC63D7}"/>
               </a:ext>
             </a:extLst>
           </p:cNvPr>
@@ -12994,7 +12994,7 @@
           <p:cNvPr id="8" name="椭圆 7">
             <a:extLst>
               <a:ext uri="{FF2B5EF4-FFF2-40B4-BE49-F238E27FC236}">
-                <a16:creationId xmlns="" xmlns:a16="http://schemas.microsoft.com/office/drawing/2014/main" id="{2D31EAC6-5633-42BD-A780-E7BE0D0484C9}"/>
+                <a16:creationId xmlns:a16="http://schemas.microsoft.com/office/drawing/2014/main" xmlns="" id="{2D31EAC6-5633-42BD-A780-E7BE0D0484C9}"/>
               </a:ext>
             </a:extLst>
           </p:cNvPr>
@@ -13049,7 +13049,7 @@
           <p:cNvPr id="9" name="文本框 8">
             <a:extLst>
               <a:ext uri="{FF2B5EF4-FFF2-40B4-BE49-F238E27FC236}">
-                <a16:creationId xmlns="" xmlns:a16="http://schemas.microsoft.com/office/drawing/2014/main" id="{B9EAD814-92A6-4346-BB5C-547799D7BDEA}"/>
+                <a16:creationId xmlns:a16="http://schemas.microsoft.com/office/drawing/2014/main" xmlns="" id="{B9EAD814-92A6-4346-BB5C-547799D7BDEA}"/>
               </a:ext>
             </a:extLst>
           </p:cNvPr>
@@ -13179,7 +13179,7 @@
           <p:cNvPr id="10" name="Shape 1458">
             <a:extLst>
               <a:ext uri="{FF2B5EF4-FFF2-40B4-BE49-F238E27FC236}">
-                <a16:creationId xmlns="" xmlns:a16="http://schemas.microsoft.com/office/drawing/2014/main" id="{C9C5B09E-BF7E-4AB4-9279-86A4782F4983}"/>
+                <a16:creationId xmlns:a16="http://schemas.microsoft.com/office/drawing/2014/main" xmlns="" id="{C9C5B09E-BF7E-4AB4-9279-86A4782F4983}"/>
               </a:ext>
             </a:extLst>
           </p:cNvPr>
@@ -13353,7 +13353,7 @@
           <p:cNvPr id="2" name="图片 1">
             <a:extLst>
               <a:ext uri="{FF2B5EF4-FFF2-40B4-BE49-F238E27FC236}">
-                <a16:creationId xmlns="" xmlns:a16="http://schemas.microsoft.com/office/drawing/2014/main" id="{B1C6DB09-A408-4502-BFA6-90542E7F80A9}"/>
+                <a16:creationId xmlns:a16="http://schemas.microsoft.com/office/drawing/2014/main" xmlns="" id="{B1C6DB09-A408-4502-BFA6-90542E7F80A9}"/>
               </a:ext>
             </a:extLst>
           </p:cNvPr>
@@ -13389,7 +13389,7 @@
           <p:cNvPr id="3" name="图片 2">
             <a:extLst>
               <a:ext uri="{FF2B5EF4-FFF2-40B4-BE49-F238E27FC236}">
-                <a16:creationId xmlns="" xmlns:a16="http://schemas.microsoft.com/office/drawing/2014/main" id="{98B13D0C-3D6D-4A7C-81C2-971C2DE1C35F}"/>
+                <a16:creationId xmlns:a16="http://schemas.microsoft.com/office/drawing/2014/main" xmlns="" id="{98B13D0C-3D6D-4A7C-81C2-971C2DE1C35F}"/>
               </a:ext>
             </a:extLst>
           </p:cNvPr>
@@ -13425,7 +13425,7 @@
           <p:cNvPr id="4" name="图文框 3">
             <a:extLst>
               <a:ext uri="{FF2B5EF4-FFF2-40B4-BE49-F238E27FC236}">
-                <a16:creationId xmlns="" xmlns:a16="http://schemas.microsoft.com/office/drawing/2014/main" id="{439EF00C-294A-4DB2-9D2A-D6104D65FB8E}"/>
+                <a16:creationId xmlns:a16="http://schemas.microsoft.com/office/drawing/2014/main" xmlns="" id="{439EF00C-294A-4DB2-9D2A-D6104D65FB8E}"/>
               </a:ext>
             </a:extLst>
           </p:cNvPr>
@@ -13490,7 +13490,7 @@
           <p:cNvPr id="6" name="矩形 5">
             <a:extLst>
               <a:ext uri="{FF2B5EF4-FFF2-40B4-BE49-F238E27FC236}">
-                <a16:creationId xmlns="" xmlns:a16="http://schemas.microsoft.com/office/drawing/2014/main" id="{334628C9-EB0D-4D06-AF24-5A038FFC63D7}"/>
+                <a16:creationId xmlns:a16="http://schemas.microsoft.com/office/drawing/2014/main" xmlns="" id="{334628C9-EB0D-4D06-AF24-5A038FFC63D7}"/>
               </a:ext>
             </a:extLst>
           </p:cNvPr>
@@ -13530,7 +13530,7 @@
           <p:cNvPr id="8" name="椭圆 7">
             <a:extLst>
               <a:ext uri="{FF2B5EF4-FFF2-40B4-BE49-F238E27FC236}">
-                <a16:creationId xmlns="" xmlns:a16="http://schemas.microsoft.com/office/drawing/2014/main" id="{2D31EAC6-5633-42BD-A780-E7BE0D0484C9}"/>
+                <a16:creationId xmlns:a16="http://schemas.microsoft.com/office/drawing/2014/main" xmlns="" id="{2D31EAC6-5633-42BD-A780-E7BE0D0484C9}"/>
               </a:ext>
             </a:extLst>
           </p:cNvPr>
@@ -13585,7 +13585,7 @@
           <p:cNvPr id="9" name="文本框 8">
             <a:extLst>
               <a:ext uri="{FF2B5EF4-FFF2-40B4-BE49-F238E27FC236}">
-                <a16:creationId xmlns="" xmlns:a16="http://schemas.microsoft.com/office/drawing/2014/main" id="{B9EAD814-92A6-4346-BB5C-547799D7BDEA}"/>
+                <a16:creationId xmlns:a16="http://schemas.microsoft.com/office/drawing/2014/main" xmlns="" id="{B9EAD814-92A6-4346-BB5C-547799D7BDEA}"/>
               </a:ext>
             </a:extLst>
           </p:cNvPr>
@@ -13670,7 +13670,7 @@
           <p:cNvPr id="10" name="Shape 1458">
             <a:extLst>
               <a:ext uri="{FF2B5EF4-FFF2-40B4-BE49-F238E27FC236}">
-                <a16:creationId xmlns="" xmlns:a16="http://schemas.microsoft.com/office/drawing/2014/main" id="{C9C5B09E-BF7E-4AB4-9279-86A4782F4983}"/>
+                <a16:creationId xmlns:a16="http://schemas.microsoft.com/office/drawing/2014/main" xmlns="" id="{C9C5B09E-BF7E-4AB4-9279-86A4782F4983}"/>
               </a:ext>
             </a:extLst>
           </p:cNvPr>
@@ -13844,7 +13844,7 @@
           <p:cNvPr id="2" name="图片 1">
             <a:extLst>
               <a:ext uri="{FF2B5EF4-FFF2-40B4-BE49-F238E27FC236}">
-                <a16:creationId xmlns="" xmlns:a16="http://schemas.microsoft.com/office/drawing/2014/main" id="{B1C6DB09-A408-4502-BFA6-90542E7F80A9}"/>
+                <a16:creationId xmlns:a16="http://schemas.microsoft.com/office/drawing/2014/main" xmlns="" id="{B1C6DB09-A408-4502-BFA6-90542E7F80A9}"/>
               </a:ext>
             </a:extLst>
           </p:cNvPr>
@@ -13880,7 +13880,7 @@
           <p:cNvPr id="3" name="图片 2">
             <a:extLst>
               <a:ext uri="{FF2B5EF4-FFF2-40B4-BE49-F238E27FC236}">
-                <a16:creationId xmlns="" xmlns:a16="http://schemas.microsoft.com/office/drawing/2014/main" id="{98B13D0C-3D6D-4A7C-81C2-971C2DE1C35F}"/>
+                <a16:creationId xmlns:a16="http://schemas.microsoft.com/office/drawing/2014/main" xmlns="" id="{98B13D0C-3D6D-4A7C-81C2-971C2DE1C35F}"/>
               </a:ext>
             </a:extLst>
           </p:cNvPr>
@@ -13916,7 +13916,7 @@
           <p:cNvPr id="4" name="图文框 3">
             <a:extLst>
               <a:ext uri="{FF2B5EF4-FFF2-40B4-BE49-F238E27FC236}">
-                <a16:creationId xmlns="" xmlns:a16="http://schemas.microsoft.com/office/drawing/2014/main" id="{439EF00C-294A-4DB2-9D2A-D6104D65FB8E}"/>
+                <a16:creationId xmlns:a16="http://schemas.microsoft.com/office/drawing/2014/main" xmlns="" id="{439EF00C-294A-4DB2-9D2A-D6104D65FB8E}"/>
               </a:ext>
             </a:extLst>
           </p:cNvPr>
@@ -13981,7 +13981,7 @@
           <p:cNvPr id="6" name="矩形 5">
             <a:extLst>
               <a:ext uri="{FF2B5EF4-FFF2-40B4-BE49-F238E27FC236}">
-                <a16:creationId xmlns="" xmlns:a16="http://schemas.microsoft.com/office/drawing/2014/main" id="{334628C9-EB0D-4D06-AF24-5A038FFC63D7}"/>
+                <a16:creationId xmlns:a16="http://schemas.microsoft.com/office/drawing/2014/main" xmlns="" id="{334628C9-EB0D-4D06-AF24-5A038FFC63D7}"/>
               </a:ext>
             </a:extLst>
           </p:cNvPr>
@@ -14021,7 +14021,7 @@
           <p:cNvPr id="8" name="椭圆 7">
             <a:extLst>
               <a:ext uri="{FF2B5EF4-FFF2-40B4-BE49-F238E27FC236}">
-                <a16:creationId xmlns="" xmlns:a16="http://schemas.microsoft.com/office/drawing/2014/main" id="{2D31EAC6-5633-42BD-A780-E7BE0D0484C9}"/>
+                <a16:creationId xmlns:a16="http://schemas.microsoft.com/office/drawing/2014/main" xmlns="" id="{2D31EAC6-5633-42BD-A780-E7BE0D0484C9}"/>
               </a:ext>
             </a:extLst>
           </p:cNvPr>
@@ -14076,7 +14076,7 @@
           <p:cNvPr id="9" name="文本框 8">
             <a:extLst>
               <a:ext uri="{FF2B5EF4-FFF2-40B4-BE49-F238E27FC236}">
-                <a16:creationId xmlns="" xmlns:a16="http://schemas.microsoft.com/office/drawing/2014/main" id="{B9EAD814-92A6-4346-BB5C-547799D7BDEA}"/>
+                <a16:creationId xmlns:a16="http://schemas.microsoft.com/office/drawing/2014/main" xmlns="" id="{B9EAD814-92A6-4346-BB5C-547799D7BDEA}"/>
               </a:ext>
             </a:extLst>
           </p:cNvPr>
@@ -14276,7 +14276,7 @@
           <p:cNvPr id="10" name="Shape 1458">
             <a:extLst>
               <a:ext uri="{FF2B5EF4-FFF2-40B4-BE49-F238E27FC236}">
-                <a16:creationId xmlns="" xmlns:a16="http://schemas.microsoft.com/office/drawing/2014/main" id="{C9C5B09E-BF7E-4AB4-9279-86A4782F4983}"/>
+                <a16:creationId xmlns:a16="http://schemas.microsoft.com/office/drawing/2014/main" xmlns="" id="{C9C5B09E-BF7E-4AB4-9279-86A4782F4983}"/>
               </a:ext>
             </a:extLst>
           </p:cNvPr>
@@ -14450,7 +14450,7 @@
           <p:cNvPr id="18" name="图片 17">
             <a:extLst>
               <a:ext uri="{FF2B5EF4-FFF2-40B4-BE49-F238E27FC236}">
-                <a16:creationId xmlns="" xmlns:a16="http://schemas.microsoft.com/office/drawing/2014/main" id="{7945FBDC-AA52-47FD-87F4-8113026988C5}"/>
+                <a16:creationId xmlns:a16="http://schemas.microsoft.com/office/drawing/2014/main" xmlns="" id="{7945FBDC-AA52-47FD-87F4-8113026988C5}"/>
               </a:ext>
             </a:extLst>
           </p:cNvPr>
@@ -14486,7 +14486,7 @@
           <p:cNvPr id="19" name="图文框 18">
             <a:extLst>
               <a:ext uri="{FF2B5EF4-FFF2-40B4-BE49-F238E27FC236}">
-                <a16:creationId xmlns="" xmlns:a16="http://schemas.microsoft.com/office/drawing/2014/main" id="{7B962A31-E4DC-491E-AF91-E7145BCAE82A}"/>
+                <a16:creationId xmlns:a16="http://schemas.microsoft.com/office/drawing/2014/main" xmlns="" id="{7B962A31-E4DC-491E-AF91-E7145BCAE82A}"/>
               </a:ext>
             </a:extLst>
           </p:cNvPr>
@@ -14551,7 +14551,7 @@
           <p:cNvPr id="21" name="PA_MH_Others_1">
             <a:extLst>
               <a:ext uri="{FF2B5EF4-FFF2-40B4-BE49-F238E27FC236}">
-                <a16:creationId xmlns="" xmlns:a16="http://schemas.microsoft.com/office/drawing/2014/main" id="{ACF533BB-328C-4BBF-8341-302BF2D63BBA}"/>
+                <a16:creationId xmlns:a16="http://schemas.microsoft.com/office/drawing/2014/main" xmlns="" id="{ACF533BB-328C-4BBF-8341-302BF2D63BBA}"/>
               </a:ext>
             </a:extLst>
           </p:cNvPr>
@@ -14623,7 +14623,7 @@
           <p:cNvPr id="22" name="PA_MH_Others_2">
             <a:extLst>
               <a:ext uri="{FF2B5EF4-FFF2-40B4-BE49-F238E27FC236}">
-                <a16:creationId xmlns="" xmlns:a16="http://schemas.microsoft.com/office/drawing/2014/main" id="{C664BEE0-42C3-4073-B1B3-96EC1A1EB9DB}"/>
+                <a16:creationId xmlns:a16="http://schemas.microsoft.com/office/drawing/2014/main" xmlns="" id="{C664BEE0-42C3-4073-B1B3-96EC1A1EB9DB}"/>
               </a:ext>
             </a:extLst>
           </p:cNvPr>
@@ -14682,7 +14682,7 @@
           <p:cNvPr id="44" name="组合 43">
             <a:extLst>
               <a:ext uri="{FF2B5EF4-FFF2-40B4-BE49-F238E27FC236}">
-                <a16:creationId xmlns="" xmlns:a16="http://schemas.microsoft.com/office/drawing/2014/main" id="{9A8C8E95-AE97-4BB1-9527-F743DFFA3254}"/>
+                <a16:creationId xmlns:a16="http://schemas.microsoft.com/office/drawing/2014/main" xmlns="" id="{9A8C8E95-AE97-4BB1-9527-F743DFFA3254}"/>
               </a:ext>
             </a:extLst>
           </p:cNvPr>
@@ -14702,7 +14702,7 @@
             <p:cNvPr id="45" name="矩形 44">
               <a:extLst>
                 <a:ext uri="{FF2B5EF4-FFF2-40B4-BE49-F238E27FC236}">
-                  <a16:creationId xmlns="" xmlns:a16="http://schemas.microsoft.com/office/drawing/2014/main" id="{CCCBD7C4-8C59-40F4-931C-17CA31B05E80}"/>
+                  <a16:creationId xmlns:a16="http://schemas.microsoft.com/office/drawing/2014/main" xmlns="" id="{CCCBD7C4-8C59-40F4-931C-17CA31B05E80}"/>
                 </a:ext>
               </a:extLst>
             </p:cNvPr>
@@ -14788,7 +14788,7 @@
             <p:cNvPr id="46" name="文本框 45">
               <a:extLst>
                 <a:ext uri="{FF2B5EF4-FFF2-40B4-BE49-F238E27FC236}">
-                  <a16:creationId xmlns="" xmlns:a16="http://schemas.microsoft.com/office/drawing/2014/main" id="{66EEA219-8802-468E-BF5D-698B81683151}"/>
+                  <a16:creationId xmlns:a16="http://schemas.microsoft.com/office/drawing/2014/main" xmlns="" id="{66EEA219-8802-468E-BF5D-698B81683151}"/>
                 </a:ext>
               </a:extLst>
             </p:cNvPr>
@@ -14851,7 +14851,7 @@
           <p:cNvPr id="47" name="组合 46">
             <a:extLst>
               <a:ext uri="{FF2B5EF4-FFF2-40B4-BE49-F238E27FC236}">
-                <a16:creationId xmlns="" xmlns:a16="http://schemas.microsoft.com/office/drawing/2014/main" id="{5F9923FC-ABB6-42B0-BAB3-0B982461F358}"/>
+                <a16:creationId xmlns:a16="http://schemas.microsoft.com/office/drawing/2014/main" xmlns="" id="{5F9923FC-ABB6-42B0-BAB3-0B982461F358}"/>
               </a:ext>
             </a:extLst>
           </p:cNvPr>
@@ -14871,7 +14871,7 @@
             <p:cNvPr id="48" name="矩形 47">
               <a:extLst>
                 <a:ext uri="{FF2B5EF4-FFF2-40B4-BE49-F238E27FC236}">
-                  <a16:creationId xmlns="" xmlns:a16="http://schemas.microsoft.com/office/drawing/2014/main" id="{21692CDF-3EF4-48FC-87DE-6963FE2C3EFB}"/>
+                  <a16:creationId xmlns:a16="http://schemas.microsoft.com/office/drawing/2014/main" xmlns="" id="{21692CDF-3EF4-48FC-87DE-6963FE2C3EFB}"/>
                 </a:ext>
               </a:extLst>
             </p:cNvPr>
@@ -14935,7 +14935,7 @@
             <p:cNvPr id="49" name="文本框 48">
               <a:extLst>
                 <a:ext uri="{FF2B5EF4-FFF2-40B4-BE49-F238E27FC236}">
-                  <a16:creationId xmlns="" xmlns:a16="http://schemas.microsoft.com/office/drawing/2014/main" id="{A71B54A0-B8EF-48D6-9809-D66094F6A757}"/>
+                  <a16:creationId xmlns:a16="http://schemas.microsoft.com/office/drawing/2014/main" xmlns="" id="{A71B54A0-B8EF-48D6-9809-D66094F6A757}"/>
                 </a:ext>
               </a:extLst>
             </p:cNvPr>
@@ -15039,7 +15039,7 @@
           <p:cNvPr id="50" name="组合 49">
             <a:extLst>
               <a:ext uri="{FF2B5EF4-FFF2-40B4-BE49-F238E27FC236}">
-                <a16:creationId xmlns="" xmlns:a16="http://schemas.microsoft.com/office/drawing/2014/main" id="{83739C9C-DDBC-4E42-9ED9-30140096DAEC}"/>
+                <a16:creationId xmlns:a16="http://schemas.microsoft.com/office/drawing/2014/main" xmlns="" id="{83739C9C-DDBC-4E42-9ED9-30140096DAEC}"/>
               </a:ext>
             </a:extLst>
           </p:cNvPr>
@@ -15059,7 +15059,7 @@
             <p:cNvPr id="51" name="矩形 50">
               <a:extLst>
                 <a:ext uri="{FF2B5EF4-FFF2-40B4-BE49-F238E27FC236}">
-                  <a16:creationId xmlns="" xmlns:a16="http://schemas.microsoft.com/office/drawing/2014/main" id="{92CAE557-FC5F-4D07-95A1-51AB10B90592}"/>
+                  <a16:creationId xmlns:a16="http://schemas.microsoft.com/office/drawing/2014/main" xmlns="" id="{92CAE557-FC5F-4D07-95A1-51AB10B90592}"/>
                 </a:ext>
               </a:extLst>
             </p:cNvPr>
@@ -15113,7 +15113,7 @@
             <p:cNvPr id="52" name="文本框 51">
               <a:extLst>
                 <a:ext uri="{FF2B5EF4-FFF2-40B4-BE49-F238E27FC236}">
-                  <a16:creationId xmlns="" xmlns:a16="http://schemas.microsoft.com/office/drawing/2014/main" id="{98D02CA8-7F98-4EB7-851D-F77620B2F767}"/>
+                  <a16:creationId xmlns:a16="http://schemas.microsoft.com/office/drawing/2014/main" xmlns="" id="{98D02CA8-7F98-4EB7-851D-F77620B2F767}"/>
                 </a:ext>
               </a:extLst>
             </p:cNvPr>
@@ -15181,7 +15181,7 @@
           <p:cNvPr id="53" name="组合 52">
             <a:extLst>
               <a:ext uri="{FF2B5EF4-FFF2-40B4-BE49-F238E27FC236}">
-                <a16:creationId xmlns="" xmlns:a16="http://schemas.microsoft.com/office/drawing/2014/main" id="{BE15BC5F-1F3D-4B04-A372-E00D7B46CCC4}"/>
+                <a16:creationId xmlns:a16="http://schemas.microsoft.com/office/drawing/2014/main" xmlns="" id="{BE15BC5F-1F3D-4B04-A372-E00D7B46CCC4}"/>
               </a:ext>
             </a:extLst>
           </p:cNvPr>
@@ -15201,7 +15201,7 @@
             <p:cNvPr id="54" name="矩形 53">
               <a:extLst>
                 <a:ext uri="{FF2B5EF4-FFF2-40B4-BE49-F238E27FC236}">
-                  <a16:creationId xmlns="" xmlns:a16="http://schemas.microsoft.com/office/drawing/2014/main" id="{CF3A1DB1-9C67-4A1B-8FED-37EBBF27CBB4}"/>
+                  <a16:creationId xmlns:a16="http://schemas.microsoft.com/office/drawing/2014/main" xmlns="" id="{CF3A1DB1-9C67-4A1B-8FED-37EBBF27CBB4}"/>
                 </a:ext>
               </a:extLst>
             </p:cNvPr>
@@ -15265,7 +15265,7 @@
             <p:cNvPr id="55" name="文本框 54">
               <a:extLst>
                 <a:ext uri="{FF2B5EF4-FFF2-40B4-BE49-F238E27FC236}">
-                  <a16:creationId xmlns="" xmlns:a16="http://schemas.microsoft.com/office/drawing/2014/main" id="{1BD43F0D-2369-4304-A24C-5577856A9575}"/>
+                  <a16:creationId xmlns:a16="http://schemas.microsoft.com/office/drawing/2014/main" xmlns="" id="{1BD43F0D-2369-4304-A24C-5577856A9575}"/>
                 </a:ext>
               </a:extLst>
             </p:cNvPr>
@@ -15333,7 +15333,7 @@
           <p:cNvPr id="2" name="组合 1">
             <a:extLst>
               <a:ext uri="{FF2B5EF4-FFF2-40B4-BE49-F238E27FC236}">
-                <a16:creationId xmlns="" xmlns:a16="http://schemas.microsoft.com/office/drawing/2014/main" id="{6DE307DD-0A44-4B97-B9E2-3A75B3BA5A34}"/>
+                <a16:creationId xmlns:a16="http://schemas.microsoft.com/office/drawing/2014/main" xmlns="" id="{6DE307DD-0A44-4B97-B9E2-3A75B3BA5A34}"/>
               </a:ext>
             </a:extLst>
           </p:cNvPr>
@@ -15353,7 +15353,7 @@
             <p:cNvPr id="56" name="椭圆 55">
               <a:extLst>
                 <a:ext uri="{FF2B5EF4-FFF2-40B4-BE49-F238E27FC236}">
-                  <a16:creationId xmlns="" xmlns:a16="http://schemas.microsoft.com/office/drawing/2014/main" id="{6B79C1A3-C449-4D7D-91B0-FB5DF7700AD3}"/>
+                  <a16:creationId xmlns:a16="http://schemas.microsoft.com/office/drawing/2014/main" xmlns="" id="{6B79C1A3-C449-4D7D-91B0-FB5DF7700AD3}"/>
                 </a:ext>
               </a:extLst>
             </p:cNvPr>
@@ -15408,7 +15408,7 @@
             <p:cNvPr id="57" name="文本框 56">
               <a:extLst>
                 <a:ext uri="{FF2B5EF4-FFF2-40B4-BE49-F238E27FC236}">
-                  <a16:creationId xmlns="" xmlns:a16="http://schemas.microsoft.com/office/drawing/2014/main" id="{9F2DD580-969B-4470-A611-D32C42F7E305}"/>
+                  <a16:creationId xmlns:a16="http://schemas.microsoft.com/office/drawing/2014/main" xmlns="" id="{9F2DD580-969B-4470-A611-D32C42F7E305}"/>
                 </a:ext>
               </a:extLst>
             </p:cNvPr>
@@ -15457,7 +15457,7 @@
           <p:cNvPr id="3" name="组合 2">
             <a:extLst>
               <a:ext uri="{FF2B5EF4-FFF2-40B4-BE49-F238E27FC236}">
-                <a16:creationId xmlns="" xmlns:a16="http://schemas.microsoft.com/office/drawing/2014/main" id="{5AD2CDD9-328A-472C-983F-28B9A866465E}"/>
+                <a16:creationId xmlns:a16="http://schemas.microsoft.com/office/drawing/2014/main" xmlns="" id="{5AD2CDD9-328A-472C-983F-28B9A866465E}"/>
               </a:ext>
             </a:extLst>
           </p:cNvPr>
@@ -15477,7 +15477,7 @@
             <p:cNvPr id="58" name="椭圆 57">
               <a:extLst>
                 <a:ext uri="{FF2B5EF4-FFF2-40B4-BE49-F238E27FC236}">
-                  <a16:creationId xmlns="" xmlns:a16="http://schemas.microsoft.com/office/drawing/2014/main" id="{BA94DF88-E37F-4406-8F0C-6883AC924ADA}"/>
+                  <a16:creationId xmlns:a16="http://schemas.microsoft.com/office/drawing/2014/main" xmlns="" id="{BA94DF88-E37F-4406-8F0C-6883AC924ADA}"/>
                 </a:ext>
               </a:extLst>
             </p:cNvPr>
@@ -15532,7 +15532,7 @@
             <p:cNvPr id="59" name="文本框 58">
               <a:extLst>
                 <a:ext uri="{FF2B5EF4-FFF2-40B4-BE49-F238E27FC236}">
-                  <a16:creationId xmlns="" xmlns:a16="http://schemas.microsoft.com/office/drawing/2014/main" id="{E516E3B1-D8DE-485A-88EE-D08FEEF75078}"/>
+                  <a16:creationId xmlns:a16="http://schemas.microsoft.com/office/drawing/2014/main" xmlns="" id="{E516E3B1-D8DE-485A-88EE-D08FEEF75078}"/>
                 </a:ext>
               </a:extLst>
             </p:cNvPr>
@@ -15581,7 +15581,7 @@
           <p:cNvPr id="4" name="组合 3">
             <a:extLst>
               <a:ext uri="{FF2B5EF4-FFF2-40B4-BE49-F238E27FC236}">
-                <a16:creationId xmlns="" xmlns:a16="http://schemas.microsoft.com/office/drawing/2014/main" id="{7583876F-923A-4D45-B655-9CAC656942D3}"/>
+                <a16:creationId xmlns:a16="http://schemas.microsoft.com/office/drawing/2014/main" xmlns="" id="{7583876F-923A-4D45-B655-9CAC656942D3}"/>
               </a:ext>
             </a:extLst>
           </p:cNvPr>
@@ -15601,7 +15601,7 @@
             <p:cNvPr id="60" name="椭圆 59">
               <a:extLst>
                 <a:ext uri="{FF2B5EF4-FFF2-40B4-BE49-F238E27FC236}">
-                  <a16:creationId xmlns="" xmlns:a16="http://schemas.microsoft.com/office/drawing/2014/main" id="{A264887B-10F6-4678-8BB8-F7709B8925CD}"/>
+                  <a16:creationId xmlns:a16="http://schemas.microsoft.com/office/drawing/2014/main" xmlns="" id="{A264887B-10F6-4678-8BB8-F7709B8925CD}"/>
                 </a:ext>
               </a:extLst>
             </p:cNvPr>
@@ -15656,7 +15656,7 @@
             <p:cNvPr id="61" name="文本框 60">
               <a:extLst>
                 <a:ext uri="{FF2B5EF4-FFF2-40B4-BE49-F238E27FC236}">
-                  <a16:creationId xmlns="" xmlns:a16="http://schemas.microsoft.com/office/drawing/2014/main" id="{B8AFE7B9-9A40-40B7-A26F-362AD52740CF}"/>
+                  <a16:creationId xmlns:a16="http://schemas.microsoft.com/office/drawing/2014/main" xmlns="" id="{B8AFE7B9-9A40-40B7-A26F-362AD52740CF}"/>
                 </a:ext>
               </a:extLst>
             </p:cNvPr>
@@ -15705,7 +15705,7 @@
           <p:cNvPr id="5" name="组合 4">
             <a:extLst>
               <a:ext uri="{FF2B5EF4-FFF2-40B4-BE49-F238E27FC236}">
-                <a16:creationId xmlns="" xmlns:a16="http://schemas.microsoft.com/office/drawing/2014/main" id="{E2621BB0-17F1-426C-90D4-63AF41A819C7}"/>
+                <a16:creationId xmlns:a16="http://schemas.microsoft.com/office/drawing/2014/main" xmlns="" id="{E2621BB0-17F1-426C-90D4-63AF41A819C7}"/>
               </a:ext>
             </a:extLst>
           </p:cNvPr>
@@ -15725,7 +15725,7 @@
             <p:cNvPr id="62" name="椭圆 61">
               <a:extLst>
                 <a:ext uri="{FF2B5EF4-FFF2-40B4-BE49-F238E27FC236}">
-                  <a16:creationId xmlns="" xmlns:a16="http://schemas.microsoft.com/office/drawing/2014/main" id="{5B2B6BAF-8087-4734-BE79-BB9582CC54C9}"/>
+                  <a16:creationId xmlns:a16="http://schemas.microsoft.com/office/drawing/2014/main" xmlns="" id="{5B2B6BAF-8087-4734-BE79-BB9582CC54C9}"/>
                 </a:ext>
               </a:extLst>
             </p:cNvPr>
@@ -15780,7 +15780,7 @@
             <p:cNvPr id="63" name="文本框 62">
               <a:extLst>
                 <a:ext uri="{FF2B5EF4-FFF2-40B4-BE49-F238E27FC236}">
-                  <a16:creationId xmlns="" xmlns:a16="http://schemas.microsoft.com/office/drawing/2014/main" id="{71D2C2CD-77C2-4217-84FC-8B1F65057254}"/>
+                  <a16:creationId xmlns:a16="http://schemas.microsoft.com/office/drawing/2014/main" xmlns="" id="{71D2C2CD-77C2-4217-84FC-8B1F65057254}"/>
                 </a:ext>
               </a:extLst>
             </p:cNvPr>
@@ -16786,7 +16786,7 @@
           <p:cNvPr id="2" name="图片 1">
             <a:extLst>
               <a:ext uri="{FF2B5EF4-FFF2-40B4-BE49-F238E27FC236}">
-                <a16:creationId xmlns="" xmlns:a16="http://schemas.microsoft.com/office/drawing/2014/main" id="{B1C6DB09-A408-4502-BFA6-90542E7F80A9}"/>
+                <a16:creationId xmlns:a16="http://schemas.microsoft.com/office/drawing/2014/main" xmlns="" id="{B1C6DB09-A408-4502-BFA6-90542E7F80A9}"/>
               </a:ext>
             </a:extLst>
           </p:cNvPr>
@@ -16822,7 +16822,7 @@
           <p:cNvPr id="3" name="图片 2">
             <a:extLst>
               <a:ext uri="{FF2B5EF4-FFF2-40B4-BE49-F238E27FC236}">
-                <a16:creationId xmlns="" xmlns:a16="http://schemas.microsoft.com/office/drawing/2014/main" id="{98B13D0C-3D6D-4A7C-81C2-971C2DE1C35F}"/>
+                <a16:creationId xmlns:a16="http://schemas.microsoft.com/office/drawing/2014/main" xmlns="" id="{98B13D0C-3D6D-4A7C-81C2-971C2DE1C35F}"/>
               </a:ext>
             </a:extLst>
           </p:cNvPr>
@@ -16858,7 +16858,7 @@
           <p:cNvPr id="4" name="图文框 3">
             <a:extLst>
               <a:ext uri="{FF2B5EF4-FFF2-40B4-BE49-F238E27FC236}">
-                <a16:creationId xmlns="" xmlns:a16="http://schemas.microsoft.com/office/drawing/2014/main" id="{439EF00C-294A-4DB2-9D2A-D6104D65FB8E}"/>
+                <a16:creationId xmlns:a16="http://schemas.microsoft.com/office/drawing/2014/main" xmlns="" id="{439EF00C-294A-4DB2-9D2A-D6104D65FB8E}"/>
               </a:ext>
             </a:extLst>
           </p:cNvPr>
@@ -16923,7 +16923,7 @@
           <p:cNvPr id="6" name="矩形 5">
             <a:extLst>
               <a:ext uri="{FF2B5EF4-FFF2-40B4-BE49-F238E27FC236}">
-                <a16:creationId xmlns="" xmlns:a16="http://schemas.microsoft.com/office/drawing/2014/main" id="{334628C9-EB0D-4D06-AF24-5A038FFC63D7}"/>
+                <a16:creationId xmlns:a16="http://schemas.microsoft.com/office/drawing/2014/main" xmlns="" id="{334628C9-EB0D-4D06-AF24-5A038FFC63D7}"/>
               </a:ext>
             </a:extLst>
           </p:cNvPr>
@@ -16963,7 +16963,7 @@
           <p:cNvPr id="8" name="椭圆 7">
             <a:extLst>
               <a:ext uri="{FF2B5EF4-FFF2-40B4-BE49-F238E27FC236}">
-                <a16:creationId xmlns="" xmlns:a16="http://schemas.microsoft.com/office/drawing/2014/main" id="{2D31EAC6-5633-42BD-A780-E7BE0D0484C9}"/>
+                <a16:creationId xmlns:a16="http://schemas.microsoft.com/office/drawing/2014/main" xmlns="" id="{2D31EAC6-5633-42BD-A780-E7BE0D0484C9}"/>
               </a:ext>
             </a:extLst>
           </p:cNvPr>
@@ -17018,7 +17018,7 @@
           <p:cNvPr id="9" name="文本框 8">
             <a:extLst>
               <a:ext uri="{FF2B5EF4-FFF2-40B4-BE49-F238E27FC236}">
-                <a16:creationId xmlns="" xmlns:a16="http://schemas.microsoft.com/office/drawing/2014/main" id="{B9EAD814-92A6-4346-BB5C-547799D7BDEA}"/>
+                <a16:creationId xmlns:a16="http://schemas.microsoft.com/office/drawing/2014/main" xmlns="" id="{B9EAD814-92A6-4346-BB5C-547799D7BDEA}"/>
               </a:ext>
             </a:extLst>
           </p:cNvPr>
@@ -17118,7 +17118,7 @@
           <p:cNvPr id="10" name="Shape 1458">
             <a:extLst>
               <a:ext uri="{FF2B5EF4-FFF2-40B4-BE49-F238E27FC236}">
-                <a16:creationId xmlns="" xmlns:a16="http://schemas.microsoft.com/office/drawing/2014/main" id="{C9C5B09E-BF7E-4AB4-9279-86A4782F4983}"/>
+                <a16:creationId xmlns:a16="http://schemas.microsoft.com/office/drawing/2014/main" xmlns="" id="{C9C5B09E-BF7E-4AB4-9279-86A4782F4983}"/>
               </a:ext>
             </a:extLst>
           </p:cNvPr>
@@ -17292,7 +17292,7 @@
           <p:cNvPr id="2" name="图片 1">
             <a:extLst>
               <a:ext uri="{FF2B5EF4-FFF2-40B4-BE49-F238E27FC236}">
-                <a16:creationId xmlns="" xmlns:a16="http://schemas.microsoft.com/office/drawing/2014/main" id="{B1C6DB09-A408-4502-BFA6-90542E7F80A9}"/>
+                <a16:creationId xmlns:a16="http://schemas.microsoft.com/office/drawing/2014/main" xmlns="" id="{B1C6DB09-A408-4502-BFA6-90542E7F80A9}"/>
               </a:ext>
             </a:extLst>
           </p:cNvPr>
@@ -17328,7 +17328,7 @@
           <p:cNvPr id="3" name="图片 2">
             <a:extLst>
               <a:ext uri="{FF2B5EF4-FFF2-40B4-BE49-F238E27FC236}">
-                <a16:creationId xmlns="" xmlns:a16="http://schemas.microsoft.com/office/drawing/2014/main" id="{98B13D0C-3D6D-4A7C-81C2-971C2DE1C35F}"/>
+                <a16:creationId xmlns:a16="http://schemas.microsoft.com/office/drawing/2014/main" xmlns="" id="{98B13D0C-3D6D-4A7C-81C2-971C2DE1C35F}"/>
               </a:ext>
             </a:extLst>
           </p:cNvPr>
@@ -17364,7 +17364,7 @@
           <p:cNvPr id="4" name="图文框 3">
             <a:extLst>
               <a:ext uri="{FF2B5EF4-FFF2-40B4-BE49-F238E27FC236}">
-                <a16:creationId xmlns="" xmlns:a16="http://schemas.microsoft.com/office/drawing/2014/main" id="{439EF00C-294A-4DB2-9D2A-D6104D65FB8E}"/>
+                <a16:creationId xmlns:a16="http://schemas.microsoft.com/office/drawing/2014/main" xmlns="" id="{439EF00C-294A-4DB2-9D2A-D6104D65FB8E}"/>
               </a:ext>
             </a:extLst>
           </p:cNvPr>
@@ -17429,7 +17429,7 @@
           <p:cNvPr id="6" name="矩形 5">
             <a:extLst>
               <a:ext uri="{FF2B5EF4-FFF2-40B4-BE49-F238E27FC236}">
-                <a16:creationId xmlns="" xmlns:a16="http://schemas.microsoft.com/office/drawing/2014/main" id="{334628C9-EB0D-4D06-AF24-5A038FFC63D7}"/>
+                <a16:creationId xmlns:a16="http://schemas.microsoft.com/office/drawing/2014/main" xmlns="" id="{334628C9-EB0D-4D06-AF24-5A038FFC63D7}"/>
               </a:ext>
             </a:extLst>
           </p:cNvPr>
@@ -17469,7 +17469,7 @@
           <p:cNvPr id="8" name="椭圆 7">
             <a:extLst>
               <a:ext uri="{FF2B5EF4-FFF2-40B4-BE49-F238E27FC236}">
-                <a16:creationId xmlns="" xmlns:a16="http://schemas.microsoft.com/office/drawing/2014/main" id="{2D31EAC6-5633-42BD-A780-E7BE0D0484C9}"/>
+                <a16:creationId xmlns:a16="http://schemas.microsoft.com/office/drawing/2014/main" xmlns="" id="{2D31EAC6-5633-42BD-A780-E7BE0D0484C9}"/>
               </a:ext>
             </a:extLst>
           </p:cNvPr>
@@ -17524,7 +17524,7 @@
           <p:cNvPr id="9" name="文本框 8">
             <a:extLst>
               <a:ext uri="{FF2B5EF4-FFF2-40B4-BE49-F238E27FC236}">
-                <a16:creationId xmlns="" xmlns:a16="http://schemas.microsoft.com/office/drawing/2014/main" id="{B9EAD814-92A6-4346-BB5C-547799D7BDEA}"/>
+                <a16:creationId xmlns:a16="http://schemas.microsoft.com/office/drawing/2014/main" xmlns="" id="{B9EAD814-92A6-4346-BB5C-547799D7BDEA}"/>
               </a:ext>
             </a:extLst>
           </p:cNvPr>
@@ -17726,7 +17726,7 @@
           <p:cNvPr id="10" name="Shape 1458">
             <a:extLst>
               <a:ext uri="{FF2B5EF4-FFF2-40B4-BE49-F238E27FC236}">
-                <a16:creationId xmlns="" xmlns:a16="http://schemas.microsoft.com/office/drawing/2014/main" id="{C9C5B09E-BF7E-4AB4-9279-86A4782F4983}"/>
+                <a16:creationId xmlns:a16="http://schemas.microsoft.com/office/drawing/2014/main" xmlns="" id="{C9C5B09E-BF7E-4AB4-9279-86A4782F4983}"/>
               </a:ext>
             </a:extLst>
           </p:cNvPr>
@@ -17900,7 +17900,7 @@
           <p:cNvPr id="2" name="图片 1">
             <a:extLst>
               <a:ext uri="{FF2B5EF4-FFF2-40B4-BE49-F238E27FC236}">
-                <a16:creationId xmlns="" xmlns:a16="http://schemas.microsoft.com/office/drawing/2014/main" id="{B1C6DB09-A408-4502-BFA6-90542E7F80A9}"/>
+                <a16:creationId xmlns:a16="http://schemas.microsoft.com/office/drawing/2014/main" xmlns="" id="{B1C6DB09-A408-4502-BFA6-90542E7F80A9}"/>
               </a:ext>
             </a:extLst>
           </p:cNvPr>
@@ -17936,7 +17936,7 @@
           <p:cNvPr id="3" name="图片 2">
             <a:extLst>
               <a:ext uri="{FF2B5EF4-FFF2-40B4-BE49-F238E27FC236}">
-                <a16:creationId xmlns="" xmlns:a16="http://schemas.microsoft.com/office/drawing/2014/main" id="{98B13D0C-3D6D-4A7C-81C2-971C2DE1C35F}"/>
+                <a16:creationId xmlns:a16="http://schemas.microsoft.com/office/drawing/2014/main" xmlns="" id="{98B13D0C-3D6D-4A7C-81C2-971C2DE1C35F}"/>
               </a:ext>
             </a:extLst>
           </p:cNvPr>
@@ -17972,7 +17972,7 @@
           <p:cNvPr id="4" name="图文框 3">
             <a:extLst>
               <a:ext uri="{FF2B5EF4-FFF2-40B4-BE49-F238E27FC236}">
-                <a16:creationId xmlns="" xmlns:a16="http://schemas.microsoft.com/office/drawing/2014/main" id="{439EF00C-294A-4DB2-9D2A-D6104D65FB8E}"/>
+                <a16:creationId xmlns:a16="http://schemas.microsoft.com/office/drawing/2014/main" xmlns="" id="{439EF00C-294A-4DB2-9D2A-D6104D65FB8E}"/>
               </a:ext>
             </a:extLst>
           </p:cNvPr>
@@ -18037,7 +18037,7 @@
           <p:cNvPr id="6" name="矩形 5">
             <a:extLst>
               <a:ext uri="{FF2B5EF4-FFF2-40B4-BE49-F238E27FC236}">
-                <a16:creationId xmlns="" xmlns:a16="http://schemas.microsoft.com/office/drawing/2014/main" id="{334628C9-EB0D-4D06-AF24-5A038FFC63D7}"/>
+                <a16:creationId xmlns:a16="http://schemas.microsoft.com/office/drawing/2014/main" xmlns="" id="{334628C9-EB0D-4D06-AF24-5A038FFC63D7}"/>
               </a:ext>
             </a:extLst>
           </p:cNvPr>
@@ -18077,7 +18077,7 @@
           <p:cNvPr id="8" name="椭圆 7">
             <a:extLst>
               <a:ext uri="{FF2B5EF4-FFF2-40B4-BE49-F238E27FC236}">
-                <a16:creationId xmlns="" xmlns:a16="http://schemas.microsoft.com/office/drawing/2014/main" id="{2D31EAC6-5633-42BD-A780-E7BE0D0484C9}"/>
+                <a16:creationId xmlns:a16="http://schemas.microsoft.com/office/drawing/2014/main" xmlns="" id="{2D31EAC6-5633-42BD-A780-E7BE0D0484C9}"/>
               </a:ext>
             </a:extLst>
           </p:cNvPr>
@@ -18132,7 +18132,7 @@
           <p:cNvPr id="9" name="文本框 8">
             <a:extLst>
               <a:ext uri="{FF2B5EF4-FFF2-40B4-BE49-F238E27FC236}">
-                <a16:creationId xmlns="" xmlns:a16="http://schemas.microsoft.com/office/drawing/2014/main" id="{B9EAD814-92A6-4346-BB5C-547799D7BDEA}"/>
+                <a16:creationId xmlns:a16="http://schemas.microsoft.com/office/drawing/2014/main" xmlns="" id="{B9EAD814-92A6-4346-BB5C-547799D7BDEA}"/>
               </a:ext>
             </a:extLst>
           </p:cNvPr>
@@ -18280,7 +18280,7 @@
           <p:cNvPr id="10" name="Shape 1458">
             <a:extLst>
               <a:ext uri="{FF2B5EF4-FFF2-40B4-BE49-F238E27FC236}">
-                <a16:creationId xmlns="" xmlns:a16="http://schemas.microsoft.com/office/drawing/2014/main" id="{C9C5B09E-BF7E-4AB4-9279-86A4782F4983}"/>
+                <a16:creationId xmlns:a16="http://schemas.microsoft.com/office/drawing/2014/main" xmlns="" id="{C9C5B09E-BF7E-4AB4-9279-86A4782F4983}"/>
               </a:ext>
             </a:extLst>
           </p:cNvPr>
@@ -18454,7 +18454,7 @@
           <p:cNvPr id="2" name="图片 1">
             <a:extLst>
               <a:ext uri="{FF2B5EF4-FFF2-40B4-BE49-F238E27FC236}">
-                <a16:creationId xmlns="" xmlns:a16="http://schemas.microsoft.com/office/drawing/2014/main" id="{B1C6DB09-A408-4502-BFA6-90542E7F80A9}"/>
+                <a16:creationId xmlns:a16="http://schemas.microsoft.com/office/drawing/2014/main" xmlns="" id="{B1C6DB09-A408-4502-BFA6-90542E7F80A9}"/>
               </a:ext>
             </a:extLst>
           </p:cNvPr>
@@ -18490,7 +18490,7 @@
           <p:cNvPr id="3" name="图片 2">
             <a:extLst>
               <a:ext uri="{FF2B5EF4-FFF2-40B4-BE49-F238E27FC236}">
-                <a16:creationId xmlns="" xmlns:a16="http://schemas.microsoft.com/office/drawing/2014/main" id="{98B13D0C-3D6D-4A7C-81C2-971C2DE1C35F}"/>
+                <a16:creationId xmlns:a16="http://schemas.microsoft.com/office/drawing/2014/main" xmlns="" id="{98B13D0C-3D6D-4A7C-81C2-971C2DE1C35F}"/>
               </a:ext>
             </a:extLst>
           </p:cNvPr>
@@ -18526,7 +18526,7 @@
           <p:cNvPr id="4" name="图文框 3">
             <a:extLst>
               <a:ext uri="{FF2B5EF4-FFF2-40B4-BE49-F238E27FC236}">
-                <a16:creationId xmlns="" xmlns:a16="http://schemas.microsoft.com/office/drawing/2014/main" id="{439EF00C-294A-4DB2-9D2A-D6104D65FB8E}"/>
+                <a16:creationId xmlns:a16="http://schemas.microsoft.com/office/drawing/2014/main" xmlns="" id="{439EF00C-294A-4DB2-9D2A-D6104D65FB8E}"/>
               </a:ext>
             </a:extLst>
           </p:cNvPr>
@@ -18591,7 +18591,7 @@
           <p:cNvPr id="6" name="矩形 5">
             <a:extLst>
               <a:ext uri="{FF2B5EF4-FFF2-40B4-BE49-F238E27FC236}">
-                <a16:creationId xmlns="" xmlns:a16="http://schemas.microsoft.com/office/drawing/2014/main" id="{334628C9-EB0D-4D06-AF24-5A038FFC63D7}"/>
+                <a16:creationId xmlns:a16="http://schemas.microsoft.com/office/drawing/2014/main" xmlns="" id="{334628C9-EB0D-4D06-AF24-5A038FFC63D7}"/>
               </a:ext>
             </a:extLst>
           </p:cNvPr>
@@ -18631,7 +18631,7 @@
           <p:cNvPr id="8" name="椭圆 7">
             <a:extLst>
               <a:ext uri="{FF2B5EF4-FFF2-40B4-BE49-F238E27FC236}">
-                <a16:creationId xmlns="" xmlns:a16="http://schemas.microsoft.com/office/drawing/2014/main" id="{2D31EAC6-5633-42BD-A780-E7BE0D0484C9}"/>
+                <a16:creationId xmlns:a16="http://schemas.microsoft.com/office/drawing/2014/main" xmlns="" id="{2D31EAC6-5633-42BD-A780-E7BE0D0484C9}"/>
               </a:ext>
             </a:extLst>
           </p:cNvPr>
@@ -18686,7 +18686,7 @@
           <p:cNvPr id="9" name="文本框 8">
             <a:extLst>
               <a:ext uri="{FF2B5EF4-FFF2-40B4-BE49-F238E27FC236}">
-                <a16:creationId xmlns="" xmlns:a16="http://schemas.microsoft.com/office/drawing/2014/main" id="{B9EAD814-92A6-4346-BB5C-547799D7BDEA}"/>
+                <a16:creationId xmlns:a16="http://schemas.microsoft.com/office/drawing/2014/main" xmlns="" id="{B9EAD814-92A6-4346-BB5C-547799D7BDEA}"/>
               </a:ext>
             </a:extLst>
           </p:cNvPr>
@@ -18792,7 +18792,7 @@
           <p:cNvPr id="10" name="Shape 1458">
             <a:extLst>
               <a:ext uri="{FF2B5EF4-FFF2-40B4-BE49-F238E27FC236}">
-                <a16:creationId xmlns="" xmlns:a16="http://schemas.microsoft.com/office/drawing/2014/main" id="{C9C5B09E-BF7E-4AB4-9279-86A4782F4983}"/>
+                <a16:creationId xmlns:a16="http://schemas.microsoft.com/office/drawing/2014/main" xmlns="" id="{C9C5B09E-BF7E-4AB4-9279-86A4782F4983}"/>
               </a:ext>
             </a:extLst>
           </p:cNvPr>
@@ -18966,7 +18966,7 @@
           <p:cNvPr id="2" name="组合 1">
             <a:extLst>
               <a:ext uri="{FF2B5EF4-FFF2-40B4-BE49-F238E27FC236}">
-                <a16:creationId xmlns="" xmlns:a16="http://schemas.microsoft.com/office/drawing/2014/main" id="{386E4078-B000-470C-8488-9AE4B883E6B0}"/>
+                <a16:creationId xmlns:a16="http://schemas.microsoft.com/office/drawing/2014/main" xmlns="" id="{386E4078-B000-470C-8488-9AE4B883E6B0}"/>
               </a:ext>
             </a:extLst>
           </p:cNvPr>
@@ -18986,7 +18986,7 @@
             <p:cNvPr id="12" name="图片 11">
               <a:extLst>
                 <a:ext uri="{FF2B5EF4-FFF2-40B4-BE49-F238E27FC236}">
-                  <a16:creationId xmlns="" xmlns:a16="http://schemas.microsoft.com/office/drawing/2014/main" id="{1CEB3D0B-3BB0-4048-AFBA-FAA004865132}"/>
+                  <a16:creationId xmlns:a16="http://schemas.microsoft.com/office/drawing/2014/main" xmlns="" id="{1CEB3D0B-3BB0-4048-AFBA-FAA004865132}"/>
                 </a:ext>
               </a:extLst>
             </p:cNvPr>
@@ -19022,7 +19022,7 @@
             <p:cNvPr id="4" name="图文框 3">
               <a:extLst>
                 <a:ext uri="{FF2B5EF4-FFF2-40B4-BE49-F238E27FC236}">
-                  <a16:creationId xmlns="" xmlns:a16="http://schemas.microsoft.com/office/drawing/2014/main" id="{B3D3FBCC-1DBC-4AD3-BD22-E2A849DA6970}"/>
+                  <a16:creationId xmlns:a16="http://schemas.microsoft.com/office/drawing/2014/main" xmlns="" id="{B3D3FBCC-1DBC-4AD3-BD22-E2A849DA6970}"/>
                 </a:ext>
               </a:extLst>
             </p:cNvPr>
@@ -19087,7 +19087,7 @@
             <p:cNvPr id="13" name="文本框 12">
               <a:extLst>
                 <a:ext uri="{FF2B5EF4-FFF2-40B4-BE49-F238E27FC236}">
-                  <a16:creationId xmlns="" xmlns:a16="http://schemas.microsoft.com/office/drawing/2014/main" id="{DDD306D5-6972-42D8-AB45-FBC6F1006BAD}"/>
+                  <a16:creationId xmlns:a16="http://schemas.microsoft.com/office/drawing/2014/main" xmlns="" id="{DDD306D5-6972-42D8-AB45-FBC6F1006BAD}"/>
                 </a:ext>
               </a:extLst>
             </p:cNvPr>
@@ -19136,7 +19136,7 @@
           <p:cNvPr id="14" name="组合 13">
             <a:extLst>
               <a:ext uri="{FF2B5EF4-FFF2-40B4-BE49-F238E27FC236}">
-                <a16:creationId xmlns="" xmlns:a16="http://schemas.microsoft.com/office/drawing/2014/main" id="{806EE9DE-80D7-490B-A802-3B2B74494200}"/>
+                <a16:creationId xmlns:a16="http://schemas.microsoft.com/office/drawing/2014/main" xmlns="" id="{806EE9DE-80D7-490B-A802-3B2B74494200}"/>
               </a:ext>
             </a:extLst>
           </p:cNvPr>
@@ -19156,7 +19156,7 @@
             <p:cNvPr id="15" name="矩形 14">
               <a:extLst>
                 <a:ext uri="{FF2B5EF4-FFF2-40B4-BE49-F238E27FC236}">
-                  <a16:creationId xmlns="" xmlns:a16="http://schemas.microsoft.com/office/drawing/2014/main" id="{24408D9D-9119-4C28-848A-A9EDF772D66F}"/>
+                  <a16:creationId xmlns:a16="http://schemas.microsoft.com/office/drawing/2014/main" xmlns="" id="{24408D9D-9119-4C28-848A-A9EDF772D66F}"/>
                 </a:ext>
               </a:extLst>
             </p:cNvPr>
@@ -19220,7 +19220,7 @@
             <p:cNvPr id="16" name="文本框 15">
               <a:extLst>
                 <a:ext uri="{FF2B5EF4-FFF2-40B4-BE49-F238E27FC236}">
-                  <a16:creationId xmlns="" xmlns:a16="http://schemas.microsoft.com/office/drawing/2014/main" id="{BA745D5C-F858-48FC-B079-3255485275C4}"/>
+                  <a16:creationId xmlns:a16="http://schemas.microsoft.com/office/drawing/2014/main" xmlns="" id="{BA745D5C-F858-48FC-B079-3255485275C4}"/>
                 </a:ext>
               </a:extLst>
             </p:cNvPr>
@@ -19487,7 +19487,7 @@
           <p:cNvPr id="2" name="图片 1">
             <a:extLst>
               <a:ext uri="{FF2B5EF4-FFF2-40B4-BE49-F238E27FC236}">
-                <a16:creationId xmlns="" xmlns:a16="http://schemas.microsoft.com/office/drawing/2014/main" id="{B1C6DB09-A408-4502-BFA6-90542E7F80A9}"/>
+                <a16:creationId xmlns:a16="http://schemas.microsoft.com/office/drawing/2014/main" xmlns="" id="{B1C6DB09-A408-4502-BFA6-90542E7F80A9}"/>
               </a:ext>
             </a:extLst>
           </p:cNvPr>
@@ -19523,7 +19523,7 @@
           <p:cNvPr id="3" name="图片 2">
             <a:extLst>
               <a:ext uri="{FF2B5EF4-FFF2-40B4-BE49-F238E27FC236}">
-                <a16:creationId xmlns="" xmlns:a16="http://schemas.microsoft.com/office/drawing/2014/main" id="{98B13D0C-3D6D-4A7C-81C2-971C2DE1C35F}"/>
+                <a16:creationId xmlns:a16="http://schemas.microsoft.com/office/drawing/2014/main" xmlns="" id="{98B13D0C-3D6D-4A7C-81C2-971C2DE1C35F}"/>
               </a:ext>
             </a:extLst>
           </p:cNvPr>
@@ -19559,7 +19559,7 @@
           <p:cNvPr id="4" name="图文框 3">
             <a:extLst>
               <a:ext uri="{FF2B5EF4-FFF2-40B4-BE49-F238E27FC236}">
-                <a16:creationId xmlns="" xmlns:a16="http://schemas.microsoft.com/office/drawing/2014/main" id="{439EF00C-294A-4DB2-9D2A-D6104D65FB8E}"/>
+                <a16:creationId xmlns:a16="http://schemas.microsoft.com/office/drawing/2014/main" xmlns="" id="{439EF00C-294A-4DB2-9D2A-D6104D65FB8E}"/>
               </a:ext>
             </a:extLst>
           </p:cNvPr>
@@ -19624,7 +19624,7 @@
           <p:cNvPr id="6" name="矩形 5">
             <a:extLst>
               <a:ext uri="{FF2B5EF4-FFF2-40B4-BE49-F238E27FC236}">
-                <a16:creationId xmlns="" xmlns:a16="http://schemas.microsoft.com/office/drawing/2014/main" id="{334628C9-EB0D-4D06-AF24-5A038FFC63D7}"/>
+                <a16:creationId xmlns:a16="http://schemas.microsoft.com/office/drawing/2014/main" xmlns="" id="{334628C9-EB0D-4D06-AF24-5A038FFC63D7}"/>
               </a:ext>
             </a:extLst>
           </p:cNvPr>
@@ -19710,7 +19710,7 @@
           <p:cNvPr id="8" name="椭圆 7">
             <a:extLst>
               <a:ext uri="{FF2B5EF4-FFF2-40B4-BE49-F238E27FC236}">
-                <a16:creationId xmlns="" xmlns:a16="http://schemas.microsoft.com/office/drawing/2014/main" id="{2D31EAC6-5633-42BD-A780-E7BE0D0484C9}"/>
+                <a16:creationId xmlns:a16="http://schemas.microsoft.com/office/drawing/2014/main" xmlns="" id="{2D31EAC6-5633-42BD-A780-E7BE0D0484C9}"/>
               </a:ext>
             </a:extLst>
           </p:cNvPr>
@@ -19765,7 +19765,7 @@
           <p:cNvPr id="9" name="文本框 8">
             <a:extLst>
               <a:ext uri="{FF2B5EF4-FFF2-40B4-BE49-F238E27FC236}">
-                <a16:creationId xmlns="" xmlns:a16="http://schemas.microsoft.com/office/drawing/2014/main" id="{B9EAD814-92A6-4346-BB5C-547799D7BDEA}"/>
+                <a16:creationId xmlns:a16="http://schemas.microsoft.com/office/drawing/2014/main" xmlns="" id="{B9EAD814-92A6-4346-BB5C-547799D7BDEA}"/>
               </a:ext>
             </a:extLst>
           </p:cNvPr>
@@ -19953,7 +19953,7 @@
           <p:cNvPr id="27" name="Shape 1458">
             <a:extLst>
               <a:ext uri="{FF2B5EF4-FFF2-40B4-BE49-F238E27FC236}">
-                <a16:creationId xmlns="" xmlns:a16="http://schemas.microsoft.com/office/drawing/2014/main" id="{C9C5B09E-BF7E-4AB4-9279-86A4782F4983}"/>
+                <a16:creationId xmlns:a16="http://schemas.microsoft.com/office/drawing/2014/main" xmlns="" id="{C9C5B09E-BF7E-4AB4-9279-86A4782F4983}"/>
               </a:ext>
             </a:extLst>
           </p:cNvPr>
@@ -20127,7 +20127,7 @@
           <p:cNvPr id="2" name="图片 1">
             <a:extLst>
               <a:ext uri="{FF2B5EF4-FFF2-40B4-BE49-F238E27FC236}">
-                <a16:creationId xmlns="" xmlns:a16="http://schemas.microsoft.com/office/drawing/2014/main" id="{B1C6DB09-A408-4502-BFA6-90542E7F80A9}"/>
+                <a16:creationId xmlns:a16="http://schemas.microsoft.com/office/drawing/2014/main" xmlns="" id="{B1C6DB09-A408-4502-BFA6-90542E7F80A9}"/>
               </a:ext>
             </a:extLst>
           </p:cNvPr>
@@ -20163,7 +20163,7 @@
           <p:cNvPr id="3" name="图片 2">
             <a:extLst>
               <a:ext uri="{FF2B5EF4-FFF2-40B4-BE49-F238E27FC236}">
-                <a16:creationId xmlns="" xmlns:a16="http://schemas.microsoft.com/office/drawing/2014/main" id="{98B13D0C-3D6D-4A7C-81C2-971C2DE1C35F}"/>
+                <a16:creationId xmlns:a16="http://schemas.microsoft.com/office/drawing/2014/main" xmlns="" id="{98B13D0C-3D6D-4A7C-81C2-971C2DE1C35F}"/>
               </a:ext>
             </a:extLst>
           </p:cNvPr>
@@ -20199,7 +20199,7 @@
           <p:cNvPr id="4" name="图文框 3">
             <a:extLst>
               <a:ext uri="{FF2B5EF4-FFF2-40B4-BE49-F238E27FC236}">
-                <a16:creationId xmlns="" xmlns:a16="http://schemas.microsoft.com/office/drawing/2014/main" id="{439EF00C-294A-4DB2-9D2A-D6104D65FB8E}"/>
+                <a16:creationId xmlns:a16="http://schemas.microsoft.com/office/drawing/2014/main" xmlns="" id="{439EF00C-294A-4DB2-9D2A-D6104D65FB8E}"/>
               </a:ext>
             </a:extLst>
           </p:cNvPr>
@@ -20264,7 +20264,7 @@
           <p:cNvPr id="6" name="矩形 5">
             <a:extLst>
               <a:ext uri="{FF2B5EF4-FFF2-40B4-BE49-F238E27FC236}">
-                <a16:creationId xmlns="" xmlns:a16="http://schemas.microsoft.com/office/drawing/2014/main" id="{334628C9-EB0D-4D06-AF24-5A038FFC63D7}"/>
+                <a16:creationId xmlns:a16="http://schemas.microsoft.com/office/drawing/2014/main" xmlns="" id="{334628C9-EB0D-4D06-AF24-5A038FFC63D7}"/>
               </a:ext>
             </a:extLst>
           </p:cNvPr>
@@ -20305,7 +20305,7 @@
           <p:cNvPr id="8" name="椭圆 7">
             <a:extLst>
               <a:ext uri="{FF2B5EF4-FFF2-40B4-BE49-F238E27FC236}">
-                <a16:creationId xmlns="" xmlns:a16="http://schemas.microsoft.com/office/drawing/2014/main" id="{2D31EAC6-5633-42BD-A780-E7BE0D0484C9}"/>
+                <a16:creationId xmlns:a16="http://schemas.microsoft.com/office/drawing/2014/main" xmlns="" id="{2D31EAC6-5633-42BD-A780-E7BE0D0484C9}"/>
               </a:ext>
             </a:extLst>
           </p:cNvPr>
@@ -20360,7 +20360,7 @@
           <p:cNvPr id="9" name="文本框 8">
             <a:extLst>
               <a:ext uri="{FF2B5EF4-FFF2-40B4-BE49-F238E27FC236}">
-                <a16:creationId xmlns="" xmlns:a16="http://schemas.microsoft.com/office/drawing/2014/main" id="{B9EAD814-92A6-4346-BB5C-547799D7BDEA}"/>
+                <a16:creationId xmlns:a16="http://schemas.microsoft.com/office/drawing/2014/main" xmlns="" id="{B9EAD814-92A6-4346-BB5C-547799D7BDEA}"/>
               </a:ext>
             </a:extLst>
           </p:cNvPr>
@@ -20408,7 +20408,7 @@
           <p:cNvPr id="10" name="Shape 1458">
             <a:extLst>
               <a:ext uri="{FF2B5EF4-FFF2-40B4-BE49-F238E27FC236}">
-                <a16:creationId xmlns="" xmlns:a16="http://schemas.microsoft.com/office/drawing/2014/main" id="{C9C5B09E-BF7E-4AB4-9279-86A4782F4983}"/>
+                <a16:creationId xmlns:a16="http://schemas.microsoft.com/office/drawing/2014/main" xmlns="" id="{C9C5B09E-BF7E-4AB4-9279-86A4782F4983}"/>
               </a:ext>
             </a:extLst>
           </p:cNvPr>
@@ -20608,7 +20608,7 @@
           <p:cNvPr id="2" name="图片 1">
             <a:extLst>
               <a:ext uri="{FF2B5EF4-FFF2-40B4-BE49-F238E27FC236}">
-                <a16:creationId xmlns="" xmlns:a16="http://schemas.microsoft.com/office/drawing/2014/main" id="{B1C6DB09-A408-4502-BFA6-90542E7F80A9}"/>
+                <a16:creationId xmlns:a16="http://schemas.microsoft.com/office/drawing/2014/main" xmlns="" id="{B1C6DB09-A408-4502-BFA6-90542E7F80A9}"/>
               </a:ext>
             </a:extLst>
           </p:cNvPr>
@@ -20644,7 +20644,7 @@
           <p:cNvPr id="3" name="图片 2">
             <a:extLst>
               <a:ext uri="{FF2B5EF4-FFF2-40B4-BE49-F238E27FC236}">
-                <a16:creationId xmlns="" xmlns:a16="http://schemas.microsoft.com/office/drawing/2014/main" id="{98B13D0C-3D6D-4A7C-81C2-971C2DE1C35F}"/>
+                <a16:creationId xmlns:a16="http://schemas.microsoft.com/office/drawing/2014/main" xmlns="" id="{98B13D0C-3D6D-4A7C-81C2-971C2DE1C35F}"/>
               </a:ext>
             </a:extLst>
           </p:cNvPr>
@@ -20680,7 +20680,7 @@
           <p:cNvPr id="4" name="图文框 3">
             <a:extLst>
               <a:ext uri="{FF2B5EF4-FFF2-40B4-BE49-F238E27FC236}">
-                <a16:creationId xmlns="" xmlns:a16="http://schemas.microsoft.com/office/drawing/2014/main" id="{439EF00C-294A-4DB2-9D2A-D6104D65FB8E}"/>
+                <a16:creationId xmlns:a16="http://schemas.microsoft.com/office/drawing/2014/main" xmlns="" id="{439EF00C-294A-4DB2-9D2A-D6104D65FB8E}"/>
               </a:ext>
             </a:extLst>
           </p:cNvPr>
@@ -20745,7 +20745,7 @@
           <p:cNvPr id="6" name="矩形 5">
             <a:extLst>
               <a:ext uri="{FF2B5EF4-FFF2-40B4-BE49-F238E27FC236}">
-                <a16:creationId xmlns="" xmlns:a16="http://schemas.microsoft.com/office/drawing/2014/main" id="{334628C9-EB0D-4D06-AF24-5A038FFC63D7}"/>
+                <a16:creationId xmlns:a16="http://schemas.microsoft.com/office/drawing/2014/main" xmlns="" id="{334628C9-EB0D-4D06-AF24-5A038FFC63D7}"/>
               </a:ext>
             </a:extLst>
           </p:cNvPr>
@@ -20786,7 +20786,7 @@
           <p:cNvPr id="8" name="椭圆 7">
             <a:extLst>
               <a:ext uri="{FF2B5EF4-FFF2-40B4-BE49-F238E27FC236}">
-                <a16:creationId xmlns="" xmlns:a16="http://schemas.microsoft.com/office/drawing/2014/main" id="{2D31EAC6-5633-42BD-A780-E7BE0D0484C9}"/>
+                <a16:creationId xmlns:a16="http://schemas.microsoft.com/office/drawing/2014/main" xmlns="" id="{2D31EAC6-5633-42BD-A780-E7BE0D0484C9}"/>
               </a:ext>
             </a:extLst>
           </p:cNvPr>
@@ -20841,7 +20841,7 @@
           <p:cNvPr id="9" name="文本框 8">
             <a:extLst>
               <a:ext uri="{FF2B5EF4-FFF2-40B4-BE49-F238E27FC236}">
-                <a16:creationId xmlns="" xmlns:a16="http://schemas.microsoft.com/office/drawing/2014/main" id="{B9EAD814-92A6-4346-BB5C-547799D7BDEA}"/>
+                <a16:creationId xmlns:a16="http://schemas.microsoft.com/office/drawing/2014/main" xmlns="" id="{B9EAD814-92A6-4346-BB5C-547799D7BDEA}"/>
               </a:ext>
             </a:extLst>
           </p:cNvPr>
@@ -20889,7 +20889,7 @@
           <p:cNvPr id="10" name="Shape 1458">
             <a:extLst>
               <a:ext uri="{FF2B5EF4-FFF2-40B4-BE49-F238E27FC236}">
-                <a16:creationId xmlns="" xmlns:a16="http://schemas.microsoft.com/office/drawing/2014/main" id="{C9C5B09E-BF7E-4AB4-9279-86A4782F4983}"/>
+                <a16:creationId xmlns:a16="http://schemas.microsoft.com/office/drawing/2014/main" xmlns="" id="{C9C5B09E-BF7E-4AB4-9279-86A4782F4983}"/>
               </a:ext>
             </a:extLst>
           </p:cNvPr>
@@ -22741,7 +22741,7 @@
           <p:cNvPr id="2" name="图片 1">
             <a:extLst>
               <a:ext uri="{FF2B5EF4-FFF2-40B4-BE49-F238E27FC236}">
-                <a16:creationId xmlns="" xmlns:a16="http://schemas.microsoft.com/office/drawing/2014/main" id="{B1C6DB09-A408-4502-BFA6-90542E7F80A9}"/>
+                <a16:creationId xmlns:a16="http://schemas.microsoft.com/office/drawing/2014/main" xmlns="" id="{B1C6DB09-A408-4502-BFA6-90542E7F80A9}"/>
               </a:ext>
             </a:extLst>
           </p:cNvPr>
@@ -22777,7 +22777,7 @@
           <p:cNvPr id="3" name="图片 2">
             <a:extLst>
               <a:ext uri="{FF2B5EF4-FFF2-40B4-BE49-F238E27FC236}">
-                <a16:creationId xmlns="" xmlns:a16="http://schemas.microsoft.com/office/drawing/2014/main" id="{98B13D0C-3D6D-4A7C-81C2-971C2DE1C35F}"/>
+                <a16:creationId xmlns:a16="http://schemas.microsoft.com/office/drawing/2014/main" xmlns="" id="{98B13D0C-3D6D-4A7C-81C2-971C2DE1C35F}"/>
               </a:ext>
             </a:extLst>
           </p:cNvPr>
@@ -22813,7 +22813,7 @@
           <p:cNvPr id="4" name="图文框 3">
             <a:extLst>
               <a:ext uri="{FF2B5EF4-FFF2-40B4-BE49-F238E27FC236}">
-                <a16:creationId xmlns="" xmlns:a16="http://schemas.microsoft.com/office/drawing/2014/main" id="{439EF00C-294A-4DB2-9D2A-D6104D65FB8E}"/>
+                <a16:creationId xmlns:a16="http://schemas.microsoft.com/office/drawing/2014/main" xmlns="" id="{439EF00C-294A-4DB2-9D2A-D6104D65FB8E}"/>
               </a:ext>
             </a:extLst>
           </p:cNvPr>
@@ -22878,7 +22878,7 @@
           <p:cNvPr id="6" name="矩形 5">
             <a:extLst>
               <a:ext uri="{FF2B5EF4-FFF2-40B4-BE49-F238E27FC236}">
-                <a16:creationId xmlns="" xmlns:a16="http://schemas.microsoft.com/office/drawing/2014/main" id="{334628C9-EB0D-4D06-AF24-5A038FFC63D7}"/>
+                <a16:creationId xmlns:a16="http://schemas.microsoft.com/office/drawing/2014/main" xmlns="" id="{334628C9-EB0D-4D06-AF24-5A038FFC63D7}"/>
               </a:ext>
             </a:extLst>
           </p:cNvPr>
@@ -22919,7 +22919,7 @@
           <p:cNvPr id="8" name="椭圆 7">
             <a:extLst>
               <a:ext uri="{FF2B5EF4-FFF2-40B4-BE49-F238E27FC236}">
-                <a16:creationId xmlns="" xmlns:a16="http://schemas.microsoft.com/office/drawing/2014/main" id="{2D31EAC6-5633-42BD-A780-E7BE0D0484C9}"/>
+                <a16:creationId xmlns:a16="http://schemas.microsoft.com/office/drawing/2014/main" xmlns="" id="{2D31EAC6-5633-42BD-A780-E7BE0D0484C9}"/>
               </a:ext>
             </a:extLst>
           </p:cNvPr>
@@ -22974,7 +22974,7 @@
           <p:cNvPr id="9" name="文本框 8">
             <a:extLst>
               <a:ext uri="{FF2B5EF4-FFF2-40B4-BE49-F238E27FC236}">
-                <a16:creationId xmlns="" xmlns:a16="http://schemas.microsoft.com/office/drawing/2014/main" id="{B9EAD814-92A6-4346-BB5C-547799D7BDEA}"/>
+                <a16:creationId xmlns:a16="http://schemas.microsoft.com/office/drawing/2014/main" xmlns="" id="{B9EAD814-92A6-4346-BB5C-547799D7BDEA}"/>
               </a:ext>
             </a:extLst>
           </p:cNvPr>
@@ -23022,7 +23022,7 @@
           <p:cNvPr id="10" name="Shape 1458">
             <a:extLst>
               <a:ext uri="{FF2B5EF4-FFF2-40B4-BE49-F238E27FC236}">
-                <a16:creationId xmlns="" xmlns:a16="http://schemas.microsoft.com/office/drawing/2014/main" id="{C9C5B09E-BF7E-4AB4-9279-86A4782F4983}"/>
+                <a16:creationId xmlns:a16="http://schemas.microsoft.com/office/drawing/2014/main" xmlns="" id="{C9C5B09E-BF7E-4AB4-9279-86A4782F4983}"/>
               </a:ext>
             </a:extLst>
           </p:cNvPr>
@@ -25421,7 +25421,7 @@
           <p:cNvPr id="2" name="图片 1">
             <a:extLst>
               <a:ext uri="{FF2B5EF4-FFF2-40B4-BE49-F238E27FC236}">
-                <a16:creationId xmlns="" xmlns:a16="http://schemas.microsoft.com/office/drawing/2014/main" id="{B1C6DB09-A408-4502-BFA6-90542E7F80A9}"/>
+                <a16:creationId xmlns:a16="http://schemas.microsoft.com/office/drawing/2014/main" xmlns="" id="{B1C6DB09-A408-4502-BFA6-90542E7F80A9}"/>
               </a:ext>
             </a:extLst>
           </p:cNvPr>
@@ -25457,7 +25457,7 @@
           <p:cNvPr id="3" name="图片 2">
             <a:extLst>
               <a:ext uri="{FF2B5EF4-FFF2-40B4-BE49-F238E27FC236}">
-                <a16:creationId xmlns="" xmlns:a16="http://schemas.microsoft.com/office/drawing/2014/main" id="{98B13D0C-3D6D-4A7C-81C2-971C2DE1C35F}"/>
+                <a16:creationId xmlns:a16="http://schemas.microsoft.com/office/drawing/2014/main" xmlns="" id="{98B13D0C-3D6D-4A7C-81C2-971C2DE1C35F}"/>
               </a:ext>
             </a:extLst>
           </p:cNvPr>
@@ -25493,7 +25493,7 @@
           <p:cNvPr id="4" name="图文框 3">
             <a:extLst>
               <a:ext uri="{FF2B5EF4-FFF2-40B4-BE49-F238E27FC236}">
-                <a16:creationId xmlns="" xmlns:a16="http://schemas.microsoft.com/office/drawing/2014/main" id="{439EF00C-294A-4DB2-9D2A-D6104D65FB8E}"/>
+                <a16:creationId xmlns:a16="http://schemas.microsoft.com/office/drawing/2014/main" xmlns="" id="{439EF00C-294A-4DB2-9D2A-D6104D65FB8E}"/>
               </a:ext>
             </a:extLst>
           </p:cNvPr>
@@ -25558,7 +25558,7 @@
           <p:cNvPr id="6" name="矩形 5">
             <a:extLst>
               <a:ext uri="{FF2B5EF4-FFF2-40B4-BE49-F238E27FC236}">
-                <a16:creationId xmlns="" xmlns:a16="http://schemas.microsoft.com/office/drawing/2014/main" id="{334628C9-EB0D-4D06-AF24-5A038FFC63D7}"/>
+                <a16:creationId xmlns:a16="http://schemas.microsoft.com/office/drawing/2014/main" xmlns="" id="{334628C9-EB0D-4D06-AF24-5A038FFC63D7}"/>
               </a:ext>
             </a:extLst>
           </p:cNvPr>
@@ -25599,7 +25599,7 @@
           <p:cNvPr id="8" name="椭圆 7">
             <a:extLst>
               <a:ext uri="{FF2B5EF4-FFF2-40B4-BE49-F238E27FC236}">
-                <a16:creationId xmlns="" xmlns:a16="http://schemas.microsoft.com/office/drawing/2014/main" id="{2D31EAC6-5633-42BD-A780-E7BE0D0484C9}"/>
+                <a16:creationId xmlns:a16="http://schemas.microsoft.com/office/drawing/2014/main" xmlns="" id="{2D31EAC6-5633-42BD-A780-E7BE0D0484C9}"/>
               </a:ext>
             </a:extLst>
           </p:cNvPr>
@@ -25654,7 +25654,7 @@
           <p:cNvPr id="9" name="文本框 8">
             <a:extLst>
               <a:ext uri="{FF2B5EF4-FFF2-40B4-BE49-F238E27FC236}">
-                <a16:creationId xmlns="" xmlns:a16="http://schemas.microsoft.com/office/drawing/2014/main" id="{B9EAD814-92A6-4346-BB5C-547799D7BDEA}"/>
+                <a16:creationId xmlns:a16="http://schemas.microsoft.com/office/drawing/2014/main" xmlns="" id="{B9EAD814-92A6-4346-BB5C-547799D7BDEA}"/>
               </a:ext>
             </a:extLst>
           </p:cNvPr>
@@ -25702,7 +25702,7 @@
           <p:cNvPr id="10" name="Shape 1458">
             <a:extLst>
               <a:ext uri="{FF2B5EF4-FFF2-40B4-BE49-F238E27FC236}">
-                <a16:creationId xmlns="" xmlns:a16="http://schemas.microsoft.com/office/drawing/2014/main" id="{C9C5B09E-BF7E-4AB4-9279-86A4782F4983}"/>
+                <a16:creationId xmlns:a16="http://schemas.microsoft.com/office/drawing/2014/main" xmlns="" id="{C9C5B09E-BF7E-4AB4-9279-86A4782F4983}"/>
               </a:ext>
             </a:extLst>
           </p:cNvPr>
@@ -27640,7 +27640,7 @@
           <p:cNvPr id="2" name="组合 1">
             <a:extLst>
               <a:ext uri="{FF2B5EF4-FFF2-40B4-BE49-F238E27FC236}">
-                <a16:creationId xmlns="" xmlns:a16="http://schemas.microsoft.com/office/drawing/2014/main" id="{386E4078-B000-470C-8488-9AE4B883E6B0}"/>
+                <a16:creationId xmlns:a16="http://schemas.microsoft.com/office/drawing/2014/main" xmlns="" id="{386E4078-B000-470C-8488-9AE4B883E6B0}"/>
               </a:ext>
             </a:extLst>
           </p:cNvPr>
@@ -27660,7 +27660,7 @@
             <p:cNvPr id="12" name="图片 11">
               <a:extLst>
                 <a:ext uri="{FF2B5EF4-FFF2-40B4-BE49-F238E27FC236}">
-                  <a16:creationId xmlns="" xmlns:a16="http://schemas.microsoft.com/office/drawing/2014/main" id="{1CEB3D0B-3BB0-4048-AFBA-FAA004865132}"/>
+                  <a16:creationId xmlns:a16="http://schemas.microsoft.com/office/drawing/2014/main" xmlns="" id="{1CEB3D0B-3BB0-4048-AFBA-FAA004865132}"/>
                 </a:ext>
               </a:extLst>
             </p:cNvPr>
@@ -27696,7 +27696,7 @@
             <p:cNvPr id="4" name="图文框 3">
               <a:extLst>
                 <a:ext uri="{FF2B5EF4-FFF2-40B4-BE49-F238E27FC236}">
-                  <a16:creationId xmlns="" xmlns:a16="http://schemas.microsoft.com/office/drawing/2014/main" id="{B3D3FBCC-1DBC-4AD3-BD22-E2A849DA6970}"/>
+                  <a16:creationId xmlns:a16="http://schemas.microsoft.com/office/drawing/2014/main" xmlns="" id="{B3D3FBCC-1DBC-4AD3-BD22-E2A849DA6970}"/>
                 </a:ext>
               </a:extLst>
             </p:cNvPr>
@@ -27761,7 +27761,7 @@
             <p:cNvPr id="13" name="文本框 12">
               <a:extLst>
                 <a:ext uri="{FF2B5EF4-FFF2-40B4-BE49-F238E27FC236}">
-                  <a16:creationId xmlns="" xmlns:a16="http://schemas.microsoft.com/office/drawing/2014/main" id="{DDD306D5-6972-42D8-AB45-FBC6F1006BAD}"/>
+                  <a16:creationId xmlns:a16="http://schemas.microsoft.com/office/drawing/2014/main" xmlns="" id="{DDD306D5-6972-42D8-AB45-FBC6F1006BAD}"/>
                 </a:ext>
               </a:extLst>
             </p:cNvPr>
@@ -27810,7 +27810,7 @@
           <p:cNvPr id="14" name="组合 13">
             <a:extLst>
               <a:ext uri="{FF2B5EF4-FFF2-40B4-BE49-F238E27FC236}">
-                <a16:creationId xmlns="" xmlns:a16="http://schemas.microsoft.com/office/drawing/2014/main" id="{806EE9DE-80D7-490B-A802-3B2B74494200}"/>
+                <a16:creationId xmlns:a16="http://schemas.microsoft.com/office/drawing/2014/main" xmlns="" id="{806EE9DE-80D7-490B-A802-3B2B74494200}"/>
               </a:ext>
             </a:extLst>
           </p:cNvPr>
@@ -27830,7 +27830,7 @@
             <p:cNvPr id="15" name="矩形 14">
               <a:extLst>
                 <a:ext uri="{FF2B5EF4-FFF2-40B4-BE49-F238E27FC236}">
-                  <a16:creationId xmlns="" xmlns:a16="http://schemas.microsoft.com/office/drawing/2014/main" id="{24408D9D-9119-4C28-848A-A9EDF772D66F}"/>
+                  <a16:creationId xmlns:a16="http://schemas.microsoft.com/office/drawing/2014/main" xmlns="" id="{24408D9D-9119-4C28-848A-A9EDF772D66F}"/>
                 </a:ext>
               </a:extLst>
             </p:cNvPr>
@@ -27884,7 +27884,7 @@
             <p:cNvPr id="16" name="文本框 15">
               <a:extLst>
                 <a:ext uri="{FF2B5EF4-FFF2-40B4-BE49-F238E27FC236}">
-                  <a16:creationId xmlns="" xmlns:a16="http://schemas.microsoft.com/office/drawing/2014/main" id="{BA745D5C-F858-48FC-B079-3255485275C4}"/>
+                  <a16:creationId xmlns:a16="http://schemas.microsoft.com/office/drawing/2014/main" xmlns="" id="{BA745D5C-F858-48FC-B079-3255485275C4}"/>
                 </a:ext>
               </a:extLst>
             </p:cNvPr>
@@ -28156,7 +28156,7 @@
           <p:cNvPr id="2" name="图片 1">
             <a:extLst>
               <a:ext uri="{FF2B5EF4-FFF2-40B4-BE49-F238E27FC236}">
-                <a16:creationId xmlns="" xmlns:a16="http://schemas.microsoft.com/office/drawing/2014/main" id="{B1C6DB09-A408-4502-BFA6-90542E7F80A9}"/>
+                <a16:creationId xmlns:a16="http://schemas.microsoft.com/office/drawing/2014/main" xmlns="" id="{B1C6DB09-A408-4502-BFA6-90542E7F80A9}"/>
               </a:ext>
             </a:extLst>
           </p:cNvPr>
@@ -28192,7 +28192,7 @@
           <p:cNvPr id="3" name="图片 2">
             <a:extLst>
               <a:ext uri="{FF2B5EF4-FFF2-40B4-BE49-F238E27FC236}">
-                <a16:creationId xmlns="" xmlns:a16="http://schemas.microsoft.com/office/drawing/2014/main" id="{98B13D0C-3D6D-4A7C-81C2-971C2DE1C35F}"/>
+                <a16:creationId xmlns:a16="http://schemas.microsoft.com/office/drawing/2014/main" xmlns="" id="{98B13D0C-3D6D-4A7C-81C2-971C2DE1C35F}"/>
               </a:ext>
             </a:extLst>
           </p:cNvPr>
@@ -28228,7 +28228,7 @@
           <p:cNvPr id="4" name="图文框 3">
             <a:extLst>
               <a:ext uri="{FF2B5EF4-FFF2-40B4-BE49-F238E27FC236}">
-                <a16:creationId xmlns="" xmlns:a16="http://schemas.microsoft.com/office/drawing/2014/main" id="{439EF00C-294A-4DB2-9D2A-D6104D65FB8E}"/>
+                <a16:creationId xmlns:a16="http://schemas.microsoft.com/office/drawing/2014/main" xmlns="" id="{439EF00C-294A-4DB2-9D2A-D6104D65FB8E}"/>
               </a:ext>
             </a:extLst>
           </p:cNvPr>
@@ -28293,7 +28293,7 @@
           <p:cNvPr id="6" name="矩形 5">
             <a:extLst>
               <a:ext uri="{FF2B5EF4-FFF2-40B4-BE49-F238E27FC236}">
-                <a16:creationId xmlns="" xmlns:a16="http://schemas.microsoft.com/office/drawing/2014/main" id="{334628C9-EB0D-4D06-AF24-5A038FFC63D7}"/>
+                <a16:creationId xmlns:a16="http://schemas.microsoft.com/office/drawing/2014/main" xmlns="" id="{334628C9-EB0D-4D06-AF24-5A038FFC63D7}"/>
               </a:ext>
             </a:extLst>
           </p:cNvPr>
@@ -28334,7 +28334,7 @@
           <p:cNvPr id="8" name="椭圆 7">
             <a:extLst>
               <a:ext uri="{FF2B5EF4-FFF2-40B4-BE49-F238E27FC236}">
-                <a16:creationId xmlns="" xmlns:a16="http://schemas.microsoft.com/office/drawing/2014/main" id="{2D31EAC6-5633-42BD-A780-E7BE0D0484C9}"/>
+                <a16:creationId xmlns:a16="http://schemas.microsoft.com/office/drawing/2014/main" xmlns="" id="{2D31EAC6-5633-42BD-A780-E7BE0D0484C9}"/>
               </a:ext>
             </a:extLst>
           </p:cNvPr>
@@ -28389,7 +28389,7 @@
           <p:cNvPr id="9" name="文本框 8">
             <a:extLst>
               <a:ext uri="{FF2B5EF4-FFF2-40B4-BE49-F238E27FC236}">
-                <a16:creationId xmlns="" xmlns:a16="http://schemas.microsoft.com/office/drawing/2014/main" id="{B9EAD814-92A6-4346-BB5C-547799D7BDEA}"/>
+                <a16:creationId xmlns:a16="http://schemas.microsoft.com/office/drawing/2014/main" xmlns="" id="{B9EAD814-92A6-4346-BB5C-547799D7BDEA}"/>
               </a:ext>
             </a:extLst>
           </p:cNvPr>
@@ -28437,7 +28437,7 @@
           <p:cNvPr id="10" name="Shape 1458">
             <a:extLst>
               <a:ext uri="{FF2B5EF4-FFF2-40B4-BE49-F238E27FC236}">
-                <a16:creationId xmlns="" xmlns:a16="http://schemas.microsoft.com/office/drawing/2014/main" id="{C9C5B09E-BF7E-4AB4-9279-86A4782F4983}"/>
+                <a16:creationId xmlns:a16="http://schemas.microsoft.com/office/drawing/2014/main" xmlns="" id="{C9C5B09E-BF7E-4AB4-9279-86A4782F4983}"/>
               </a:ext>
             </a:extLst>
           </p:cNvPr>
@@ -30695,7 +30695,7 @@
           <p:cNvPr id="2" name="图片 1">
             <a:extLst>
               <a:ext uri="{FF2B5EF4-FFF2-40B4-BE49-F238E27FC236}">
-                <a16:creationId xmlns="" xmlns:a16="http://schemas.microsoft.com/office/drawing/2014/main" id="{B1C6DB09-A408-4502-BFA6-90542E7F80A9}"/>
+                <a16:creationId xmlns:a16="http://schemas.microsoft.com/office/drawing/2014/main" xmlns="" id="{B1C6DB09-A408-4502-BFA6-90542E7F80A9}"/>
               </a:ext>
             </a:extLst>
           </p:cNvPr>
@@ -30731,7 +30731,7 @@
           <p:cNvPr id="3" name="图片 2">
             <a:extLst>
               <a:ext uri="{FF2B5EF4-FFF2-40B4-BE49-F238E27FC236}">
-                <a16:creationId xmlns="" xmlns:a16="http://schemas.microsoft.com/office/drawing/2014/main" id="{98B13D0C-3D6D-4A7C-81C2-971C2DE1C35F}"/>
+                <a16:creationId xmlns:a16="http://schemas.microsoft.com/office/drawing/2014/main" xmlns="" id="{98B13D0C-3D6D-4A7C-81C2-971C2DE1C35F}"/>
               </a:ext>
             </a:extLst>
           </p:cNvPr>
@@ -30767,7 +30767,7 @@
           <p:cNvPr id="4" name="图文框 3">
             <a:extLst>
               <a:ext uri="{FF2B5EF4-FFF2-40B4-BE49-F238E27FC236}">
-                <a16:creationId xmlns="" xmlns:a16="http://schemas.microsoft.com/office/drawing/2014/main" id="{439EF00C-294A-4DB2-9D2A-D6104D65FB8E}"/>
+                <a16:creationId xmlns:a16="http://schemas.microsoft.com/office/drawing/2014/main" xmlns="" id="{439EF00C-294A-4DB2-9D2A-D6104D65FB8E}"/>
               </a:ext>
             </a:extLst>
           </p:cNvPr>
@@ -30832,7 +30832,7 @@
           <p:cNvPr id="6" name="矩形 5">
             <a:extLst>
               <a:ext uri="{FF2B5EF4-FFF2-40B4-BE49-F238E27FC236}">
-                <a16:creationId xmlns="" xmlns:a16="http://schemas.microsoft.com/office/drawing/2014/main" id="{334628C9-EB0D-4D06-AF24-5A038FFC63D7}"/>
+                <a16:creationId xmlns:a16="http://schemas.microsoft.com/office/drawing/2014/main" xmlns="" id="{334628C9-EB0D-4D06-AF24-5A038FFC63D7}"/>
               </a:ext>
             </a:extLst>
           </p:cNvPr>
@@ -30873,7 +30873,7 @@
           <p:cNvPr id="8" name="椭圆 7">
             <a:extLst>
               <a:ext uri="{FF2B5EF4-FFF2-40B4-BE49-F238E27FC236}">
-                <a16:creationId xmlns="" xmlns:a16="http://schemas.microsoft.com/office/drawing/2014/main" id="{2D31EAC6-5633-42BD-A780-E7BE0D0484C9}"/>
+                <a16:creationId xmlns:a16="http://schemas.microsoft.com/office/drawing/2014/main" xmlns="" id="{2D31EAC6-5633-42BD-A780-E7BE0D0484C9}"/>
               </a:ext>
             </a:extLst>
           </p:cNvPr>
@@ -30928,7 +30928,7 @@
           <p:cNvPr id="10" name="Shape 1458">
             <a:extLst>
               <a:ext uri="{FF2B5EF4-FFF2-40B4-BE49-F238E27FC236}">
-                <a16:creationId xmlns="" xmlns:a16="http://schemas.microsoft.com/office/drawing/2014/main" id="{C9C5B09E-BF7E-4AB4-9279-86A4782F4983}"/>
+                <a16:creationId xmlns:a16="http://schemas.microsoft.com/office/drawing/2014/main" xmlns="" id="{C9C5B09E-BF7E-4AB4-9279-86A4782F4983}"/>
               </a:ext>
             </a:extLst>
           </p:cNvPr>
@@ -30971,7 +30971,7 @@
           <p:cNvPr id="11" name="文本框 8">
             <a:extLst>
               <a:ext uri="{FF2B5EF4-FFF2-40B4-BE49-F238E27FC236}">
-                <a16:creationId xmlns="" xmlns:a16="http://schemas.microsoft.com/office/drawing/2014/main" id="{B9EAD814-92A6-4346-BB5C-547799D7BDEA}"/>
+                <a16:creationId xmlns:a16="http://schemas.microsoft.com/office/drawing/2014/main" xmlns="" id="{B9EAD814-92A6-4346-BB5C-547799D7BDEA}"/>
               </a:ext>
             </a:extLst>
           </p:cNvPr>
@@ -31548,7 +31548,7 @@
           <p:cNvPr id="2" name="图片 1">
             <a:extLst>
               <a:ext uri="{FF2B5EF4-FFF2-40B4-BE49-F238E27FC236}">
-                <a16:creationId xmlns="" xmlns:a16="http://schemas.microsoft.com/office/drawing/2014/main" id="{B1C6DB09-A408-4502-BFA6-90542E7F80A9}"/>
+                <a16:creationId xmlns:a16="http://schemas.microsoft.com/office/drawing/2014/main" xmlns="" id="{B1C6DB09-A408-4502-BFA6-90542E7F80A9}"/>
               </a:ext>
             </a:extLst>
           </p:cNvPr>
@@ -31584,7 +31584,7 @@
           <p:cNvPr id="3" name="图片 2">
             <a:extLst>
               <a:ext uri="{FF2B5EF4-FFF2-40B4-BE49-F238E27FC236}">
-                <a16:creationId xmlns="" xmlns:a16="http://schemas.microsoft.com/office/drawing/2014/main" id="{98B13D0C-3D6D-4A7C-81C2-971C2DE1C35F}"/>
+                <a16:creationId xmlns:a16="http://schemas.microsoft.com/office/drawing/2014/main" xmlns="" id="{98B13D0C-3D6D-4A7C-81C2-971C2DE1C35F}"/>
               </a:ext>
             </a:extLst>
           </p:cNvPr>
@@ -31620,7 +31620,7 @@
           <p:cNvPr id="4" name="图文框 3">
             <a:extLst>
               <a:ext uri="{FF2B5EF4-FFF2-40B4-BE49-F238E27FC236}">
-                <a16:creationId xmlns="" xmlns:a16="http://schemas.microsoft.com/office/drawing/2014/main" id="{439EF00C-294A-4DB2-9D2A-D6104D65FB8E}"/>
+                <a16:creationId xmlns:a16="http://schemas.microsoft.com/office/drawing/2014/main" xmlns="" id="{439EF00C-294A-4DB2-9D2A-D6104D65FB8E}"/>
               </a:ext>
             </a:extLst>
           </p:cNvPr>
@@ -31685,7 +31685,7 @@
           <p:cNvPr id="6" name="矩形 5">
             <a:extLst>
               <a:ext uri="{FF2B5EF4-FFF2-40B4-BE49-F238E27FC236}">
-                <a16:creationId xmlns="" xmlns:a16="http://schemas.microsoft.com/office/drawing/2014/main" id="{334628C9-EB0D-4D06-AF24-5A038FFC63D7}"/>
+                <a16:creationId xmlns:a16="http://schemas.microsoft.com/office/drawing/2014/main" xmlns="" id="{334628C9-EB0D-4D06-AF24-5A038FFC63D7}"/>
               </a:ext>
             </a:extLst>
           </p:cNvPr>
@@ -31726,7 +31726,7 @@
           <p:cNvPr id="8" name="椭圆 7">
             <a:extLst>
               <a:ext uri="{FF2B5EF4-FFF2-40B4-BE49-F238E27FC236}">
-                <a16:creationId xmlns="" xmlns:a16="http://schemas.microsoft.com/office/drawing/2014/main" id="{2D31EAC6-5633-42BD-A780-E7BE0D0484C9}"/>
+                <a16:creationId xmlns:a16="http://schemas.microsoft.com/office/drawing/2014/main" xmlns="" id="{2D31EAC6-5633-42BD-A780-E7BE0D0484C9}"/>
               </a:ext>
             </a:extLst>
           </p:cNvPr>
@@ -31781,7 +31781,7 @@
           <p:cNvPr id="10" name="Shape 1458">
             <a:extLst>
               <a:ext uri="{FF2B5EF4-FFF2-40B4-BE49-F238E27FC236}">
-                <a16:creationId xmlns="" xmlns:a16="http://schemas.microsoft.com/office/drawing/2014/main" id="{C9C5B09E-BF7E-4AB4-9279-86A4782F4983}"/>
+                <a16:creationId xmlns:a16="http://schemas.microsoft.com/office/drawing/2014/main" xmlns="" id="{C9C5B09E-BF7E-4AB4-9279-86A4782F4983}"/>
               </a:ext>
             </a:extLst>
           </p:cNvPr>
@@ -31824,7 +31824,7 @@
           <p:cNvPr id="11" name="文本框 8">
             <a:extLst>
               <a:ext uri="{FF2B5EF4-FFF2-40B4-BE49-F238E27FC236}">
-                <a16:creationId xmlns="" xmlns:a16="http://schemas.microsoft.com/office/drawing/2014/main" id="{B9EAD814-92A6-4346-BB5C-547799D7BDEA}"/>
+                <a16:creationId xmlns:a16="http://schemas.microsoft.com/office/drawing/2014/main" xmlns="" id="{B9EAD814-92A6-4346-BB5C-547799D7BDEA}"/>
               </a:ext>
             </a:extLst>
           </p:cNvPr>
@@ -32374,7 +32374,7 @@
           <p:cNvPr id="2" name="图片 1">
             <a:extLst>
               <a:ext uri="{FF2B5EF4-FFF2-40B4-BE49-F238E27FC236}">
-                <a16:creationId xmlns="" xmlns:a16="http://schemas.microsoft.com/office/drawing/2014/main" id="{B1C6DB09-A408-4502-BFA6-90542E7F80A9}"/>
+                <a16:creationId xmlns:a16="http://schemas.microsoft.com/office/drawing/2014/main" xmlns="" id="{B1C6DB09-A408-4502-BFA6-90542E7F80A9}"/>
               </a:ext>
             </a:extLst>
           </p:cNvPr>
@@ -32410,7 +32410,7 @@
           <p:cNvPr id="3" name="图片 2">
             <a:extLst>
               <a:ext uri="{FF2B5EF4-FFF2-40B4-BE49-F238E27FC236}">
-                <a16:creationId xmlns="" xmlns:a16="http://schemas.microsoft.com/office/drawing/2014/main" id="{98B13D0C-3D6D-4A7C-81C2-971C2DE1C35F}"/>
+                <a16:creationId xmlns:a16="http://schemas.microsoft.com/office/drawing/2014/main" xmlns="" id="{98B13D0C-3D6D-4A7C-81C2-971C2DE1C35F}"/>
               </a:ext>
             </a:extLst>
           </p:cNvPr>
@@ -32446,7 +32446,7 @@
           <p:cNvPr id="4" name="图文框 3">
             <a:extLst>
               <a:ext uri="{FF2B5EF4-FFF2-40B4-BE49-F238E27FC236}">
-                <a16:creationId xmlns="" xmlns:a16="http://schemas.microsoft.com/office/drawing/2014/main" id="{439EF00C-294A-4DB2-9D2A-D6104D65FB8E}"/>
+                <a16:creationId xmlns:a16="http://schemas.microsoft.com/office/drawing/2014/main" xmlns="" id="{439EF00C-294A-4DB2-9D2A-D6104D65FB8E}"/>
               </a:ext>
             </a:extLst>
           </p:cNvPr>
@@ -32511,7 +32511,7 @@
           <p:cNvPr id="6" name="矩形 5">
             <a:extLst>
               <a:ext uri="{FF2B5EF4-FFF2-40B4-BE49-F238E27FC236}">
-                <a16:creationId xmlns="" xmlns:a16="http://schemas.microsoft.com/office/drawing/2014/main" id="{334628C9-EB0D-4D06-AF24-5A038FFC63D7}"/>
+                <a16:creationId xmlns:a16="http://schemas.microsoft.com/office/drawing/2014/main" xmlns="" id="{334628C9-EB0D-4D06-AF24-5A038FFC63D7}"/>
               </a:ext>
             </a:extLst>
           </p:cNvPr>
@@ -32552,7 +32552,7 @@
           <p:cNvPr id="8" name="椭圆 7">
             <a:extLst>
               <a:ext uri="{FF2B5EF4-FFF2-40B4-BE49-F238E27FC236}">
-                <a16:creationId xmlns="" xmlns:a16="http://schemas.microsoft.com/office/drawing/2014/main" id="{2D31EAC6-5633-42BD-A780-E7BE0D0484C9}"/>
+                <a16:creationId xmlns:a16="http://schemas.microsoft.com/office/drawing/2014/main" xmlns="" id="{2D31EAC6-5633-42BD-A780-E7BE0D0484C9}"/>
               </a:ext>
             </a:extLst>
           </p:cNvPr>
@@ -32607,7 +32607,7 @@
           <p:cNvPr id="10" name="Shape 1458">
             <a:extLst>
               <a:ext uri="{FF2B5EF4-FFF2-40B4-BE49-F238E27FC236}">
-                <a16:creationId xmlns="" xmlns:a16="http://schemas.microsoft.com/office/drawing/2014/main" id="{C9C5B09E-BF7E-4AB4-9279-86A4782F4983}"/>
+                <a16:creationId xmlns:a16="http://schemas.microsoft.com/office/drawing/2014/main" xmlns="" id="{C9C5B09E-BF7E-4AB4-9279-86A4782F4983}"/>
               </a:ext>
             </a:extLst>
           </p:cNvPr>
@@ -32650,7 +32650,7 @@
           <p:cNvPr id="11" name="文本框 8">
             <a:extLst>
               <a:ext uri="{FF2B5EF4-FFF2-40B4-BE49-F238E27FC236}">
-                <a16:creationId xmlns="" xmlns:a16="http://schemas.microsoft.com/office/drawing/2014/main" id="{B9EAD814-92A6-4346-BB5C-547799D7BDEA}"/>
+                <a16:creationId xmlns:a16="http://schemas.microsoft.com/office/drawing/2014/main" xmlns="" id="{B9EAD814-92A6-4346-BB5C-547799D7BDEA}"/>
               </a:ext>
             </a:extLst>
           </p:cNvPr>
@@ -33229,7 +33229,7 @@
           <p:cNvPr id="2" name="图片 1">
             <a:extLst>
               <a:ext uri="{FF2B5EF4-FFF2-40B4-BE49-F238E27FC236}">
-                <a16:creationId xmlns="" xmlns:a16="http://schemas.microsoft.com/office/drawing/2014/main" id="{B1C6DB09-A408-4502-BFA6-90542E7F80A9}"/>
+                <a16:creationId xmlns:a16="http://schemas.microsoft.com/office/drawing/2014/main" xmlns="" id="{B1C6DB09-A408-4502-BFA6-90542E7F80A9}"/>
               </a:ext>
             </a:extLst>
           </p:cNvPr>
@@ -33265,7 +33265,7 @@
           <p:cNvPr id="3" name="图片 2">
             <a:extLst>
               <a:ext uri="{FF2B5EF4-FFF2-40B4-BE49-F238E27FC236}">
-                <a16:creationId xmlns="" xmlns:a16="http://schemas.microsoft.com/office/drawing/2014/main" id="{98B13D0C-3D6D-4A7C-81C2-971C2DE1C35F}"/>
+                <a16:creationId xmlns:a16="http://schemas.microsoft.com/office/drawing/2014/main" xmlns="" id="{98B13D0C-3D6D-4A7C-81C2-971C2DE1C35F}"/>
               </a:ext>
             </a:extLst>
           </p:cNvPr>
@@ -33301,7 +33301,7 @@
           <p:cNvPr id="4" name="图文框 3">
             <a:extLst>
               <a:ext uri="{FF2B5EF4-FFF2-40B4-BE49-F238E27FC236}">
-                <a16:creationId xmlns="" xmlns:a16="http://schemas.microsoft.com/office/drawing/2014/main" id="{439EF00C-294A-4DB2-9D2A-D6104D65FB8E}"/>
+                <a16:creationId xmlns:a16="http://schemas.microsoft.com/office/drawing/2014/main" xmlns="" id="{439EF00C-294A-4DB2-9D2A-D6104D65FB8E}"/>
               </a:ext>
             </a:extLst>
           </p:cNvPr>
@@ -33366,7 +33366,7 @@
           <p:cNvPr id="6" name="矩形 5">
             <a:extLst>
               <a:ext uri="{FF2B5EF4-FFF2-40B4-BE49-F238E27FC236}">
-                <a16:creationId xmlns="" xmlns:a16="http://schemas.microsoft.com/office/drawing/2014/main" id="{334628C9-EB0D-4D06-AF24-5A038FFC63D7}"/>
+                <a16:creationId xmlns:a16="http://schemas.microsoft.com/office/drawing/2014/main" xmlns="" id="{334628C9-EB0D-4D06-AF24-5A038FFC63D7}"/>
               </a:ext>
             </a:extLst>
           </p:cNvPr>
@@ -33407,7 +33407,7 @@
           <p:cNvPr id="8" name="椭圆 7">
             <a:extLst>
               <a:ext uri="{FF2B5EF4-FFF2-40B4-BE49-F238E27FC236}">
-                <a16:creationId xmlns="" xmlns:a16="http://schemas.microsoft.com/office/drawing/2014/main" id="{2D31EAC6-5633-42BD-A780-E7BE0D0484C9}"/>
+                <a16:creationId xmlns:a16="http://schemas.microsoft.com/office/drawing/2014/main" xmlns="" id="{2D31EAC6-5633-42BD-A780-E7BE0D0484C9}"/>
               </a:ext>
             </a:extLst>
           </p:cNvPr>
@@ -33462,7 +33462,7 @@
           <p:cNvPr id="9" name="文本框 8">
             <a:extLst>
               <a:ext uri="{FF2B5EF4-FFF2-40B4-BE49-F238E27FC236}">
-                <a16:creationId xmlns="" xmlns:a16="http://schemas.microsoft.com/office/drawing/2014/main" id="{B9EAD814-92A6-4346-BB5C-547799D7BDEA}"/>
+                <a16:creationId xmlns:a16="http://schemas.microsoft.com/office/drawing/2014/main" xmlns="" id="{B9EAD814-92A6-4346-BB5C-547799D7BDEA}"/>
               </a:ext>
             </a:extLst>
           </p:cNvPr>
@@ -33600,7 +33600,7 @@
           <p:cNvPr id="2" name="图片 1">
             <a:extLst>
               <a:ext uri="{FF2B5EF4-FFF2-40B4-BE49-F238E27FC236}">
-                <a16:creationId xmlns="" xmlns:a16="http://schemas.microsoft.com/office/drawing/2014/main" id="{B1C6DB09-A408-4502-BFA6-90542E7F80A9}"/>
+                <a16:creationId xmlns:a16="http://schemas.microsoft.com/office/drawing/2014/main" xmlns="" id="{B1C6DB09-A408-4502-BFA6-90542E7F80A9}"/>
               </a:ext>
             </a:extLst>
           </p:cNvPr>
@@ -33636,7 +33636,7 @@
           <p:cNvPr id="3" name="图片 2">
             <a:extLst>
               <a:ext uri="{FF2B5EF4-FFF2-40B4-BE49-F238E27FC236}">
-                <a16:creationId xmlns="" xmlns:a16="http://schemas.microsoft.com/office/drawing/2014/main" id="{98B13D0C-3D6D-4A7C-81C2-971C2DE1C35F}"/>
+                <a16:creationId xmlns:a16="http://schemas.microsoft.com/office/drawing/2014/main" xmlns="" id="{98B13D0C-3D6D-4A7C-81C2-971C2DE1C35F}"/>
               </a:ext>
             </a:extLst>
           </p:cNvPr>
@@ -33672,7 +33672,7 @@
           <p:cNvPr id="4" name="图文框 3">
             <a:extLst>
               <a:ext uri="{FF2B5EF4-FFF2-40B4-BE49-F238E27FC236}">
-                <a16:creationId xmlns="" xmlns:a16="http://schemas.microsoft.com/office/drawing/2014/main" id="{439EF00C-294A-4DB2-9D2A-D6104D65FB8E}"/>
+                <a16:creationId xmlns:a16="http://schemas.microsoft.com/office/drawing/2014/main" xmlns="" id="{439EF00C-294A-4DB2-9D2A-D6104D65FB8E}"/>
               </a:ext>
             </a:extLst>
           </p:cNvPr>
@@ -33737,7 +33737,7 @@
           <p:cNvPr id="6" name="矩形 5">
             <a:extLst>
               <a:ext uri="{FF2B5EF4-FFF2-40B4-BE49-F238E27FC236}">
-                <a16:creationId xmlns="" xmlns:a16="http://schemas.microsoft.com/office/drawing/2014/main" id="{334628C9-EB0D-4D06-AF24-5A038FFC63D7}"/>
+                <a16:creationId xmlns:a16="http://schemas.microsoft.com/office/drawing/2014/main" xmlns="" id="{334628C9-EB0D-4D06-AF24-5A038FFC63D7}"/>
               </a:ext>
             </a:extLst>
           </p:cNvPr>
@@ -33778,7 +33778,7 @@
           <p:cNvPr id="8" name="椭圆 7">
             <a:extLst>
               <a:ext uri="{FF2B5EF4-FFF2-40B4-BE49-F238E27FC236}">
-                <a16:creationId xmlns="" xmlns:a16="http://schemas.microsoft.com/office/drawing/2014/main" id="{2D31EAC6-5633-42BD-A780-E7BE0D0484C9}"/>
+                <a16:creationId xmlns:a16="http://schemas.microsoft.com/office/drawing/2014/main" xmlns="" id="{2D31EAC6-5633-42BD-A780-E7BE0D0484C9}"/>
               </a:ext>
             </a:extLst>
           </p:cNvPr>
@@ -33833,7 +33833,7 @@
           <p:cNvPr id="9" name="文本框 8">
             <a:extLst>
               <a:ext uri="{FF2B5EF4-FFF2-40B4-BE49-F238E27FC236}">
-                <a16:creationId xmlns="" xmlns:a16="http://schemas.microsoft.com/office/drawing/2014/main" id="{B9EAD814-92A6-4346-BB5C-547799D7BDEA}"/>
+                <a16:creationId xmlns:a16="http://schemas.microsoft.com/office/drawing/2014/main" xmlns="" id="{B9EAD814-92A6-4346-BB5C-547799D7BDEA}"/>
               </a:ext>
             </a:extLst>
           </p:cNvPr>
@@ -33881,7 +33881,7 @@
           <p:cNvPr id="10" name="Shape 1458">
             <a:extLst>
               <a:ext uri="{FF2B5EF4-FFF2-40B4-BE49-F238E27FC236}">
-                <a16:creationId xmlns="" xmlns:a16="http://schemas.microsoft.com/office/drawing/2014/main" id="{C9C5B09E-BF7E-4AB4-9279-86A4782F4983}"/>
+                <a16:creationId xmlns:a16="http://schemas.microsoft.com/office/drawing/2014/main" xmlns="" id="{C9C5B09E-BF7E-4AB4-9279-86A4782F4983}"/>
               </a:ext>
             </a:extLst>
           </p:cNvPr>
@@ -34493,7 +34493,7 @@
           <p:cNvPr id="2" name="图片 1">
             <a:extLst>
               <a:ext uri="{FF2B5EF4-FFF2-40B4-BE49-F238E27FC236}">
-                <a16:creationId xmlns="" xmlns:a16="http://schemas.microsoft.com/office/drawing/2014/main" id="{B1C6DB09-A408-4502-BFA6-90542E7F80A9}"/>
+                <a16:creationId xmlns:a16="http://schemas.microsoft.com/office/drawing/2014/main" xmlns="" id="{B1C6DB09-A408-4502-BFA6-90542E7F80A9}"/>
               </a:ext>
             </a:extLst>
           </p:cNvPr>
@@ -34529,7 +34529,7 @@
           <p:cNvPr id="3" name="图片 2">
             <a:extLst>
               <a:ext uri="{FF2B5EF4-FFF2-40B4-BE49-F238E27FC236}">
-                <a16:creationId xmlns="" xmlns:a16="http://schemas.microsoft.com/office/drawing/2014/main" id="{98B13D0C-3D6D-4A7C-81C2-971C2DE1C35F}"/>
+                <a16:creationId xmlns:a16="http://schemas.microsoft.com/office/drawing/2014/main" xmlns="" id="{98B13D0C-3D6D-4A7C-81C2-971C2DE1C35F}"/>
               </a:ext>
             </a:extLst>
           </p:cNvPr>
@@ -34565,7 +34565,7 @@
           <p:cNvPr id="4" name="图文框 3">
             <a:extLst>
               <a:ext uri="{FF2B5EF4-FFF2-40B4-BE49-F238E27FC236}">
-                <a16:creationId xmlns="" xmlns:a16="http://schemas.microsoft.com/office/drawing/2014/main" id="{439EF00C-294A-4DB2-9D2A-D6104D65FB8E}"/>
+                <a16:creationId xmlns:a16="http://schemas.microsoft.com/office/drawing/2014/main" xmlns="" id="{439EF00C-294A-4DB2-9D2A-D6104D65FB8E}"/>
               </a:ext>
             </a:extLst>
           </p:cNvPr>
@@ -34630,7 +34630,7 @@
           <p:cNvPr id="6" name="矩形 5">
             <a:extLst>
               <a:ext uri="{FF2B5EF4-FFF2-40B4-BE49-F238E27FC236}">
-                <a16:creationId xmlns="" xmlns:a16="http://schemas.microsoft.com/office/drawing/2014/main" id="{334628C9-EB0D-4D06-AF24-5A038FFC63D7}"/>
+                <a16:creationId xmlns:a16="http://schemas.microsoft.com/office/drawing/2014/main" xmlns="" id="{334628C9-EB0D-4D06-AF24-5A038FFC63D7}"/>
               </a:ext>
             </a:extLst>
           </p:cNvPr>
@@ -34671,7 +34671,7 @@
           <p:cNvPr id="8" name="椭圆 7">
             <a:extLst>
               <a:ext uri="{FF2B5EF4-FFF2-40B4-BE49-F238E27FC236}">
-                <a16:creationId xmlns="" xmlns:a16="http://schemas.microsoft.com/office/drawing/2014/main" id="{2D31EAC6-5633-42BD-A780-E7BE0D0484C9}"/>
+                <a16:creationId xmlns:a16="http://schemas.microsoft.com/office/drawing/2014/main" xmlns="" id="{2D31EAC6-5633-42BD-A780-E7BE0D0484C9}"/>
               </a:ext>
             </a:extLst>
           </p:cNvPr>
@@ -34726,7 +34726,7 @@
           <p:cNvPr id="9" name="文本框 8">
             <a:extLst>
               <a:ext uri="{FF2B5EF4-FFF2-40B4-BE49-F238E27FC236}">
-                <a16:creationId xmlns="" xmlns:a16="http://schemas.microsoft.com/office/drawing/2014/main" id="{B9EAD814-92A6-4346-BB5C-547799D7BDEA}"/>
+                <a16:creationId xmlns:a16="http://schemas.microsoft.com/office/drawing/2014/main" xmlns="" id="{B9EAD814-92A6-4346-BB5C-547799D7BDEA}"/>
               </a:ext>
             </a:extLst>
           </p:cNvPr>
@@ -34774,7 +34774,7 @@
           <p:cNvPr id="10" name="Shape 1458">
             <a:extLst>
               <a:ext uri="{FF2B5EF4-FFF2-40B4-BE49-F238E27FC236}">
-                <a16:creationId xmlns="" xmlns:a16="http://schemas.microsoft.com/office/drawing/2014/main" id="{C9C5B09E-BF7E-4AB4-9279-86A4782F4983}"/>
+                <a16:creationId xmlns:a16="http://schemas.microsoft.com/office/drawing/2014/main" xmlns="" id="{C9C5B09E-BF7E-4AB4-9279-86A4782F4983}"/>
               </a:ext>
             </a:extLst>
           </p:cNvPr>
@@ -35256,7 +35256,7 @@
           <p:cNvPr id="2" name="图片 1">
             <a:extLst>
               <a:ext uri="{FF2B5EF4-FFF2-40B4-BE49-F238E27FC236}">
-                <a16:creationId xmlns="" xmlns:a16="http://schemas.microsoft.com/office/drawing/2014/main" id="{B1C6DB09-A408-4502-BFA6-90542E7F80A9}"/>
+                <a16:creationId xmlns:a16="http://schemas.microsoft.com/office/drawing/2014/main" xmlns="" id="{B1C6DB09-A408-4502-BFA6-90542E7F80A9}"/>
               </a:ext>
             </a:extLst>
           </p:cNvPr>
@@ -35292,7 +35292,7 @@
           <p:cNvPr id="3" name="图片 2">
             <a:extLst>
               <a:ext uri="{FF2B5EF4-FFF2-40B4-BE49-F238E27FC236}">
-                <a16:creationId xmlns="" xmlns:a16="http://schemas.microsoft.com/office/drawing/2014/main" id="{98B13D0C-3D6D-4A7C-81C2-971C2DE1C35F}"/>
+                <a16:creationId xmlns:a16="http://schemas.microsoft.com/office/drawing/2014/main" xmlns="" id="{98B13D0C-3D6D-4A7C-81C2-971C2DE1C35F}"/>
               </a:ext>
             </a:extLst>
           </p:cNvPr>
@@ -35328,7 +35328,7 @@
           <p:cNvPr id="4" name="图文框 3">
             <a:extLst>
               <a:ext uri="{FF2B5EF4-FFF2-40B4-BE49-F238E27FC236}">
-                <a16:creationId xmlns="" xmlns:a16="http://schemas.microsoft.com/office/drawing/2014/main" id="{439EF00C-294A-4DB2-9D2A-D6104D65FB8E}"/>
+                <a16:creationId xmlns:a16="http://schemas.microsoft.com/office/drawing/2014/main" xmlns="" id="{439EF00C-294A-4DB2-9D2A-D6104D65FB8E}"/>
               </a:ext>
             </a:extLst>
           </p:cNvPr>
@@ -35393,7 +35393,7 @@
           <p:cNvPr id="6" name="矩形 5">
             <a:extLst>
               <a:ext uri="{FF2B5EF4-FFF2-40B4-BE49-F238E27FC236}">
-                <a16:creationId xmlns="" xmlns:a16="http://schemas.microsoft.com/office/drawing/2014/main" id="{334628C9-EB0D-4D06-AF24-5A038FFC63D7}"/>
+                <a16:creationId xmlns:a16="http://schemas.microsoft.com/office/drawing/2014/main" xmlns="" id="{334628C9-EB0D-4D06-AF24-5A038FFC63D7}"/>
               </a:ext>
             </a:extLst>
           </p:cNvPr>
@@ -35434,7 +35434,7 @@
           <p:cNvPr id="8" name="椭圆 7">
             <a:extLst>
               <a:ext uri="{FF2B5EF4-FFF2-40B4-BE49-F238E27FC236}">
-                <a16:creationId xmlns="" xmlns:a16="http://schemas.microsoft.com/office/drawing/2014/main" id="{2D31EAC6-5633-42BD-A780-E7BE0D0484C9}"/>
+                <a16:creationId xmlns:a16="http://schemas.microsoft.com/office/drawing/2014/main" xmlns="" id="{2D31EAC6-5633-42BD-A780-E7BE0D0484C9}"/>
               </a:ext>
             </a:extLst>
           </p:cNvPr>
@@ -35489,7 +35489,7 @@
           <p:cNvPr id="9" name="文本框 8">
             <a:extLst>
               <a:ext uri="{FF2B5EF4-FFF2-40B4-BE49-F238E27FC236}">
-                <a16:creationId xmlns="" xmlns:a16="http://schemas.microsoft.com/office/drawing/2014/main" id="{B9EAD814-92A6-4346-BB5C-547799D7BDEA}"/>
+                <a16:creationId xmlns:a16="http://schemas.microsoft.com/office/drawing/2014/main" xmlns="" id="{B9EAD814-92A6-4346-BB5C-547799D7BDEA}"/>
               </a:ext>
             </a:extLst>
           </p:cNvPr>
@@ -35537,7 +35537,7 @@
           <p:cNvPr id="10" name="Shape 1458">
             <a:extLst>
               <a:ext uri="{FF2B5EF4-FFF2-40B4-BE49-F238E27FC236}">
-                <a16:creationId xmlns="" xmlns:a16="http://schemas.microsoft.com/office/drawing/2014/main" id="{C9C5B09E-BF7E-4AB4-9279-86A4782F4983}"/>
+                <a16:creationId xmlns:a16="http://schemas.microsoft.com/office/drawing/2014/main" xmlns="" id="{C9C5B09E-BF7E-4AB4-9279-86A4782F4983}"/>
               </a:ext>
             </a:extLst>
           </p:cNvPr>
@@ -36063,7 +36063,7 @@
           <p:cNvPr id="2" name="图片 1">
             <a:extLst>
               <a:ext uri="{FF2B5EF4-FFF2-40B4-BE49-F238E27FC236}">
-                <a16:creationId xmlns="" xmlns:a16="http://schemas.microsoft.com/office/drawing/2014/main" id="{B1C6DB09-A408-4502-BFA6-90542E7F80A9}"/>
+                <a16:creationId xmlns:a16="http://schemas.microsoft.com/office/drawing/2014/main" xmlns="" id="{B1C6DB09-A408-4502-BFA6-90542E7F80A9}"/>
               </a:ext>
             </a:extLst>
           </p:cNvPr>
@@ -36099,7 +36099,7 @@
           <p:cNvPr id="3" name="图片 2">
             <a:extLst>
               <a:ext uri="{FF2B5EF4-FFF2-40B4-BE49-F238E27FC236}">
-                <a16:creationId xmlns="" xmlns:a16="http://schemas.microsoft.com/office/drawing/2014/main" id="{98B13D0C-3D6D-4A7C-81C2-971C2DE1C35F}"/>
+                <a16:creationId xmlns:a16="http://schemas.microsoft.com/office/drawing/2014/main" xmlns="" id="{98B13D0C-3D6D-4A7C-81C2-971C2DE1C35F}"/>
               </a:ext>
             </a:extLst>
           </p:cNvPr>
@@ -36135,7 +36135,7 @@
           <p:cNvPr id="4" name="图文框 3">
             <a:extLst>
               <a:ext uri="{FF2B5EF4-FFF2-40B4-BE49-F238E27FC236}">
-                <a16:creationId xmlns="" xmlns:a16="http://schemas.microsoft.com/office/drawing/2014/main" id="{439EF00C-294A-4DB2-9D2A-D6104D65FB8E}"/>
+                <a16:creationId xmlns:a16="http://schemas.microsoft.com/office/drawing/2014/main" xmlns="" id="{439EF00C-294A-4DB2-9D2A-D6104D65FB8E}"/>
               </a:ext>
             </a:extLst>
           </p:cNvPr>
@@ -36200,7 +36200,7 @@
           <p:cNvPr id="6" name="矩形 5">
             <a:extLst>
               <a:ext uri="{FF2B5EF4-FFF2-40B4-BE49-F238E27FC236}">
-                <a16:creationId xmlns="" xmlns:a16="http://schemas.microsoft.com/office/drawing/2014/main" id="{334628C9-EB0D-4D06-AF24-5A038FFC63D7}"/>
+                <a16:creationId xmlns:a16="http://schemas.microsoft.com/office/drawing/2014/main" xmlns="" id="{334628C9-EB0D-4D06-AF24-5A038FFC63D7}"/>
               </a:ext>
             </a:extLst>
           </p:cNvPr>
@@ -36241,7 +36241,7 @@
           <p:cNvPr id="8" name="椭圆 7">
             <a:extLst>
               <a:ext uri="{FF2B5EF4-FFF2-40B4-BE49-F238E27FC236}">
-                <a16:creationId xmlns="" xmlns:a16="http://schemas.microsoft.com/office/drawing/2014/main" id="{2D31EAC6-5633-42BD-A780-E7BE0D0484C9}"/>
+                <a16:creationId xmlns:a16="http://schemas.microsoft.com/office/drawing/2014/main" xmlns="" id="{2D31EAC6-5633-42BD-A780-E7BE0D0484C9}"/>
               </a:ext>
             </a:extLst>
           </p:cNvPr>
@@ -36296,7 +36296,7 @@
           <p:cNvPr id="9" name="文本框 8">
             <a:extLst>
               <a:ext uri="{FF2B5EF4-FFF2-40B4-BE49-F238E27FC236}">
-                <a16:creationId xmlns="" xmlns:a16="http://schemas.microsoft.com/office/drawing/2014/main" id="{B9EAD814-92A6-4346-BB5C-547799D7BDEA}"/>
+                <a16:creationId xmlns:a16="http://schemas.microsoft.com/office/drawing/2014/main" xmlns="" id="{B9EAD814-92A6-4346-BB5C-547799D7BDEA}"/>
               </a:ext>
             </a:extLst>
           </p:cNvPr>
@@ -36344,7 +36344,7 @@
           <p:cNvPr id="10" name="Shape 1458">
             <a:extLst>
               <a:ext uri="{FF2B5EF4-FFF2-40B4-BE49-F238E27FC236}">
-                <a16:creationId xmlns="" xmlns:a16="http://schemas.microsoft.com/office/drawing/2014/main" id="{C9C5B09E-BF7E-4AB4-9279-86A4782F4983}"/>
+                <a16:creationId xmlns:a16="http://schemas.microsoft.com/office/drawing/2014/main" xmlns="" id="{C9C5B09E-BF7E-4AB4-9279-86A4782F4983}"/>
               </a:ext>
             </a:extLst>
           </p:cNvPr>
@@ -37231,7 +37231,7 @@
           <p:cNvPr id="2" name="图片 1">
             <a:extLst>
               <a:ext uri="{FF2B5EF4-FFF2-40B4-BE49-F238E27FC236}">
-                <a16:creationId xmlns="" xmlns:a16="http://schemas.microsoft.com/office/drawing/2014/main" id="{B1C6DB09-A408-4502-BFA6-90542E7F80A9}"/>
+                <a16:creationId xmlns:a16="http://schemas.microsoft.com/office/drawing/2014/main" xmlns="" id="{B1C6DB09-A408-4502-BFA6-90542E7F80A9}"/>
               </a:ext>
             </a:extLst>
           </p:cNvPr>
@@ -37267,7 +37267,7 @@
           <p:cNvPr id="3" name="图片 2">
             <a:extLst>
               <a:ext uri="{FF2B5EF4-FFF2-40B4-BE49-F238E27FC236}">
-                <a16:creationId xmlns="" xmlns:a16="http://schemas.microsoft.com/office/drawing/2014/main" id="{98B13D0C-3D6D-4A7C-81C2-971C2DE1C35F}"/>
+                <a16:creationId xmlns:a16="http://schemas.microsoft.com/office/drawing/2014/main" xmlns="" id="{98B13D0C-3D6D-4A7C-81C2-971C2DE1C35F}"/>
               </a:ext>
             </a:extLst>
           </p:cNvPr>
@@ -37303,7 +37303,7 @@
           <p:cNvPr id="4" name="图文框 3">
             <a:extLst>
               <a:ext uri="{FF2B5EF4-FFF2-40B4-BE49-F238E27FC236}">
-                <a16:creationId xmlns="" xmlns:a16="http://schemas.microsoft.com/office/drawing/2014/main" id="{439EF00C-294A-4DB2-9D2A-D6104D65FB8E}"/>
+                <a16:creationId xmlns:a16="http://schemas.microsoft.com/office/drawing/2014/main" xmlns="" id="{439EF00C-294A-4DB2-9D2A-D6104D65FB8E}"/>
               </a:ext>
             </a:extLst>
           </p:cNvPr>
@@ -37368,7 +37368,7 @@
           <p:cNvPr id="6" name="矩形 5">
             <a:extLst>
               <a:ext uri="{FF2B5EF4-FFF2-40B4-BE49-F238E27FC236}">
-                <a16:creationId xmlns="" xmlns:a16="http://schemas.microsoft.com/office/drawing/2014/main" id="{334628C9-EB0D-4D06-AF24-5A038FFC63D7}"/>
+                <a16:creationId xmlns:a16="http://schemas.microsoft.com/office/drawing/2014/main" xmlns="" id="{334628C9-EB0D-4D06-AF24-5A038FFC63D7}"/>
               </a:ext>
             </a:extLst>
           </p:cNvPr>
@@ -37409,7 +37409,7 @@
           <p:cNvPr id="8" name="椭圆 7">
             <a:extLst>
               <a:ext uri="{FF2B5EF4-FFF2-40B4-BE49-F238E27FC236}">
-                <a16:creationId xmlns="" xmlns:a16="http://schemas.microsoft.com/office/drawing/2014/main" id="{2D31EAC6-5633-42BD-A780-E7BE0D0484C9}"/>
+                <a16:creationId xmlns:a16="http://schemas.microsoft.com/office/drawing/2014/main" xmlns="" id="{2D31EAC6-5633-42BD-A780-E7BE0D0484C9}"/>
               </a:ext>
             </a:extLst>
           </p:cNvPr>
@@ -37464,7 +37464,7 @@
           <p:cNvPr id="9" name="文本框 8">
             <a:extLst>
               <a:ext uri="{FF2B5EF4-FFF2-40B4-BE49-F238E27FC236}">
-                <a16:creationId xmlns="" xmlns:a16="http://schemas.microsoft.com/office/drawing/2014/main" id="{B9EAD814-92A6-4346-BB5C-547799D7BDEA}"/>
+                <a16:creationId xmlns:a16="http://schemas.microsoft.com/office/drawing/2014/main" xmlns="" id="{B9EAD814-92A6-4346-BB5C-547799D7BDEA}"/>
               </a:ext>
             </a:extLst>
           </p:cNvPr>
@@ -37512,7 +37512,7 @@
           <p:cNvPr id="10" name="Shape 1458">
             <a:extLst>
               <a:ext uri="{FF2B5EF4-FFF2-40B4-BE49-F238E27FC236}">
-                <a16:creationId xmlns="" xmlns:a16="http://schemas.microsoft.com/office/drawing/2014/main" id="{C9C5B09E-BF7E-4AB4-9279-86A4782F4983}"/>
+                <a16:creationId xmlns:a16="http://schemas.microsoft.com/office/drawing/2014/main" xmlns="" id="{C9C5B09E-BF7E-4AB4-9279-86A4782F4983}"/>
               </a:ext>
             </a:extLst>
           </p:cNvPr>
@@ -38876,7 +38876,7 @@
           <p:cNvPr id="2" name="图片 1">
             <a:extLst>
               <a:ext uri="{FF2B5EF4-FFF2-40B4-BE49-F238E27FC236}">
-                <a16:creationId xmlns="" xmlns:a16="http://schemas.microsoft.com/office/drawing/2014/main" id="{B1C6DB09-A408-4502-BFA6-90542E7F80A9}"/>
+                <a16:creationId xmlns:a16="http://schemas.microsoft.com/office/drawing/2014/main" xmlns="" id="{B1C6DB09-A408-4502-BFA6-90542E7F80A9}"/>
               </a:ext>
             </a:extLst>
           </p:cNvPr>
@@ -38912,7 +38912,7 @@
           <p:cNvPr id="3" name="图片 2">
             <a:extLst>
               <a:ext uri="{FF2B5EF4-FFF2-40B4-BE49-F238E27FC236}">
-                <a16:creationId xmlns="" xmlns:a16="http://schemas.microsoft.com/office/drawing/2014/main" id="{98B13D0C-3D6D-4A7C-81C2-971C2DE1C35F}"/>
+                <a16:creationId xmlns:a16="http://schemas.microsoft.com/office/drawing/2014/main" xmlns="" id="{98B13D0C-3D6D-4A7C-81C2-971C2DE1C35F}"/>
               </a:ext>
             </a:extLst>
           </p:cNvPr>
@@ -38948,7 +38948,7 @@
           <p:cNvPr id="4" name="图文框 3">
             <a:extLst>
               <a:ext uri="{FF2B5EF4-FFF2-40B4-BE49-F238E27FC236}">
-                <a16:creationId xmlns="" xmlns:a16="http://schemas.microsoft.com/office/drawing/2014/main" id="{439EF00C-294A-4DB2-9D2A-D6104D65FB8E}"/>
+                <a16:creationId xmlns:a16="http://schemas.microsoft.com/office/drawing/2014/main" xmlns="" id="{439EF00C-294A-4DB2-9D2A-D6104D65FB8E}"/>
               </a:ext>
             </a:extLst>
           </p:cNvPr>
@@ -39013,7 +39013,7 @@
           <p:cNvPr id="6" name="矩形 5">
             <a:extLst>
               <a:ext uri="{FF2B5EF4-FFF2-40B4-BE49-F238E27FC236}">
-                <a16:creationId xmlns="" xmlns:a16="http://schemas.microsoft.com/office/drawing/2014/main" id="{334628C9-EB0D-4D06-AF24-5A038FFC63D7}"/>
+                <a16:creationId xmlns:a16="http://schemas.microsoft.com/office/drawing/2014/main" xmlns="" id="{334628C9-EB0D-4D06-AF24-5A038FFC63D7}"/>
               </a:ext>
             </a:extLst>
           </p:cNvPr>
@@ -39099,7 +39099,7 @@
           <p:cNvPr id="8" name="椭圆 7">
             <a:extLst>
               <a:ext uri="{FF2B5EF4-FFF2-40B4-BE49-F238E27FC236}">
-                <a16:creationId xmlns="" xmlns:a16="http://schemas.microsoft.com/office/drawing/2014/main" id="{2D31EAC6-5633-42BD-A780-E7BE0D0484C9}"/>
+                <a16:creationId xmlns:a16="http://schemas.microsoft.com/office/drawing/2014/main" xmlns="" id="{2D31EAC6-5633-42BD-A780-E7BE0D0484C9}"/>
               </a:ext>
             </a:extLst>
           </p:cNvPr>
@@ -39154,7 +39154,7 @@
           <p:cNvPr id="9" name="文本框 8">
             <a:extLst>
               <a:ext uri="{FF2B5EF4-FFF2-40B4-BE49-F238E27FC236}">
-                <a16:creationId xmlns="" xmlns:a16="http://schemas.microsoft.com/office/drawing/2014/main" id="{B9EAD814-92A6-4346-BB5C-547799D7BDEA}"/>
+                <a16:creationId xmlns:a16="http://schemas.microsoft.com/office/drawing/2014/main" xmlns="" id="{B9EAD814-92A6-4346-BB5C-547799D7BDEA}"/>
               </a:ext>
             </a:extLst>
           </p:cNvPr>
@@ -39202,7 +39202,7 @@
           <p:cNvPr id="40" name="矩形 39">
             <a:extLst>
               <a:ext uri="{FF2B5EF4-FFF2-40B4-BE49-F238E27FC236}">
-                <a16:creationId xmlns="" xmlns:a16="http://schemas.microsoft.com/office/drawing/2014/main" id="{B582AF10-FE51-4509-AB23-86E9A9D75562}"/>
+                <a16:creationId xmlns:a16="http://schemas.microsoft.com/office/drawing/2014/main" xmlns="" id="{B582AF10-FE51-4509-AB23-86E9A9D75562}"/>
               </a:ext>
             </a:extLst>
           </p:cNvPr>
@@ -39429,7 +39429,7 @@
           <p:cNvPr id="41" name="Shape 1458">
             <a:extLst>
               <a:ext uri="{FF2B5EF4-FFF2-40B4-BE49-F238E27FC236}">
-                <a16:creationId xmlns="" xmlns:a16="http://schemas.microsoft.com/office/drawing/2014/main" id="{C9C5B09E-BF7E-4AB4-9279-86A4782F4983}"/>
+                <a16:creationId xmlns:a16="http://schemas.microsoft.com/office/drawing/2014/main" xmlns="" id="{C9C5B09E-BF7E-4AB4-9279-86A4782F4983}"/>
               </a:ext>
             </a:extLst>
           </p:cNvPr>
@@ -39648,7 +39648,7 @@
           <p:cNvPr id="2" name="图片 1">
             <a:extLst>
               <a:ext uri="{FF2B5EF4-FFF2-40B4-BE49-F238E27FC236}">
-                <a16:creationId xmlns="" xmlns:a16="http://schemas.microsoft.com/office/drawing/2014/main" id="{B1C6DB09-A408-4502-BFA6-90542E7F80A9}"/>
+                <a16:creationId xmlns:a16="http://schemas.microsoft.com/office/drawing/2014/main" xmlns="" id="{B1C6DB09-A408-4502-BFA6-90542E7F80A9}"/>
               </a:ext>
             </a:extLst>
           </p:cNvPr>
@@ -39684,7 +39684,7 @@
           <p:cNvPr id="3" name="图片 2">
             <a:extLst>
               <a:ext uri="{FF2B5EF4-FFF2-40B4-BE49-F238E27FC236}">
-                <a16:creationId xmlns="" xmlns:a16="http://schemas.microsoft.com/office/drawing/2014/main" id="{98B13D0C-3D6D-4A7C-81C2-971C2DE1C35F}"/>
+                <a16:creationId xmlns:a16="http://schemas.microsoft.com/office/drawing/2014/main" xmlns="" id="{98B13D0C-3D6D-4A7C-81C2-971C2DE1C35F}"/>
               </a:ext>
             </a:extLst>
           </p:cNvPr>
@@ -39720,7 +39720,7 @@
           <p:cNvPr id="4" name="图文框 3">
             <a:extLst>
               <a:ext uri="{FF2B5EF4-FFF2-40B4-BE49-F238E27FC236}">
-                <a16:creationId xmlns="" xmlns:a16="http://schemas.microsoft.com/office/drawing/2014/main" id="{439EF00C-294A-4DB2-9D2A-D6104D65FB8E}"/>
+                <a16:creationId xmlns:a16="http://schemas.microsoft.com/office/drawing/2014/main" xmlns="" id="{439EF00C-294A-4DB2-9D2A-D6104D65FB8E}"/>
               </a:ext>
             </a:extLst>
           </p:cNvPr>
@@ -39785,7 +39785,7 @@
           <p:cNvPr id="6" name="矩形 5">
             <a:extLst>
               <a:ext uri="{FF2B5EF4-FFF2-40B4-BE49-F238E27FC236}">
-                <a16:creationId xmlns="" xmlns:a16="http://schemas.microsoft.com/office/drawing/2014/main" id="{334628C9-EB0D-4D06-AF24-5A038FFC63D7}"/>
+                <a16:creationId xmlns:a16="http://schemas.microsoft.com/office/drawing/2014/main" xmlns="" id="{334628C9-EB0D-4D06-AF24-5A038FFC63D7}"/>
               </a:ext>
             </a:extLst>
           </p:cNvPr>
@@ -39826,7 +39826,7 @@
           <p:cNvPr id="8" name="椭圆 7">
             <a:extLst>
               <a:ext uri="{FF2B5EF4-FFF2-40B4-BE49-F238E27FC236}">
-                <a16:creationId xmlns="" xmlns:a16="http://schemas.microsoft.com/office/drawing/2014/main" id="{2D31EAC6-5633-42BD-A780-E7BE0D0484C9}"/>
+                <a16:creationId xmlns:a16="http://schemas.microsoft.com/office/drawing/2014/main" xmlns="" id="{2D31EAC6-5633-42BD-A780-E7BE0D0484C9}"/>
               </a:ext>
             </a:extLst>
           </p:cNvPr>
@@ -39881,7 +39881,7 @@
           <p:cNvPr id="9" name="文本框 8">
             <a:extLst>
               <a:ext uri="{FF2B5EF4-FFF2-40B4-BE49-F238E27FC236}">
-                <a16:creationId xmlns="" xmlns:a16="http://schemas.microsoft.com/office/drawing/2014/main" id="{B9EAD814-92A6-4346-BB5C-547799D7BDEA}"/>
+                <a16:creationId xmlns:a16="http://schemas.microsoft.com/office/drawing/2014/main" xmlns="" id="{B9EAD814-92A6-4346-BB5C-547799D7BDEA}"/>
               </a:ext>
             </a:extLst>
           </p:cNvPr>
@@ -39929,7 +39929,7 @@
           <p:cNvPr id="10" name="Shape 1458">
             <a:extLst>
               <a:ext uri="{FF2B5EF4-FFF2-40B4-BE49-F238E27FC236}">
-                <a16:creationId xmlns="" xmlns:a16="http://schemas.microsoft.com/office/drawing/2014/main" id="{C9C5B09E-BF7E-4AB4-9279-86A4782F4983}"/>
+                <a16:creationId xmlns:a16="http://schemas.microsoft.com/office/drawing/2014/main" xmlns="" id="{C9C5B09E-BF7E-4AB4-9279-86A4782F4983}"/>
               </a:ext>
             </a:extLst>
           </p:cNvPr>
@@ -41046,7 +41046,7 @@
           <p:cNvPr id="2" name="图片 1">
             <a:extLst>
               <a:ext uri="{FF2B5EF4-FFF2-40B4-BE49-F238E27FC236}">
-                <a16:creationId xmlns="" xmlns:a16="http://schemas.microsoft.com/office/drawing/2014/main" id="{B1C6DB09-A408-4502-BFA6-90542E7F80A9}"/>
+                <a16:creationId xmlns:a16="http://schemas.microsoft.com/office/drawing/2014/main" xmlns="" id="{B1C6DB09-A408-4502-BFA6-90542E7F80A9}"/>
               </a:ext>
             </a:extLst>
           </p:cNvPr>
@@ -41082,7 +41082,7 @@
           <p:cNvPr id="3" name="图片 2">
             <a:extLst>
               <a:ext uri="{FF2B5EF4-FFF2-40B4-BE49-F238E27FC236}">
-                <a16:creationId xmlns="" xmlns:a16="http://schemas.microsoft.com/office/drawing/2014/main" id="{98B13D0C-3D6D-4A7C-81C2-971C2DE1C35F}"/>
+                <a16:creationId xmlns:a16="http://schemas.microsoft.com/office/drawing/2014/main" xmlns="" id="{98B13D0C-3D6D-4A7C-81C2-971C2DE1C35F}"/>
               </a:ext>
             </a:extLst>
           </p:cNvPr>
@@ -41118,7 +41118,7 @@
           <p:cNvPr id="4" name="图文框 3">
             <a:extLst>
               <a:ext uri="{FF2B5EF4-FFF2-40B4-BE49-F238E27FC236}">
-                <a16:creationId xmlns="" xmlns:a16="http://schemas.microsoft.com/office/drawing/2014/main" id="{439EF00C-294A-4DB2-9D2A-D6104D65FB8E}"/>
+                <a16:creationId xmlns:a16="http://schemas.microsoft.com/office/drawing/2014/main" xmlns="" id="{439EF00C-294A-4DB2-9D2A-D6104D65FB8E}"/>
               </a:ext>
             </a:extLst>
           </p:cNvPr>
@@ -41183,7 +41183,7 @@
           <p:cNvPr id="6" name="矩形 5">
             <a:extLst>
               <a:ext uri="{FF2B5EF4-FFF2-40B4-BE49-F238E27FC236}">
-                <a16:creationId xmlns="" xmlns:a16="http://schemas.microsoft.com/office/drawing/2014/main" id="{334628C9-EB0D-4D06-AF24-5A038FFC63D7}"/>
+                <a16:creationId xmlns:a16="http://schemas.microsoft.com/office/drawing/2014/main" xmlns="" id="{334628C9-EB0D-4D06-AF24-5A038FFC63D7}"/>
               </a:ext>
             </a:extLst>
           </p:cNvPr>
@@ -41224,7 +41224,7 @@
           <p:cNvPr id="8" name="椭圆 7">
             <a:extLst>
               <a:ext uri="{FF2B5EF4-FFF2-40B4-BE49-F238E27FC236}">
-                <a16:creationId xmlns="" xmlns:a16="http://schemas.microsoft.com/office/drawing/2014/main" id="{2D31EAC6-5633-42BD-A780-E7BE0D0484C9}"/>
+                <a16:creationId xmlns:a16="http://schemas.microsoft.com/office/drawing/2014/main" xmlns="" id="{2D31EAC6-5633-42BD-A780-E7BE0D0484C9}"/>
               </a:ext>
             </a:extLst>
           </p:cNvPr>
@@ -41279,7 +41279,7 @@
           <p:cNvPr id="9" name="文本框 8">
             <a:extLst>
               <a:ext uri="{FF2B5EF4-FFF2-40B4-BE49-F238E27FC236}">
-                <a16:creationId xmlns="" xmlns:a16="http://schemas.microsoft.com/office/drawing/2014/main" id="{B9EAD814-92A6-4346-BB5C-547799D7BDEA}"/>
+                <a16:creationId xmlns:a16="http://schemas.microsoft.com/office/drawing/2014/main" xmlns="" id="{B9EAD814-92A6-4346-BB5C-547799D7BDEA}"/>
               </a:ext>
             </a:extLst>
           </p:cNvPr>
@@ -41327,7 +41327,7 @@
           <p:cNvPr id="10" name="Shape 1458">
             <a:extLst>
               <a:ext uri="{FF2B5EF4-FFF2-40B4-BE49-F238E27FC236}">
-                <a16:creationId xmlns="" xmlns:a16="http://schemas.microsoft.com/office/drawing/2014/main" id="{C9C5B09E-BF7E-4AB4-9279-86A4782F4983}"/>
+                <a16:creationId xmlns:a16="http://schemas.microsoft.com/office/drawing/2014/main" xmlns="" id="{C9C5B09E-BF7E-4AB4-9279-86A4782F4983}"/>
               </a:ext>
             </a:extLst>
           </p:cNvPr>
@@ -42574,7 +42574,7 @@
           <p:cNvPr id="2" name="组合 1">
             <a:extLst>
               <a:ext uri="{FF2B5EF4-FFF2-40B4-BE49-F238E27FC236}">
-                <a16:creationId xmlns="" xmlns:a16="http://schemas.microsoft.com/office/drawing/2014/main" id="{386E4078-B000-470C-8488-9AE4B883E6B0}"/>
+                <a16:creationId xmlns:a16="http://schemas.microsoft.com/office/drawing/2014/main" xmlns="" id="{386E4078-B000-470C-8488-9AE4B883E6B0}"/>
               </a:ext>
             </a:extLst>
           </p:cNvPr>
@@ -42594,7 +42594,7 @@
             <p:cNvPr id="12" name="图片 11">
               <a:extLst>
                 <a:ext uri="{FF2B5EF4-FFF2-40B4-BE49-F238E27FC236}">
-                  <a16:creationId xmlns="" xmlns:a16="http://schemas.microsoft.com/office/drawing/2014/main" id="{1CEB3D0B-3BB0-4048-AFBA-FAA004865132}"/>
+                  <a16:creationId xmlns:a16="http://schemas.microsoft.com/office/drawing/2014/main" xmlns="" id="{1CEB3D0B-3BB0-4048-AFBA-FAA004865132}"/>
                 </a:ext>
               </a:extLst>
             </p:cNvPr>
@@ -42630,7 +42630,7 @@
             <p:cNvPr id="4" name="图文框 3">
               <a:extLst>
                 <a:ext uri="{FF2B5EF4-FFF2-40B4-BE49-F238E27FC236}">
-                  <a16:creationId xmlns="" xmlns:a16="http://schemas.microsoft.com/office/drawing/2014/main" id="{B3D3FBCC-1DBC-4AD3-BD22-E2A849DA6970}"/>
+                  <a16:creationId xmlns:a16="http://schemas.microsoft.com/office/drawing/2014/main" xmlns="" id="{B3D3FBCC-1DBC-4AD3-BD22-E2A849DA6970}"/>
                 </a:ext>
               </a:extLst>
             </p:cNvPr>
@@ -42695,7 +42695,7 @@
             <p:cNvPr id="13" name="文本框 12">
               <a:extLst>
                 <a:ext uri="{FF2B5EF4-FFF2-40B4-BE49-F238E27FC236}">
-                  <a16:creationId xmlns="" xmlns:a16="http://schemas.microsoft.com/office/drawing/2014/main" id="{DDD306D5-6972-42D8-AB45-FBC6F1006BAD}"/>
+                  <a16:creationId xmlns:a16="http://schemas.microsoft.com/office/drawing/2014/main" xmlns="" id="{DDD306D5-6972-42D8-AB45-FBC6F1006BAD}"/>
                 </a:ext>
               </a:extLst>
             </p:cNvPr>
@@ -42744,7 +42744,7 @@
           <p:cNvPr id="14" name="组合 13">
             <a:extLst>
               <a:ext uri="{FF2B5EF4-FFF2-40B4-BE49-F238E27FC236}">
-                <a16:creationId xmlns="" xmlns:a16="http://schemas.microsoft.com/office/drawing/2014/main" id="{806EE9DE-80D7-490B-A802-3B2B74494200}"/>
+                <a16:creationId xmlns:a16="http://schemas.microsoft.com/office/drawing/2014/main" xmlns="" id="{806EE9DE-80D7-490B-A802-3B2B74494200}"/>
               </a:ext>
             </a:extLst>
           </p:cNvPr>
@@ -42764,7 +42764,7 @@
             <p:cNvPr id="15" name="矩形 14">
               <a:extLst>
                 <a:ext uri="{FF2B5EF4-FFF2-40B4-BE49-F238E27FC236}">
-                  <a16:creationId xmlns="" xmlns:a16="http://schemas.microsoft.com/office/drawing/2014/main" id="{24408D9D-9119-4C28-848A-A9EDF772D66F}"/>
+                  <a16:creationId xmlns:a16="http://schemas.microsoft.com/office/drawing/2014/main" xmlns="" id="{24408D9D-9119-4C28-848A-A9EDF772D66F}"/>
                 </a:ext>
               </a:extLst>
             </p:cNvPr>
@@ -42818,7 +42818,7 @@
             <p:cNvPr id="16" name="文本框 15">
               <a:extLst>
                 <a:ext uri="{FF2B5EF4-FFF2-40B4-BE49-F238E27FC236}">
-                  <a16:creationId xmlns="" xmlns:a16="http://schemas.microsoft.com/office/drawing/2014/main" id="{BA745D5C-F858-48FC-B079-3255485275C4}"/>
+                  <a16:creationId xmlns:a16="http://schemas.microsoft.com/office/drawing/2014/main" xmlns="" id="{BA745D5C-F858-48FC-B079-3255485275C4}"/>
                 </a:ext>
               </a:extLst>
             </p:cNvPr>
@@ -43085,7 +43085,7 @@
           <p:cNvPr id="2" name="图片 1">
             <a:extLst>
               <a:ext uri="{FF2B5EF4-FFF2-40B4-BE49-F238E27FC236}">
-                <a16:creationId xmlns="" xmlns:a16="http://schemas.microsoft.com/office/drawing/2014/main" id="{B1C6DB09-A408-4502-BFA6-90542E7F80A9}"/>
+                <a16:creationId xmlns:a16="http://schemas.microsoft.com/office/drawing/2014/main" xmlns="" id="{B1C6DB09-A408-4502-BFA6-90542E7F80A9}"/>
               </a:ext>
             </a:extLst>
           </p:cNvPr>
@@ -43121,7 +43121,7 @@
           <p:cNvPr id="3" name="图片 2">
             <a:extLst>
               <a:ext uri="{FF2B5EF4-FFF2-40B4-BE49-F238E27FC236}">
-                <a16:creationId xmlns="" xmlns:a16="http://schemas.microsoft.com/office/drawing/2014/main" id="{98B13D0C-3D6D-4A7C-81C2-971C2DE1C35F}"/>
+                <a16:creationId xmlns:a16="http://schemas.microsoft.com/office/drawing/2014/main" xmlns="" id="{98B13D0C-3D6D-4A7C-81C2-971C2DE1C35F}"/>
               </a:ext>
             </a:extLst>
           </p:cNvPr>
@@ -43157,7 +43157,7 @@
           <p:cNvPr id="4" name="图文框 3">
             <a:extLst>
               <a:ext uri="{FF2B5EF4-FFF2-40B4-BE49-F238E27FC236}">
-                <a16:creationId xmlns="" xmlns:a16="http://schemas.microsoft.com/office/drawing/2014/main" id="{439EF00C-294A-4DB2-9D2A-D6104D65FB8E}"/>
+                <a16:creationId xmlns:a16="http://schemas.microsoft.com/office/drawing/2014/main" xmlns="" id="{439EF00C-294A-4DB2-9D2A-D6104D65FB8E}"/>
               </a:ext>
             </a:extLst>
           </p:cNvPr>
@@ -43222,7 +43222,7 @@
           <p:cNvPr id="6" name="矩形 5">
             <a:extLst>
               <a:ext uri="{FF2B5EF4-FFF2-40B4-BE49-F238E27FC236}">
-                <a16:creationId xmlns="" xmlns:a16="http://schemas.microsoft.com/office/drawing/2014/main" id="{334628C9-EB0D-4D06-AF24-5A038FFC63D7}"/>
+                <a16:creationId xmlns:a16="http://schemas.microsoft.com/office/drawing/2014/main" xmlns="" id="{334628C9-EB0D-4D06-AF24-5A038FFC63D7}"/>
               </a:ext>
             </a:extLst>
           </p:cNvPr>
@@ -43263,7 +43263,7 @@
           <p:cNvPr id="8" name="椭圆 7">
             <a:extLst>
               <a:ext uri="{FF2B5EF4-FFF2-40B4-BE49-F238E27FC236}">
-                <a16:creationId xmlns="" xmlns:a16="http://schemas.microsoft.com/office/drawing/2014/main" id="{2D31EAC6-5633-42BD-A780-E7BE0D0484C9}"/>
+                <a16:creationId xmlns:a16="http://schemas.microsoft.com/office/drawing/2014/main" xmlns="" id="{2D31EAC6-5633-42BD-A780-E7BE0D0484C9}"/>
               </a:ext>
             </a:extLst>
           </p:cNvPr>
@@ -43318,7 +43318,7 @@
           <p:cNvPr id="9" name="文本框 8">
             <a:extLst>
               <a:ext uri="{FF2B5EF4-FFF2-40B4-BE49-F238E27FC236}">
-                <a16:creationId xmlns="" xmlns:a16="http://schemas.microsoft.com/office/drawing/2014/main" id="{B9EAD814-92A6-4346-BB5C-547799D7BDEA}"/>
+                <a16:creationId xmlns:a16="http://schemas.microsoft.com/office/drawing/2014/main" xmlns="" id="{B9EAD814-92A6-4346-BB5C-547799D7BDEA}"/>
               </a:ext>
             </a:extLst>
           </p:cNvPr>
@@ -43366,7 +43366,7 @@
           <p:cNvPr id="10" name="Shape 1458">
             <a:extLst>
               <a:ext uri="{FF2B5EF4-FFF2-40B4-BE49-F238E27FC236}">
-                <a16:creationId xmlns="" xmlns:a16="http://schemas.microsoft.com/office/drawing/2014/main" id="{C9C5B09E-BF7E-4AB4-9279-86A4782F4983}"/>
+                <a16:creationId xmlns:a16="http://schemas.microsoft.com/office/drawing/2014/main" xmlns="" id="{C9C5B09E-BF7E-4AB4-9279-86A4782F4983}"/>
               </a:ext>
             </a:extLst>
           </p:cNvPr>
@@ -43570,7 +43570,7 @@
           <p:cNvPr id="2" name="图片 1">
             <a:extLst>
               <a:ext uri="{FF2B5EF4-FFF2-40B4-BE49-F238E27FC236}">
-                <a16:creationId xmlns="" xmlns:a16="http://schemas.microsoft.com/office/drawing/2014/main" id="{B1C6DB09-A408-4502-BFA6-90542E7F80A9}"/>
+                <a16:creationId xmlns:a16="http://schemas.microsoft.com/office/drawing/2014/main" xmlns="" id="{B1C6DB09-A408-4502-BFA6-90542E7F80A9}"/>
               </a:ext>
             </a:extLst>
           </p:cNvPr>
@@ -43606,7 +43606,7 @@
           <p:cNvPr id="3" name="图片 2">
             <a:extLst>
               <a:ext uri="{FF2B5EF4-FFF2-40B4-BE49-F238E27FC236}">
-                <a16:creationId xmlns="" xmlns:a16="http://schemas.microsoft.com/office/drawing/2014/main" id="{98B13D0C-3D6D-4A7C-81C2-971C2DE1C35F}"/>
+                <a16:creationId xmlns:a16="http://schemas.microsoft.com/office/drawing/2014/main" xmlns="" id="{98B13D0C-3D6D-4A7C-81C2-971C2DE1C35F}"/>
               </a:ext>
             </a:extLst>
           </p:cNvPr>
@@ -43642,7 +43642,7 @@
           <p:cNvPr id="4" name="图文框 3">
             <a:extLst>
               <a:ext uri="{FF2B5EF4-FFF2-40B4-BE49-F238E27FC236}">
-                <a16:creationId xmlns="" xmlns:a16="http://schemas.microsoft.com/office/drawing/2014/main" id="{439EF00C-294A-4DB2-9D2A-D6104D65FB8E}"/>
+                <a16:creationId xmlns:a16="http://schemas.microsoft.com/office/drawing/2014/main" xmlns="" id="{439EF00C-294A-4DB2-9D2A-D6104D65FB8E}"/>
               </a:ext>
             </a:extLst>
           </p:cNvPr>
@@ -43707,7 +43707,7 @@
           <p:cNvPr id="6" name="矩形 5">
             <a:extLst>
               <a:ext uri="{FF2B5EF4-FFF2-40B4-BE49-F238E27FC236}">
-                <a16:creationId xmlns="" xmlns:a16="http://schemas.microsoft.com/office/drawing/2014/main" id="{334628C9-EB0D-4D06-AF24-5A038FFC63D7}"/>
+                <a16:creationId xmlns:a16="http://schemas.microsoft.com/office/drawing/2014/main" xmlns="" id="{334628C9-EB0D-4D06-AF24-5A038FFC63D7}"/>
               </a:ext>
             </a:extLst>
           </p:cNvPr>
@@ -43748,7 +43748,7 @@
           <p:cNvPr id="8" name="椭圆 7">
             <a:extLst>
               <a:ext uri="{FF2B5EF4-FFF2-40B4-BE49-F238E27FC236}">
-                <a16:creationId xmlns="" xmlns:a16="http://schemas.microsoft.com/office/drawing/2014/main" id="{2D31EAC6-5633-42BD-A780-E7BE0D0484C9}"/>
+                <a16:creationId xmlns:a16="http://schemas.microsoft.com/office/drawing/2014/main" xmlns="" id="{2D31EAC6-5633-42BD-A780-E7BE0D0484C9}"/>
               </a:ext>
             </a:extLst>
           </p:cNvPr>
@@ -43803,7 +43803,7 @@
           <p:cNvPr id="9" name="文本框 8">
             <a:extLst>
               <a:ext uri="{FF2B5EF4-FFF2-40B4-BE49-F238E27FC236}">
-                <a16:creationId xmlns="" xmlns:a16="http://schemas.microsoft.com/office/drawing/2014/main" id="{B9EAD814-92A6-4346-BB5C-547799D7BDEA}"/>
+                <a16:creationId xmlns:a16="http://schemas.microsoft.com/office/drawing/2014/main" xmlns="" id="{B9EAD814-92A6-4346-BB5C-547799D7BDEA}"/>
               </a:ext>
             </a:extLst>
           </p:cNvPr>
@@ -43851,7 +43851,7 @@
           <p:cNvPr id="10" name="Shape 1458">
             <a:extLst>
               <a:ext uri="{FF2B5EF4-FFF2-40B4-BE49-F238E27FC236}">
-                <a16:creationId xmlns="" xmlns:a16="http://schemas.microsoft.com/office/drawing/2014/main" id="{C9C5B09E-BF7E-4AB4-9279-86A4782F4983}"/>
+                <a16:creationId xmlns:a16="http://schemas.microsoft.com/office/drawing/2014/main" xmlns="" id="{C9C5B09E-BF7E-4AB4-9279-86A4782F4983}"/>
               </a:ext>
             </a:extLst>
           </p:cNvPr>
@@ -44446,13 +44446,13 @@
           <p:nvPr>
             <p:extLst>
               <p:ext uri="{D42A27DB-BD31-4B8C-83A1-F6EECF244321}">
-                <p14:modId xmlns:p14="http://schemas.microsoft.com/office/powerpoint/2010/main" val="737123439"/>
+                <p14:modId xmlns:p14="http://schemas.microsoft.com/office/powerpoint/2010/main" val="2010360366"/>
               </p:ext>
             </p:extLst>
           </p:nvPr>
         </p:nvGraphicFramePr>
         <p:xfrm>
-          <a:off x="1609624" y="1389528"/>
+          <a:off x="1519977" y="1339803"/>
           <a:ext cx="9013552" cy="4970522"/>
         </p:xfrm>
         <a:graphic>
@@ -45088,7 +45088,7 @@
           <p:cNvPr id="2" name="组合 1">
             <a:extLst>
               <a:ext uri="{FF2B5EF4-FFF2-40B4-BE49-F238E27FC236}">
-                <a16:creationId xmlns="" xmlns:a16="http://schemas.microsoft.com/office/drawing/2014/main" id="{386E4078-B000-470C-8488-9AE4B883E6B0}"/>
+                <a16:creationId xmlns:a16="http://schemas.microsoft.com/office/drawing/2014/main" xmlns="" id="{386E4078-B000-470C-8488-9AE4B883E6B0}"/>
               </a:ext>
             </a:extLst>
           </p:cNvPr>
@@ -45108,7 +45108,7 @@
             <p:cNvPr id="12" name="图片 11">
               <a:extLst>
                 <a:ext uri="{FF2B5EF4-FFF2-40B4-BE49-F238E27FC236}">
-                  <a16:creationId xmlns="" xmlns:a16="http://schemas.microsoft.com/office/drawing/2014/main" id="{1CEB3D0B-3BB0-4048-AFBA-FAA004865132}"/>
+                  <a16:creationId xmlns:a16="http://schemas.microsoft.com/office/drawing/2014/main" xmlns="" id="{1CEB3D0B-3BB0-4048-AFBA-FAA004865132}"/>
                 </a:ext>
               </a:extLst>
             </p:cNvPr>
@@ -45144,7 +45144,7 @@
             <p:cNvPr id="4" name="图文框 3">
               <a:extLst>
                 <a:ext uri="{FF2B5EF4-FFF2-40B4-BE49-F238E27FC236}">
-                  <a16:creationId xmlns="" xmlns:a16="http://schemas.microsoft.com/office/drawing/2014/main" id="{B3D3FBCC-1DBC-4AD3-BD22-E2A849DA6970}"/>
+                  <a16:creationId xmlns:a16="http://schemas.microsoft.com/office/drawing/2014/main" xmlns="" id="{B3D3FBCC-1DBC-4AD3-BD22-E2A849DA6970}"/>
                 </a:ext>
               </a:extLst>
             </p:cNvPr>
@@ -45209,7 +45209,7 @@
             <p:cNvPr id="13" name="文本框 12">
               <a:extLst>
                 <a:ext uri="{FF2B5EF4-FFF2-40B4-BE49-F238E27FC236}">
-                  <a16:creationId xmlns="" xmlns:a16="http://schemas.microsoft.com/office/drawing/2014/main" id="{DDD306D5-6972-42D8-AB45-FBC6F1006BAD}"/>
+                  <a16:creationId xmlns:a16="http://schemas.microsoft.com/office/drawing/2014/main" xmlns="" id="{DDD306D5-6972-42D8-AB45-FBC6F1006BAD}"/>
                 </a:ext>
               </a:extLst>
             </p:cNvPr>
@@ -45258,7 +45258,7 @@
           <p:cNvPr id="16" name="文本框 15">
             <a:extLst>
               <a:ext uri="{FF2B5EF4-FFF2-40B4-BE49-F238E27FC236}">
-                <a16:creationId xmlns="" xmlns:a16="http://schemas.microsoft.com/office/drawing/2014/main" id="{BA745D5C-F858-48FC-B079-3255485275C4}"/>
+                <a16:creationId xmlns:a16="http://schemas.microsoft.com/office/drawing/2014/main" xmlns="" id="{BA745D5C-F858-48FC-B079-3255485275C4}"/>
               </a:ext>
             </a:extLst>
           </p:cNvPr>
@@ -45604,7 +45604,7 @@
           <p:cNvPr id="2" name="图片 1">
             <a:extLst>
               <a:ext uri="{FF2B5EF4-FFF2-40B4-BE49-F238E27FC236}">
-                <a16:creationId xmlns="" xmlns:a16="http://schemas.microsoft.com/office/drawing/2014/main" id="{B1C6DB09-A408-4502-BFA6-90542E7F80A9}"/>
+                <a16:creationId xmlns:a16="http://schemas.microsoft.com/office/drawing/2014/main" xmlns="" id="{B1C6DB09-A408-4502-BFA6-90542E7F80A9}"/>
               </a:ext>
             </a:extLst>
           </p:cNvPr>
@@ -45640,7 +45640,7 @@
           <p:cNvPr id="3" name="图片 2">
             <a:extLst>
               <a:ext uri="{FF2B5EF4-FFF2-40B4-BE49-F238E27FC236}">
-                <a16:creationId xmlns="" xmlns:a16="http://schemas.microsoft.com/office/drawing/2014/main" id="{98B13D0C-3D6D-4A7C-81C2-971C2DE1C35F}"/>
+                <a16:creationId xmlns:a16="http://schemas.microsoft.com/office/drawing/2014/main" xmlns="" id="{98B13D0C-3D6D-4A7C-81C2-971C2DE1C35F}"/>
               </a:ext>
             </a:extLst>
           </p:cNvPr>
@@ -45676,7 +45676,7 @@
           <p:cNvPr id="4" name="图文框 3">
             <a:extLst>
               <a:ext uri="{FF2B5EF4-FFF2-40B4-BE49-F238E27FC236}">
-                <a16:creationId xmlns="" xmlns:a16="http://schemas.microsoft.com/office/drawing/2014/main" id="{439EF00C-294A-4DB2-9D2A-D6104D65FB8E}"/>
+                <a16:creationId xmlns:a16="http://schemas.microsoft.com/office/drawing/2014/main" xmlns="" id="{439EF00C-294A-4DB2-9D2A-D6104D65FB8E}"/>
               </a:ext>
             </a:extLst>
           </p:cNvPr>
@@ -45741,7 +45741,7 @@
           <p:cNvPr id="6" name="矩形 5">
             <a:extLst>
               <a:ext uri="{FF2B5EF4-FFF2-40B4-BE49-F238E27FC236}">
-                <a16:creationId xmlns="" xmlns:a16="http://schemas.microsoft.com/office/drawing/2014/main" id="{334628C9-EB0D-4D06-AF24-5A038FFC63D7}"/>
+                <a16:creationId xmlns:a16="http://schemas.microsoft.com/office/drawing/2014/main" xmlns="" id="{334628C9-EB0D-4D06-AF24-5A038FFC63D7}"/>
               </a:ext>
             </a:extLst>
           </p:cNvPr>
@@ -45782,7 +45782,7 @@
           <p:cNvPr id="8" name="椭圆 7">
             <a:extLst>
               <a:ext uri="{FF2B5EF4-FFF2-40B4-BE49-F238E27FC236}">
-                <a16:creationId xmlns="" xmlns:a16="http://schemas.microsoft.com/office/drawing/2014/main" id="{2D31EAC6-5633-42BD-A780-E7BE0D0484C9}"/>
+                <a16:creationId xmlns:a16="http://schemas.microsoft.com/office/drawing/2014/main" xmlns="" id="{2D31EAC6-5633-42BD-A780-E7BE0D0484C9}"/>
               </a:ext>
             </a:extLst>
           </p:cNvPr>
@@ -45837,7 +45837,7 @@
           <p:cNvPr id="9" name="文本框 8">
             <a:extLst>
               <a:ext uri="{FF2B5EF4-FFF2-40B4-BE49-F238E27FC236}">
-                <a16:creationId xmlns="" xmlns:a16="http://schemas.microsoft.com/office/drawing/2014/main" id="{B9EAD814-92A6-4346-BB5C-547799D7BDEA}"/>
+                <a16:creationId xmlns:a16="http://schemas.microsoft.com/office/drawing/2014/main" xmlns="" id="{B9EAD814-92A6-4346-BB5C-547799D7BDEA}"/>
               </a:ext>
             </a:extLst>
           </p:cNvPr>
@@ -45885,7 +45885,7 @@
           <p:cNvPr id="10" name="Shape 1458">
             <a:extLst>
               <a:ext uri="{FF2B5EF4-FFF2-40B4-BE49-F238E27FC236}">
-                <a16:creationId xmlns="" xmlns:a16="http://schemas.microsoft.com/office/drawing/2014/main" id="{C9C5B09E-BF7E-4AB4-9279-86A4782F4983}"/>
+                <a16:creationId xmlns:a16="http://schemas.microsoft.com/office/drawing/2014/main" xmlns="" id="{C9C5B09E-BF7E-4AB4-9279-86A4782F4983}"/>
               </a:ext>
             </a:extLst>
           </p:cNvPr>
@@ -47027,7 +47027,7 @@
           <p:cNvPr id="2" name="图片 1">
             <a:extLst>
               <a:ext uri="{FF2B5EF4-FFF2-40B4-BE49-F238E27FC236}">
-                <a16:creationId xmlns="" xmlns:a16="http://schemas.microsoft.com/office/drawing/2014/main" id="{B1C6DB09-A408-4502-BFA6-90542E7F80A9}"/>
+                <a16:creationId xmlns:a16="http://schemas.microsoft.com/office/drawing/2014/main" xmlns="" id="{B1C6DB09-A408-4502-BFA6-90542E7F80A9}"/>
               </a:ext>
             </a:extLst>
           </p:cNvPr>
@@ -47063,7 +47063,7 @@
           <p:cNvPr id="3" name="图片 2">
             <a:extLst>
               <a:ext uri="{FF2B5EF4-FFF2-40B4-BE49-F238E27FC236}">
-                <a16:creationId xmlns="" xmlns:a16="http://schemas.microsoft.com/office/drawing/2014/main" id="{98B13D0C-3D6D-4A7C-81C2-971C2DE1C35F}"/>
+                <a16:creationId xmlns:a16="http://schemas.microsoft.com/office/drawing/2014/main" xmlns="" id="{98B13D0C-3D6D-4A7C-81C2-971C2DE1C35F}"/>
               </a:ext>
             </a:extLst>
           </p:cNvPr>
@@ -47099,7 +47099,7 @@
           <p:cNvPr id="4" name="图文框 3">
             <a:extLst>
               <a:ext uri="{FF2B5EF4-FFF2-40B4-BE49-F238E27FC236}">
-                <a16:creationId xmlns="" xmlns:a16="http://schemas.microsoft.com/office/drawing/2014/main" id="{439EF00C-294A-4DB2-9D2A-D6104D65FB8E}"/>
+                <a16:creationId xmlns:a16="http://schemas.microsoft.com/office/drawing/2014/main" xmlns="" id="{439EF00C-294A-4DB2-9D2A-D6104D65FB8E}"/>
               </a:ext>
             </a:extLst>
           </p:cNvPr>
@@ -47164,7 +47164,7 @@
           <p:cNvPr id="6" name="矩形 5">
             <a:extLst>
               <a:ext uri="{FF2B5EF4-FFF2-40B4-BE49-F238E27FC236}">
-                <a16:creationId xmlns="" xmlns:a16="http://schemas.microsoft.com/office/drawing/2014/main" id="{334628C9-EB0D-4D06-AF24-5A038FFC63D7}"/>
+                <a16:creationId xmlns:a16="http://schemas.microsoft.com/office/drawing/2014/main" xmlns="" id="{334628C9-EB0D-4D06-AF24-5A038FFC63D7}"/>
               </a:ext>
             </a:extLst>
           </p:cNvPr>
@@ -47205,7 +47205,7 @@
           <p:cNvPr id="8" name="椭圆 7">
             <a:extLst>
               <a:ext uri="{FF2B5EF4-FFF2-40B4-BE49-F238E27FC236}">
-                <a16:creationId xmlns="" xmlns:a16="http://schemas.microsoft.com/office/drawing/2014/main" id="{2D31EAC6-5633-42BD-A780-E7BE0D0484C9}"/>
+                <a16:creationId xmlns:a16="http://schemas.microsoft.com/office/drawing/2014/main" xmlns="" id="{2D31EAC6-5633-42BD-A780-E7BE0D0484C9}"/>
               </a:ext>
             </a:extLst>
           </p:cNvPr>
@@ -47260,7 +47260,7 @@
           <p:cNvPr id="9" name="文本框 8">
             <a:extLst>
               <a:ext uri="{FF2B5EF4-FFF2-40B4-BE49-F238E27FC236}">
-                <a16:creationId xmlns="" xmlns:a16="http://schemas.microsoft.com/office/drawing/2014/main" id="{B9EAD814-92A6-4346-BB5C-547799D7BDEA}"/>
+                <a16:creationId xmlns:a16="http://schemas.microsoft.com/office/drawing/2014/main" xmlns="" id="{B9EAD814-92A6-4346-BB5C-547799D7BDEA}"/>
               </a:ext>
             </a:extLst>
           </p:cNvPr>
@@ -47308,7 +47308,7 @@
           <p:cNvPr id="10" name="Shape 1458">
             <a:extLst>
               <a:ext uri="{FF2B5EF4-FFF2-40B4-BE49-F238E27FC236}">
-                <a16:creationId xmlns="" xmlns:a16="http://schemas.microsoft.com/office/drawing/2014/main" id="{C9C5B09E-BF7E-4AB4-9279-86A4782F4983}"/>
+                <a16:creationId xmlns:a16="http://schemas.microsoft.com/office/drawing/2014/main" xmlns="" id="{C9C5B09E-BF7E-4AB4-9279-86A4782F4983}"/>
               </a:ext>
             </a:extLst>
           </p:cNvPr>
@@ -48518,7 +48518,7 @@
           <p:cNvPr id="4" name="图片 3">
             <a:extLst>
               <a:ext uri="{FF2B5EF4-FFF2-40B4-BE49-F238E27FC236}">
-                <a16:creationId xmlns="" xmlns:a16="http://schemas.microsoft.com/office/drawing/2014/main" id="{F6BD30CD-C85B-4E8E-BA87-9219DC71080A}"/>
+                <a16:creationId xmlns:a16="http://schemas.microsoft.com/office/drawing/2014/main" xmlns="" id="{F6BD30CD-C85B-4E8E-BA87-9219DC71080A}"/>
               </a:ext>
             </a:extLst>
           </p:cNvPr>
@@ -48554,7 +48554,7 @@
           <p:cNvPr id="5" name="图文框 4">
             <a:extLst>
               <a:ext uri="{FF2B5EF4-FFF2-40B4-BE49-F238E27FC236}">
-                <a16:creationId xmlns="" xmlns:a16="http://schemas.microsoft.com/office/drawing/2014/main" id="{C1E69EDA-1A91-47D4-902B-FDCFDE372E9E}"/>
+                <a16:creationId xmlns:a16="http://schemas.microsoft.com/office/drawing/2014/main" xmlns="" id="{C1E69EDA-1A91-47D4-902B-FDCFDE372E9E}"/>
               </a:ext>
             </a:extLst>
           </p:cNvPr>
@@ -48619,7 +48619,7 @@
           <p:cNvPr id="7" name="PA_文本框 2">
             <a:extLst>
               <a:ext uri="{FF2B5EF4-FFF2-40B4-BE49-F238E27FC236}">
-                <a16:creationId xmlns="" xmlns:a16="http://schemas.microsoft.com/office/drawing/2014/main" id="{0C139A84-5CD3-4084-A1F5-7236D3B6EF05}"/>
+                <a16:creationId xmlns:a16="http://schemas.microsoft.com/office/drawing/2014/main" xmlns="" id="{0C139A84-5CD3-4084-A1F5-7236D3B6EF05}"/>
               </a:ext>
             </a:extLst>
           </p:cNvPr>
@@ -48676,7 +48676,7 @@
           <p:cNvPr id="8" name="PA_文本框 4">
             <a:extLst>
               <a:ext uri="{FF2B5EF4-FFF2-40B4-BE49-F238E27FC236}">
-                <a16:creationId xmlns="" xmlns:a16="http://schemas.microsoft.com/office/drawing/2014/main" id="{2AEAE6AB-0A93-4916-80A7-FE810796440C}"/>
+                <a16:creationId xmlns:a16="http://schemas.microsoft.com/office/drawing/2014/main" xmlns="" id="{2AEAE6AB-0A93-4916-80A7-FE810796440C}"/>
               </a:ext>
             </a:extLst>
           </p:cNvPr>
@@ -48724,7 +48724,7 @@
           <p:cNvPr id="9" name="文本框 8">
             <a:extLst>
               <a:ext uri="{FF2B5EF4-FFF2-40B4-BE49-F238E27FC236}">
-                <a16:creationId xmlns="" xmlns:a16="http://schemas.microsoft.com/office/drawing/2014/main" id="{B62953D1-2804-4693-AAE3-471C2723B8D3}"/>
+                <a16:creationId xmlns:a16="http://schemas.microsoft.com/office/drawing/2014/main" xmlns="" id="{B62953D1-2804-4693-AAE3-471C2723B8D3}"/>
               </a:ext>
             </a:extLst>
           </p:cNvPr>
@@ -48837,7 +48837,7 @@
           <p:cNvPr id="10" name="矩形 9">
             <a:extLst>
               <a:ext uri="{FF2B5EF4-FFF2-40B4-BE49-F238E27FC236}">
-                <a16:creationId xmlns="" xmlns:a16="http://schemas.microsoft.com/office/drawing/2014/main" id="{44FBA825-123C-46A3-A697-8A41A227D10E}"/>
+                <a16:creationId xmlns:a16="http://schemas.microsoft.com/office/drawing/2014/main" xmlns="" id="{44FBA825-123C-46A3-A697-8A41A227D10E}"/>
               </a:ext>
             </a:extLst>
           </p:cNvPr>
@@ -49606,7 +49606,7 @@
           <p:cNvPr id="2" name="图片 1">
             <a:extLst>
               <a:ext uri="{FF2B5EF4-FFF2-40B4-BE49-F238E27FC236}">
-                <a16:creationId xmlns="" xmlns:a16="http://schemas.microsoft.com/office/drawing/2014/main" id="{B1C6DB09-A408-4502-BFA6-90542E7F80A9}"/>
+                <a16:creationId xmlns:a16="http://schemas.microsoft.com/office/drawing/2014/main" xmlns="" id="{B1C6DB09-A408-4502-BFA6-90542E7F80A9}"/>
               </a:ext>
             </a:extLst>
           </p:cNvPr>
@@ -49642,7 +49642,7 @@
           <p:cNvPr id="3" name="图片 2">
             <a:extLst>
               <a:ext uri="{FF2B5EF4-FFF2-40B4-BE49-F238E27FC236}">
-                <a16:creationId xmlns="" xmlns:a16="http://schemas.microsoft.com/office/drawing/2014/main" id="{98B13D0C-3D6D-4A7C-81C2-971C2DE1C35F}"/>
+                <a16:creationId xmlns:a16="http://schemas.microsoft.com/office/drawing/2014/main" xmlns="" id="{98B13D0C-3D6D-4A7C-81C2-971C2DE1C35F}"/>
               </a:ext>
             </a:extLst>
           </p:cNvPr>
@@ -49678,7 +49678,7 @@
           <p:cNvPr id="4" name="图文框 3">
             <a:extLst>
               <a:ext uri="{FF2B5EF4-FFF2-40B4-BE49-F238E27FC236}">
-                <a16:creationId xmlns="" xmlns:a16="http://schemas.microsoft.com/office/drawing/2014/main" id="{439EF00C-294A-4DB2-9D2A-D6104D65FB8E}"/>
+                <a16:creationId xmlns:a16="http://schemas.microsoft.com/office/drawing/2014/main" xmlns="" id="{439EF00C-294A-4DB2-9D2A-D6104D65FB8E}"/>
               </a:ext>
             </a:extLst>
           </p:cNvPr>
@@ -49743,7 +49743,7 @@
           <p:cNvPr id="6" name="矩形 5">
             <a:extLst>
               <a:ext uri="{FF2B5EF4-FFF2-40B4-BE49-F238E27FC236}">
-                <a16:creationId xmlns="" xmlns:a16="http://schemas.microsoft.com/office/drawing/2014/main" id="{334628C9-EB0D-4D06-AF24-5A038FFC63D7}"/>
+                <a16:creationId xmlns:a16="http://schemas.microsoft.com/office/drawing/2014/main" xmlns="" id="{334628C9-EB0D-4D06-AF24-5A038FFC63D7}"/>
               </a:ext>
             </a:extLst>
           </p:cNvPr>
@@ -49829,7 +49829,7 @@
           <p:cNvPr id="8" name="椭圆 7">
             <a:extLst>
               <a:ext uri="{FF2B5EF4-FFF2-40B4-BE49-F238E27FC236}">
-                <a16:creationId xmlns="" xmlns:a16="http://schemas.microsoft.com/office/drawing/2014/main" id="{2D31EAC6-5633-42BD-A780-E7BE0D0484C9}"/>
+                <a16:creationId xmlns:a16="http://schemas.microsoft.com/office/drawing/2014/main" xmlns="" id="{2D31EAC6-5633-42BD-A780-E7BE0D0484C9}"/>
               </a:ext>
             </a:extLst>
           </p:cNvPr>
@@ -49884,7 +49884,7 @@
           <p:cNvPr id="9" name="文本框 8">
             <a:extLst>
               <a:ext uri="{FF2B5EF4-FFF2-40B4-BE49-F238E27FC236}">
-                <a16:creationId xmlns="" xmlns:a16="http://schemas.microsoft.com/office/drawing/2014/main" id="{B9EAD814-92A6-4346-BB5C-547799D7BDEA}"/>
+                <a16:creationId xmlns:a16="http://schemas.microsoft.com/office/drawing/2014/main" xmlns="" id="{B9EAD814-92A6-4346-BB5C-547799D7BDEA}"/>
               </a:ext>
             </a:extLst>
           </p:cNvPr>
@@ -49932,7 +49932,7 @@
           <p:cNvPr id="40" name="矩形 39">
             <a:extLst>
               <a:ext uri="{FF2B5EF4-FFF2-40B4-BE49-F238E27FC236}">
-                <a16:creationId xmlns="" xmlns:a16="http://schemas.microsoft.com/office/drawing/2014/main" id="{B582AF10-FE51-4509-AB23-86E9A9D75562}"/>
+                <a16:creationId xmlns:a16="http://schemas.microsoft.com/office/drawing/2014/main" xmlns="" id="{B582AF10-FE51-4509-AB23-86E9A9D75562}"/>
               </a:ext>
             </a:extLst>
           </p:cNvPr>
@@ -50057,7 +50057,7 @@
           <p:cNvPr id="11" name="Shape 1458">
             <a:extLst>
               <a:ext uri="{FF2B5EF4-FFF2-40B4-BE49-F238E27FC236}">
-                <a16:creationId xmlns="" xmlns:a16="http://schemas.microsoft.com/office/drawing/2014/main" id="{C9C5B09E-BF7E-4AB4-9279-86A4782F4983}"/>
+                <a16:creationId xmlns:a16="http://schemas.microsoft.com/office/drawing/2014/main" xmlns="" id="{C9C5B09E-BF7E-4AB4-9279-86A4782F4983}"/>
               </a:ext>
             </a:extLst>
           </p:cNvPr>
@@ -50276,7 +50276,7 @@
           <p:cNvPr id="2" name="组合 1">
             <a:extLst>
               <a:ext uri="{FF2B5EF4-FFF2-40B4-BE49-F238E27FC236}">
-                <a16:creationId xmlns="" xmlns:a16="http://schemas.microsoft.com/office/drawing/2014/main" id="{386E4078-B000-470C-8488-9AE4B883E6B0}"/>
+                <a16:creationId xmlns:a16="http://schemas.microsoft.com/office/drawing/2014/main" xmlns="" id="{386E4078-B000-470C-8488-9AE4B883E6B0}"/>
               </a:ext>
             </a:extLst>
           </p:cNvPr>
@@ -50296,7 +50296,7 @@
             <p:cNvPr id="12" name="图片 11">
               <a:extLst>
                 <a:ext uri="{FF2B5EF4-FFF2-40B4-BE49-F238E27FC236}">
-                  <a16:creationId xmlns="" xmlns:a16="http://schemas.microsoft.com/office/drawing/2014/main" id="{1CEB3D0B-3BB0-4048-AFBA-FAA004865132}"/>
+                  <a16:creationId xmlns:a16="http://schemas.microsoft.com/office/drawing/2014/main" xmlns="" id="{1CEB3D0B-3BB0-4048-AFBA-FAA004865132}"/>
                 </a:ext>
               </a:extLst>
             </p:cNvPr>
@@ -50332,7 +50332,7 @@
             <p:cNvPr id="4" name="图文框 3">
               <a:extLst>
                 <a:ext uri="{FF2B5EF4-FFF2-40B4-BE49-F238E27FC236}">
-                  <a16:creationId xmlns="" xmlns:a16="http://schemas.microsoft.com/office/drawing/2014/main" id="{B3D3FBCC-1DBC-4AD3-BD22-E2A849DA6970}"/>
+                  <a16:creationId xmlns:a16="http://schemas.microsoft.com/office/drawing/2014/main" xmlns="" id="{B3D3FBCC-1DBC-4AD3-BD22-E2A849DA6970}"/>
                 </a:ext>
               </a:extLst>
             </p:cNvPr>
@@ -50397,7 +50397,7 @@
             <p:cNvPr id="13" name="文本框 12">
               <a:extLst>
                 <a:ext uri="{FF2B5EF4-FFF2-40B4-BE49-F238E27FC236}">
-                  <a16:creationId xmlns="" xmlns:a16="http://schemas.microsoft.com/office/drawing/2014/main" id="{DDD306D5-6972-42D8-AB45-FBC6F1006BAD}"/>
+                  <a16:creationId xmlns:a16="http://schemas.microsoft.com/office/drawing/2014/main" xmlns="" id="{DDD306D5-6972-42D8-AB45-FBC6F1006BAD}"/>
                 </a:ext>
               </a:extLst>
             </p:cNvPr>
@@ -50446,7 +50446,7 @@
           <p:cNvPr id="14" name="组合 13">
             <a:extLst>
               <a:ext uri="{FF2B5EF4-FFF2-40B4-BE49-F238E27FC236}">
-                <a16:creationId xmlns="" xmlns:a16="http://schemas.microsoft.com/office/drawing/2014/main" id="{806EE9DE-80D7-490B-A802-3B2B74494200}"/>
+                <a16:creationId xmlns:a16="http://schemas.microsoft.com/office/drawing/2014/main" xmlns="" id="{806EE9DE-80D7-490B-A802-3B2B74494200}"/>
               </a:ext>
             </a:extLst>
           </p:cNvPr>
@@ -50466,7 +50466,7 @@
             <p:cNvPr id="15" name="矩形 14">
               <a:extLst>
                 <a:ext uri="{FF2B5EF4-FFF2-40B4-BE49-F238E27FC236}">
-                  <a16:creationId xmlns="" xmlns:a16="http://schemas.microsoft.com/office/drawing/2014/main" id="{24408D9D-9119-4C28-848A-A9EDF772D66F}"/>
+                  <a16:creationId xmlns:a16="http://schemas.microsoft.com/office/drawing/2014/main" xmlns="" id="{24408D9D-9119-4C28-848A-A9EDF772D66F}"/>
                 </a:ext>
               </a:extLst>
             </p:cNvPr>
@@ -50530,7 +50530,7 @@
             <p:cNvPr id="16" name="文本框 15">
               <a:extLst>
                 <a:ext uri="{FF2B5EF4-FFF2-40B4-BE49-F238E27FC236}">
-                  <a16:creationId xmlns="" xmlns:a16="http://schemas.microsoft.com/office/drawing/2014/main" id="{BA745D5C-F858-48FC-B079-3255485275C4}"/>
+                  <a16:creationId xmlns:a16="http://schemas.microsoft.com/office/drawing/2014/main" xmlns="" id="{BA745D5C-F858-48FC-B079-3255485275C4}"/>
                 </a:ext>
               </a:extLst>
             </p:cNvPr>
@@ -50821,7 +50821,7 @@
           <p:cNvPr id="2" name="图片 1">
             <a:extLst>
               <a:ext uri="{FF2B5EF4-FFF2-40B4-BE49-F238E27FC236}">
-                <a16:creationId xmlns="" xmlns:a16="http://schemas.microsoft.com/office/drawing/2014/main" id="{B1C6DB09-A408-4502-BFA6-90542E7F80A9}"/>
+                <a16:creationId xmlns:a16="http://schemas.microsoft.com/office/drawing/2014/main" xmlns="" id="{B1C6DB09-A408-4502-BFA6-90542E7F80A9}"/>
               </a:ext>
             </a:extLst>
           </p:cNvPr>
@@ -50857,7 +50857,7 @@
           <p:cNvPr id="3" name="图片 2">
             <a:extLst>
               <a:ext uri="{FF2B5EF4-FFF2-40B4-BE49-F238E27FC236}">
-                <a16:creationId xmlns="" xmlns:a16="http://schemas.microsoft.com/office/drawing/2014/main" id="{98B13D0C-3D6D-4A7C-81C2-971C2DE1C35F}"/>
+                <a16:creationId xmlns:a16="http://schemas.microsoft.com/office/drawing/2014/main" xmlns="" id="{98B13D0C-3D6D-4A7C-81C2-971C2DE1C35F}"/>
               </a:ext>
             </a:extLst>
           </p:cNvPr>
@@ -50893,7 +50893,7 @@
           <p:cNvPr id="4" name="图文框 3">
             <a:extLst>
               <a:ext uri="{FF2B5EF4-FFF2-40B4-BE49-F238E27FC236}">
-                <a16:creationId xmlns="" xmlns:a16="http://schemas.microsoft.com/office/drawing/2014/main" id="{439EF00C-294A-4DB2-9D2A-D6104D65FB8E}"/>
+                <a16:creationId xmlns:a16="http://schemas.microsoft.com/office/drawing/2014/main" xmlns="" id="{439EF00C-294A-4DB2-9D2A-D6104D65FB8E}"/>
               </a:ext>
             </a:extLst>
           </p:cNvPr>
@@ -50958,7 +50958,7 @@
           <p:cNvPr id="6" name="矩形 5">
             <a:extLst>
               <a:ext uri="{FF2B5EF4-FFF2-40B4-BE49-F238E27FC236}">
-                <a16:creationId xmlns="" xmlns:a16="http://schemas.microsoft.com/office/drawing/2014/main" id="{334628C9-EB0D-4D06-AF24-5A038FFC63D7}"/>
+                <a16:creationId xmlns:a16="http://schemas.microsoft.com/office/drawing/2014/main" xmlns="" id="{334628C9-EB0D-4D06-AF24-5A038FFC63D7}"/>
               </a:ext>
             </a:extLst>
           </p:cNvPr>
@@ -51044,7 +51044,7 @@
           <p:cNvPr id="8" name="椭圆 7">
             <a:extLst>
               <a:ext uri="{FF2B5EF4-FFF2-40B4-BE49-F238E27FC236}">
-                <a16:creationId xmlns="" xmlns:a16="http://schemas.microsoft.com/office/drawing/2014/main" id="{2D31EAC6-5633-42BD-A780-E7BE0D0484C9}"/>
+                <a16:creationId xmlns:a16="http://schemas.microsoft.com/office/drawing/2014/main" xmlns="" id="{2D31EAC6-5633-42BD-A780-E7BE0D0484C9}"/>
               </a:ext>
             </a:extLst>
           </p:cNvPr>
@@ -51099,7 +51099,7 @@
           <p:cNvPr id="9" name="文本框 8">
             <a:extLst>
               <a:ext uri="{FF2B5EF4-FFF2-40B4-BE49-F238E27FC236}">
-                <a16:creationId xmlns="" xmlns:a16="http://schemas.microsoft.com/office/drawing/2014/main" id="{B9EAD814-92A6-4346-BB5C-547799D7BDEA}"/>
+                <a16:creationId xmlns:a16="http://schemas.microsoft.com/office/drawing/2014/main" xmlns="" id="{B9EAD814-92A6-4346-BB5C-547799D7BDEA}"/>
               </a:ext>
             </a:extLst>
           </p:cNvPr>
@@ -51261,7 +51261,7 @@
           <p:cNvPr id="27" name="Shape 1458">
             <a:extLst>
               <a:ext uri="{FF2B5EF4-FFF2-40B4-BE49-F238E27FC236}">
-                <a16:creationId xmlns="" xmlns:a16="http://schemas.microsoft.com/office/drawing/2014/main" id="{C9C5B09E-BF7E-4AB4-9279-86A4782F4983}"/>
+                <a16:creationId xmlns:a16="http://schemas.microsoft.com/office/drawing/2014/main" xmlns="" id="{C9C5B09E-BF7E-4AB4-9279-86A4782F4983}"/>
               </a:ext>
             </a:extLst>
           </p:cNvPr>
@@ -51435,7 +51435,7 @@
           <p:cNvPr id="2" name="图片 1">
             <a:extLst>
               <a:ext uri="{FF2B5EF4-FFF2-40B4-BE49-F238E27FC236}">
-                <a16:creationId xmlns="" xmlns:a16="http://schemas.microsoft.com/office/drawing/2014/main" id="{B1C6DB09-A408-4502-BFA6-90542E7F80A9}"/>
+                <a16:creationId xmlns:a16="http://schemas.microsoft.com/office/drawing/2014/main" xmlns="" id="{B1C6DB09-A408-4502-BFA6-90542E7F80A9}"/>
               </a:ext>
             </a:extLst>
           </p:cNvPr>
@@ -51471,7 +51471,7 @@
           <p:cNvPr id="3" name="图片 2">
             <a:extLst>
               <a:ext uri="{FF2B5EF4-FFF2-40B4-BE49-F238E27FC236}">
-                <a16:creationId xmlns="" xmlns:a16="http://schemas.microsoft.com/office/drawing/2014/main" id="{98B13D0C-3D6D-4A7C-81C2-971C2DE1C35F}"/>
+                <a16:creationId xmlns:a16="http://schemas.microsoft.com/office/drawing/2014/main" xmlns="" id="{98B13D0C-3D6D-4A7C-81C2-971C2DE1C35F}"/>
               </a:ext>
             </a:extLst>
           </p:cNvPr>
@@ -51507,7 +51507,7 @@
           <p:cNvPr id="4" name="图文框 3">
             <a:extLst>
               <a:ext uri="{FF2B5EF4-FFF2-40B4-BE49-F238E27FC236}">
-                <a16:creationId xmlns="" xmlns:a16="http://schemas.microsoft.com/office/drawing/2014/main" id="{439EF00C-294A-4DB2-9D2A-D6104D65FB8E}"/>
+                <a16:creationId xmlns:a16="http://schemas.microsoft.com/office/drawing/2014/main" xmlns="" id="{439EF00C-294A-4DB2-9D2A-D6104D65FB8E}"/>
               </a:ext>
             </a:extLst>
           </p:cNvPr>
@@ -51572,7 +51572,7 @@
           <p:cNvPr id="6" name="矩形 5">
             <a:extLst>
               <a:ext uri="{FF2B5EF4-FFF2-40B4-BE49-F238E27FC236}">
-                <a16:creationId xmlns="" xmlns:a16="http://schemas.microsoft.com/office/drawing/2014/main" id="{334628C9-EB0D-4D06-AF24-5A038FFC63D7}"/>
+                <a16:creationId xmlns:a16="http://schemas.microsoft.com/office/drawing/2014/main" xmlns="" id="{334628C9-EB0D-4D06-AF24-5A038FFC63D7}"/>
               </a:ext>
             </a:extLst>
           </p:cNvPr>
@@ -51637,7 +51637,7 @@
           <p:cNvPr id="8" name="椭圆 7">
             <a:extLst>
               <a:ext uri="{FF2B5EF4-FFF2-40B4-BE49-F238E27FC236}">
-                <a16:creationId xmlns="" xmlns:a16="http://schemas.microsoft.com/office/drawing/2014/main" id="{2D31EAC6-5633-42BD-A780-E7BE0D0484C9}"/>
+                <a16:creationId xmlns:a16="http://schemas.microsoft.com/office/drawing/2014/main" xmlns="" id="{2D31EAC6-5633-42BD-A780-E7BE0D0484C9}"/>
               </a:ext>
             </a:extLst>
           </p:cNvPr>
@@ -51692,7 +51692,7 @@
           <p:cNvPr id="9" name="文本框 8">
             <a:extLst>
               <a:ext uri="{FF2B5EF4-FFF2-40B4-BE49-F238E27FC236}">
-                <a16:creationId xmlns="" xmlns:a16="http://schemas.microsoft.com/office/drawing/2014/main" id="{B9EAD814-92A6-4346-BB5C-547799D7BDEA}"/>
+                <a16:creationId xmlns:a16="http://schemas.microsoft.com/office/drawing/2014/main" xmlns="" id="{B9EAD814-92A6-4346-BB5C-547799D7BDEA}"/>
               </a:ext>
             </a:extLst>
           </p:cNvPr>
@@ -51892,7 +51892,7 @@
           <p:cNvPr id="10" name="Shape 1458">
             <a:extLst>
               <a:ext uri="{FF2B5EF4-FFF2-40B4-BE49-F238E27FC236}">
-                <a16:creationId xmlns="" xmlns:a16="http://schemas.microsoft.com/office/drawing/2014/main" id="{C9C5B09E-BF7E-4AB4-9279-86A4782F4983}"/>
+                <a16:creationId xmlns:a16="http://schemas.microsoft.com/office/drawing/2014/main" xmlns="" id="{C9C5B09E-BF7E-4AB4-9279-86A4782F4983}"/>
               </a:ext>
             </a:extLst>
           </p:cNvPr>
@@ -52066,7 +52066,7 @@
           <p:cNvPr id="2" name="图片 1">
             <a:extLst>
               <a:ext uri="{FF2B5EF4-FFF2-40B4-BE49-F238E27FC236}">
-                <a16:creationId xmlns="" xmlns:a16="http://schemas.microsoft.com/office/drawing/2014/main" id="{B1C6DB09-A408-4502-BFA6-90542E7F80A9}"/>
+                <a16:creationId xmlns:a16="http://schemas.microsoft.com/office/drawing/2014/main" xmlns="" id="{B1C6DB09-A408-4502-BFA6-90542E7F80A9}"/>
               </a:ext>
             </a:extLst>
           </p:cNvPr>
@@ -52102,7 +52102,7 @@
           <p:cNvPr id="3" name="图片 2">
             <a:extLst>
               <a:ext uri="{FF2B5EF4-FFF2-40B4-BE49-F238E27FC236}">
-                <a16:creationId xmlns="" xmlns:a16="http://schemas.microsoft.com/office/drawing/2014/main" id="{98B13D0C-3D6D-4A7C-81C2-971C2DE1C35F}"/>
+                <a16:creationId xmlns:a16="http://schemas.microsoft.com/office/drawing/2014/main" xmlns="" id="{98B13D0C-3D6D-4A7C-81C2-971C2DE1C35F}"/>
               </a:ext>
             </a:extLst>
           </p:cNvPr>
@@ -52138,7 +52138,7 @@
           <p:cNvPr id="4" name="图文框 3">
             <a:extLst>
               <a:ext uri="{FF2B5EF4-FFF2-40B4-BE49-F238E27FC236}">
-                <a16:creationId xmlns="" xmlns:a16="http://schemas.microsoft.com/office/drawing/2014/main" id="{439EF00C-294A-4DB2-9D2A-D6104D65FB8E}"/>
+                <a16:creationId xmlns:a16="http://schemas.microsoft.com/office/drawing/2014/main" xmlns="" id="{439EF00C-294A-4DB2-9D2A-D6104D65FB8E}"/>
               </a:ext>
             </a:extLst>
           </p:cNvPr>
@@ -52203,7 +52203,7 @@
           <p:cNvPr id="6" name="矩形 5">
             <a:extLst>
               <a:ext uri="{FF2B5EF4-FFF2-40B4-BE49-F238E27FC236}">
-                <a16:creationId xmlns="" xmlns:a16="http://schemas.microsoft.com/office/drawing/2014/main" id="{334628C9-EB0D-4D06-AF24-5A038FFC63D7}"/>
+                <a16:creationId xmlns:a16="http://schemas.microsoft.com/office/drawing/2014/main" xmlns="" id="{334628C9-EB0D-4D06-AF24-5A038FFC63D7}"/>
               </a:ext>
             </a:extLst>
           </p:cNvPr>
@@ -52243,7 +52243,7 @@
           <p:cNvPr id="8" name="椭圆 7">
             <a:extLst>
               <a:ext uri="{FF2B5EF4-FFF2-40B4-BE49-F238E27FC236}">
-                <a16:creationId xmlns="" xmlns:a16="http://schemas.microsoft.com/office/drawing/2014/main" id="{2D31EAC6-5633-42BD-A780-E7BE0D0484C9}"/>
+                <a16:creationId xmlns:a16="http://schemas.microsoft.com/office/drawing/2014/main" xmlns="" id="{2D31EAC6-5633-42BD-A780-E7BE0D0484C9}"/>
               </a:ext>
             </a:extLst>
           </p:cNvPr>
@@ -52298,7 +52298,7 @@
           <p:cNvPr id="9" name="文本框 8">
             <a:extLst>
               <a:ext uri="{FF2B5EF4-FFF2-40B4-BE49-F238E27FC236}">
-                <a16:creationId xmlns="" xmlns:a16="http://schemas.microsoft.com/office/drawing/2014/main" id="{B9EAD814-92A6-4346-BB5C-547799D7BDEA}"/>
+                <a16:creationId xmlns:a16="http://schemas.microsoft.com/office/drawing/2014/main" xmlns="" id="{B9EAD814-92A6-4346-BB5C-547799D7BDEA}"/>
               </a:ext>
             </a:extLst>
           </p:cNvPr>
@@ -52487,7 +52487,7 @@
           <p:cNvPr id="10" name="Shape 1458">
             <a:extLst>
               <a:ext uri="{FF2B5EF4-FFF2-40B4-BE49-F238E27FC236}">
-                <a16:creationId xmlns="" xmlns:a16="http://schemas.microsoft.com/office/drawing/2014/main" id="{C9C5B09E-BF7E-4AB4-9279-86A4782F4983}"/>
+                <a16:creationId xmlns:a16="http://schemas.microsoft.com/office/drawing/2014/main" xmlns="" id="{C9C5B09E-BF7E-4AB4-9279-86A4782F4983}"/>
               </a:ext>
             </a:extLst>
           </p:cNvPr>
@@ -52978,7 +52978,7 @@
   <a:extraClrSchemeLst/>
   <a:extLst>
     <a:ext uri="{05A4C25C-085E-4340-85A3-A5531E510DB2}">
-      <thm15:themeFamily xmlns="" xmlns:thm15="http://schemas.microsoft.com/office/thememl/2012/main" name="Office Theme" id="{62F939B6-93AF-4DB8-9C6B-D6C7DFDC589F}" vid="{4A3C46E8-61CC-4603-A589-7422A47A8E4A}"/>
+      <thm15:themeFamily xmlns:thm15="http://schemas.microsoft.com/office/thememl/2012/main" xmlns="" name="Office Theme" id="{62F939B6-93AF-4DB8-9C6B-D6C7DFDC589F}" vid="{4A3C46E8-61CC-4603-A589-7422A47A8E4A}"/>
     </a:ext>
   </a:extLst>
 </a:theme>
@@ -53273,7 +53273,7 @@
   <a:extraClrSchemeLst/>
   <a:extLst>
     <a:ext uri="{05A4C25C-085E-4340-85A3-A5531E510DB2}">
-      <thm15:themeFamily xmlns="" xmlns:thm15="http://schemas.microsoft.com/office/thememl/2012/main" name="Office Theme" id="{62F939B6-93AF-4DB8-9C6B-D6C7DFDC589F}" vid="{4A3C46E8-61CC-4603-A589-7422A47A8E4A}"/>
+      <thm15:themeFamily xmlns:thm15="http://schemas.microsoft.com/office/thememl/2012/main" xmlns="" name="Office Theme" id="{62F939B6-93AF-4DB8-9C6B-D6C7DFDC589F}" vid="{4A3C46E8-61CC-4603-A589-7422A47A8E4A}"/>
     </a:ext>
   </a:extLst>
 </a:theme>
